--- a/Courses/Software-Sciences/Module-2-DS-and-Algo/14-Sorting-and-Searching-Algorithms/14-Sorting-and-Searching-Algorithms.pptx
+++ b/Courses/Software-Sciences/Module-2-DS-and-Algo/14-Sorting-and-Searching-Algorithms/14-Sorting-and-Searching-Algorithms.pptx
@@ -327,7 +327,7 @@
           <a:p>
             <a:fld id="{4E087215-0C8F-4762-A664-737A353EC9A4}" type="datetimeFigureOut">
               <a:rPr lang="bg-BG" smtClean="0"/>
-              <a:t>6.04.23 г.</a:t>
+              <a:t>29.08.23 г.</a:t>
             </a:fld>
             <a:endParaRPr lang="bg-BG" dirty="0"/>
           </a:p>
@@ -518,7 +518,7 @@
           <a:p>
             <a:fld id="{72D84649-876A-46C9-8472-14CB09C070D8}" type="datetimeFigureOut">
               <a:rPr lang="en-US" smtClean="0"/>
-              <a:t>4/6/23</a:t>
+              <a:t>8/29/23</a:t>
             </a:fld>
             <a:endParaRPr lang="en-US" dirty="0"/>
           </a:p>
@@ -9129,11 +9129,19 @@
             </a:r>
             <a:r>
               <a:rPr lang="en-US" dirty="0"/>
-              <a:t>Swap:</a:t>
+              <a:t>Swap –</a:t>
             </a:r>
             <a:r>
               <a:rPr lang="bg-BG" dirty="0"/>
-              <a:t> код</a:t>
+              <a:t> </a:t>
+            </a:r>
+            <a:r>
+              <a:rPr lang="en-US" dirty="0"/>
+              <a:t>K</a:t>
+            </a:r>
+            <a:r>
+              <a:rPr lang="bg-BG" dirty="0"/>
+              <a:t>од</a:t>
             </a:r>
             <a:endParaRPr lang="en-US" dirty="0"/>
           </a:p>
@@ -9599,8 +9607,8 @@
         </p:nvSpPr>
         <p:spPr>
           <a:xfrm>
-            <a:off x="1552184" y="898855"/>
-            <a:ext cx="7018816" cy="5545145"/>
+            <a:off x="1866000" y="864000"/>
+            <a:ext cx="6867116" cy="5546589"/>
           </a:xfrm>
         </p:spPr>
         <p:txBody>
@@ -9639,7 +9647,19 @@
             </a:r>
             <a:r>
               <a:rPr lang="bg-BG" sz="2900" dirty="0"/>
-              <a:t>но неефективен алгоритъм</a:t>
+              <a:t>но </a:t>
+            </a:r>
+            <a:r>
+              <a:rPr lang="bg-BG" sz="2900" b="1" dirty="0">
+                <a:solidFill>
+                  <a:schemeClr val="bg1"/>
+                </a:solidFill>
+              </a:rPr>
+              <a:t>неефективен</a:t>
+            </a:r>
+            <a:r>
+              <a:rPr lang="bg-BG" sz="2900" dirty="0"/>
+              <a:t> алгоритъм</a:t>
             </a:r>
             <a:endParaRPr lang="en-US" sz="2900" dirty="0"/>
           </a:p>
@@ -9791,10 +9811,18 @@
               <a:t>: </a:t>
             </a:r>
             <a:r>
-              <a:rPr lang="bg-BG" sz="2900" dirty="0"/>
+              <a:rPr lang="bg-BG" sz="2900" b="1" dirty="0">
+                <a:solidFill>
+                  <a:schemeClr val="bg1"/>
+                </a:solidFill>
+              </a:rPr>
               <a:t>Размяна</a:t>
             </a:r>
-            <a:endParaRPr lang="en-US" sz="2900" dirty="0"/>
+            <a:endParaRPr lang="en-US" sz="2900" b="1" dirty="0">
+              <a:solidFill>
+                <a:schemeClr val="bg1"/>
+              </a:solidFill>
+            </a:endParaRPr>
           </a:p>
           <a:p>
             <a:pPr lvl="1">
@@ -9958,7 +9986,7 @@
         </p:blipFill>
         <p:spPr bwMode="auto">
           <a:xfrm>
-            <a:off x="8733116" y="1039745"/>
+            <a:off x="8751000" y="1039745"/>
             <a:ext cx="3215163" cy="4311749"/>
           </a:xfrm>
           <a:prstGeom prst="rect">
@@ -10429,11 +10457,19 @@
             </a:r>
             <a:r>
               <a:rPr lang="en-US" dirty="0"/>
-              <a:t>Sort</a:t>
+              <a:t>Sort –</a:t>
             </a:r>
             <a:r>
               <a:rPr lang="bg-BG" dirty="0"/>
-              <a:t>: код</a:t>
+              <a:t> </a:t>
+            </a:r>
+            <a:r>
+              <a:rPr lang="en-US" dirty="0"/>
+              <a:t>K</a:t>
+            </a:r>
+            <a:r>
+              <a:rPr lang="bg-BG" dirty="0"/>
+              <a:t>од</a:t>
             </a:r>
             <a:endParaRPr lang="en-US" dirty="0"/>
           </a:p>
@@ -11234,9 +11270,21 @@
             </a:r>
             <a:r>
               <a:rPr lang="bg-BG" sz="3399" dirty="0"/>
-              <a:t>но неефективен</a:t>
-            </a:r>
-            <a:endParaRPr lang="en-US" sz="3399" dirty="0"/>
+              <a:t>но </a:t>
+            </a:r>
+            <a:r>
+              <a:rPr lang="bg-BG" sz="3399" b="1" dirty="0">
+                <a:solidFill>
+                  <a:schemeClr val="bg1"/>
+                </a:solidFill>
+              </a:rPr>
+              <a:t>неефективен</a:t>
+            </a:r>
+            <a:endParaRPr lang="en-US" sz="3399" b="1" dirty="0">
+              <a:solidFill>
+                <a:schemeClr val="bg1"/>
+              </a:solidFill>
+            </a:endParaRPr>
           </a:p>
           <a:p>
             <a:pPr lvl="1"/>
@@ -11665,7 +11713,7 @@
                                         <p:tgtEl>
                                           <p:spTgt spid="3">
                                             <p:txEl>
-                                              <p:pRg st="1" end="1"/>
+                                              <p:pRg st="2" end="2"/>
                                             </p:txEl>
                                           </p:spTgt>
                                         </p:tgtEl>
@@ -11714,7 +11762,7 @@
                                         <p:tgtEl>
                                           <p:spTgt spid="3">
                                             <p:txEl>
-                                              <p:pRg st="2" end="2"/>
+                                              <p:pRg st="3" end="3"/>
                                             </p:txEl>
                                           </p:spTgt>
                                         </p:tgtEl>
@@ -11763,55 +11811,6 @@
                                         <p:tgtEl>
                                           <p:spTgt spid="3">
                                             <p:txEl>
-                                              <p:pRg st="3" end="3"/>
-                                            </p:txEl>
-                                          </p:spTgt>
-                                        </p:tgtEl>
-                                        <p:attrNameLst>
-                                          <p:attrName>style.visibility</p:attrName>
-                                        </p:attrNameLst>
-                                      </p:cBhvr>
-                                      <p:to>
-                                        <p:strVal val="visible"/>
-                                      </p:to>
-                                    </p:set>
-                                  </p:childTnLst>
-                                </p:cTn>
-                              </p:par>
-                            </p:childTnLst>
-                          </p:cTn>
-                        </p:par>
-                      </p:childTnLst>
-                    </p:cTn>
-                  </p:par>
-                  <p:par>
-                    <p:cTn id="15" fill="hold">
-                      <p:stCondLst>
-                        <p:cond delay="indefinite"/>
-                      </p:stCondLst>
-                      <p:childTnLst>
-                        <p:par>
-                          <p:cTn id="16" fill="hold">
-                            <p:stCondLst>
-                              <p:cond delay="0"/>
-                            </p:stCondLst>
-                            <p:childTnLst>
-                              <p:par>
-                                <p:cTn id="17" presetID="1" presetClass="entr" presetSubtype="0" fill="hold" nodeType="clickEffect">
-                                  <p:stCondLst>
-                                    <p:cond delay="0"/>
-                                  </p:stCondLst>
-                                  <p:childTnLst>
-                                    <p:set>
-                                      <p:cBhvr>
-                                        <p:cTn id="18" dur="1" fill="hold">
-                                          <p:stCondLst>
-                                            <p:cond delay="0"/>
-                                          </p:stCondLst>
-                                        </p:cTn>
-                                        <p:tgtEl>
-                                          <p:spTgt spid="3">
-                                            <p:txEl>
                                               <p:pRg st="4" end="4"/>
                                             </p:txEl>
                                           </p:spTgt>
@@ -11828,14 +11827,14 @@
                                 </p:cTn>
                               </p:par>
                               <p:par>
-                                <p:cTn id="19" presetID="1" presetClass="entr" presetSubtype="0" fill="hold" nodeType="withEffect">
+                                <p:cTn id="15" presetID="1" presetClass="entr" presetSubtype="0" fill="hold" nodeType="withEffect">
                                   <p:stCondLst>
                                     <p:cond delay="0"/>
                                   </p:stCondLst>
                                   <p:childTnLst>
                                     <p:set>
                                       <p:cBhvr>
-                                        <p:cTn id="20" dur="1" fill="hold">
+                                        <p:cTn id="16" dur="1" fill="hold">
                                           <p:stCondLst>
                                             <p:cond delay="0"/>
                                           </p:stCondLst>
@@ -11919,11 +11918,19 @@
           <a:p>
             <a:r>
               <a:rPr lang="en-US" dirty="0"/>
-              <a:t>Insertion</a:t>
+              <a:t>Insertion –</a:t>
             </a:r>
             <a:r>
               <a:rPr lang="bg-BG" dirty="0"/>
-              <a:t>: код</a:t>
+              <a:t> </a:t>
+            </a:r>
+            <a:r>
+              <a:rPr lang="en-US" dirty="0"/>
+              <a:t>K</a:t>
+            </a:r>
+            <a:r>
+              <a:rPr lang="bg-BG" dirty="0"/>
+              <a:t>од</a:t>
             </a:r>
             <a:endParaRPr lang="en-US" dirty="0"/>
           </a:p>
@@ -12611,11 +12618,7 @@
             </a:r>
             <a:r>
               <a:rPr lang="en-US" dirty="0"/>
-              <a:t> </a:t>
-            </a:r>
-            <a:r>
-              <a:rPr lang="en-US" dirty="0" err="1"/>
-              <a:t>MergeSort</a:t>
+              <a:t> MergeSort</a:t>
             </a:r>
             <a:endParaRPr lang="en-BG" dirty="0"/>
           </a:p>
@@ -12761,8 +12764,16 @@
               <a:t> – </a:t>
             </a:r>
             <a:r>
+              <a:rPr lang="bg-BG" sz="3150" b="1" dirty="0">
+                <a:solidFill>
+                  <a:schemeClr val="bg1"/>
+                </a:solidFill>
+              </a:rPr>
+              <a:t>ефективен</a:t>
+            </a:r>
+            <a:r>
               <a:rPr lang="bg-BG" sz="3150" dirty="0"/>
-              <a:t>ефективен сортиращ алгоритъм</a:t>
+              <a:t> сортиращ алгоритъм</a:t>
             </a:r>
             <a:endParaRPr lang="en-US" sz="3150" dirty="0"/>
           </a:p>
@@ -12774,23 +12785,7 @@
             </a:pPr>
             <a:r>
               <a:rPr lang="bg-BG" sz="3150" dirty="0"/>
-              <a:t>Избира </a:t>
-            </a:r>
-            <a:r>
-              <a:rPr lang="bg-BG" sz="3150" b="1" dirty="0">
-                <a:solidFill>
-                  <a:schemeClr val="bg1"/>
-                </a:solidFill>
-              </a:rPr>
-              <a:t>пивот</a:t>
-            </a:r>
-            <a:r>
-              <a:rPr lang="en-US" sz="3150" dirty="0"/>
-              <a:t>; </a:t>
-            </a:r>
-            <a:r>
-              <a:rPr lang="bg-BG" sz="3150" dirty="0"/>
-              <a:t>премества </a:t>
+              <a:t>Премества </a:t>
             </a:r>
             <a:r>
               <a:rPr lang="bg-BG" sz="3150" b="1" dirty="0">
@@ -13278,7 +13273,7 @@
                                         <p:tgtEl>
                                           <p:spTgt spid="3">
                                             <p:txEl>
-                                              <p:pRg st="1" end="1"/>
+                                              <p:pRg st="2" end="2"/>
                                             </p:txEl>
                                           </p:spTgt>
                                         </p:tgtEl>
@@ -13327,7 +13322,7 @@
                                         <p:tgtEl>
                                           <p:spTgt spid="3">
                                             <p:txEl>
-                                              <p:pRg st="2" end="2"/>
+                                              <p:pRg st="3" end="3"/>
                                             </p:txEl>
                                           </p:spTgt>
                                         </p:tgtEl>
@@ -13376,55 +13371,6 @@
                                         <p:tgtEl>
                                           <p:spTgt spid="3">
                                             <p:txEl>
-                                              <p:pRg st="3" end="3"/>
-                                            </p:txEl>
-                                          </p:spTgt>
-                                        </p:tgtEl>
-                                        <p:attrNameLst>
-                                          <p:attrName>style.visibility</p:attrName>
-                                        </p:attrNameLst>
-                                      </p:cBhvr>
-                                      <p:to>
-                                        <p:strVal val="visible"/>
-                                      </p:to>
-                                    </p:set>
-                                  </p:childTnLst>
-                                </p:cTn>
-                              </p:par>
-                            </p:childTnLst>
-                          </p:cTn>
-                        </p:par>
-                      </p:childTnLst>
-                    </p:cTn>
-                  </p:par>
-                  <p:par>
-                    <p:cTn id="15" fill="hold">
-                      <p:stCondLst>
-                        <p:cond delay="indefinite"/>
-                      </p:stCondLst>
-                      <p:childTnLst>
-                        <p:par>
-                          <p:cTn id="16" fill="hold">
-                            <p:stCondLst>
-                              <p:cond delay="0"/>
-                            </p:stCondLst>
-                            <p:childTnLst>
-                              <p:par>
-                                <p:cTn id="17" presetID="1" presetClass="entr" presetSubtype="0" fill="hold" nodeType="clickEffect">
-                                  <p:stCondLst>
-                                    <p:cond delay="0"/>
-                                  </p:stCondLst>
-                                  <p:childTnLst>
-                                    <p:set>
-                                      <p:cBhvr>
-                                        <p:cTn id="18" dur="1" fill="hold">
-                                          <p:stCondLst>
-                                            <p:cond delay="0"/>
-                                          </p:stCondLst>
-                                        </p:cTn>
-                                        <p:tgtEl>
-                                          <p:spTgt spid="3">
-                                            <p:txEl>
                                               <p:pRg st="4" end="4"/>
                                             </p:txEl>
                                           </p:spTgt>
@@ -13441,14 +13387,14 @@
                                 </p:cTn>
                               </p:par>
                               <p:par>
-                                <p:cTn id="19" presetID="1" presetClass="entr" presetSubtype="0" fill="hold" nodeType="withEffect">
+                                <p:cTn id="15" presetID="1" presetClass="entr" presetSubtype="0" fill="hold" nodeType="withEffect">
                                   <p:stCondLst>
                                     <p:cond delay="0"/>
                                   </p:stCondLst>
                                   <p:childTnLst>
                                     <p:set>
                                       <p:cBhvr>
-                                        <p:cTn id="20" dur="1" fill="hold">
+                                        <p:cTn id="16" dur="1" fill="hold">
                                           <p:stCondLst>
                                             <p:cond delay="0"/>
                                           </p:stCondLst>
@@ -13782,13 +13728,13 @@
         </p:nvSpPr>
         <p:spPr>
           <a:xfrm>
-            <a:off x="1912090" y="962819"/>
-            <a:ext cx="9942410" cy="5545145"/>
+            <a:off x="1821000" y="962819"/>
+            <a:ext cx="10299444" cy="5545145"/>
           </a:xfrm>
         </p:spPr>
         <p:txBody>
           <a:bodyPr>
-            <a:normAutofit fontScale="85000" lnSpcReduction="20000"/>
+            <a:normAutofit fontScale="92500" lnSpcReduction="20000"/>
           </a:bodyPr>
           <a:lstStyle/>
           <a:p>
@@ -13807,7 +13753,19 @@
             </a:r>
             <a:r>
               <a:rPr lang="bg-BG" sz="3499" dirty="0"/>
-              <a:t>ефективен сортиращ алгоритъм</a:t>
+              <a:t>–</a:t>
+            </a:r>
+            <a:r>
+              <a:rPr lang="bg-BG" sz="3499" b="1" dirty="0">
+                <a:solidFill>
+                  <a:schemeClr val="bg1"/>
+                </a:solidFill>
+              </a:rPr>
+              <a:t> ефективен</a:t>
+            </a:r>
+            <a:r>
+              <a:rPr lang="bg-BG" sz="3499" dirty="0"/>
+              <a:t> сортиращ алгоритъм</a:t>
             </a:r>
             <a:endParaRPr lang="en-US" sz="3499" dirty="0"/>
           </a:p>
@@ -13888,7 +13846,15 @@
             </a:r>
             <a:r>
               <a:rPr lang="en-US" dirty="0"/>
-              <a:t>merge-sort)</a:t>
+              <a:t>merg</a:t>
+            </a:r>
+            <a:r>
+              <a:rPr lang="bg-BG" dirty="0"/>
+              <a:t>е </a:t>
+            </a:r>
+            <a:r>
+              <a:rPr lang="en-US" dirty="0"/>
+              <a:t>sort)</a:t>
             </a:r>
           </a:p>
           <a:p>
@@ -13991,34 +13957,6 @@
                 <a:schemeClr val="bg1"/>
               </a:solidFill>
             </a:endParaRPr>
-          </a:p>
-          <a:p>
-            <a:r>
-              <a:rPr lang="ru-RU" sz="3499" dirty="0"/>
-              <a:t>Висока паралелизуемост на няколко ядра </a:t>
-            </a:r>
-            <a:r>
-              <a:rPr lang="en-US" sz="3499" dirty="0">
-                <a:sym typeface="Wingdings" panose="05000000000000000000" pitchFamily="2" charset="2"/>
-              </a:rPr>
-              <a:t> </a:t>
-            </a:r>
-            <a:r>
-              <a:rPr lang="bg-BG" sz="3499" dirty="0"/>
-              <a:t>до</a:t>
-            </a:r>
-            <a:r>
-              <a:rPr lang="en-US" sz="3499" dirty="0"/>
-              <a:t> </a:t>
-            </a:r>
-            <a:r>
-              <a:rPr lang="en-US" sz="3499" b="1" dirty="0">
-                <a:solidFill>
-                  <a:schemeClr val="bg1"/>
-                </a:solidFill>
-              </a:rPr>
-              <a:t>O(log(n))</a:t>
-            </a:r>
           </a:p>
           <a:p>
             <a:r>
@@ -14534,64 +14472,15 @@
                                   </p:childTnLst>
                                 </p:cTn>
                               </p:par>
-                            </p:childTnLst>
-                          </p:cTn>
-                        </p:par>
-                      </p:childTnLst>
-                    </p:cTn>
-                  </p:par>
-                  <p:par>
-                    <p:cTn id="23" fill="hold">
-                      <p:stCondLst>
-                        <p:cond delay="indefinite"/>
-                      </p:stCondLst>
-                      <p:childTnLst>
-                        <p:par>
-                          <p:cTn id="24" fill="hold">
-                            <p:stCondLst>
-                              <p:cond delay="0"/>
-                            </p:stCondLst>
-                            <p:childTnLst>
                               <p:par>
-                                <p:cTn id="25" presetID="1" presetClass="entr" presetSubtype="0" fill="hold" nodeType="clickEffect">
+                                <p:cTn id="23" presetID="1" presetClass="entr" presetSubtype="0" fill="hold" nodeType="withEffect">
                                   <p:stCondLst>
                                     <p:cond delay="0"/>
                                   </p:stCondLst>
                                   <p:childTnLst>
                                     <p:set>
                                       <p:cBhvr>
-                                        <p:cTn id="26" dur="1" fill="hold">
-                                          <p:stCondLst>
-                                            <p:cond delay="0"/>
-                                          </p:stCondLst>
-                                        </p:cTn>
-                                        <p:tgtEl>
-                                          <p:spTgt spid="5">
-                                            <p:txEl>
-                                              <p:pRg st="6" end="6"/>
-                                            </p:txEl>
-                                          </p:spTgt>
-                                        </p:tgtEl>
-                                        <p:attrNameLst>
-                                          <p:attrName>style.visibility</p:attrName>
-                                        </p:attrNameLst>
-                                      </p:cBhvr>
-                                      <p:to>
-                                        <p:strVal val="visible"/>
-                                      </p:to>
-                                    </p:set>
-                                  </p:childTnLst>
-                                </p:cTn>
-                              </p:par>
-                              <p:par>
-                                <p:cTn id="27" presetID="1" presetClass="entr" presetSubtype="0" fill="hold" nodeType="withEffect">
-                                  <p:stCondLst>
-                                    <p:cond delay="0"/>
-                                  </p:stCondLst>
-                                  <p:childTnLst>
-                                    <p:set>
-                                      <p:cBhvr>
-                                        <p:cTn id="28" dur="1" fill="hold">
+                                        <p:cTn id="24" dur="1" fill="hold">
                                           <p:stCondLst>
                                             <p:cond delay="0"/>
                                           </p:stCondLst>
@@ -14917,10 +14806,15 @@
             <p:ph type="body" sz="quarter" idx="13"/>
           </p:nvPr>
         </p:nvSpPr>
-        <p:spPr/>
+        <p:spPr>
+          <a:xfrm>
+            <a:off x="196766" y="1224000"/>
+            <a:ext cx="9049234" cy="5634000"/>
+          </a:xfrm>
+        </p:spPr>
         <p:txBody>
           <a:bodyPr>
-            <a:normAutofit fontScale="77500" lnSpcReduction="20000"/>
+            <a:normAutofit fontScale="85000" lnSpcReduction="20000"/>
           </a:bodyPr>
           <a:lstStyle/>
           <a:p>
@@ -14930,6 +14824,14 @@
               </a:buClr>
             </a:pPr>
             <a:r>
+              <a:rPr lang="en-US" dirty="0">
+                <a:solidFill>
+                  <a:schemeClr val="bg1"/>
+                </a:solidFill>
+              </a:rPr>
+              <a:t>͏</a:t>
+            </a:r>
+            <a:r>
               <a:rPr lang="bg-BG" b="1" dirty="0">
                 <a:solidFill>
                   <a:schemeClr val="bg1"/>
@@ -14973,6 +14875,14 @@
               </a:buClr>
             </a:pPr>
             <a:r>
+              <a:rPr lang="en-US" dirty="0">
+                <a:solidFill>
+                  <a:schemeClr val="bg1"/>
+                </a:solidFill>
+              </a:rPr>
+              <a:t>͏</a:t>
+            </a:r>
+            <a:r>
               <a:rPr lang="bg-BG" b="1" dirty="0">
                 <a:solidFill>
                   <a:schemeClr val="bg1"/>
@@ -15020,12 +14930,20 @@
               </a:buClr>
             </a:pPr>
             <a:r>
+              <a:rPr lang="en-US" dirty="0">
+                <a:solidFill>
+                  <a:schemeClr val="bg1"/>
+                </a:solidFill>
+              </a:rPr>
+              <a:t>͏</a:t>
+            </a:r>
+            <a:r>
               <a:rPr lang="bg-BG" b="1" dirty="0">
                 <a:solidFill>
                   <a:schemeClr val="bg1"/>
                 </a:solidFill>
               </a:rPr>
-              <a:t>Избиране </a:t>
+              <a:t>Избор </a:t>
             </a:r>
             <a:r>
               <a:rPr lang="bg-BG" dirty="0"/>
@@ -15060,6 +14978,14 @@
               </a:buClr>
             </a:pPr>
             <a:r>
+              <a:rPr lang="bg-BG" dirty="0">
+                <a:solidFill>
+                  <a:schemeClr val="bg1"/>
+                </a:solidFill>
+              </a:rPr>
+              <a:t>͏</a:t>
+            </a:r>
+            <a:r>
               <a:rPr lang="bg-BG" b="1" dirty="0">
                 <a:solidFill>
                   <a:schemeClr val="bg1"/>
@@ -15111,6 +15037,14 @@
                 <a:schemeClr val="tx1"/>
               </a:buClr>
             </a:pPr>
+            <a:r>
+              <a:rPr lang="bg-BG" dirty="0">
+                <a:solidFill>
+                  <a:schemeClr val="bg1"/>
+                </a:solidFill>
+              </a:rPr>
+              <a:t>͏</a:t>
+            </a:r>
             <a:r>
               <a:rPr lang="en-US" b="1" dirty="0">
                 <a:solidFill>
@@ -15345,55 +15279,6 @@
                                         <p:tgtEl>
                                           <p:spTgt spid="444419">
                                             <p:txEl>
-                                              <p:pRg st="1" end="1"/>
-                                            </p:txEl>
-                                          </p:spTgt>
-                                        </p:tgtEl>
-                                        <p:attrNameLst>
-                                          <p:attrName>style.visibility</p:attrName>
-                                        </p:attrNameLst>
-                                      </p:cBhvr>
-                                      <p:to>
-                                        <p:strVal val="visible"/>
-                                      </p:to>
-                                    </p:set>
-                                  </p:childTnLst>
-                                </p:cTn>
-                              </p:par>
-                            </p:childTnLst>
-                          </p:cTn>
-                        </p:par>
-                      </p:childTnLst>
-                    </p:cTn>
-                  </p:par>
-                  <p:par>
-                    <p:cTn id="7" fill="hold">
-                      <p:stCondLst>
-                        <p:cond delay="indefinite"/>
-                      </p:stCondLst>
-                      <p:childTnLst>
-                        <p:par>
-                          <p:cTn id="8" fill="hold">
-                            <p:stCondLst>
-                              <p:cond delay="0"/>
-                            </p:stCondLst>
-                            <p:childTnLst>
-                              <p:par>
-                                <p:cTn id="9" presetID="1" presetClass="entr" presetSubtype="0" fill="hold" nodeType="clickEffect">
-                                  <p:stCondLst>
-                                    <p:cond delay="0"/>
-                                  </p:stCondLst>
-                                  <p:childTnLst>
-                                    <p:set>
-                                      <p:cBhvr>
-                                        <p:cTn id="10" dur="1" fill="hold">
-                                          <p:stCondLst>
-                                            <p:cond delay="0"/>
-                                          </p:stCondLst>
-                                        </p:cTn>
-                                        <p:tgtEl>
-                                          <p:spTgt spid="444419">
-                                            <p:txEl>
                                               <p:pRg st="2" end="2"/>
                                             </p:txEl>
                                           </p:spTgt>
@@ -15409,33 +15294,15 @@
                                   </p:childTnLst>
                                 </p:cTn>
                               </p:par>
-                            </p:childTnLst>
-                          </p:cTn>
-                        </p:par>
-                      </p:childTnLst>
-                    </p:cTn>
-                  </p:par>
-                  <p:par>
-                    <p:cTn id="11" fill="hold">
-                      <p:stCondLst>
-                        <p:cond delay="indefinite"/>
-                      </p:stCondLst>
-                      <p:childTnLst>
-                        <p:par>
-                          <p:cTn id="12" fill="hold">
-                            <p:stCondLst>
-                              <p:cond delay="0"/>
-                            </p:stCondLst>
-                            <p:childTnLst>
                               <p:par>
-                                <p:cTn id="13" presetID="1" presetClass="entr" presetSubtype="0" fill="hold" nodeType="clickEffect">
+                                <p:cTn id="7" presetID="1" presetClass="entr" presetSubtype="0" fill="hold" nodeType="withEffect">
                                   <p:stCondLst>
                                     <p:cond delay="0"/>
                                   </p:stCondLst>
                                   <p:childTnLst>
                                     <p:set>
                                       <p:cBhvr>
-                                        <p:cTn id="14" dur="1" fill="hold">
+                                        <p:cTn id="8" dur="1" fill="hold">
                                           <p:stCondLst>
                                             <p:cond delay="0"/>
                                           </p:stCondLst>
@@ -15465,19 +15332,99 @@
                     </p:cTn>
                   </p:par>
                   <p:par>
-                    <p:cTn id="15" fill="hold">
+                    <p:cTn id="9" fill="hold">
                       <p:stCondLst>
                         <p:cond delay="indefinite"/>
                       </p:stCondLst>
                       <p:childTnLst>
                         <p:par>
-                          <p:cTn id="16" fill="hold">
+                          <p:cTn id="10" fill="hold">
                             <p:stCondLst>
                               <p:cond delay="0"/>
                             </p:stCondLst>
                             <p:childTnLst>
                               <p:par>
-                                <p:cTn id="17" presetID="1" presetClass="entr" presetSubtype="0" fill="hold" nodeType="clickEffect">
+                                <p:cTn id="11" presetID="1" presetClass="entr" presetSubtype="0" fill="hold" nodeType="clickEffect">
+                                  <p:stCondLst>
+                                    <p:cond delay="0"/>
+                                  </p:stCondLst>
+                                  <p:childTnLst>
+                                    <p:set>
+                                      <p:cBhvr>
+                                        <p:cTn id="12" dur="1" fill="hold">
+                                          <p:stCondLst>
+                                            <p:cond delay="0"/>
+                                          </p:stCondLst>
+                                        </p:cTn>
+                                        <p:tgtEl>
+                                          <p:spTgt spid="444419">
+                                            <p:txEl>
+                                              <p:pRg st="4" end="4"/>
+                                            </p:txEl>
+                                          </p:spTgt>
+                                        </p:tgtEl>
+                                        <p:attrNameLst>
+                                          <p:attrName>style.visibility</p:attrName>
+                                        </p:attrNameLst>
+                                      </p:cBhvr>
+                                      <p:to>
+                                        <p:strVal val="visible"/>
+                                      </p:to>
+                                    </p:set>
+                                  </p:childTnLst>
+                                </p:cTn>
+                              </p:par>
+                            </p:childTnLst>
+                          </p:cTn>
+                        </p:par>
+                      </p:childTnLst>
+                    </p:cTn>
+                  </p:par>
+                  <p:par>
+                    <p:cTn id="13" fill="hold">
+                      <p:stCondLst>
+                        <p:cond delay="indefinite"/>
+                      </p:stCondLst>
+                      <p:childTnLst>
+                        <p:par>
+                          <p:cTn id="14" fill="hold">
+                            <p:stCondLst>
+                              <p:cond delay="0"/>
+                            </p:stCondLst>
+                            <p:childTnLst>
+                              <p:par>
+                                <p:cTn id="15" presetID="1" presetClass="entr" presetSubtype="0" fill="hold" nodeType="clickEffect">
+                                  <p:stCondLst>
+                                    <p:cond delay="0"/>
+                                  </p:stCondLst>
+                                  <p:childTnLst>
+                                    <p:set>
+                                      <p:cBhvr>
+                                        <p:cTn id="16" dur="1" fill="hold">
+                                          <p:stCondLst>
+                                            <p:cond delay="0"/>
+                                          </p:stCondLst>
+                                        </p:cTn>
+                                        <p:tgtEl>
+                                          <p:spTgt spid="444419">
+                                            <p:txEl>
+                                              <p:pRg st="5" end="5"/>
+                                            </p:txEl>
+                                          </p:spTgt>
+                                        </p:tgtEl>
+                                        <p:attrNameLst>
+                                          <p:attrName>style.visibility</p:attrName>
+                                        </p:attrNameLst>
+                                      </p:cBhvr>
+                                      <p:to>
+                                        <p:strVal val="visible"/>
+                                      </p:to>
+                                    </p:set>
+                                  </p:childTnLst>
+                                </p:cTn>
+                              </p:par>
+                              <p:par>
+                                <p:cTn id="17" presetID="1" presetClass="entr" presetSubtype="0" fill="hold" nodeType="withEffect">
                                   <p:stCondLst>
                                     <p:cond delay="0"/>
                                   </p:stCondLst>
@@ -15492,7 +15439,7 @@
                                         <p:tgtEl>
                                           <p:spTgt spid="444419">
                                             <p:txEl>
-                                              <p:pRg st="4" end="4"/>
+                                              <p:pRg st="6" end="6"/>
                                             </p:txEl>
                                           </p:spTgt>
                                         </p:tgtEl>
@@ -15541,7 +15488,7 @@
                                         <p:tgtEl>
                                           <p:spTgt spid="444419">
                                             <p:txEl>
-                                              <p:pRg st="5" end="5"/>
+                                              <p:pRg st="7" end="7"/>
                                             </p:txEl>
                                           </p:spTgt>
                                         </p:tgtEl>
@@ -15590,7 +15537,7 @@
                                         <p:tgtEl>
                                           <p:spTgt spid="444419">
                                             <p:txEl>
-                                              <p:pRg st="6" end="6"/>
+                                              <p:pRg st="8" end="8"/>
                                             </p:txEl>
                                           </p:spTgt>
                                         </p:tgtEl>
@@ -15632,104 +15579,6 @@
                                     <p:set>
                                       <p:cBhvr>
                                         <p:cTn id="30" dur="1" fill="hold">
-                                          <p:stCondLst>
-                                            <p:cond delay="0"/>
-                                          </p:stCondLst>
-                                        </p:cTn>
-                                        <p:tgtEl>
-                                          <p:spTgt spid="444419">
-                                            <p:txEl>
-                                              <p:pRg st="7" end="7"/>
-                                            </p:txEl>
-                                          </p:spTgt>
-                                        </p:tgtEl>
-                                        <p:attrNameLst>
-                                          <p:attrName>style.visibility</p:attrName>
-                                        </p:attrNameLst>
-                                      </p:cBhvr>
-                                      <p:to>
-                                        <p:strVal val="visible"/>
-                                      </p:to>
-                                    </p:set>
-                                  </p:childTnLst>
-                                </p:cTn>
-                              </p:par>
-                            </p:childTnLst>
-                          </p:cTn>
-                        </p:par>
-                      </p:childTnLst>
-                    </p:cTn>
-                  </p:par>
-                  <p:par>
-                    <p:cTn id="31" fill="hold">
-                      <p:stCondLst>
-                        <p:cond delay="indefinite"/>
-                      </p:stCondLst>
-                      <p:childTnLst>
-                        <p:par>
-                          <p:cTn id="32" fill="hold">
-                            <p:stCondLst>
-                              <p:cond delay="0"/>
-                            </p:stCondLst>
-                            <p:childTnLst>
-                              <p:par>
-                                <p:cTn id="33" presetID="1" presetClass="entr" presetSubtype="0" fill="hold" nodeType="clickEffect">
-                                  <p:stCondLst>
-                                    <p:cond delay="0"/>
-                                  </p:stCondLst>
-                                  <p:childTnLst>
-                                    <p:set>
-                                      <p:cBhvr>
-                                        <p:cTn id="34" dur="1" fill="hold">
-                                          <p:stCondLst>
-                                            <p:cond delay="0"/>
-                                          </p:stCondLst>
-                                        </p:cTn>
-                                        <p:tgtEl>
-                                          <p:spTgt spid="444419">
-                                            <p:txEl>
-                                              <p:pRg st="8" end="8"/>
-                                            </p:txEl>
-                                          </p:spTgt>
-                                        </p:tgtEl>
-                                        <p:attrNameLst>
-                                          <p:attrName>style.visibility</p:attrName>
-                                        </p:attrNameLst>
-                                      </p:cBhvr>
-                                      <p:to>
-                                        <p:strVal val="visible"/>
-                                      </p:to>
-                                    </p:set>
-                                  </p:childTnLst>
-                                </p:cTn>
-                              </p:par>
-                            </p:childTnLst>
-                          </p:cTn>
-                        </p:par>
-                      </p:childTnLst>
-                    </p:cTn>
-                  </p:par>
-                  <p:par>
-                    <p:cTn id="35" fill="hold">
-                      <p:stCondLst>
-                        <p:cond delay="indefinite"/>
-                      </p:stCondLst>
-                      <p:childTnLst>
-                        <p:par>
-                          <p:cTn id="36" fill="hold">
-                            <p:stCondLst>
-                              <p:cond delay="0"/>
-                            </p:stCondLst>
-                            <p:childTnLst>
-                              <p:par>
-                                <p:cTn id="37" presetID="1" presetClass="entr" presetSubtype="0" fill="hold" nodeType="clickEffect">
-                                  <p:stCondLst>
-                                    <p:cond delay="0"/>
-                                  </p:stCondLst>
-                                  <p:childTnLst>
-                                    <p:set>
-                                      <p:cBhvr>
-                                        <p:cTn id="38" dur="1" fill="hold">
                                           <p:stCondLst>
                                             <p:cond delay="0"/>
                                           </p:stCondLst>
@@ -15901,7 +15750,7 @@
           <p:nvPr>
             <p:extLst>
               <p:ext uri="{D42A27DB-BD31-4B8C-83A1-F6EECF244321}">
-                <p14:modId xmlns:p14="http://schemas.microsoft.com/office/powerpoint/2010/main" val="2938999467"/>
+                <p14:modId xmlns:p14="http://schemas.microsoft.com/office/powerpoint/2010/main" val="3261715053"/>
               </p:ext>
             </p:extLst>
           </p:nvPr>
@@ -15988,7 +15837,7 @@
                       </a:endParaRPr>
                     </a:p>
                   </a:txBody>
-                  <a:tcPr marL="91416" marR="91416" marT="45708" marB="45708"/>
+                  <a:tcPr marL="91416" marR="91416" marT="45708" marB="45708" anchor="ctr"/>
                 </a:tc>
                 <a:tc>
                   <a:txBody>
@@ -16010,7 +15859,7 @@
                       </a:endParaRPr>
                     </a:p>
                   </a:txBody>
-                  <a:tcPr marL="91416" marR="91416" marT="45708" marB="45708"/>
+                  <a:tcPr marL="91416" marR="91416" marT="45708" marB="45708" anchor="ctr"/>
                 </a:tc>
                 <a:tc>
                   <a:txBody>
@@ -16032,7 +15881,7 @@
                       </a:endParaRPr>
                     </a:p>
                   </a:txBody>
-                  <a:tcPr marL="91416" marR="91416" marT="45708" marB="45708"/>
+                  <a:tcPr marL="91416" marR="91416" marT="45708" marB="45708" anchor="ctr"/>
                 </a:tc>
                 <a:tc>
                   <a:txBody>
@@ -16054,7 +15903,7 @@
                       </a:endParaRPr>
                     </a:p>
                   </a:txBody>
-                  <a:tcPr marL="91416" marR="91416" marT="45708" marB="45708"/>
+                  <a:tcPr marL="91416" marR="91416" marT="45708" marB="45708" anchor="ctr"/>
                 </a:tc>
                 <a:tc>
                   <a:txBody>
@@ -16076,7 +15925,7 @@
                       </a:endParaRPr>
                     </a:p>
                   </a:txBody>
-                  <a:tcPr marL="91416" marR="91416" marT="45708" marB="45708"/>
+                  <a:tcPr marL="91416" marR="91416" marT="45708" marB="45708" anchor="ctr"/>
                 </a:tc>
                 <a:tc>
                   <a:txBody>
@@ -16098,7 +15947,7 @@
                       </a:endParaRPr>
                     </a:p>
                   </a:txBody>
-                  <a:tcPr marL="91416" marR="91416" marT="45708" marB="45708"/>
+                  <a:tcPr marL="91416" marR="91416" marT="45708" marB="45708" anchor="ctr"/>
                 </a:tc>
                 <a:tc>
                   <a:txBody>
@@ -16120,7 +15969,7 @@
                       </a:endParaRPr>
                     </a:p>
                   </a:txBody>
-                  <a:tcPr marL="91416" marR="91416" marT="45708" marB="45708"/>
+                  <a:tcPr marL="91416" marR="91416" marT="45708" marB="45708" anchor="ctr"/>
                 </a:tc>
                 <a:extLst>
                   <a:ext uri="{0D108BD9-81ED-4DB2-BD59-A6C34878D82A}">
@@ -16148,7 +15997,7 @@
                       </a:r>
                     </a:p>
                   </a:txBody>
-                  <a:tcPr marL="91416" marR="91416" marT="45708" marB="45708"/>
+                  <a:tcPr marL="91416" marR="91416" marT="45708" marB="45708" anchor="ctr"/>
                 </a:tc>
                 <a:tc>
                   <a:txBody>
@@ -16180,7 +16029,7 @@
                       </a:r>
                     </a:p>
                   </a:txBody>
-                  <a:tcPr marL="91416" marR="91416" marT="45708" marB="45708"/>
+                  <a:tcPr marL="91416" marR="91416" marT="45708" marB="45708" anchor="ctr"/>
                 </a:tc>
                 <a:tc>
                   <a:txBody>
@@ -16212,7 +16061,7 @@
                       </a:r>
                     </a:p>
                   </a:txBody>
-                  <a:tcPr marL="91416" marR="91416" marT="45708" marB="45708"/>
+                  <a:tcPr marL="91416" marR="91416" marT="45708" marB="45708" anchor="ctr"/>
                 </a:tc>
                 <a:tc>
                   <a:txBody>
@@ -16244,7 +16093,7 @@
                       </a:r>
                     </a:p>
                   </a:txBody>
-                  <a:tcPr marL="91416" marR="91416" marT="45708" marB="45708"/>
+                  <a:tcPr marL="91416" marR="91416" marT="45708" marB="45708" anchor="ctr"/>
                 </a:tc>
                 <a:tc>
                   <a:txBody>
@@ -16265,7 +16114,7 @@
                       </a:r>
                     </a:p>
                   </a:txBody>
-                  <a:tcPr marL="91416" marR="91416" marT="45708" marB="45708"/>
+                  <a:tcPr marL="91416" marR="91416" marT="45708" marB="45708" anchor="ctr"/>
                 </a:tc>
                 <a:tc>
                   <a:txBody>
@@ -16294,7 +16143,7 @@
                       </a:endParaRPr>
                     </a:p>
                   </a:txBody>
-                  <a:tcPr marL="91416" marR="91416" marT="45708" marB="45708"/>
+                  <a:tcPr marL="91416" marR="91416" marT="45708" marB="45708" anchor="ctr"/>
                 </a:tc>
                 <a:tc>
                   <a:txBody>
@@ -16316,7 +16165,7 @@
                       </a:endParaRPr>
                     </a:p>
                   </a:txBody>
-                  <a:tcPr marL="91416" marR="91416" marT="45708" marB="45708"/>
+                  <a:tcPr marL="91416" marR="91416" marT="45708" marB="45708" anchor="ctr"/>
                 </a:tc>
                 <a:extLst>
                   <a:ext uri="{0D108BD9-81ED-4DB2-BD59-A6C34878D82A}">
@@ -16344,7 +16193,7 @@
                       </a:r>
                     </a:p>
                   </a:txBody>
-                  <a:tcPr marL="91416" marR="91416" marT="45708" marB="45708"/>
+                  <a:tcPr marL="91416" marR="91416" marT="45708" marB="45708" anchor="ctr"/>
                 </a:tc>
                 <a:tc>
                   <a:txBody>
@@ -16365,7 +16214,7 @@
                       </a:r>
                     </a:p>
                   </a:txBody>
-                  <a:tcPr marL="91416" marR="91416" marT="45708" marB="45708"/>
+                  <a:tcPr marL="91416" marR="91416" marT="45708" marB="45708" anchor="ctr"/>
                 </a:tc>
                 <a:tc>
                   <a:txBody>
@@ -16413,7 +16262,7 @@
                       </a:r>
                     </a:p>
                   </a:txBody>
-                  <a:tcPr marL="91416" marR="91416" marT="45708" marB="45708"/>
+                  <a:tcPr marL="91416" marR="91416" marT="45708" marB="45708" anchor="ctr"/>
                 </a:tc>
                 <a:tc>
                   <a:txBody>
@@ -16461,7 +16310,7 @@
                       </a:r>
                     </a:p>
                   </a:txBody>
-                  <a:tcPr marL="91416" marR="91416" marT="45708" marB="45708"/>
+                  <a:tcPr marL="91416" marR="91416" marT="45708" marB="45708" anchor="ctr"/>
                 </a:tc>
                 <a:tc>
                   <a:txBody>
@@ -16482,7 +16331,7 @@
                       </a:r>
                     </a:p>
                   </a:txBody>
-                  <a:tcPr marL="91416" marR="91416" marT="45708" marB="45708"/>
+                  <a:tcPr marL="91416" marR="91416" marT="45708" marB="45708" anchor="ctr"/>
                 </a:tc>
                 <a:tc>
                   <a:txBody>
@@ -16511,7 +16360,7 @@
                       </a:endParaRPr>
                     </a:p>
                   </a:txBody>
-                  <a:tcPr marL="91416" marR="91416" marT="45708" marB="45708"/>
+                  <a:tcPr marL="91416" marR="91416" marT="45708" marB="45708" anchor="ctr"/>
                 </a:tc>
                 <a:tc>
                   <a:txBody>
@@ -16533,7 +16382,7 @@
                       </a:endParaRPr>
                     </a:p>
                   </a:txBody>
-                  <a:tcPr marL="91416" marR="91416" marT="45708" marB="45708"/>
+                  <a:tcPr marL="91416" marR="91416" marT="45708" marB="45708" anchor="ctr"/>
                 </a:tc>
                 <a:extLst>
                   <a:ext uri="{0D108BD9-81ED-4DB2-BD59-A6C34878D82A}">
@@ -16561,7 +16410,7 @@
                       </a:r>
                     </a:p>
                   </a:txBody>
-                  <a:tcPr marL="91416" marR="91416" marT="45708" marB="45708"/>
+                  <a:tcPr marL="91416" marR="91416" marT="45708" marB="45708" anchor="ctr"/>
                 </a:tc>
                 <a:tc>
                   <a:txBody>
@@ -16582,7 +16431,7 @@
                       </a:r>
                     </a:p>
                   </a:txBody>
-                  <a:tcPr marL="91416" marR="91416" marT="45708" marB="45708"/>
+                  <a:tcPr marL="91416" marR="91416" marT="45708" marB="45708" anchor="ctr"/>
                 </a:tc>
                 <a:tc>
                   <a:txBody>
@@ -16630,7 +16479,7 @@
                       </a:r>
                     </a:p>
                   </a:txBody>
-                  <a:tcPr marL="91416" marR="91416" marT="45708" marB="45708"/>
+                  <a:tcPr marL="91416" marR="91416" marT="45708" marB="45708" anchor="ctr"/>
                 </a:tc>
                 <a:tc>
                   <a:txBody>
@@ -16678,7 +16527,7 @@
                       </a:r>
                     </a:p>
                   </a:txBody>
-                  <a:tcPr marL="91416" marR="91416" marT="45708" marB="45708"/>
+                  <a:tcPr marL="91416" marR="91416" marT="45708" marB="45708" anchor="ctr"/>
                 </a:tc>
                 <a:tc>
                   <a:txBody>
@@ -16699,7 +16548,7 @@
                       </a:r>
                     </a:p>
                   </a:txBody>
-                  <a:tcPr marL="91416" marR="91416" marT="45708" marB="45708"/>
+                  <a:tcPr marL="91416" marR="91416" marT="45708" marB="45708" anchor="ctr"/>
                 </a:tc>
                 <a:tc>
                   <a:txBody>
@@ -16728,7 +16577,7 @@
                       </a:endParaRPr>
                     </a:p>
                   </a:txBody>
-                  <a:tcPr marL="91416" marR="91416" marT="45708" marB="45708"/>
+                  <a:tcPr marL="91416" marR="91416" marT="45708" marB="45708" anchor="ctr"/>
                 </a:tc>
                 <a:tc>
                   <a:txBody>
@@ -16757,7 +16606,7 @@
                       </a:endParaRPr>
                     </a:p>
                   </a:txBody>
-                  <a:tcPr marL="91416" marR="91416" marT="45708" marB="45708"/>
+                  <a:tcPr marL="91416" marR="91416" marT="45708" marB="45708" anchor="ctr"/>
                 </a:tc>
                 <a:extLst>
                   <a:ext uri="{0D108BD9-81ED-4DB2-BD59-A6C34878D82A}">
@@ -16785,7 +16634,7 @@
                       </a:r>
                     </a:p>
                   </a:txBody>
-                  <a:tcPr marL="91416" marR="91416" marT="45708" marB="45708"/>
+                  <a:tcPr marL="91416" marR="91416" marT="45708" marB="45708" anchor="ctr"/>
                 </a:tc>
                 <a:tc>
                   <a:txBody>
@@ -16806,7 +16655,7 @@
                       </a:r>
                     </a:p>
                   </a:txBody>
-                  <a:tcPr marL="91416" marR="91416" marT="45708" marB="45708"/>
+                  <a:tcPr marL="91416" marR="91416" marT="45708" marB="45708" anchor="ctr"/>
                 </a:tc>
                 <a:tc>
                   <a:txBody>
@@ -16843,7 +16692,7 @@
                       </a:r>
                     </a:p>
                   </a:txBody>
-                  <a:tcPr marL="91416" marR="91416" marT="45708" marB="45708"/>
+                  <a:tcPr marL="91416" marR="91416" marT="45708" marB="45708" anchor="ctr"/>
                 </a:tc>
                 <a:tc>
                   <a:txBody>
@@ -16891,7 +16740,7 @@
                       </a:r>
                     </a:p>
                   </a:txBody>
-                  <a:tcPr marL="91416" marR="91416" marT="45708" marB="45708"/>
+                  <a:tcPr marL="91416" marR="91416" marT="45708" marB="45708" anchor="ctr"/>
                 </a:tc>
                 <a:tc>
                   <a:txBody>
@@ -16912,7 +16761,7 @@
                       </a:r>
                     </a:p>
                   </a:txBody>
-                  <a:tcPr marL="91416" marR="91416" marT="45708" marB="45708"/>
+                  <a:tcPr marL="91416" marR="91416" marT="45708" marB="45708" anchor="ctr"/>
                 </a:tc>
                 <a:tc>
                   <a:txBody>
@@ -16941,7 +16790,7 @@
                       </a:endParaRPr>
                     </a:p>
                   </a:txBody>
-                  <a:tcPr marL="91416" marR="91416" marT="45708" marB="45708"/>
+                  <a:tcPr marL="91416" marR="91416" marT="45708" marB="45708" anchor="ctr"/>
                 </a:tc>
                 <a:tc>
                   <a:txBody>
@@ -16970,7 +16819,7 @@
                       </a:endParaRPr>
                     </a:p>
                   </a:txBody>
-                  <a:tcPr marL="91416" marR="91416" marT="45708" marB="45708"/>
+                  <a:tcPr marL="91416" marR="91416" marT="45708" marB="45708" anchor="ctr"/>
                 </a:tc>
                 <a:extLst>
                   <a:ext uri="{0D108BD9-81ED-4DB2-BD59-A6C34878D82A}">
@@ -16998,7 +16847,7 @@
                       </a:r>
                     </a:p>
                   </a:txBody>
-                  <a:tcPr marL="91416" marR="91416" marT="45708" marB="45708"/>
+                  <a:tcPr marL="91416" marR="91416" marT="45708" marB="45708" anchor="ctr"/>
                 </a:tc>
                 <a:tc>
                   <a:txBody>
@@ -17035,7 +16884,7 @@
                       </a:r>
                     </a:p>
                   </a:txBody>
-                  <a:tcPr marL="91416" marR="91416" marT="45708" marB="45708"/>
+                  <a:tcPr marL="91416" marR="91416" marT="45708" marB="45708" anchor="ctr"/>
                 </a:tc>
                 <a:tc>
                   <a:txBody>
@@ -17072,7 +16921,7 @@
                       </a:r>
                     </a:p>
                   </a:txBody>
-                  <a:tcPr marL="91416" marR="91416" marT="45708" marB="45708"/>
+                  <a:tcPr marL="91416" marR="91416" marT="45708" marB="45708" anchor="ctr"/>
                 </a:tc>
                 <a:tc>
                   <a:txBody>
@@ -17109,7 +16958,7 @@
                       </a:r>
                     </a:p>
                   </a:txBody>
-                  <a:tcPr marL="91416" marR="91416" marT="45708" marB="45708"/>
+                  <a:tcPr marL="91416" marR="91416" marT="45708" marB="45708" anchor="ctr"/>
                 </a:tc>
                 <a:tc>
                   <a:txBody>
@@ -17130,7 +16979,7 @@
                       </a:r>
                     </a:p>
                   </a:txBody>
-                  <a:tcPr marL="91416" marR="91416" marT="45708" marB="45708"/>
+                  <a:tcPr marL="91416" marR="91416" marT="45708" marB="45708" anchor="ctr"/>
                 </a:tc>
                 <a:tc>
                   <a:txBody>
@@ -17159,7 +17008,7 @@
                       </a:endParaRPr>
                     </a:p>
                   </a:txBody>
-                  <a:tcPr marL="91416" marR="91416" marT="45708" marB="45708"/>
+                  <a:tcPr marL="91416" marR="91416" marT="45708" marB="45708" anchor="ctr"/>
                 </a:tc>
                 <a:tc>
                   <a:txBody>
@@ -17188,7 +17037,7 @@
                       </a:endParaRPr>
                     </a:p>
                   </a:txBody>
-                  <a:tcPr marL="91416" marR="91416" marT="45708" marB="45708"/>
+                  <a:tcPr marL="91416" marR="91416" marT="45708" marB="45708" anchor="ctr"/>
                 </a:tc>
                 <a:extLst>
                   <a:ext uri="{0D108BD9-81ED-4DB2-BD59-A6C34878D82A}">
@@ -17665,14 +17514,14 @@
             </a:pPr>
             <a:r>
               <a:rPr lang="bg-BG" dirty="0"/>
-              <a:t>Използвайте специално сортиране </a:t>
+              <a:t>Използвайте специално сортиране  в специален </a:t>
             </a:r>
             <a:br>
               <a:rPr lang="bg-BG" dirty="0"/>
             </a:br>
             <a:r>
               <a:rPr lang="bg-BG" dirty="0"/>
-              <a:t>в специален случай</a:t>
+              <a:t>случай</a:t>
             </a:r>
             <a:endParaRPr lang="en-US" dirty="0"/>
           </a:p>
@@ -17758,7 +17607,7 @@
           <a:p>
             <a:r>
               <a:rPr lang="bg-BG" dirty="0"/>
-              <a:t>Как да изберем алгоритъм за сортиране</a:t>
+              <a:t>Как да изберем алгоритъм за сортиране?</a:t>
             </a:r>
             <a:endParaRPr lang="en-US" dirty="0"/>
           </a:p>
@@ -17786,7 +17635,7 @@
         </p:blipFill>
         <p:spPr>
           <a:xfrm>
-            <a:off x="8954568" y="2642436"/>
+            <a:off x="8954568" y="2723531"/>
             <a:ext cx="3047030" cy="2505469"/>
           </a:xfrm>
           <a:prstGeom prst="rect">
@@ -17912,33 +17761,15 @@
                                   </p:childTnLst>
                                 </p:cTn>
                               </p:par>
-                            </p:childTnLst>
-                          </p:cTn>
-                        </p:par>
-                      </p:childTnLst>
-                    </p:cTn>
-                  </p:par>
-                  <p:par>
-                    <p:cTn id="7" fill="hold">
-                      <p:stCondLst>
-                        <p:cond delay="indefinite"/>
-                      </p:stCondLst>
-                      <p:childTnLst>
-                        <p:par>
-                          <p:cTn id="8" fill="hold">
-                            <p:stCondLst>
-                              <p:cond delay="0"/>
-                            </p:stCondLst>
-                            <p:childTnLst>
                               <p:par>
-                                <p:cTn id="9" presetID="1" presetClass="entr" presetSubtype="0" fill="hold" nodeType="clickEffect">
+                                <p:cTn id="7" presetID="1" presetClass="entr" presetSubtype="0" fill="hold" nodeType="withEffect">
                                   <p:stCondLst>
                                     <p:cond delay="0"/>
                                   </p:stCondLst>
                                   <p:childTnLst>
                                     <p:set>
                                       <p:cBhvr>
-                                        <p:cTn id="10" dur="1" fill="hold">
+                                        <p:cTn id="8" dur="1" fill="hold">
                                           <p:stCondLst>
                                             <p:cond delay="0"/>
                                           </p:stCondLst>
@@ -17968,26 +17799,26 @@
                     </p:cTn>
                   </p:par>
                   <p:par>
-                    <p:cTn id="11" fill="hold">
+                    <p:cTn id="9" fill="hold">
                       <p:stCondLst>
                         <p:cond delay="indefinite"/>
                       </p:stCondLst>
                       <p:childTnLst>
                         <p:par>
-                          <p:cTn id="12" fill="hold">
+                          <p:cTn id="10" fill="hold">
                             <p:stCondLst>
                               <p:cond delay="0"/>
                             </p:stCondLst>
                             <p:childTnLst>
                               <p:par>
-                                <p:cTn id="13" presetID="1" presetClass="entr" presetSubtype="0" fill="hold" nodeType="clickEffect">
+                                <p:cTn id="11" presetID="1" presetClass="entr" presetSubtype="0" fill="hold" nodeType="clickEffect">
                                   <p:stCondLst>
                                     <p:cond delay="0"/>
                                   </p:stCondLst>
                                   <p:childTnLst>
                                     <p:set>
                                       <p:cBhvr>
-                                        <p:cTn id="14" dur="1" fill="hold">
+                                        <p:cTn id="12" dur="1" fill="hold">
                                           <p:stCondLst>
                                             <p:cond delay="0"/>
                                           </p:stCondLst>
@@ -18017,26 +17848,26 @@
                     </p:cTn>
                   </p:par>
                   <p:par>
-                    <p:cTn id="15" fill="hold">
+                    <p:cTn id="13" fill="hold">
                       <p:stCondLst>
                         <p:cond delay="indefinite"/>
                       </p:stCondLst>
                       <p:childTnLst>
                         <p:par>
-                          <p:cTn id="16" fill="hold">
+                          <p:cTn id="14" fill="hold">
                             <p:stCondLst>
                               <p:cond delay="0"/>
                             </p:stCondLst>
                             <p:childTnLst>
                               <p:par>
-                                <p:cTn id="17" presetID="1" presetClass="entr" presetSubtype="0" fill="hold" nodeType="clickEffect">
+                                <p:cTn id="15" presetID="1" presetClass="entr" presetSubtype="0" fill="hold" nodeType="clickEffect">
                                   <p:stCondLst>
                                     <p:cond delay="0"/>
                                   </p:stCondLst>
                                   <p:childTnLst>
                                     <p:set>
                                       <p:cBhvr>
-                                        <p:cTn id="18" dur="1" fill="hold">
+                                        <p:cTn id="16" dur="1" fill="hold">
                                           <p:stCondLst>
                                             <p:cond delay="0"/>
                                           </p:stCondLst>
@@ -18066,19 +17897,50 @@
                     </p:cTn>
                   </p:par>
                   <p:par>
-                    <p:cTn id="19" fill="hold">
+                    <p:cTn id="17" fill="hold">
                       <p:stCondLst>
                         <p:cond delay="indefinite"/>
                       </p:stCondLst>
                       <p:childTnLst>
                         <p:par>
-                          <p:cTn id="20" fill="hold">
+                          <p:cTn id="18" fill="hold">
                             <p:stCondLst>
                               <p:cond delay="0"/>
                             </p:stCondLst>
                             <p:childTnLst>
                               <p:par>
-                                <p:cTn id="21" presetID="1" presetClass="entr" presetSubtype="0" fill="hold" nodeType="clickEffect">
+                                <p:cTn id="19" presetID="1" presetClass="entr" presetSubtype="0" fill="hold" nodeType="clickEffect">
+                                  <p:stCondLst>
+                                    <p:cond delay="0"/>
+                                  </p:stCondLst>
+                                  <p:childTnLst>
+                                    <p:set>
+                                      <p:cBhvr>
+                                        <p:cTn id="20" dur="1" fill="hold">
+                                          <p:stCondLst>
+                                            <p:cond delay="0"/>
+                                          </p:stCondLst>
+                                        </p:cTn>
+                                        <p:tgtEl>
+                                          <p:spTgt spid="3">
+                                            <p:txEl>
+                                              <p:pRg st="5" end="5"/>
+                                            </p:txEl>
+                                          </p:spTgt>
+                                        </p:tgtEl>
+                                        <p:attrNameLst>
+                                          <p:attrName>style.visibility</p:attrName>
+                                        </p:attrNameLst>
+                                      </p:cBhvr>
+                                      <p:to>
+                                        <p:strVal val="visible"/>
+                                      </p:to>
+                                    </p:set>
+                                  </p:childTnLst>
+                                </p:cTn>
+                              </p:par>
+                              <p:par>
+                                <p:cTn id="21" presetID="1" presetClass="entr" presetSubtype="0" fill="hold" nodeType="withEffect">
                                   <p:stCondLst>
                                     <p:cond delay="0"/>
                                   </p:stCondLst>
@@ -18091,11 +17953,7 @@
                                           </p:stCondLst>
                                         </p:cTn>
                                         <p:tgtEl>
-                                          <p:spTgt spid="3">
-                                            <p:txEl>
-                                              <p:pRg st="5" end="5"/>
-                                            </p:txEl>
-                                          </p:spTgt>
+                                          <p:spTgt spid="7"/>
                                         </p:tgtEl>
                                         <p:attrNameLst>
                                           <p:attrName>style.visibility</p:attrName>
@@ -18122,7 +17980,11 @@
                                           </p:stCondLst>
                                         </p:cTn>
                                         <p:tgtEl>
-                                          <p:spTgt spid="7"/>
+                                          <p:spTgt spid="3">
+                                            <p:txEl>
+                                              <p:pRg st="6" end="6"/>
+                                            </p:txEl>
+                                          </p:spTgt>
                                         </p:tgtEl>
                                         <p:attrNameLst>
                                           <p:attrName>style.visibility</p:attrName>
@@ -18162,55 +18024,6 @@
                                     <p:set>
                                       <p:cBhvr>
                                         <p:cTn id="28" dur="1" fill="hold">
-                                          <p:stCondLst>
-                                            <p:cond delay="0"/>
-                                          </p:stCondLst>
-                                        </p:cTn>
-                                        <p:tgtEl>
-                                          <p:spTgt spid="3">
-                                            <p:txEl>
-                                              <p:pRg st="6" end="6"/>
-                                            </p:txEl>
-                                          </p:spTgt>
-                                        </p:tgtEl>
-                                        <p:attrNameLst>
-                                          <p:attrName>style.visibility</p:attrName>
-                                        </p:attrNameLst>
-                                      </p:cBhvr>
-                                      <p:to>
-                                        <p:strVal val="visible"/>
-                                      </p:to>
-                                    </p:set>
-                                  </p:childTnLst>
-                                </p:cTn>
-                              </p:par>
-                            </p:childTnLst>
-                          </p:cTn>
-                        </p:par>
-                      </p:childTnLst>
-                    </p:cTn>
-                  </p:par>
-                  <p:par>
-                    <p:cTn id="29" fill="hold">
-                      <p:stCondLst>
-                        <p:cond delay="indefinite"/>
-                      </p:stCondLst>
-                      <p:childTnLst>
-                        <p:par>
-                          <p:cTn id="30" fill="hold">
-                            <p:stCondLst>
-                              <p:cond delay="0"/>
-                            </p:stCondLst>
-                            <p:childTnLst>
-                              <p:par>
-                                <p:cTn id="31" presetID="1" presetClass="entr" presetSubtype="0" fill="hold" nodeType="clickEffect">
-                                  <p:stCondLst>
-                                    <p:cond delay="0"/>
-                                  </p:stCondLst>
-                                  <p:childTnLst>
-                                    <p:set>
-                                      <p:cBhvr>
-                                        <p:cTn id="32" dur="1" fill="hold">
                                           <p:stCondLst>
                                             <p:cond delay="0"/>
                                           </p:stCondLst>
@@ -18513,6 +18326,44 @@
       </p:grpSpPr>
       <p:sp>
         <p:nvSpPr>
+          <p:cNvPr id="7" name="Slide Number">
+            <a:extLst>
+              <a:ext uri="{FF2B5EF4-FFF2-40B4-BE49-F238E27FC236}">
+                <a16:creationId xmlns:a16="http://schemas.microsoft.com/office/drawing/2014/main" id="{DE1C1DB0-6576-4BDD-9AF7-16EAC60B7A17}"/>
+              </a:ext>
+            </a:extLst>
+          </p:cNvPr>
+          <p:cNvSpPr>
+            <a:spLocks noGrp="1"/>
+          </p:cNvSpPr>
+          <p:nvPr>
+            <p:ph type="sldNum" sz="quarter" idx="4"/>
+          </p:nvPr>
+        </p:nvSpPr>
+        <p:spPr>
+          <a:prstGeom prst="rect">
+            <a:avLst/>
+          </a:prstGeom>
+        </p:spPr>
+        <p:txBody>
+          <a:bodyPr vert="horz" lIns="91440" tIns="45720" rIns="91440" bIns="45720" rtlCol="0" anchor="b"/>
+          <a:lstStyle>
+            <a:lvl1pPr algn="r">
+              <a:defRPr sz="1000"/>
+            </a:lvl1pPr>
+          </a:lstStyle>
+          <a:p>
+            <a:fld id="{2BF067CD-8E6B-4360-9AA8-C5DF2A48A6D1}" type="slidenum">
+              <a:rPr lang="en-US" noProof="0" smtClean="0"/>
+              <a:pPr/>
+              <a:t>24</a:t>
+            </a:fld>
+            <a:endParaRPr lang="en-US" noProof="0" dirty="0"/>
+          </a:p>
+        </p:txBody>
+      </p:sp>
+      <p:sp>
+        <p:nvSpPr>
           <p:cNvPr id="2" name="Text Placeholder 1"/>
           <p:cNvSpPr>
             <a:spLocks noGrp="1"/>
@@ -18524,7 +18375,7 @@
         <p:spPr/>
         <p:txBody>
           <a:bodyPr>
-            <a:normAutofit fontScale="92500"/>
+            <a:normAutofit fontScale="92500" lnSpcReduction="10000"/>
           </a:bodyPr>
           <a:lstStyle/>
           <a:p>
@@ -18539,7 +18390,7 @@
                   <a:schemeClr val="bg1"/>
                 </a:solidFill>
               </a:rPr>
-              <a:t>Търсещи алгоритми </a:t>
+              <a:t>Търсещ алгоритъм </a:t>
             </a:r>
             <a:r>
               <a:rPr lang="en-US" dirty="0"/>
@@ -18547,7 +18398,31 @@
             </a:r>
             <a:r>
               <a:rPr lang="bg-BG" dirty="0"/>
-              <a:t>алгоритъм за намиране на елемент с определени свойства сред други елементи в колекция</a:t>
+              <a:t>алгоритъм за намиране на </a:t>
+            </a:r>
+            <a:r>
+              <a:rPr lang="bg-BG" b="1" dirty="0">
+                <a:solidFill>
+                  <a:schemeClr val="bg1"/>
+                </a:solidFill>
+              </a:rPr>
+              <a:t>елемент</a:t>
+            </a:r>
+            <a:r>
+              <a:rPr lang="bg-BG" dirty="0"/>
+              <a:t> с </a:t>
+            </a:r>
+            <a:r>
+              <a:rPr lang="bg-BG" b="1" dirty="0">
+                <a:solidFill>
+                  <a:schemeClr val="bg1"/>
+                </a:solidFill>
+              </a:rPr>
+              <a:t>определени свойства </a:t>
+            </a:r>
+            <a:r>
+              <a:rPr lang="bg-BG" dirty="0"/>
+              <a:t>сред други елементи в колекция</a:t>
             </a:r>
             <a:endParaRPr lang="en-US" dirty="0"/>
           </a:p>
@@ -18598,18 +18473,22 @@
             <a:endParaRPr lang="en-US" dirty="0"/>
           </a:p>
           <a:p>
-            <a:pPr lvl="2"/>
-            <a:r>
-              <a:rPr lang="ru-RU" dirty="0"/>
-              <a:t>Опитайте се да използвате частични знания за дадена структура</a:t>
-            </a:r>
-            <a:endParaRPr lang="en-US" dirty="0"/>
-          </a:p>
-          <a:p>
             <a:pPr lvl="1"/>
             <a:r>
               <a:rPr lang="bg-BG" dirty="0"/>
-              <a:t>За подструктура на дадена структура</a:t>
+              <a:t>За </a:t>
+            </a:r>
+            <a:r>
+              <a:rPr lang="bg-BG" b="1" dirty="0">
+                <a:solidFill>
+                  <a:schemeClr val="bg1"/>
+                </a:solidFill>
+              </a:rPr>
+              <a:t>подструктура</a:t>
+            </a:r>
+            <a:r>
+              <a:rPr lang="bg-BG" dirty="0"/>
+              <a:t> на дадена структура</a:t>
             </a:r>
             <a:endParaRPr lang="en-US" dirty="0"/>
           </a:p>
@@ -18712,12 +18591,7 @@
             <p:ph type="title"/>
           </p:nvPr>
         </p:nvSpPr>
-        <p:spPr>
-          <a:xfrm>
-            <a:off x="191945" y="88368"/>
-            <a:ext cx="9503571" cy="882424"/>
-          </a:xfrm>
-        </p:spPr>
+        <p:spPr/>
         <p:txBody>
           <a:bodyPr/>
           <a:lstStyle/>
@@ -18777,48 +18651,6 @@
           </a:extLst>
         </p:spPr>
       </p:pic>
-      <p:sp>
-        <p:nvSpPr>
-          <p:cNvPr id="7" name="Slide Number">
-            <a:extLst>
-              <a:ext uri="{FF2B5EF4-FFF2-40B4-BE49-F238E27FC236}">
-                <a16:creationId xmlns:a16="http://schemas.microsoft.com/office/drawing/2014/main" id="{DE1C1DB0-6576-4BDD-9AF7-16EAC60B7A17}"/>
-              </a:ext>
-            </a:extLst>
-          </p:cNvPr>
-          <p:cNvSpPr>
-            <a:spLocks noGrp="1"/>
-          </p:cNvSpPr>
-          <p:nvPr>
-            <p:ph type="sldNum" sz="quarter" idx="5"/>
-          </p:nvPr>
-        </p:nvSpPr>
-        <p:spPr>
-          <a:xfrm>
-            <a:off x="11753030" y="6507000"/>
-            <a:ext cx="367414" cy="297000"/>
-          </a:xfrm>
-          <a:prstGeom prst="rect">
-            <a:avLst/>
-          </a:prstGeom>
-        </p:spPr>
-        <p:txBody>
-          <a:bodyPr vert="horz" lIns="91440" tIns="45720" rIns="91440" bIns="45720" rtlCol="0" anchor="b"/>
-          <a:lstStyle>
-            <a:lvl1pPr algn="r">
-              <a:defRPr sz="1000"/>
-            </a:lvl1pPr>
-          </a:lstStyle>
-          <a:p>
-            <a:fld id="{2BF067CD-8E6B-4360-9AA8-C5DF2A48A6D1}" type="slidenum">
-              <a:rPr lang="en-US" noProof="0" smtClean="0"/>
-              <a:pPr/>
-              <a:t>24</a:t>
-            </a:fld>
-            <a:endParaRPr lang="en-US" noProof="0" dirty="0"/>
-          </a:p>
-        </p:txBody>
-      </p:sp>
     </p:spTree>
     <p:extLst>
       <p:ext uri="{BB962C8B-B14F-4D97-AF65-F5344CB8AC3E}">
@@ -18937,33 +18769,15 @@
                                   </p:childTnLst>
                                 </p:cTn>
                               </p:par>
-                            </p:childTnLst>
-                          </p:cTn>
-                        </p:par>
-                      </p:childTnLst>
-                    </p:cTn>
-                  </p:par>
-                  <p:par>
-                    <p:cTn id="11" fill="hold">
-                      <p:stCondLst>
-                        <p:cond delay="indefinite"/>
-                      </p:stCondLst>
-                      <p:childTnLst>
-                        <p:par>
-                          <p:cTn id="12" fill="hold">
-                            <p:stCondLst>
-                              <p:cond delay="0"/>
-                            </p:stCondLst>
-                            <p:childTnLst>
                               <p:par>
-                                <p:cTn id="13" presetID="1" presetClass="entr" presetSubtype="0" fill="hold" nodeType="clickEffect">
+                                <p:cTn id="11" presetID="1" presetClass="entr" presetSubtype="0" fill="hold" nodeType="withEffect">
                                   <p:stCondLst>
                                     <p:cond delay="0"/>
                                   </p:stCondLst>
                                   <p:childTnLst>
                                     <p:set>
                                       <p:cBhvr>
-                                        <p:cTn id="14" dur="1" fill="hold">
+                                        <p:cTn id="12" dur="1" fill="hold">
                                           <p:stCondLst>
                                             <p:cond delay="0"/>
                                           </p:stCondLst>
@@ -18993,19 +18807,50 @@
                     </p:cTn>
                   </p:par>
                   <p:par>
-                    <p:cTn id="15" fill="hold">
+                    <p:cTn id="13" fill="hold">
                       <p:stCondLst>
                         <p:cond delay="indefinite"/>
                       </p:stCondLst>
                       <p:childTnLst>
                         <p:par>
-                          <p:cTn id="16" fill="hold">
+                          <p:cTn id="14" fill="hold">
                             <p:stCondLst>
                               <p:cond delay="0"/>
                             </p:stCondLst>
                             <p:childTnLst>
                               <p:par>
-                                <p:cTn id="17" presetID="1" presetClass="entr" presetSubtype="0" fill="hold" nodeType="clickEffect">
+                                <p:cTn id="15" presetID="1" presetClass="entr" presetSubtype="0" fill="hold" nodeType="clickEffect">
+                                  <p:stCondLst>
+                                    <p:cond delay="0"/>
+                                  </p:stCondLst>
+                                  <p:childTnLst>
+                                    <p:set>
+                                      <p:cBhvr>
+                                        <p:cTn id="16" dur="1" fill="hold">
+                                          <p:stCondLst>
+                                            <p:cond delay="0"/>
+                                          </p:stCondLst>
+                                        </p:cTn>
+                                        <p:tgtEl>
+                                          <p:spTgt spid="2">
+                                            <p:txEl>
+                                              <p:pRg st="4" end="4"/>
+                                            </p:txEl>
+                                          </p:spTgt>
+                                        </p:tgtEl>
+                                        <p:attrNameLst>
+                                          <p:attrName>style.visibility</p:attrName>
+                                        </p:attrNameLst>
+                                      </p:cBhvr>
+                                      <p:to>
+                                        <p:strVal val="visible"/>
+                                      </p:to>
+                                    </p:set>
+                                  </p:childTnLst>
+                                </p:cTn>
+                              </p:par>
+                              <p:par>
+                                <p:cTn id="17" presetID="1" presetClass="entr" presetSubtype="0" fill="hold" nodeType="withEffect">
                                   <p:stCondLst>
                                     <p:cond delay="0"/>
                                   </p:stCondLst>
@@ -19020,7 +18865,7 @@
                                         <p:tgtEl>
                                           <p:spTgt spid="2">
                                             <p:txEl>
-                                              <p:pRg st="4" end="4"/>
+                                              <p:pRg st="5" end="5"/>
                                             </p:txEl>
                                           </p:spTgt>
                                         </p:tgtEl>
@@ -19069,105 +18914,7 @@
                                         <p:tgtEl>
                                           <p:spTgt spid="2">
                                             <p:txEl>
-                                              <p:pRg st="5" end="5"/>
-                                            </p:txEl>
-                                          </p:spTgt>
-                                        </p:tgtEl>
-                                        <p:attrNameLst>
-                                          <p:attrName>style.visibility</p:attrName>
-                                        </p:attrNameLst>
-                                      </p:cBhvr>
-                                      <p:to>
-                                        <p:strVal val="visible"/>
-                                      </p:to>
-                                    </p:set>
-                                  </p:childTnLst>
-                                </p:cTn>
-                              </p:par>
-                            </p:childTnLst>
-                          </p:cTn>
-                        </p:par>
-                      </p:childTnLst>
-                    </p:cTn>
-                  </p:par>
-                  <p:par>
-                    <p:cTn id="23" fill="hold">
-                      <p:stCondLst>
-                        <p:cond delay="indefinite"/>
-                      </p:stCondLst>
-                      <p:childTnLst>
-                        <p:par>
-                          <p:cTn id="24" fill="hold">
-                            <p:stCondLst>
-                              <p:cond delay="0"/>
-                            </p:stCondLst>
-                            <p:childTnLst>
-                              <p:par>
-                                <p:cTn id="25" presetID="1" presetClass="entr" presetSubtype="0" fill="hold" nodeType="clickEffect">
-                                  <p:stCondLst>
-                                    <p:cond delay="0"/>
-                                  </p:stCondLst>
-                                  <p:childTnLst>
-                                    <p:set>
-                                      <p:cBhvr>
-                                        <p:cTn id="26" dur="1" fill="hold">
-                                          <p:stCondLst>
-                                            <p:cond delay="0"/>
-                                          </p:stCondLst>
-                                        </p:cTn>
-                                        <p:tgtEl>
-                                          <p:spTgt spid="2">
-                                            <p:txEl>
                                               <p:pRg st="6" end="6"/>
-                                            </p:txEl>
-                                          </p:spTgt>
-                                        </p:tgtEl>
-                                        <p:attrNameLst>
-                                          <p:attrName>style.visibility</p:attrName>
-                                        </p:attrNameLst>
-                                      </p:cBhvr>
-                                      <p:to>
-                                        <p:strVal val="visible"/>
-                                      </p:to>
-                                    </p:set>
-                                  </p:childTnLst>
-                                </p:cTn>
-                              </p:par>
-                            </p:childTnLst>
-                          </p:cTn>
-                        </p:par>
-                      </p:childTnLst>
-                    </p:cTn>
-                  </p:par>
-                  <p:par>
-                    <p:cTn id="27" fill="hold">
-                      <p:stCondLst>
-                        <p:cond delay="indefinite"/>
-                      </p:stCondLst>
-                      <p:childTnLst>
-                        <p:par>
-                          <p:cTn id="28" fill="hold">
-                            <p:stCondLst>
-                              <p:cond delay="0"/>
-                            </p:stCondLst>
-                            <p:childTnLst>
-                              <p:par>
-                                <p:cTn id="29" presetID="1" presetClass="entr" presetSubtype="0" fill="hold" nodeType="clickEffect">
-                                  <p:stCondLst>
-                                    <p:cond delay="0"/>
-                                  </p:stCondLst>
-                                  <p:childTnLst>
-                                    <p:set>
-                                      <p:cBhvr>
-                                        <p:cTn id="30" dur="1" fill="hold">
-                                          <p:stCondLst>
-                                            <p:cond delay="0"/>
-                                          </p:stCondLst>
-                                        </p:cTn>
-                                        <p:tgtEl>
-                                          <p:spTgt spid="2">
-                                            <p:txEl>
-                                              <p:pRg st="7" end="7"/>
                                             </p:txEl>
                                           </p:spTgt>
                                         </p:tgtEl>
@@ -19232,6 +18979,44 @@
       </p:grpSpPr>
       <p:sp>
         <p:nvSpPr>
+          <p:cNvPr id="6" name="Slide Number">
+            <a:extLst>
+              <a:ext uri="{FF2B5EF4-FFF2-40B4-BE49-F238E27FC236}">
+                <a16:creationId xmlns:a16="http://schemas.microsoft.com/office/drawing/2014/main" id="{B64C7563-70FE-445C-8EFD-87FD023BDA94}"/>
+              </a:ext>
+            </a:extLst>
+          </p:cNvPr>
+          <p:cNvSpPr>
+            <a:spLocks noGrp="1"/>
+          </p:cNvSpPr>
+          <p:nvPr>
+            <p:ph type="sldNum" sz="quarter" idx="4"/>
+          </p:nvPr>
+        </p:nvSpPr>
+        <p:spPr>
+          <a:prstGeom prst="rect">
+            <a:avLst/>
+          </a:prstGeom>
+        </p:spPr>
+        <p:txBody>
+          <a:bodyPr vert="horz" lIns="91440" tIns="45720" rIns="91440" bIns="45720" rtlCol="0" anchor="b"/>
+          <a:lstStyle>
+            <a:lvl1pPr algn="r">
+              <a:defRPr sz="1000"/>
+            </a:lvl1pPr>
+          </a:lstStyle>
+          <a:p>
+            <a:fld id="{2BF067CD-8E6B-4360-9AA8-C5DF2A48A6D1}" type="slidenum">
+              <a:rPr lang="en-US" noProof="0" smtClean="0"/>
+              <a:pPr/>
+              <a:t>25</a:t>
+            </a:fld>
+            <a:endParaRPr lang="en-US" noProof="0" dirty="0"/>
+          </a:p>
+        </p:txBody>
+      </p:sp>
+      <p:sp>
+        <p:nvSpPr>
           <p:cNvPr id="2" name="Text Placeholder 1"/>
           <p:cNvSpPr>
             <a:spLocks noGrp="1"/>
@@ -19240,12 +19025,7 @@
             <p:ph type="body" sz="quarter" idx="10"/>
           </p:nvPr>
         </p:nvSpPr>
-        <p:spPr>
-          <a:xfrm>
-            <a:off x="71556" y="1128614"/>
-            <a:ext cx="11815018" cy="5527326"/>
-          </a:xfrm>
-        </p:spPr>
+        <p:spPr/>
         <p:txBody>
           <a:bodyPr>
             <a:normAutofit/>
@@ -19258,7 +19038,7 @@
               </a:buClr>
             </a:pPr>
             <a:r>
-              <a:rPr lang="bg-BG" sz="3200" b="1" dirty="0">
+              <a:rPr lang="bg-BG" sz="3600" b="1" dirty="0">
                 <a:solidFill>
                   <a:schemeClr val="bg1"/>
                 </a:solidFill>
@@ -19266,11 +19046,11 @@
               <a:t>Линейното търсене</a:t>
             </a:r>
             <a:r>
-              <a:rPr lang="bg-BG" sz="3200" dirty="0"/>
+              <a:rPr lang="bg-BG" sz="3600" dirty="0"/>
               <a:t> намира определена </a:t>
             </a:r>
             <a:r>
-              <a:rPr lang="bg-BG" sz="3200" b="1" dirty="0">
+              <a:rPr lang="bg-BG" sz="3600" b="1" dirty="0">
                 <a:solidFill>
                   <a:schemeClr val="bg1"/>
                 </a:solidFill>
@@ -19278,19 +19058,27 @@
               <a:t>стойност</a:t>
             </a:r>
             <a:r>
+              <a:rPr lang="bg-BG" sz="3600" dirty="0"/>
+              <a:t> в списък</a:t>
+            </a:r>
+            <a:r>
+              <a:rPr lang="en-US" sz="3600" dirty="0"/>
+              <a:t>, </a:t>
+            </a:r>
+            <a:r>
+              <a:rPr lang="bg-BG" sz="3600" dirty="0"/>
+              <a:t>като:</a:t>
+            </a:r>
+            <a:endParaRPr lang="en-US" sz="3600" dirty="0"/>
+          </a:p>
+          <a:p>
+            <a:pPr lvl="1"/>
+            <a:r>
               <a:rPr lang="bg-BG" sz="3200" dirty="0"/>
-              <a:t> в списък</a:t>
-            </a:r>
-            <a:endParaRPr lang="en-US" sz="3200" dirty="0"/>
-          </a:p>
-          <a:p>
-            <a:pPr lvl="1"/>
-            <a:r>
-              <a:rPr lang="bg-BG" sz="2800" dirty="0"/>
               <a:t>Проверява </a:t>
             </a:r>
             <a:r>
-              <a:rPr lang="bg-BG" sz="2800" b="1" dirty="0">
+              <a:rPr lang="bg-BG" sz="3200" b="1" dirty="0">
                 <a:solidFill>
                   <a:schemeClr val="bg1"/>
                 </a:solidFill>
@@ -19298,42 +19086,54 @@
               <a:t>всеки един </a:t>
             </a:r>
             <a:r>
-              <a:rPr lang="bg-BG" sz="2800" dirty="0"/>
+              <a:rPr lang="bg-BG" sz="3200" dirty="0"/>
               <a:t>от елементите</a:t>
             </a:r>
-            <a:endParaRPr lang="en-US" sz="2800" dirty="0"/>
+            <a:endParaRPr lang="en-US" sz="3200" dirty="0"/>
           </a:p>
           <a:p>
             <a:pPr lvl="1"/>
             <a:r>
-              <a:rPr lang="ru-RU" sz="2800" dirty="0"/>
-              <a:t>Един по един, в последователност, д</a:t>
-            </a:r>
-            <a:r>
-              <a:rPr lang="bg-BG" sz="2800" dirty="0"/>
-              <a:t>окато не е намерен желания елемент</a:t>
-            </a:r>
-            <a:endParaRPr lang="en-US" sz="2800" dirty="0"/>
-          </a:p>
-          <a:p>
+              <a:rPr lang="ru-RU" sz="3200" dirty="0"/>
+              <a:t>Един по един, </a:t>
+            </a:r>
+            <a:r>
+              <a:rPr lang="ru-RU" sz="3200" b="1" dirty="0">
+                <a:solidFill>
+                  <a:schemeClr val="bg1"/>
+                </a:solidFill>
+              </a:rPr>
+              <a:t>последователно</a:t>
+            </a:r>
+            <a:r>
+              <a:rPr lang="ru-RU" sz="3200" dirty="0"/>
+              <a:t>, д</a:t>
+            </a:r>
             <a:r>
               <a:rPr lang="bg-BG" sz="3200" dirty="0"/>
+              <a:t>окато не е намерен желаният елемент</a:t>
+            </a:r>
+            <a:endParaRPr lang="en-US" sz="3200" dirty="0"/>
+          </a:p>
+          <a:p>
+            <a:r>
+              <a:rPr lang="bg-BG" sz="3600" dirty="0"/>
               <a:t>Най-лоша, средноаретмична и най-добра</a:t>
             </a:r>
             <a:r>
-              <a:rPr lang="en-US" sz="3200" dirty="0"/>
+              <a:rPr lang="en-US" sz="3600" dirty="0"/>
               <a:t> </a:t>
             </a:r>
             <a:r>
-              <a:rPr lang="bg-BG" sz="3200" dirty="0"/>
+              <a:rPr lang="bg-BG" sz="3600" dirty="0"/>
               <a:t>производителност</a:t>
             </a:r>
             <a:r>
-              <a:rPr lang="en-US" sz="3200" dirty="0"/>
+              <a:rPr lang="en-US" sz="3600" dirty="0"/>
               <a:t>: </a:t>
             </a:r>
             <a:r>
-              <a:rPr lang="en-US" sz="3200" b="1" dirty="0">
+              <a:rPr lang="en-US" sz="3600" b="1" dirty="0">
                 <a:solidFill>
                   <a:schemeClr val="bg1"/>
                 </a:solidFill>
@@ -19344,11 +19144,11 @@
           </a:p>
           <a:p>
             <a:r>
-              <a:rPr lang="bg-BG" sz="3200" dirty="0"/>
+              <a:rPr lang="bg-BG" sz="3600" dirty="0"/>
               <a:t>Можете да видите </a:t>
             </a:r>
             <a:r>
-              <a:rPr lang="bg-BG" sz="3200" b="1" dirty="0">
+              <a:rPr lang="bg-BG" sz="3600" b="1" dirty="0">
                 <a:solidFill>
                   <a:schemeClr val="bg1"/>
                 </a:solidFill>
@@ -19362,14 +19162,14 @@
               </a:rPr>
               <a:t>визуализацията</a:t>
             </a:r>
-            <a:endParaRPr lang="en-US" sz="3200" b="1" dirty="0">
+            <a:endParaRPr lang="en-US" sz="3600" b="1" dirty="0">
               <a:solidFill>
                 <a:schemeClr val="bg1"/>
               </a:solidFill>
             </a:endParaRPr>
           </a:p>
           <a:p>
-            <a:endParaRPr lang="en-US" sz="3200" b="1" dirty="0">
+            <a:endParaRPr lang="en-US" sz="3600" b="1" dirty="0">
               <a:solidFill>
                 <a:schemeClr val="bg1"/>
               </a:solidFill>
@@ -19388,12 +19188,7 @@
             <p:ph type="title"/>
           </p:nvPr>
         </p:nvSpPr>
-        <p:spPr>
-          <a:xfrm>
-            <a:off x="191944" y="101617"/>
-            <a:ext cx="9713064" cy="882424"/>
-          </a:xfrm>
-        </p:spPr>
+        <p:spPr/>
         <p:txBody>
           <a:bodyPr/>
           <a:lstStyle/>
@@ -19403,48 +19198,6 @@
               <a:t>Линейно търсене</a:t>
             </a:r>
             <a:endParaRPr lang="en-US" dirty="0"/>
-          </a:p>
-        </p:txBody>
-      </p:sp>
-      <p:sp>
-        <p:nvSpPr>
-          <p:cNvPr id="6" name="Slide Number">
-            <a:extLst>
-              <a:ext uri="{FF2B5EF4-FFF2-40B4-BE49-F238E27FC236}">
-                <a16:creationId xmlns:a16="http://schemas.microsoft.com/office/drawing/2014/main" id="{B64C7563-70FE-445C-8EFD-87FD023BDA94}"/>
-              </a:ext>
-            </a:extLst>
-          </p:cNvPr>
-          <p:cNvSpPr>
-            <a:spLocks noGrp="1"/>
-          </p:cNvSpPr>
-          <p:nvPr>
-            <p:ph type="sldNum" sz="quarter" idx="5"/>
-          </p:nvPr>
-        </p:nvSpPr>
-        <p:spPr>
-          <a:xfrm>
-            <a:off x="11753030" y="6507000"/>
-            <a:ext cx="367414" cy="297000"/>
-          </a:xfrm>
-          <a:prstGeom prst="rect">
-            <a:avLst/>
-          </a:prstGeom>
-        </p:spPr>
-        <p:txBody>
-          <a:bodyPr vert="horz" lIns="91440" tIns="45720" rIns="91440" bIns="45720" rtlCol="0" anchor="b"/>
-          <a:lstStyle>
-            <a:lvl1pPr algn="r">
-              <a:defRPr sz="1000"/>
-            </a:lvl1pPr>
-          </a:lstStyle>
-          <a:p>
-            <a:fld id="{2BF067CD-8E6B-4360-9AA8-C5DF2A48A6D1}" type="slidenum">
-              <a:rPr lang="en-US" noProof="0" smtClean="0"/>
-              <a:pPr/>
-              <a:t>25</a:t>
-            </a:fld>
-            <a:endParaRPr lang="en-US" noProof="0" dirty="0"/>
           </a:p>
         </p:txBody>
       </p:sp>
@@ -19502,7 +19255,7 @@
                                         <p:tgtEl>
                                           <p:spTgt spid="2">
                                             <p:txEl>
-                                              <p:pRg st="1" end="1"/>
+                                              <p:pRg st="2" end="2"/>
                                             </p:txEl>
                                           </p:spTgt>
                                         </p:tgtEl>
@@ -19551,7 +19304,7 @@
                                         <p:tgtEl>
                                           <p:spTgt spid="2">
                                             <p:txEl>
-                                              <p:pRg st="2" end="2"/>
+                                              <p:pRg st="3" end="3"/>
                                             </p:txEl>
                                           </p:spTgt>
                                         </p:tgtEl>
@@ -19593,55 +19346,6 @@
                                     <p:set>
                                       <p:cBhvr>
                                         <p:cTn id="14" dur="1" fill="hold">
-                                          <p:stCondLst>
-                                            <p:cond delay="0"/>
-                                          </p:stCondLst>
-                                        </p:cTn>
-                                        <p:tgtEl>
-                                          <p:spTgt spid="2">
-                                            <p:txEl>
-                                              <p:pRg st="3" end="3"/>
-                                            </p:txEl>
-                                          </p:spTgt>
-                                        </p:tgtEl>
-                                        <p:attrNameLst>
-                                          <p:attrName>style.visibility</p:attrName>
-                                        </p:attrNameLst>
-                                      </p:cBhvr>
-                                      <p:to>
-                                        <p:strVal val="visible"/>
-                                      </p:to>
-                                    </p:set>
-                                  </p:childTnLst>
-                                </p:cTn>
-                              </p:par>
-                            </p:childTnLst>
-                          </p:cTn>
-                        </p:par>
-                      </p:childTnLst>
-                    </p:cTn>
-                  </p:par>
-                  <p:par>
-                    <p:cTn id="15" fill="hold">
-                      <p:stCondLst>
-                        <p:cond delay="indefinite"/>
-                      </p:stCondLst>
-                      <p:childTnLst>
-                        <p:par>
-                          <p:cTn id="16" fill="hold">
-                            <p:stCondLst>
-                              <p:cond delay="0"/>
-                            </p:stCondLst>
-                            <p:childTnLst>
-                              <p:par>
-                                <p:cTn id="17" presetID="1" presetClass="entr" presetSubtype="0" fill="hold" nodeType="clickEffect">
-                                  <p:stCondLst>
-                                    <p:cond delay="0"/>
-                                  </p:stCondLst>
-                                  <p:childTnLst>
-                                    <p:set>
-                                      <p:cBhvr>
-                                        <p:cTn id="18" dur="1" fill="hold">
                                           <p:stCondLst>
                                             <p:cond delay="0"/>
                                           </p:stCondLst>
@@ -19765,15 +19469,7 @@
             </a:pPr>
             <a:r>
               <a:rPr lang="bg-BG" sz="3199" dirty="0"/>
-              <a:t>При всяка стъпка</a:t>
-            </a:r>
-            <a:r>
-              <a:rPr lang="en-US" sz="3199" dirty="0"/>
-              <a:t>,</a:t>
-            </a:r>
-            <a:r>
-              <a:rPr lang="bg-BG" sz="3199" dirty="0"/>
-              <a:t> </a:t>
+              <a:t>При всяка стъпка </a:t>
             </a:r>
             <a:r>
               <a:rPr lang="bg-BG" sz="3199" b="1" dirty="0">
@@ -19838,11 +19534,24 @@
             </a:r>
             <a:r>
               <a:rPr lang="bg-BG" b="1" dirty="0">
-                <a:hlinkClick r:id="rId2"/>
+                <a:solidFill>
+                  <a:schemeClr val="bg1"/>
+                </a:solidFill>
+                <a:hlinkClick r:id="rId2">
+                  <a:extLst>
+                    <a:ext uri="{A12FA001-AC4F-418D-AE19-62706E023703}">
+                      <ahyp:hlinkClr xmlns:ahyp="http://schemas.microsoft.com/office/drawing/2018/hyperlinkcolor" val="tx"/>
+                    </a:ext>
+                  </a:extLst>
+                </a:hlinkClick>
               </a:rPr>
               <a:t>визуализацията</a:t>
             </a:r>
-            <a:endParaRPr lang="en-US" dirty="0"/>
+            <a:endParaRPr lang="en-US" dirty="0">
+              <a:solidFill>
+                <a:schemeClr val="bg1"/>
+              </a:solidFill>
+            </a:endParaRPr>
           </a:p>
         </p:txBody>
       </p:sp>
@@ -20150,7 +19859,7 @@
                                         <p:tgtEl>
                                           <p:spTgt spid="2">
                                             <p:txEl>
-                                              <p:pRg st="2" end="2"/>
+                                              <p:pRg st="3" end="3"/>
                                             </p:txEl>
                                           </p:spTgt>
                                         </p:tgtEl>
@@ -20192,55 +19901,6 @@
                                     <p:set>
                                       <p:cBhvr>
                                         <p:cTn id="14" dur="1" fill="hold">
-                                          <p:stCondLst>
-                                            <p:cond delay="0"/>
-                                          </p:stCondLst>
-                                        </p:cTn>
-                                        <p:tgtEl>
-                                          <p:spTgt spid="2">
-                                            <p:txEl>
-                                              <p:pRg st="3" end="3"/>
-                                            </p:txEl>
-                                          </p:spTgt>
-                                        </p:tgtEl>
-                                        <p:attrNameLst>
-                                          <p:attrName>style.visibility</p:attrName>
-                                        </p:attrNameLst>
-                                      </p:cBhvr>
-                                      <p:to>
-                                        <p:strVal val="visible"/>
-                                      </p:to>
-                                    </p:set>
-                                  </p:childTnLst>
-                                </p:cTn>
-                              </p:par>
-                            </p:childTnLst>
-                          </p:cTn>
-                        </p:par>
-                      </p:childTnLst>
-                    </p:cTn>
-                  </p:par>
-                  <p:par>
-                    <p:cTn id="15" fill="hold">
-                      <p:stCondLst>
-                        <p:cond delay="indefinite"/>
-                      </p:stCondLst>
-                      <p:childTnLst>
-                        <p:par>
-                          <p:cTn id="16" fill="hold">
-                            <p:stCondLst>
-                              <p:cond delay="0"/>
-                            </p:stCondLst>
-                            <p:childTnLst>
-                              <p:par>
-                                <p:cTn id="17" presetID="1" presetClass="entr" presetSubtype="0" fill="hold" nodeType="clickEffect">
-                                  <p:stCondLst>
-                                    <p:cond delay="0"/>
-                                  </p:stCondLst>
-                                  <p:childTnLst>
-                                    <p:set>
-                                      <p:cBhvr>
-                                        <p:cTn id="18" dur="1" fill="hold">
                                           <p:stCondLst>
                                             <p:cond delay="0"/>
                                           </p:stCondLst>
@@ -20340,11 +20000,19 @@
             </a:r>
             <a:r>
               <a:rPr lang="en-US" dirty="0"/>
-              <a:t>): </a:t>
+              <a:t>)</a:t>
             </a:r>
             <a:r>
               <a:rPr lang="bg-BG" dirty="0"/>
-              <a:t>код</a:t>
+              <a:t> –</a:t>
+            </a:r>
+            <a:r>
+              <a:rPr lang="en-US" dirty="0"/>
+              <a:t> </a:t>
+            </a:r>
+            <a:r>
+              <a:rPr lang="bg-BG" dirty="0"/>
+              <a:t>Код</a:t>
             </a:r>
             <a:endParaRPr lang="en-US" dirty="0"/>
           </a:p>
@@ -21286,7 +20954,7 @@
         <p:spPr>
           <a:xfrm>
             <a:off x="1638028" y="982929"/>
-            <a:ext cx="10298815" cy="5376909"/>
+            <a:ext cx="10298815" cy="5641071"/>
           </a:xfrm>
         </p:spPr>
         <p:txBody>
@@ -21342,7 +21010,27 @@
             </a:r>
             <a:r>
               <a:rPr lang="bg-BG" sz="3399" dirty="0"/>
-              <a:t>алгоритъм за търсене на даден ключ в подреден индексиран масив</a:t>
+              <a:t>алгоритъм за търсене на даден </a:t>
+            </a:r>
+            <a:r>
+              <a:rPr lang="bg-BG" sz="3399" b="1" dirty="0">
+                <a:solidFill>
+                  <a:schemeClr val="bg1"/>
+                </a:solidFill>
+              </a:rPr>
+              <a:t>ключ</a:t>
+            </a:r>
+            <a:r>
+              <a:rPr lang="bg-BG" sz="3399" dirty="0"/>
+              <a:t> в </a:t>
+            </a:r>
+            <a:r>
+              <a:rPr lang="bg-BG" sz="3399" b="1" dirty="0">
+                <a:solidFill>
+                  <a:schemeClr val="bg1"/>
+                </a:solidFill>
+              </a:rPr>
+              <a:t>подреден индексиран масив</a:t>
             </a:r>
             <a:endParaRPr lang="en-US" sz="3399" b="1" dirty="0">
               <a:solidFill>
@@ -21357,10 +21045,10 @@
               </a:lnSpc>
             </a:pPr>
             <a:r>
-              <a:rPr lang="bg-BG" sz="2799" dirty="0"/>
+              <a:rPr lang="bg-BG" sz="3100" dirty="0"/>
               <a:t>Подобно на начина, по който хората търсят в телефонния указател</a:t>
             </a:r>
-            <a:endParaRPr lang="en-US" sz="2799" dirty="0"/>
+            <a:endParaRPr lang="en-US" sz="3100" dirty="0"/>
           </a:p>
           <a:p>
             <a:pPr lvl="1">
@@ -21369,7 +21057,7 @@
               </a:lnSpc>
             </a:pPr>
             <a:r>
-              <a:rPr lang="ru-RU" sz="2799" dirty="0"/>
+              <a:rPr lang="ru-RU" sz="3100" dirty="0"/>
               <a:t>Изчислява къде може да се намира елементът в оставащото пространство </a:t>
             </a:r>
           </a:p>
@@ -21380,18 +21068,18 @@
               </a:lnSpc>
             </a:pPr>
             <a:r>
-              <a:rPr lang="bg-BG" sz="2799" dirty="0"/>
+              <a:rPr lang="bg-BG" sz="3100" dirty="0"/>
               <a:t>Двоичното търсене винаги избира </a:t>
             </a:r>
             <a:r>
-              <a:rPr lang="bg-BG" sz="2799" b="1" dirty="0">
+              <a:rPr lang="bg-BG" sz="3100" b="1" dirty="0">
                 <a:solidFill>
                   <a:schemeClr val="bg1"/>
                 </a:solidFill>
               </a:rPr>
               <a:t>средния елемент</a:t>
             </a:r>
-            <a:endParaRPr lang="en-US" sz="2799" b="1" dirty="0">
+            <a:endParaRPr lang="en-US" sz="3100" b="1" dirty="0">
               <a:solidFill>
                 <a:schemeClr val="bg1"/>
               </a:solidFill>
@@ -21459,11 +21147,24 @@
             </a:r>
             <a:r>
               <a:rPr lang="bg-BG" b="1" dirty="0">
-                <a:hlinkClick r:id="rId2"/>
+                <a:solidFill>
+                  <a:schemeClr val="bg1"/>
+                </a:solidFill>
+                <a:hlinkClick r:id="rId2">
+                  <a:extLst>
+                    <a:ext uri="{A12FA001-AC4F-418D-AE19-62706E023703}">
+                      <ahyp:hlinkClr xmlns:ahyp="http://schemas.microsoft.com/office/drawing/2018/hyperlinkcolor" val="tx"/>
+                    </a:ext>
+                  </a:extLst>
+                </a:hlinkClick>
               </a:rPr>
               <a:t>визуализацията</a:t>
             </a:r>
-            <a:endParaRPr lang="en-US" dirty="0"/>
+            <a:endParaRPr lang="en-US" dirty="0">
+              <a:solidFill>
+                <a:schemeClr val="bg1"/>
+              </a:solidFill>
+            </a:endParaRPr>
           </a:p>
         </p:txBody>
       </p:sp>
@@ -21611,7 +21312,7 @@
                                         <p:tgtEl>
                                           <p:spTgt spid="3">
                                             <p:txEl>
-                                              <p:pRg st="1" end="1"/>
+                                              <p:pRg st="2" end="2"/>
                                             </p:txEl>
                                           </p:spTgt>
                                         </p:tgtEl>
@@ -21660,7 +21361,7 @@
                                         <p:tgtEl>
                                           <p:spTgt spid="3">
                                             <p:txEl>
-                                              <p:pRg st="2" end="2"/>
+                                              <p:pRg st="3" end="3"/>
                                             </p:txEl>
                                           </p:spTgt>
                                         </p:tgtEl>
@@ -21709,7 +21410,7 @@
                                         <p:tgtEl>
                                           <p:spTgt spid="3">
                                             <p:txEl>
-                                              <p:pRg st="3" end="3"/>
+                                              <p:pRg st="4" end="4"/>
                                             </p:txEl>
                                           </p:spTgt>
                                         </p:tgtEl>
@@ -21758,7 +21459,7 @@
                                         <p:tgtEl>
                                           <p:spTgt spid="3">
                                             <p:txEl>
-                                              <p:pRg st="4" end="4"/>
+                                              <p:pRg st="5" end="5"/>
                                             </p:txEl>
                                           </p:spTgt>
                                         </p:tgtEl>
@@ -21800,55 +21501,6 @@
                                     <p:set>
                                       <p:cBhvr>
                                         <p:cTn id="22" dur="1" fill="hold">
-                                          <p:stCondLst>
-                                            <p:cond delay="0"/>
-                                          </p:stCondLst>
-                                        </p:cTn>
-                                        <p:tgtEl>
-                                          <p:spTgt spid="3">
-                                            <p:txEl>
-                                              <p:pRg st="5" end="5"/>
-                                            </p:txEl>
-                                          </p:spTgt>
-                                        </p:tgtEl>
-                                        <p:attrNameLst>
-                                          <p:attrName>style.visibility</p:attrName>
-                                        </p:attrNameLst>
-                                      </p:cBhvr>
-                                      <p:to>
-                                        <p:strVal val="visible"/>
-                                      </p:to>
-                                    </p:set>
-                                  </p:childTnLst>
-                                </p:cTn>
-                              </p:par>
-                            </p:childTnLst>
-                          </p:cTn>
-                        </p:par>
-                      </p:childTnLst>
-                    </p:cTn>
-                  </p:par>
-                  <p:par>
-                    <p:cTn id="23" fill="hold">
-                      <p:stCondLst>
-                        <p:cond delay="indefinite"/>
-                      </p:stCondLst>
-                      <p:childTnLst>
-                        <p:par>
-                          <p:cTn id="24" fill="hold">
-                            <p:stCondLst>
-                              <p:cond delay="0"/>
-                            </p:stCondLst>
-                            <p:childTnLst>
-                              <p:par>
-                                <p:cTn id="25" presetID="1" presetClass="entr" presetSubtype="0" fill="hold" nodeType="clickEffect">
-                                  <p:stCondLst>
-                                    <p:cond delay="0"/>
-                                  </p:stCondLst>
-                                  <p:childTnLst>
-                                    <p:set>
-                                      <p:cBhvr>
-                                        <p:cTn id="26" dur="1" fill="hold">
                                           <p:stCondLst>
                                             <p:cond delay="0"/>
                                           </p:stCondLst>
@@ -21944,15 +21596,15 @@
           <a:p>
             <a:r>
               <a:rPr lang="bg-BG" sz="3999" dirty="0"/>
-              <a:t>Интерполационно търсене</a:t>
+              <a:t>Интерполационно Търсене –</a:t>
             </a:r>
             <a:r>
               <a:rPr lang="en-US" sz="3999" dirty="0"/>
-              <a:t>: </a:t>
+              <a:t> </a:t>
             </a:r>
             <a:r>
               <a:rPr lang="bg-BG" sz="3999" dirty="0"/>
-              <a:t>код</a:t>
+              <a:t>Код</a:t>
             </a:r>
             <a:endParaRPr lang="en-US" dirty="0"/>
           </a:p>
@@ -23172,7 +22824,12 @@
             <p:ph type="title" sz="quarter" idx="10"/>
           </p:nvPr>
         </p:nvSpPr>
-        <p:spPr/>
+        <p:spPr>
+          <a:xfrm>
+            <a:off x="615109" y="4775916"/>
+            <a:ext cx="10961783" cy="768084"/>
+          </a:xfrm>
+        </p:spPr>
         <p:txBody>
           <a:bodyPr/>
           <a:lstStyle/>
@@ -25246,11 +24903,19 @@
             </a:r>
             <a:r>
               <a:rPr lang="en-US" dirty="0"/>
-              <a:t>Fisher–Yates Shuffle: </a:t>
+              <a:t>Fisher–Yates Shuffle</a:t>
             </a:r>
             <a:r>
               <a:rPr lang="bg-BG" dirty="0"/>
-              <a:t>код</a:t>
+              <a:t> –</a:t>
+            </a:r>
+            <a:r>
+              <a:rPr lang="en-US" dirty="0"/>
+              <a:t> </a:t>
+            </a:r>
+            <a:r>
+              <a:rPr lang="bg-BG" dirty="0"/>
+              <a:t>Код</a:t>
             </a:r>
             <a:endParaRPr lang="en-US" dirty="0"/>
           </a:p>
@@ -26539,7 +26204,38 @@
                                         <p:tgtEl>
                                           <p:spTgt spid="14">
                                             <p:txEl>
-                                              <p:pRg st="1" end="1"/>
+                                              <p:pRg st="2" end="2"/>
+                                            </p:txEl>
+                                          </p:spTgt>
+                                        </p:tgtEl>
+                                        <p:attrNameLst>
+                                          <p:attrName>style.visibility</p:attrName>
+                                        </p:attrNameLst>
+                                      </p:cBhvr>
+                                      <p:to>
+                                        <p:strVal val="visible"/>
+                                      </p:to>
+                                    </p:set>
+                                  </p:childTnLst>
+                                </p:cTn>
+                              </p:par>
+                              <p:par>
+                                <p:cTn id="7" presetID="1" presetClass="entr" presetSubtype="0" fill="hold" nodeType="withEffect">
+                                  <p:stCondLst>
+                                    <p:cond delay="0"/>
+                                  </p:stCondLst>
+                                  <p:childTnLst>
+                                    <p:set>
+                                      <p:cBhvr>
+                                        <p:cTn id="8" dur="1" fill="hold">
+                                          <p:stCondLst>
+                                            <p:cond delay="0"/>
+                                          </p:stCondLst>
+                                        </p:cTn>
+                                        <p:tgtEl>
+                                          <p:spTgt spid="14">
+                                            <p:txEl>
+                                              <p:pRg st="3" end="3"/>
                                             </p:txEl>
                                           </p:spTgt>
                                         </p:tgtEl>
@@ -26561,26 +26257,26 @@
                     </p:cTn>
                   </p:par>
                   <p:par>
-                    <p:cTn id="7" fill="hold">
+                    <p:cTn id="9" fill="hold">
                       <p:stCondLst>
                         <p:cond delay="indefinite"/>
                       </p:stCondLst>
                       <p:childTnLst>
                         <p:par>
-                          <p:cTn id="8" fill="hold">
+                          <p:cTn id="10" fill="hold">
                             <p:stCondLst>
                               <p:cond delay="0"/>
                             </p:stCondLst>
                             <p:childTnLst>
                               <p:par>
-                                <p:cTn id="9" presetID="1" presetClass="entr" presetSubtype="0" fill="hold" nodeType="clickEffect">
+                                <p:cTn id="11" presetID="1" presetClass="entr" presetSubtype="0" fill="hold" nodeType="clickEffect">
                                   <p:stCondLst>
                                     <p:cond delay="0"/>
                                   </p:stCondLst>
                                   <p:childTnLst>
                                     <p:set>
                                       <p:cBhvr>
-                                        <p:cTn id="10" dur="1" fill="hold">
+                                        <p:cTn id="12" dur="1" fill="hold">
                                           <p:stCondLst>
                                             <p:cond delay="0"/>
                                           </p:stCondLst>
@@ -26588,7 +26284,7 @@
                                         <p:tgtEl>
                                           <p:spTgt spid="14">
                                             <p:txEl>
-                                              <p:pRg st="2" end="2"/>
+                                              <p:pRg st="4" end="4"/>
                                             </p:txEl>
                                           </p:spTgt>
                                         </p:tgtEl>
@@ -26603,26 +26299,8 @@
                                   </p:childTnLst>
                                 </p:cTn>
                               </p:par>
-                            </p:childTnLst>
-                          </p:cTn>
-                        </p:par>
-                      </p:childTnLst>
-                    </p:cTn>
-                  </p:par>
-                  <p:par>
-                    <p:cTn id="11" fill="hold">
-                      <p:stCondLst>
-                        <p:cond delay="indefinite"/>
-                      </p:stCondLst>
-                      <p:childTnLst>
-                        <p:par>
-                          <p:cTn id="12" fill="hold">
-                            <p:stCondLst>
-                              <p:cond delay="0"/>
-                            </p:stCondLst>
-                            <p:childTnLst>
                               <p:par>
-                                <p:cTn id="13" presetID="1" presetClass="entr" presetSubtype="0" fill="hold" nodeType="clickEffect">
+                                <p:cTn id="13" presetID="1" presetClass="entr" presetSubtype="0" fill="hold" nodeType="withEffect">
                                   <p:stCondLst>
                                     <p:cond delay="0"/>
                                   </p:stCondLst>
@@ -26637,7 +26315,7 @@
                                         <p:tgtEl>
                                           <p:spTgt spid="14">
                                             <p:txEl>
-                                              <p:pRg st="3" end="3"/>
+                                              <p:pRg st="5" end="5"/>
                                             </p:txEl>
                                           </p:spTgt>
                                         </p:tgtEl>
@@ -26686,7 +26364,7 @@
                                         <p:tgtEl>
                                           <p:spTgt spid="14">
                                             <p:txEl>
-                                              <p:pRg st="4" end="4"/>
+                                              <p:pRg st="6" end="6"/>
                                             </p:txEl>
                                           </p:spTgt>
                                         </p:tgtEl>
@@ -26735,104 +26413,6 @@
                                         <p:tgtEl>
                                           <p:spTgt spid="14">
                                             <p:txEl>
-                                              <p:pRg st="5" end="5"/>
-                                            </p:txEl>
-                                          </p:spTgt>
-                                        </p:tgtEl>
-                                        <p:attrNameLst>
-                                          <p:attrName>style.visibility</p:attrName>
-                                        </p:attrNameLst>
-                                      </p:cBhvr>
-                                      <p:to>
-                                        <p:strVal val="visible"/>
-                                      </p:to>
-                                    </p:set>
-                                  </p:childTnLst>
-                                </p:cTn>
-                              </p:par>
-                            </p:childTnLst>
-                          </p:cTn>
-                        </p:par>
-                      </p:childTnLst>
-                    </p:cTn>
-                  </p:par>
-                  <p:par>
-                    <p:cTn id="23" fill="hold">
-                      <p:stCondLst>
-                        <p:cond delay="indefinite"/>
-                      </p:stCondLst>
-                      <p:childTnLst>
-                        <p:par>
-                          <p:cTn id="24" fill="hold">
-                            <p:stCondLst>
-                              <p:cond delay="0"/>
-                            </p:stCondLst>
-                            <p:childTnLst>
-                              <p:par>
-                                <p:cTn id="25" presetID="1" presetClass="entr" presetSubtype="0" fill="hold" nodeType="clickEffect">
-                                  <p:stCondLst>
-                                    <p:cond delay="0"/>
-                                  </p:stCondLst>
-                                  <p:childTnLst>
-                                    <p:set>
-                                      <p:cBhvr>
-                                        <p:cTn id="26" dur="1" fill="hold">
-                                          <p:stCondLst>
-                                            <p:cond delay="0"/>
-                                          </p:stCondLst>
-                                        </p:cTn>
-                                        <p:tgtEl>
-                                          <p:spTgt spid="14">
-                                            <p:txEl>
-                                              <p:pRg st="6" end="6"/>
-                                            </p:txEl>
-                                          </p:spTgt>
-                                        </p:tgtEl>
-                                        <p:attrNameLst>
-                                          <p:attrName>style.visibility</p:attrName>
-                                        </p:attrNameLst>
-                                      </p:cBhvr>
-                                      <p:to>
-                                        <p:strVal val="visible"/>
-                                      </p:to>
-                                    </p:set>
-                                  </p:childTnLst>
-                                </p:cTn>
-                              </p:par>
-                            </p:childTnLst>
-                          </p:cTn>
-                        </p:par>
-                      </p:childTnLst>
-                    </p:cTn>
-                  </p:par>
-                  <p:par>
-                    <p:cTn id="27" fill="hold">
-                      <p:stCondLst>
-                        <p:cond delay="indefinite"/>
-                      </p:stCondLst>
-                      <p:childTnLst>
-                        <p:par>
-                          <p:cTn id="28" fill="hold">
-                            <p:stCondLst>
-                              <p:cond delay="0"/>
-                            </p:stCondLst>
-                            <p:childTnLst>
-                              <p:par>
-                                <p:cTn id="29" presetID="1" presetClass="entr" presetSubtype="0" fill="hold" nodeType="clickEffect">
-                                  <p:stCondLst>
-                                    <p:cond delay="0"/>
-                                  </p:stCondLst>
-                                  <p:childTnLst>
-                                    <p:set>
-                                      <p:cBhvr>
-                                        <p:cTn id="30" dur="1" fill="hold">
-                                          <p:stCondLst>
-                                            <p:cond delay="0"/>
-                                          </p:stCondLst>
-                                        </p:cTn>
-                                        <p:tgtEl>
-                                          <p:spTgt spid="14">
-                                            <p:txEl>
                                               <p:pRg st="7" end="7"/>
                                             </p:txEl>
                                           </p:spTgt>
@@ -26848,33 +26428,15 @@
                                   </p:childTnLst>
                                 </p:cTn>
                               </p:par>
-                            </p:childTnLst>
-                          </p:cTn>
-                        </p:par>
-                      </p:childTnLst>
-                    </p:cTn>
-                  </p:par>
-                  <p:par>
-                    <p:cTn id="31" fill="hold">
-                      <p:stCondLst>
-                        <p:cond delay="indefinite"/>
-                      </p:stCondLst>
-                      <p:childTnLst>
-                        <p:par>
-                          <p:cTn id="32" fill="hold">
-                            <p:stCondLst>
-                              <p:cond delay="0"/>
-                            </p:stCondLst>
-                            <p:childTnLst>
                               <p:par>
-                                <p:cTn id="33" presetID="1" presetClass="entr" presetSubtype="0" fill="hold" nodeType="clickEffect">
+                                <p:cTn id="23" presetID="1" presetClass="entr" presetSubtype="0" fill="hold" nodeType="withEffect">
                                   <p:stCondLst>
                                     <p:cond delay="0"/>
                                   </p:stCondLst>
                                   <p:childTnLst>
                                     <p:set>
                                       <p:cBhvr>
-                                        <p:cTn id="34" dur="1" fill="hold">
+                                        <p:cTn id="24" dur="1" fill="hold">
                                           <p:stCondLst>
                                             <p:cond delay="0"/>
                                           </p:stCondLst>
@@ -26904,26 +26466,26 @@
                     </p:cTn>
                   </p:par>
                   <p:par>
-                    <p:cTn id="35" fill="hold">
+                    <p:cTn id="25" fill="hold">
                       <p:stCondLst>
                         <p:cond delay="indefinite"/>
                       </p:stCondLst>
                       <p:childTnLst>
                         <p:par>
-                          <p:cTn id="36" fill="hold">
+                          <p:cTn id="26" fill="hold">
                             <p:stCondLst>
                               <p:cond delay="0"/>
                             </p:stCondLst>
                             <p:childTnLst>
                               <p:par>
-                                <p:cTn id="37" presetID="1" presetClass="entr" presetSubtype="0" fill="hold" nodeType="clickEffect">
+                                <p:cTn id="27" presetID="1" presetClass="entr" presetSubtype="0" fill="hold" nodeType="clickEffect">
                                   <p:stCondLst>
                                     <p:cond delay="0"/>
                                   </p:stCondLst>
                                   <p:childTnLst>
                                     <p:set>
                                       <p:cBhvr>
-                                        <p:cTn id="38" dur="1" fill="hold">
+                                        <p:cTn id="28" dur="1" fill="hold">
                                           <p:stCondLst>
                                             <p:cond delay="0"/>
                                           </p:stCondLst>
@@ -27373,7 +26935,7 @@
           <a:p>
             <a:r>
               <a:rPr lang="bg-BG" dirty="0"/>
-              <a:t>Какво е алгоритъм за сортиране</a:t>
+              <a:t>Какво е сортиращ алгоритъм</a:t>
             </a:r>
             <a:r>
               <a:rPr lang="en-US" dirty="0"/>
@@ -27408,45 +26970,22 @@
               <a:lnSpc>
                 <a:spcPct val="100000"/>
               </a:lnSpc>
-              <a:buClr>
-                <a:schemeClr val="tx1"/>
-              </a:buClr>
             </a:pPr>
             <a:r>
+              <a:rPr lang="bg-BG" dirty="0"/>
+              <a:t>Алгоритъм, който </a:t>
+            </a:r>
+            <a:r>
               <a:rPr lang="bg-BG" b="1" dirty="0">
                 <a:solidFill>
                   <a:schemeClr val="bg1"/>
                 </a:solidFill>
               </a:rPr>
-              <a:t>Сортиращ алгоритъм</a:t>
-            </a:r>
-            <a:endParaRPr lang="en-US" b="1" dirty="0">
-              <a:solidFill>
-                <a:schemeClr val="bg1"/>
-              </a:solidFill>
-            </a:endParaRPr>
-          </a:p>
-          <a:p>
-            <a:pPr lvl="1">
-              <a:lnSpc>
-                <a:spcPct val="100000"/>
-              </a:lnSpc>
-            </a:pPr>
+              <a:t>пренарежда елементите </a:t>
+            </a:r>
             <a:r>
               <a:rPr lang="bg-BG" dirty="0"/>
-              <a:t>Алгоритъм, който пренарежда елементите в списък</a:t>
-            </a:r>
-            <a:endParaRPr lang="en-US" dirty="0"/>
-          </a:p>
-          <a:p>
-            <a:pPr lvl="2">
-              <a:lnSpc>
-                <a:spcPct val="100000"/>
-              </a:lnSpc>
-            </a:pPr>
-            <a:r>
-              <a:rPr lang="bg-BG" dirty="0"/>
-              <a:t>В </a:t>
+              <a:t>в списък в </a:t>
             </a:r>
             <a:r>
               <a:rPr lang="bg-BG" b="1" dirty="0">
@@ -27454,35 +26993,9 @@
                   <a:schemeClr val="bg1"/>
                 </a:solidFill>
               </a:rPr>
-              <a:t>нарастващ</a:t>
-            </a:r>
-            <a:r>
-              <a:rPr lang="bg-BG" dirty="0"/>
-              <a:t> ред</a:t>
-            </a:r>
-          </a:p>
-          <a:p>
-            <a:pPr lvl="2">
-              <a:lnSpc>
-                <a:spcPct val="100000"/>
-              </a:lnSpc>
-            </a:pPr>
-            <a:r>
-              <a:rPr lang="bg-BG" dirty="0"/>
-              <a:t>Елементите трябва да могат да се</a:t>
-            </a:r>
-            <a:br>
-              <a:rPr lang="bg-BG" dirty="0"/>
-            </a:br>
-            <a:r>
-              <a:rPr lang="bg-BG" b="1" dirty="0">
-                <a:solidFill>
-                  <a:schemeClr val="bg1"/>
-                </a:solidFill>
-              </a:rPr>
-              <a:t>сравняват</a:t>
-            </a:r>
-            <a:endParaRPr lang="en-US" b="1" dirty="0">
+              <a:t>нарастващ ред</a:t>
+            </a:r>
+            <a:endParaRPr lang="en-US" dirty="0">
               <a:solidFill>
                 <a:schemeClr val="bg1"/>
               </a:solidFill>
@@ -27623,8 +27136,8 @@
         </p:blipFill>
         <p:spPr bwMode="auto">
           <a:xfrm>
-            <a:off x="8595662" y="2591019"/>
-            <a:ext cx="2971026" cy="2178754"/>
+            <a:off x="6726000" y="4420350"/>
+            <a:ext cx="3180000" cy="2332002"/>
           </a:xfrm>
           <a:prstGeom prst="rect">
             <a:avLst/>
@@ -27752,33 +27265,15 @@
                                   </p:childTnLst>
                                 </p:cTn>
                               </p:par>
-                            </p:childTnLst>
-                          </p:cTn>
-                        </p:par>
-                      </p:childTnLst>
-                    </p:cTn>
-                  </p:par>
-                  <p:par>
-                    <p:cTn id="7" fill="hold">
-                      <p:stCondLst>
-                        <p:cond delay="indefinite"/>
-                      </p:stCondLst>
-                      <p:childTnLst>
-                        <p:par>
-                          <p:cTn id="8" fill="hold">
-                            <p:stCondLst>
-                              <p:cond delay="0"/>
-                            </p:stCondLst>
-                            <p:childTnLst>
                               <p:par>
-                                <p:cTn id="9" presetID="1" presetClass="entr" presetSubtype="0" fill="hold" nodeType="clickEffect">
+                                <p:cTn id="7" presetID="1" presetClass="entr" presetSubtype="0" fill="hold" nodeType="withEffect">
                                   <p:stCondLst>
                                     <p:cond delay="0"/>
                                   </p:stCondLst>
                                   <p:childTnLst>
                                     <p:set>
                                       <p:cBhvr>
-                                        <p:cTn id="10" dur="1" fill="hold">
+                                        <p:cTn id="8" dur="1" fill="hold">
                                           <p:stCondLst>
                                             <p:cond delay="0"/>
                                           </p:stCondLst>
@@ -27808,26 +27303,26 @@
                     </p:cTn>
                   </p:par>
                   <p:par>
-                    <p:cTn id="11" fill="hold">
+                    <p:cTn id="9" fill="hold">
                       <p:stCondLst>
                         <p:cond delay="indefinite"/>
                       </p:stCondLst>
                       <p:childTnLst>
                         <p:par>
-                          <p:cTn id="12" fill="hold">
+                          <p:cTn id="10" fill="hold">
                             <p:stCondLst>
                               <p:cond delay="0"/>
                             </p:stCondLst>
                             <p:childTnLst>
                               <p:par>
-                                <p:cTn id="13" presetID="1" presetClass="entr" presetSubtype="0" fill="hold" nodeType="clickEffect">
+                                <p:cTn id="11" presetID="1" presetClass="entr" presetSubtype="0" fill="hold" nodeType="clickEffect">
                                   <p:stCondLst>
                                     <p:cond delay="0"/>
                                   </p:stCondLst>
                                   <p:childTnLst>
                                     <p:set>
                                       <p:cBhvr>
-                                        <p:cTn id="14" dur="1" fill="hold">
+                                        <p:cTn id="12" dur="1" fill="hold">
                                           <p:stCondLst>
                                             <p:cond delay="0"/>
                                           </p:stCondLst>
@@ -27836,153 +27331,6 @@
                                           <p:spTgt spid="3">
                                             <p:txEl>
                                               <p:pRg st="3" end="3"/>
-                                            </p:txEl>
-                                          </p:spTgt>
-                                        </p:tgtEl>
-                                        <p:attrNameLst>
-                                          <p:attrName>style.visibility</p:attrName>
-                                        </p:attrNameLst>
-                                      </p:cBhvr>
-                                      <p:to>
-                                        <p:strVal val="visible"/>
-                                      </p:to>
-                                    </p:set>
-                                  </p:childTnLst>
-                                </p:cTn>
-                              </p:par>
-                            </p:childTnLst>
-                          </p:cTn>
-                        </p:par>
-                      </p:childTnLst>
-                    </p:cTn>
-                  </p:par>
-                  <p:par>
-                    <p:cTn id="15" fill="hold">
-                      <p:stCondLst>
-                        <p:cond delay="indefinite"/>
-                      </p:stCondLst>
-                      <p:childTnLst>
-                        <p:par>
-                          <p:cTn id="16" fill="hold">
-                            <p:stCondLst>
-                              <p:cond delay="0"/>
-                            </p:stCondLst>
-                            <p:childTnLst>
-                              <p:par>
-                                <p:cTn id="17" presetID="1" presetClass="entr" presetSubtype="0" fill="hold" nodeType="clickEffect">
-                                  <p:stCondLst>
-                                    <p:cond delay="0"/>
-                                  </p:stCondLst>
-                                  <p:childTnLst>
-                                    <p:set>
-                                      <p:cBhvr>
-                                        <p:cTn id="18" dur="1" fill="hold">
-                                          <p:stCondLst>
-                                            <p:cond delay="0"/>
-                                          </p:stCondLst>
-                                        </p:cTn>
-                                        <p:tgtEl>
-                                          <p:spTgt spid="3">
-                                            <p:txEl>
-                                              <p:pRg st="4" end="4"/>
-                                            </p:txEl>
-                                          </p:spTgt>
-                                        </p:tgtEl>
-                                        <p:attrNameLst>
-                                          <p:attrName>style.visibility</p:attrName>
-                                        </p:attrNameLst>
-                                      </p:cBhvr>
-                                      <p:to>
-                                        <p:strVal val="visible"/>
-                                      </p:to>
-                                    </p:set>
-                                  </p:childTnLst>
-                                </p:cTn>
-                              </p:par>
-                            </p:childTnLst>
-                          </p:cTn>
-                        </p:par>
-                      </p:childTnLst>
-                    </p:cTn>
-                  </p:par>
-                  <p:par>
-                    <p:cTn id="19" fill="hold">
-                      <p:stCondLst>
-                        <p:cond delay="indefinite"/>
-                      </p:stCondLst>
-                      <p:childTnLst>
-                        <p:par>
-                          <p:cTn id="20" fill="hold">
-                            <p:stCondLst>
-                              <p:cond delay="0"/>
-                            </p:stCondLst>
-                            <p:childTnLst>
-                              <p:par>
-                                <p:cTn id="21" presetID="1" presetClass="entr" presetSubtype="0" fill="hold" nodeType="clickEffect">
-                                  <p:stCondLst>
-                                    <p:cond delay="0"/>
-                                  </p:stCondLst>
-                                  <p:childTnLst>
-                                    <p:set>
-                                      <p:cBhvr>
-                                        <p:cTn id="22" dur="1" fill="hold">
-                                          <p:stCondLst>
-                                            <p:cond delay="0"/>
-                                          </p:stCondLst>
-                                        </p:cTn>
-                                        <p:tgtEl>
-                                          <p:spTgt spid="3">
-                                            <p:txEl>
-                                              <p:pRg st="5" end="5"/>
-                                            </p:txEl>
-                                          </p:spTgt>
-                                        </p:tgtEl>
-                                        <p:attrNameLst>
-                                          <p:attrName>style.visibility</p:attrName>
-                                        </p:attrNameLst>
-                                      </p:cBhvr>
-                                      <p:to>
-                                        <p:strVal val="visible"/>
-                                      </p:to>
-                                    </p:set>
-                                  </p:childTnLst>
-                                </p:cTn>
-                              </p:par>
-                            </p:childTnLst>
-                          </p:cTn>
-                        </p:par>
-                      </p:childTnLst>
-                    </p:cTn>
-                  </p:par>
-                  <p:par>
-                    <p:cTn id="23" fill="hold">
-                      <p:stCondLst>
-                        <p:cond delay="indefinite"/>
-                      </p:stCondLst>
-                      <p:childTnLst>
-                        <p:par>
-                          <p:cTn id="24" fill="hold">
-                            <p:stCondLst>
-                              <p:cond delay="0"/>
-                            </p:stCondLst>
-                            <p:childTnLst>
-                              <p:par>
-                                <p:cTn id="25" presetID="1" presetClass="entr" presetSubtype="0" fill="hold" nodeType="clickEffect">
-                                  <p:stCondLst>
-                                    <p:cond delay="0"/>
-                                  </p:stCondLst>
-                                  <p:childTnLst>
-                                    <p:set>
-                                      <p:cBhvr>
-                                        <p:cTn id="26" dur="1" fill="hold">
-                                          <p:stCondLst>
-                                            <p:cond delay="0"/>
-                                          </p:stCondLst>
-                                        </p:cTn>
-                                        <p:tgtEl>
-                                          <p:spTgt spid="3">
-                                            <p:txEl>
-                                              <p:pRg st="6" end="6"/>
                                             </p:txEl>
                                           </p:spTgt>
                                         </p:tgtEl>
@@ -28062,7 +27410,7 @@
           <a:p>
             <a:r>
               <a:rPr lang="bg-BG" dirty="0"/>
-              <a:t>Сортиране:</a:t>
+              <a:t>Сортиране –</a:t>
             </a:r>
             <a:r>
               <a:rPr lang="en-US" dirty="0"/>
@@ -28070,7 +27418,7 @@
             </a:r>
             <a:r>
               <a:rPr lang="bg-BG" dirty="0"/>
-              <a:t>пример</a:t>
+              <a:t>Пример</a:t>
             </a:r>
             <a:endParaRPr lang="en-US" dirty="0"/>
           </a:p>
@@ -28167,7 +27515,7 @@
             </a:pPr>
             <a:r>
               <a:rPr lang="bg-BG" sz="3100" noProof="1"/>
-              <a:t>Канолизиране на данни </a:t>
+              <a:t>Стандартизиране на данни </a:t>
             </a:r>
             <a:r>
               <a:rPr lang="en-US" sz="3100" dirty="0"/>
@@ -29777,7 +29125,7 @@
                                         <p:tgtEl>
                                           <p:spTgt spid="3">
                                             <p:txEl>
-                                              <p:pRg st="1" end="1"/>
+                                              <p:pRg st="2" end="2"/>
                                             </p:txEl>
                                           </p:spTgt>
                                         </p:tgtEl>
@@ -29826,7 +29174,7 @@
                                         <p:tgtEl>
                                           <p:spTgt spid="3">
                                             <p:txEl>
-                                              <p:pRg st="2" end="2"/>
+                                              <p:pRg st="3" end="3"/>
                                             </p:txEl>
                                           </p:spTgt>
                                         </p:tgtEl>
@@ -29875,7 +29223,7 @@
                                         <p:tgtEl>
                                           <p:spTgt spid="3">
                                             <p:txEl>
-                                              <p:pRg st="3" end="3"/>
+                                              <p:pRg st="4" end="4"/>
                                             </p:txEl>
                                           </p:spTgt>
                                         </p:tgtEl>
@@ -29890,26 +29238,35 @@
                                   </p:childTnLst>
                                 </p:cTn>
                               </p:par>
-                            </p:childTnLst>
-                          </p:cTn>
-                        </p:par>
-                      </p:childTnLst>
-                    </p:cTn>
-                  </p:par>
-                  <p:par>
-                    <p:cTn id="15" fill="hold">
-                      <p:stCondLst>
-                        <p:cond delay="indefinite"/>
-                      </p:stCondLst>
-                      <p:childTnLst>
-                        <p:par>
-                          <p:cTn id="16" fill="hold">
-                            <p:stCondLst>
-                              <p:cond delay="0"/>
-                            </p:stCondLst>
-                            <p:childTnLst>
                               <p:par>
-                                <p:cTn id="17" presetID="1" presetClass="entr" presetSubtype="0" fill="hold" nodeType="clickEffect">
+                                <p:cTn id="15" presetID="1" presetClass="entr" presetSubtype="0" fill="hold" nodeType="withEffect">
+                                  <p:stCondLst>
+                                    <p:cond delay="0"/>
+                                  </p:stCondLst>
+                                  <p:childTnLst>
+                                    <p:set>
+                                      <p:cBhvr>
+                                        <p:cTn id="16" dur="1" fill="hold">
+                                          <p:stCondLst>
+                                            <p:cond delay="0"/>
+                                          </p:stCondLst>
+                                        </p:cTn>
+                                        <p:tgtEl>
+                                          <p:spTgt spid="5"/>
+                                        </p:tgtEl>
+                                        <p:attrNameLst>
+                                          <p:attrName>style.visibility</p:attrName>
+                                        </p:attrNameLst>
+                                      </p:cBhvr>
+                                      <p:to>
+                                        <p:strVal val="visible"/>
+                                      </p:to>
+                                    </p:set>
+                                  </p:childTnLst>
+                                </p:cTn>
+                              </p:par>
+                              <p:par>
+                                <p:cTn id="17" presetID="1" presetClass="entr" presetSubtype="0" fill="hold" grpId="0" nodeType="withEffect">
                                   <p:stCondLst>
                                     <p:cond delay="0"/>
                                   </p:stCondLst>
@@ -29922,11 +29279,7 @@
                                           </p:stCondLst>
                                         </p:cTn>
                                         <p:tgtEl>
-                                          <p:spTgt spid="3">
-                                            <p:txEl>
-                                              <p:pRg st="4" end="4"/>
-                                            </p:txEl>
-                                          </p:spTgt>
+                                          <p:spTgt spid="7"/>
                                         </p:tgtEl>
                                         <p:attrNameLst>
                                           <p:attrName>style.visibility</p:attrName>
@@ -29953,7 +29306,7 @@
                                           </p:stCondLst>
                                         </p:cTn>
                                         <p:tgtEl>
-                                          <p:spTgt spid="5"/>
+                                          <p:spTgt spid="11"/>
                                         </p:tgtEl>
                                         <p:attrNameLst>
                                           <p:attrName>style.visibility</p:attrName>
@@ -29980,7 +29333,7 @@
                                           </p:stCondLst>
                                         </p:cTn>
                                         <p:tgtEl>
-                                          <p:spTgt spid="7"/>
+                                          <p:spTgt spid="12"/>
                                         </p:tgtEl>
                                         <p:attrNameLst>
                                           <p:attrName>style.visibility</p:attrName>
@@ -30007,7 +29360,7 @@
                                           </p:stCondLst>
                                         </p:cTn>
                                         <p:tgtEl>
-                                          <p:spTgt spid="11"/>
+                                          <p:spTgt spid="2050"/>
                                         </p:tgtEl>
                                         <p:attrNameLst>
                                           <p:attrName>style.visibility</p:attrName>
@@ -30021,7 +29374,7 @@
                                 </p:cTn>
                               </p:par>
                               <p:par>
-                                <p:cTn id="25" presetID="1" presetClass="entr" presetSubtype="0" fill="hold" grpId="0" nodeType="withEffect">
+                                <p:cTn id="25" presetID="1" presetClass="entr" presetSubtype="0" fill="hold" nodeType="withEffect">
                                   <p:stCondLst>
                                     <p:cond delay="0"/>
                                   </p:stCondLst>
@@ -30034,7 +29387,7 @@
                                           </p:stCondLst>
                                         </p:cTn>
                                         <p:tgtEl>
-                                          <p:spTgt spid="12"/>
+                                          <p:spTgt spid="8"/>
                                         </p:tgtEl>
                                         <p:attrNameLst>
                                           <p:attrName>style.visibility</p:attrName>
@@ -30048,7 +29401,7 @@
                                 </p:cTn>
                               </p:par>
                               <p:par>
-                                <p:cTn id="27" presetID="1" presetClass="entr" presetSubtype="0" fill="hold" nodeType="withEffect">
+                                <p:cTn id="27" presetID="1" presetClass="entr" presetSubtype="0" fill="hold" grpId="0" nodeType="withEffect">
                                   <p:stCondLst>
                                     <p:cond delay="0"/>
                                   </p:stCondLst>
@@ -30061,7 +29414,7 @@
                                           </p:stCondLst>
                                         </p:cTn>
                                         <p:tgtEl>
-                                          <p:spTgt spid="2050"/>
+                                          <p:spTgt spid="9"/>
                                         </p:tgtEl>
                                         <p:attrNameLst>
                                           <p:attrName>style.visibility</p:attrName>
@@ -30083,60 +29436,6 @@
                                     <p:set>
                                       <p:cBhvr>
                                         <p:cTn id="30" dur="1" fill="hold">
-                                          <p:stCondLst>
-                                            <p:cond delay="0"/>
-                                          </p:stCondLst>
-                                        </p:cTn>
-                                        <p:tgtEl>
-                                          <p:spTgt spid="8"/>
-                                        </p:tgtEl>
-                                        <p:attrNameLst>
-                                          <p:attrName>style.visibility</p:attrName>
-                                        </p:attrNameLst>
-                                      </p:cBhvr>
-                                      <p:to>
-                                        <p:strVal val="visible"/>
-                                      </p:to>
-                                    </p:set>
-                                  </p:childTnLst>
-                                </p:cTn>
-                              </p:par>
-                              <p:par>
-                                <p:cTn id="31" presetID="1" presetClass="entr" presetSubtype="0" fill="hold" grpId="0" nodeType="withEffect">
-                                  <p:stCondLst>
-                                    <p:cond delay="0"/>
-                                  </p:stCondLst>
-                                  <p:childTnLst>
-                                    <p:set>
-                                      <p:cBhvr>
-                                        <p:cTn id="32" dur="1" fill="hold">
-                                          <p:stCondLst>
-                                            <p:cond delay="0"/>
-                                          </p:stCondLst>
-                                        </p:cTn>
-                                        <p:tgtEl>
-                                          <p:spTgt spid="9"/>
-                                        </p:tgtEl>
-                                        <p:attrNameLst>
-                                          <p:attrName>style.visibility</p:attrName>
-                                        </p:attrNameLst>
-                                      </p:cBhvr>
-                                      <p:to>
-                                        <p:strVal val="visible"/>
-                                      </p:to>
-                                    </p:set>
-                                  </p:childTnLst>
-                                </p:cTn>
-                              </p:par>
-                              <p:par>
-                                <p:cTn id="33" presetID="1" presetClass="entr" presetSubtype="0" fill="hold" nodeType="withEffect">
-                                  <p:stCondLst>
-                                    <p:cond delay="0"/>
-                                  </p:stCondLst>
-                                  <p:childTnLst>
-                                    <p:set>
-                                      <p:cBhvr>
-                                        <p:cTn id="34" dur="1" fill="hold">
                                           <p:stCondLst>
                                             <p:cond delay="0"/>
                                           </p:stCondLst>
@@ -30431,7 +29730,19 @@
                   <a:schemeClr val="bg1"/>
                 </a:solidFill>
               </a:rPr>
-              <a:t> на базата на сравнение </a:t>
+              <a:t> </a:t>
+            </a:r>
+            <a:r>
+              <a:rPr lang="ru-RU" dirty="0"/>
+              <a:t>на </a:t>
+            </a:r>
+            <a:r>
+              <a:rPr lang="ru-RU" b="1" dirty="0">
+                <a:solidFill>
+                  <a:schemeClr val="bg1"/>
+                </a:solidFill>
+              </a:rPr>
+              <a:t>базата на сравнение </a:t>
             </a:r>
             <a:r>
               <a:rPr lang="en-US" dirty="0"/>
@@ -30549,7 +29860,7 @@
                                         <p:tgtEl>
                                           <p:spTgt spid="3">
                                             <p:txEl>
-                                              <p:pRg st="1" end="1"/>
+                                              <p:pRg st="2" end="2"/>
                                             </p:txEl>
                                           </p:spTgt>
                                         </p:tgtEl>
@@ -30598,7 +29909,7 @@
                                         <p:tgtEl>
                                           <p:spTgt spid="3">
                                             <p:txEl>
-                                              <p:pRg st="2" end="2"/>
+                                              <p:pRg st="3" end="3"/>
                                             </p:txEl>
                                           </p:spTgt>
                                         </p:tgtEl>
@@ -30647,7 +29958,7 @@
                                         <p:tgtEl>
                                           <p:spTgt spid="3">
                                             <p:txEl>
-                                              <p:pRg st="3" end="3"/>
+                                              <p:pRg st="4" end="4"/>
                                             </p:txEl>
                                           </p:spTgt>
                                         </p:tgtEl>
@@ -30689,55 +30000,6 @@
                                     <p:set>
                                       <p:cBhvr>
                                         <p:cTn id="18" dur="1" fill="hold">
-                                          <p:stCondLst>
-                                            <p:cond delay="0"/>
-                                          </p:stCondLst>
-                                        </p:cTn>
-                                        <p:tgtEl>
-                                          <p:spTgt spid="3">
-                                            <p:txEl>
-                                              <p:pRg st="4" end="4"/>
-                                            </p:txEl>
-                                          </p:spTgt>
-                                        </p:tgtEl>
-                                        <p:attrNameLst>
-                                          <p:attrName>style.visibility</p:attrName>
-                                        </p:attrNameLst>
-                                      </p:cBhvr>
-                                      <p:to>
-                                        <p:strVal val="visible"/>
-                                      </p:to>
-                                    </p:set>
-                                  </p:childTnLst>
-                                </p:cTn>
-                              </p:par>
-                            </p:childTnLst>
-                          </p:cTn>
-                        </p:par>
-                      </p:childTnLst>
-                    </p:cTn>
-                  </p:par>
-                  <p:par>
-                    <p:cTn id="19" fill="hold">
-                      <p:stCondLst>
-                        <p:cond delay="indefinite"/>
-                      </p:stCondLst>
-                      <p:childTnLst>
-                        <p:par>
-                          <p:cTn id="20" fill="hold">
-                            <p:stCondLst>
-                              <p:cond delay="0"/>
-                            </p:stCondLst>
-                            <p:childTnLst>
-                              <p:par>
-                                <p:cTn id="21" presetID="1" presetClass="entr" presetSubtype="0" fill="hold" nodeType="clickEffect">
-                                  <p:stCondLst>
-                                    <p:cond delay="0"/>
-                                  </p:stCondLst>
-                                  <p:childTnLst>
-                                    <p:set>
-                                      <p:cBhvr>
-                                        <p:cTn id="22" dur="1" fill="hold">
                                           <p:stCondLst>
                                             <p:cond delay="0"/>
                                           </p:stCondLst>
@@ -31158,55 +30420,6 @@
                                         <p:tgtEl>
                                           <p:spTgt spid="3">
                                             <p:txEl>
-                                              <p:pRg st="1" end="1"/>
-                                            </p:txEl>
-                                          </p:spTgt>
-                                        </p:tgtEl>
-                                        <p:attrNameLst>
-                                          <p:attrName>style.visibility</p:attrName>
-                                        </p:attrNameLst>
-                                      </p:cBhvr>
-                                      <p:to>
-                                        <p:strVal val="visible"/>
-                                      </p:to>
-                                    </p:set>
-                                  </p:childTnLst>
-                                </p:cTn>
-                              </p:par>
-                            </p:childTnLst>
-                          </p:cTn>
-                        </p:par>
-                      </p:childTnLst>
-                    </p:cTn>
-                  </p:par>
-                  <p:par>
-                    <p:cTn id="7" fill="hold">
-                      <p:stCondLst>
-                        <p:cond delay="indefinite"/>
-                      </p:stCondLst>
-                      <p:childTnLst>
-                        <p:par>
-                          <p:cTn id="8" fill="hold">
-                            <p:stCondLst>
-                              <p:cond delay="0"/>
-                            </p:stCondLst>
-                            <p:childTnLst>
-                              <p:par>
-                                <p:cTn id="9" presetID="1" presetClass="entr" presetSubtype="0" fill="hold" nodeType="clickEffect">
-                                  <p:stCondLst>
-                                    <p:cond delay="0"/>
-                                  </p:stCondLst>
-                                  <p:childTnLst>
-                                    <p:set>
-                                      <p:cBhvr>
-                                        <p:cTn id="10" dur="1" fill="hold">
-                                          <p:stCondLst>
-                                            <p:cond delay="0"/>
-                                          </p:stCondLst>
-                                        </p:cTn>
-                                        <p:tgtEl>
-                                          <p:spTgt spid="3">
-                                            <p:txEl>
                                               <p:pRg st="2" end="2"/>
                                             </p:txEl>
                                           </p:spTgt>
@@ -31222,33 +30435,15 @@
                                   </p:childTnLst>
                                 </p:cTn>
                               </p:par>
-                            </p:childTnLst>
-                          </p:cTn>
-                        </p:par>
-                      </p:childTnLst>
-                    </p:cTn>
-                  </p:par>
-                  <p:par>
-                    <p:cTn id="11" fill="hold">
-                      <p:stCondLst>
-                        <p:cond delay="indefinite"/>
-                      </p:stCondLst>
-                      <p:childTnLst>
-                        <p:par>
-                          <p:cTn id="12" fill="hold">
-                            <p:stCondLst>
-                              <p:cond delay="0"/>
-                            </p:stCondLst>
-                            <p:childTnLst>
                               <p:par>
-                                <p:cTn id="13" presetID="1" presetClass="entr" presetSubtype="0" fill="hold" nodeType="clickEffect">
+                                <p:cTn id="7" presetID="1" presetClass="entr" presetSubtype="0" fill="hold" nodeType="withEffect">
                                   <p:stCondLst>
                                     <p:cond delay="0"/>
                                   </p:stCondLst>
                                   <p:childTnLst>
                                     <p:set>
                                       <p:cBhvr>
-                                        <p:cTn id="14" dur="1" fill="hold">
+                                        <p:cTn id="8" dur="1" fill="hold">
                                           <p:stCondLst>
                                             <p:cond delay="0"/>
                                           </p:stCondLst>
@@ -31278,26 +30473,26 @@
                     </p:cTn>
                   </p:par>
                   <p:par>
-                    <p:cTn id="15" fill="hold">
+                    <p:cTn id="9" fill="hold">
                       <p:stCondLst>
                         <p:cond delay="indefinite"/>
                       </p:stCondLst>
                       <p:childTnLst>
                         <p:par>
-                          <p:cTn id="16" fill="hold">
+                          <p:cTn id="10" fill="hold">
                             <p:stCondLst>
                               <p:cond delay="0"/>
                             </p:stCondLst>
                             <p:childTnLst>
                               <p:par>
-                                <p:cTn id="17" presetID="1" presetClass="entr" presetSubtype="0" fill="hold" nodeType="clickEffect">
+                                <p:cTn id="11" presetID="1" presetClass="entr" presetSubtype="0" fill="hold" nodeType="clickEffect">
                                   <p:stCondLst>
                                     <p:cond delay="0"/>
                                   </p:stCondLst>
                                   <p:childTnLst>
                                     <p:set>
                                       <p:cBhvr>
-                                        <p:cTn id="18" dur="1" fill="hold">
+                                        <p:cTn id="12" dur="1" fill="hold">
                                           <p:stCondLst>
                                             <p:cond delay="0"/>
                                           </p:stCondLst>
@@ -31621,7 +30816,19 @@
             </a:r>
             <a:r>
               <a:rPr lang="bg-BG" sz="3599" dirty="0"/>
-              <a:t>но неефективен алгоритъм</a:t>
+              <a:t>но </a:t>
+            </a:r>
+            <a:r>
+              <a:rPr lang="bg-BG" sz="3599" b="1" dirty="0">
+                <a:solidFill>
+                  <a:schemeClr val="bg1"/>
+                </a:solidFill>
+              </a:rPr>
+              <a:t>неефективен</a:t>
+            </a:r>
+            <a:r>
+              <a:rPr lang="bg-BG" sz="3599" dirty="0"/>
+              <a:t> алгоритъм</a:t>
             </a:r>
             <a:endParaRPr lang="en-US" sz="3599" dirty="0"/>
           </a:p>
@@ -31783,10 +30990,18 @@
               <a:t>: </a:t>
             </a:r>
             <a:r>
-              <a:rPr lang="bg-BG" sz="3199" dirty="0"/>
+              <a:rPr lang="bg-BG" sz="3199" b="1" dirty="0">
+                <a:solidFill>
+                  <a:schemeClr val="bg1"/>
+                </a:solidFill>
+              </a:rPr>
               <a:t>Избиране</a:t>
             </a:r>
-            <a:endParaRPr lang="en-US" sz="3199" dirty="0"/>
+            <a:endParaRPr lang="en-US" sz="3199" b="1" dirty="0">
+              <a:solidFill>
+                <a:schemeClr val="bg1"/>
+              </a:solidFill>
+            </a:endParaRPr>
           </a:p>
           <a:p>
             <a:pPr lvl="1">
@@ -31878,7 +31093,7 @@
           <a:p>
             <a:r>
               <a:rPr lang="en-US" dirty="0"/>
-              <a:t>Selection</a:t>
+              <a:t>Selection Sort</a:t>
             </a:r>
           </a:p>
         </p:txBody>
@@ -32263,7 +31478,7 @@
                                         <p:tgtEl>
                                           <p:spTgt spid="5">
                                             <p:txEl>
-                                              <p:pRg st="1" end="1"/>
+                                              <p:pRg st="2" end="2"/>
                                             </p:txEl>
                                           </p:spTgt>
                                         </p:tgtEl>
@@ -32312,7 +31527,7 @@
                                         <p:tgtEl>
                                           <p:spTgt spid="5">
                                             <p:txEl>
-                                              <p:pRg st="2" end="2"/>
+                                              <p:pRg st="3" end="3"/>
                                             </p:txEl>
                                           </p:spTgt>
                                         </p:tgtEl>
@@ -32361,55 +31576,6 @@
                                         <p:tgtEl>
                                           <p:spTgt spid="5">
                                             <p:txEl>
-                                              <p:pRg st="3" end="3"/>
-                                            </p:txEl>
-                                          </p:spTgt>
-                                        </p:tgtEl>
-                                        <p:attrNameLst>
-                                          <p:attrName>style.visibility</p:attrName>
-                                        </p:attrNameLst>
-                                      </p:cBhvr>
-                                      <p:to>
-                                        <p:strVal val="visible"/>
-                                      </p:to>
-                                    </p:set>
-                                  </p:childTnLst>
-                                </p:cTn>
-                              </p:par>
-                            </p:childTnLst>
-                          </p:cTn>
-                        </p:par>
-                      </p:childTnLst>
-                    </p:cTn>
-                  </p:par>
-                  <p:par>
-                    <p:cTn id="15" fill="hold">
-                      <p:stCondLst>
-                        <p:cond delay="indefinite"/>
-                      </p:stCondLst>
-                      <p:childTnLst>
-                        <p:par>
-                          <p:cTn id="16" fill="hold">
-                            <p:stCondLst>
-                              <p:cond delay="0"/>
-                            </p:stCondLst>
-                            <p:childTnLst>
-                              <p:par>
-                                <p:cTn id="17" presetID="1" presetClass="entr" presetSubtype="0" fill="hold" nodeType="clickEffect">
-                                  <p:stCondLst>
-                                    <p:cond delay="0"/>
-                                  </p:stCondLst>
-                                  <p:childTnLst>
-                                    <p:set>
-                                      <p:cBhvr>
-                                        <p:cTn id="18" dur="1" fill="hold">
-                                          <p:stCondLst>
-                                            <p:cond delay="0"/>
-                                          </p:stCondLst>
-                                        </p:cTn>
-                                        <p:tgtEl>
-                                          <p:spTgt spid="5">
-                                            <p:txEl>
                                               <p:pRg st="4" end="4"/>
                                             </p:txEl>
                                           </p:spTgt>
@@ -32426,19 +31592,19 @@
                                 </p:cTn>
                               </p:par>
                               <p:par>
-                                <p:cTn id="19" presetID="1" presetClass="entr" presetSubtype="0" fill="hold" nodeType="withEffect" nodePh="1">
+                                <p:cTn id="15" presetID="1" presetClass="entr" presetSubtype="0" fill="hold" nodeType="withEffect" nodePh="1">
                                   <p:stCondLst>
                                     <p:cond delay="0"/>
                                   </p:stCondLst>
                                   <p:endCondLst>
                                     <p:cond evt="begin" delay="0">
-                                      <p:tn val="19"/>
+                                      <p:tn val="15"/>
                                     </p:cond>
                                   </p:endCondLst>
                                   <p:childTnLst>
                                     <p:set>
                                       <p:cBhvr>
-                                        <p:cTn id="20" dur="1" fill="hold">
+                                        <p:cTn id="16" dur="1" fill="hold">
                                           <p:stCondLst>
                                             <p:cond delay="0"/>
                                           </p:stCondLst>
@@ -32462,14 +31628,14 @@
                                 </p:cTn>
                               </p:par>
                               <p:par>
-                                <p:cTn id="21" presetID="1" presetClass="entr" presetSubtype="0" fill="hold" nodeType="withEffect">
+                                <p:cTn id="17" presetID="1" presetClass="entr" presetSubtype="0" fill="hold" nodeType="withEffect">
                                   <p:stCondLst>
                                     <p:cond delay="0"/>
                                   </p:stCondLst>
                                   <p:childTnLst>
                                     <p:set>
                                       <p:cBhvr>
-                                        <p:cTn id="22" dur="1" fill="hold">
+                                        <p:cTn id="18" dur="1" fill="hold">
                                           <p:stCondLst>
                                             <p:cond delay="0"/>
                                           </p:stCondLst>
@@ -32495,26 +31661,26 @@
                     </p:cTn>
                   </p:par>
                   <p:par>
-                    <p:cTn id="23" fill="hold">
+                    <p:cTn id="19" fill="hold">
                       <p:stCondLst>
                         <p:cond delay="indefinite"/>
                       </p:stCondLst>
                       <p:childTnLst>
                         <p:par>
-                          <p:cTn id="24" fill="hold">
+                          <p:cTn id="20" fill="hold">
                             <p:stCondLst>
                               <p:cond delay="0"/>
                             </p:stCondLst>
                             <p:childTnLst>
                               <p:par>
-                                <p:cTn id="25" presetID="1" presetClass="entr" presetSubtype="0" fill="hold" grpId="0" nodeType="clickEffect">
+                                <p:cTn id="21" presetID="1" presetClass="entr" presetSubtype="0" fill="hold" grpId="0" nodeType="clickEffect">
                                   <p:stCondLst>
                                     <p:cond delay="0"/>
                                   </p:stCondLst>
                                   <p:childTnLst>
                                     <p:set>
                                       <p:cBhvr>
-                                        <p:cTn id="26" dur="1" fill="hold">
+                                        <p:cTn id="22" dur="1" fill="hold">
                                           <p:stCondLst>
                                             <p:cond delay="0"/>
                                           </p:stCondLst>
@@ -32534,14 +31700,14 @@
                                 </p:cTn>
                               </p:par>
                               <p:par>
-                                <p:cTn id="27" presetID="1" presetClass="entr" presetSubtype="0" fill="hold" nodeType="withEffect">
+                                <p:cTn id="23" presetID="1" presetClass="entr" presetSubtype="0" fill="hold" nodeType="withEffect">
                                   <p:stCondLst>
                                     <p:cond delay="0"/>
                                   </p:stCondLst>
                                   <p:childTnLst>
                                     <p:set>
                                       <p:cBhvr>
-                                        <p:cTn id="28" dur="1" fill="hold">
+                                        <p:cTn id="24" dur="1" fill="hold">
                                           <p:stCondLst>
                                             <p:cond delay="0"/>
                                           </p:stCondLst>
@@ -32915,13 +32081,35 @@
                   <a:schemeClr val="accent2"/>
                 </a:solidFill>
               </a:rPr>
-              <a:t> зададена на сегашния индекс от масива</a:t>
-            </a:r>
-            <a:r>
-              <a:rPr lang="en-GB" sz="2199" dirty="0">
+              <a:t> зададена на сегашния индекс от масив</a:t>
+            </a:r>
+            <a:endParaRPr lang="en-US" sz="2199" dirty="0">
+              <a:solidFill>
+                <a:schemeClr val="accent2"/>
+              </a:solidFill>
+            </a:endParaRPr>
+          </a:p>
+          <a:p>
+            <a:pPr>
+              <a:lnSpc>
+                <a:spcPct val="95000"/>
+              </a:lnSpc>
+            </a:pPr>
+            <a:r>
+              <a:rPr lang="en-US" sz="2199" dirty="0">
                 <a:solidFill>
                   <a:schemeClr val="accent2"/>
                 </a:solidFill>
+              </a:rPr>
+              <a:t>	 </a:t>
+            </a:r>
+            <a:r>
+              <a:rPr lang="en-US" sz="2199" dirty="0">
+                <a:solidFill>
+                  <a:schemeClr val="accent2"/>
+                </a:solidFill>
+                <a:latin typeface="Calibri" panose="020F0502020204030204" pitchFamily="34" charset="0"/>
+                <a:cs typeface="Calibri" panose="020F0502020204030204" pitchFamily="34" charset="0"/>
               </a:rPr>
               <a:t> </a:t>
             </a:r>
@@ -33235,11 +32423,11 @@
           <a:p>
             <a:r>
               <a:rPr lang="en-US" dirty="0"/>
-              <a:t>Selection: </a:t>
+              <a:t>Selection – K</a:t>
             </a:r>
             <a:r>
               <a:rPr lang="bg-BG" dirty="0"/>
-              <a:t>код</a:t>
+              <a:t>од</a:t>
             </a:r>
             <a:endParaRPr lang="en-US" dirty="0"/>
           </a:p>
@@ -33575,7 +32763,7 @@
                                         <p:tgtEl>
                                           <p:spTgt spid="11">
                                             <p:txEl>
-                                              <p:pRg st="14" end="14"/>
+                                              <p:pRg st="15" end="15"/>
                                             </p:txEl>
                                           </p:spTgt>
                                         </p:tgtEl>
@@ -33673,7 +32861,7 @@
                                         <p:tgtEl>
                                           <p:spTgt spid="11">
                                             <p:txEl>
-                                              <p:pRg st="6" end="6"/>
+                                              <p:pRg st="5" end="5"/>
                                             </p:txEl>
                                           </p:spTgt>
                                         </p:tgtEl>
@@ -33688,15 +32876,33 @@
                                   </p:childTnLst>
                                 </p:cTn>
                               </p:par>
+                            </p:childTnLst>
+                          </p:cTn>
+                        </p:par>
+                      </p:childTnLst>
+                    </p:cTn>
+                  </p:par>
+                  <p:par>
+                    <p:cTn id="23" fill="hold">
+                      <p:stCondLst>
+                        <p:cond delay="indefinite"/>
+                      </p:stCondLst>
+                      <p:childTnLst>
+                        <p:par>
+                          <p:cTn id="24" fill="hold">
+                            <p:stCondLst>
+                              <p:cond delay="0"/>
+                            </p:stCondLst>
+                            <p:childTnLst>
                               <p:par>
-                                <p:cTn id="23" presetID="1" presetClass="entr" presetSubtype="0" fill="hold" nodeType="withEffect">
+                                <p:cTn id="25" presetID="1" presetClass="entr" presetSubtype="0" fill="hold" nodeType="clickEffect">
                                   <p:stCondLst>
                                     <p:cond delay="0"/>
                                   </p:stCondLst>
                                   <p:childTnLst>
                                     <p:set>
                                       <p:cBhvr>
-                                        <p:cTn id="24" dur="1" fill="hold">
+                                        <p:cTn id="26" dur="1" fill="hold">
                                           <p:stCondLst>
                                             <p:cond delay="0"/>
                                           </p:stCondLst>
@@ -33720,14 +32926,14 @@
                                 </p:cTn>
                               </p:par>
                               <p:par>
-                                <p:cTn id="25" presetID="1" presetClass="entr" presetSubtype="0" fill="hold" nodeType="withEffect">
+                                <p:cTn id="27" presetID="1" presetClass="entr" presetSubtype="0" fill="hold" nodeType="withEffect">
                                   <p:stCondLst>
                                     <p:cond delay="0"/>
                                   </p:stCondLst>
                                   <p:childTnLst>
                                     <p:set>
                                       <p:cBhvr>
-                                        <p:cTn id="26" dur="1" fill="hold">
+                                        <p:cTn id="28" dur="1" fill="hold">
                                           <p:stCondLst>
                                             <p:cond delay="0"/>
                                           </p:stCondLst>
@@ -33750,26 +32956,8 @@
                                   </p:childTnLst>
                                 </p:cTn>
                               </p:par>
-                            </p:childTnLst>
-                          </p:cTn>
-                        </p:par>
-                      </p:childTnLst>
-                    </p:cTn>
-                  </p:par>
-                  <p:par>
-                    <p:cTn id="27" fill="hold">
-                      <p:stCondLst>
-                        <p:cond delay="indefinite"/>
-                      </p:stCondLst>
-                      <p:childTnLst>
-                        <p:par>
-                          <p:cTn id="28" fill="hold">
-                            <p:stCondLst>
-                              <p:cond delay="0"/>
-                            </p:stCondLst>
-                            <p:childTnLst>
                               <p:par>
-                                <p:cTn id="29" presetID="1" presetClass="entr" presetSubtype="0" fill="hold" nodeType="clickEffect">
+                                <p:cTn id="29" presetID="1" presetClass="entr" presetSubtype="0" fill="hold" nodeType="withEffect">
                                   <p:stCondLst>
                                     <p:cond delay="0"/>
                                   </p:stCondLst>
@@ -33784,7 +32972,7 @@
                                         <p:tgtEl>
                                           <p:spTgt spid="11">
                                             <p:txEl>
-                                              <p:pRg st="10" end="10"/>
+                                              <p:pRg st="9" end="9"/>
                                             </p:txEl>
                                           </p:spTgt>
                                         </p:tgtEl>
@@ -33799,39 +32987,26 @@
                                   </p:childTnLst>
                                 </p:cTn>
                               </p:par>
+                            </p:childTnLst>
+                          </p:cTn>
+                        </p:par>
+                      </p:childTnLst>
+                    </p:cTn>
+                  </p:par>
+                  <p:par>
+                    <p:cTn id="31" fill="hold">
+                      <p:stCondLst>
+                        <p:cond delay="indefinite"/>
+                      </p:stCondLst>
+                      <p:childTnLst>
+                        <p:par>
+                          <p:cTn id="32" fill="hold">
+                            <p:stCondLst>
+                              <p:cond delay="0"/>
+                            </p:stCondLst>
+                            <p:childTnLst>
                               <p:par>
-                                <p:cTn id="31" presetID="1" presetClass="entr" presetSubtype="0" fill="hold" nodeType="withEffect">
-                                  <p:stCondLst>
-                                    <p:cond delay="0"/>
-                                  </p:stCondLst>
-                                  <p:childTnLst>
-                                    <p:set>
-                                      <p:cBhvr>
-                                        <p:cTn id="32" dur="1" fill="hold">
-                                          <p:stCondLst>
-                                            <p:cond delay="0"/>
-                                          </p:stCondLst>
-                                        </p:cTn>
-                                        <p:tgtEl>
-                                          <p:spTgt spid="11">
-                                            <p:txEl>
-                                              <p:pRg st="11" end="11"/>
-                                            </p:txEl>
-                                          </p:spTgt>
-                                        </p:tgtEl>
-                                        <p:attrNameLst>
-                                          <p:attrName>style.visibility</p:attrName>
-                                        </p:attrNameLst>
-                                      </p:cBhvr>
-                                      <p:to>
-                                        <p:strVal val="visible"/>
-                                      </p:to>
-                                    </p:set>
-                                  </p:childTnLst>
-                                </p:cTn>
-                              </p:par>
-                              <p:par>
-                                <p:cTn id="33" presetID="1" presetClass="entr" presetSubtype="0" fill="hold" nodeType="withEffect">
+                                <p:cTn id="33" presetID="1" presetClass="entr" presetSubtype="0" fill="hold" nodeType="clickEffect">
                                   <p:stCondLst>
                                     <p:cond delay="0"/>
                                   </p:stCondLst>
@@ -33846,7 +33021,7 @@
                                         <p:tgtEl>
                                           <p:spTgt spid="11">
                                             <p:txEl>
-                                              <p:pRg st="12" end="12"/>
+                                              <p:pRg st="11" end="11"/>
                                             </p:txEl>
                                           </p:spTgt>
                                         </p:tgtEl>
@@ -33877,7 +33052,69 @@
                                         <p:tgtEl>
                                           <p:spTgt spid="11">
                                             <p:txEl>
+                                              <p:pRg st="12" end="12"/>
+                                            </p:txEl>
+                                          </p:spTgt>
+                                        </p:tgtEl>
+                                        <p:attrNameLst>
+                                          <p:attrName>style.visibility</p:attrName>
+                                        </p:attrNameLst>
+                                      </p:cBhvr>
+                                      <p:to>
+                                        <p:strVal val="visible"/>
+                                      </p:to>
+                                    </p:set>
+                                  </p:childTnLst>
+                                </p:cTn>
+                              </p:par>
+                              <p:par>
+                                <p:cTn id="37" presetID="1" presetClass="entr" presetSubtype="0" fill="hold" nodeType="withEffect">
+                                  <p:stCondLst>
+                                    <p:cond delay="0"/>
+                                  </p:stCondLst>
+                                  <p:childTnLst>
+                                    <p:set>
+                                      <p:cBhvr>
+                                        <p:cTn id="38" dur="1" fill="hold">
+                                          <p:stCondLst>
+                                            <p:cond delay="0"/>
+                                          </p:stCondLst>
+                                        </p:cTn>
+                                        <p:tgtEl>
+                                          <p:spTgt spid="11">
+                                            <p:txEl>
                                               <p:pRg st="13" end="13"/>
+                                            </p:txEl>
+                                          </p:spTgt>
+                                        </p:tgtEl>
+                                        <p:attrNameLst>
+                                          <p:attrName>style.visibility</p:attrName>
+                                        </p:attrNameLst>
+                                      </p:cBhvr>
+                                      <p:to>
+                                        <p:strVal val="visible"/>
+                                      </p:to>
+                                    </p:set>
+                                  </p:childTnLst>
+                                </p:cTn>
+                              </p:par>
+                              <p:par>
+                                <p:cTn id="39" presetID="1" presetClass="entr" presetSubtype="0" fill="hold" nodeType="withEffect">
+                                  <p:stCondLst>
+                                    <p:cond delay="0"/>
+                                  </p:stCondLst>
+                                  <p:childTnLst>
+                                    <p:set>
+                                      <p:cBhvr>
+                                        <p:cTn id="40" dur="1" fill="hold">
+                                          <p:stCondLst>
+                                            <p:cond delay="0"/>
+                                          </p:stCondLst>
+                                        </p:cTn>
+                                        <p:tgtEl>
+                                          <p:spTgt spid="11">
+                                            <p:txEl>
+                                              <p:pRg st="14" end="14"/>
                                             </p:txEl>
                                           </p:spTgt>
                                         </p:tgtEl>
@@ -33899,26 +33136,26 @@
                     </p:cTn>
                   </p:par>
                   <p:par>
-                    <p:cTn id="37" fill="hold">
+                    <p:cTn id="41" fill="hold">
                       <p:stCondLst>
                         <p:cond delay="indefinite"/>
                       </p:stCondLst>
                       <p:childTnLst>
                         <p:par>
-                          <p:cTn id="38" fill="hold">
+                          <p:cTn id="42" fill="hold">
                             <p:stCondLst>
                               <p:cond delay="0"/>
                             </p:stCondLst>
                             <p:childTnLst>
                               <p:par>
-                                <p:cTn id="39" presetID="1" presetClass="entr" presetSubtype="0" fill="hold" nodeType="clickEffect">
+                                <p:cTn id="43" presetID="1" presetClass="entr" presetSubtype="0" fill="hold" nodeType="clickEffect">
                                   <p:stCondLst>
                                     <p:cond delay="0"/>
                                   </p:stCondLst>
                                   <p:childTnLst>
                                     <p:set>
                                       <p:cBhvr>
-                                        <p:cTn id="40" dur="1" fill="hold">
+                                        <p:cTn id="44" dur="1" fill="hold">
                                           <p:stCondLst>
                                             <p:cond delay="0"/>
                                           </p:stCondLst>
@@ -33926,7 +33163,7 @@
                                         <p:tgtEl>
                                           <p:spTgt spid="11">
                                             <p:txEl>
-                                              <p:pRg st="16" end="16"/>
+                                              <p:pRg st="17" end="17"/>
                                             </p:txEl>
                                           </p:spTgt>
                                         </p:tgtEl>

--- a/Courses/Software-Sciences/Module-2-DS-and-Algo/14-Sorting-and-Searching-Algorithms/14-Sorting-and-Searching-Algorithms.pptx
+++ b/Courses/Software-Sciences/Module-2-DS-and-Algo/14-Sorting-and-Searching-Algorithms/14-Sorting-and-Searching-Algorithms.pptx
@@ -44,8 +44,8 @@
     <p:sldId id="643" r:id="rId32"/>
     <p:sldId id="644" r:id="rId33"/>
     <p:sldId id="349" r:id="rId34"/>
-    <p:sldId id="659" r:id="rId35"/>
-    <p:sldId id="660" r:id="rId36"/>
+    <p:sldId id="661" r:id="rId35"/>
+    <p:sldId id="662" r:id="rId36"/>
   </p:sldIdLst>
   <p:sldSz cx="12192000" cy="6858000"/>
   <p:notesSz cx="6858000" cy="9144000"/>
@@ -147,13 +147,13 @@
   <p:extLst>
     <p:ext uri="{521415D9-36F7-43E2-AB2F-B90AF26B5E84}">
       <p14:sectionLst xmlns:p14="http://schemas.microsoft.com/office/powerpoint/2010/main">
-        <p14:section name="Въведение" id="{634F230F-4D90-43FB-92BE-54D12F829CB5}">
+        <p14:section name="Въведение" id="{2F5EDC13-2695-4672-9943-5CB5762828D0}">
           <p14:sldIdLst>
             <p14:sldId id="503"/>
             <p14:sldId id="276"/>
           </p14:sldIdLst>
         </p14:section>
-        <p14:section name="Прости алгоритми за сортиране" id="{A5CD2D4F-158F-4288-96F2-73B58E77A413}">
+        <p14:section name="Прости алгоритми за сортиране" id="{F6469A7A-F553-4A9A-969C-21798E19AC83}">
           <p14:sldIdLst>
             <p14:sldId id="504"/>
             <p14:sldId id="505"/>
@@ -169,7 +169,7 @@
             <p14:sldId id="614"/>
           </p14:sldIdLst>
         </p14:section>
-        <p14:section name="Сложни алгоритми за сортиране" id="{0BB071EA-B568-47EE-936C-E4529D5A2987}">
+        <p14:section name="Сложни алгоритми за сортиране" id="{708932D7-8D8C-4C13-81DF-41D1A18193FA}">
           <p14:sldIdLst>
             <p14:sldId id="576"/>
             <p14:sldId id="579"/>
@@ -179,13 +179,13 @@
             <p14:sldId id="582"/>
           </p14:sldIdLst>
         </p14:section>
-        <p14:section name="Избиране на алгоритъм за сортиране" id="{CBF8E1BB-90A9-4C1E-90EF-19A6CA5E68F0}">
+        <p14:section name="Избиране на алгоритъм за сортиране" id="{F10D4E0E-2608-4931-A623-CCA0C180E4EE}">
           <p14:sldIdLst>
             <p14:sldId id="629"/>
             <p14:sldId id="630"/>
           </p14:sldIdLst>
         </p14:section>
-        <p14:section name="Алгоритми за търсене" id="{09593201-5C06-4EC1-A8C7-DD0B83249B69}">
+        <p14:section name="Алгоритми за търсене" id="{88F74ACB-192A-4656-976B-E62E1E0CC149}">
           <p14:sldIdLst>
             <p14:sldId id="635"/>
             <p14:sldId id="636"/>
@@ -196,18 +196,18 @@
             <p14:sldId id="641"/>
           </p14:sldIdLst>
         </p14:section>
-        <p14:section name="Shuffling" id="{22732D20-D578-4DFE-B4F1-4A85F429F9DB}">
+        <p14:section name="Shuffling" id="{CD75BFE3-7375-441A-870D-21E3C0B96C8C}">
           <p14:sldIdLst>
             <p14:sldId id="642"/>
             <p14:sldId id="643"/>
             <p14:sldId id="644"/>
           </p14:sldIdLst>
         </p14:section>
-        <p14:section name="Обобщение" id="{D5DD894C-6175-49D0-9CE4-8CA9D4616195}">
+        <p14:section name="Обобщение" id="{C4A6722D-5D61-4EBA-9E0B-63A90281CF9A}">
           <p14:sldIdLst>
             <p14:sldId id="349"/>
-            <p14:sldId id="659"/>
-            <p14:sldId id="660"/>
+            <p14:sldId id="661"/>
+            <p14:sldId id="662"/>
           </p14:sldIdLst>
         </p14:section>
       </p14:sectionLst>
@@ -288,7 +288,7 @@
             </a:lvl1pPr>
           </a:lstStyle>
           <a:p>
-            <a:endParaRPr lang="bg-BG" dirty="0"/>
+            <a:endParaRPr lang="bg-BG"/>
           </a:p>
         </p:txBody>
       </p:sp>
@@ -327,9 +327,9 @@
           <a:p>
             <a:fld id="{4E087215-0C8F-4762-A664-737A353EC9A4}" type="datetimeFigureOut">
               <a:rPr lang="bg-BG" smtClean="0"/>
-              <a:t>29.08.23 г.</a:t>
+              <a:t>17.9.2023 г.</a:t>
             </a:fld>
-            <a:endParaRPr lang="bg-BG" dirty="0"/>
+            <a:endParaRPr lang="bg-BG"/>
           </a:p>
         </p:txBody>
       </p:sp>
@@ -351,8 +351,8 @@
         </p:nvSpPr>
         <p:spPr>
           <a:xfrm>
-            <a:off x="-1" y="8847000"/>
-            <a:ext cx="6443999" cy="297000"/>
+            <a:off x="-1" y="8892000"/>
+            <a:ext cx="6443999" cy="252000"/>
           </a:xfrm>
           <a:prstGeom prst="rect">
             <a:avLst/>
@@ -367,19 +367,24 @@
           </a:lstStyle>
           <a:p>
             <a:r>
-              <a:rPr lang="en-US" sz="1100" dirty="0"/>
-              <a:t>© SoftUni – </a:t>
-            </a:r>
-            <a:r>
-              <a:rPr lang="en-US" sz="1100" u="sng" dirty="0">
+              <a:rPr lang="bg-BG" sz="1100" dirty="0"/>
+              <a:t>Работна група </a:t>
+            </a:r>
+            <a:r>
+              <a:rPr lang="ru-RU" sz="1100" dirty="0"/>
+              <a:t>"Образование по програмиране и ИТ</a:t>
+            </a:r>
+            <a:r>
+              <a:rPr lang="bg-BG" sz="1100" dirty="0"/>
+              <a:t>", с подкрепата на </a:t>
+            </a:r>
+            <a:r>
+              <a:rPr lang="en-US" sz="1100" dirty="0">
                 <a:hlinkClick r:id="rId2"/>
               </a:rPr>
-              <a:t>https://softuni.org</a:t>
-            </a:r>
-            <a:r>
-              <a:rPr lang="en-US" sz="1100" dirty="0"/>
-              <a:t>. Copyrighted document. Unauthorized copy or reproduction is not permitted.</a:t>
-            </a:r>
+              <a:t>SoftUni</a:t>
+            </a:r>
+            <a:endParaRPr lang="en-US" sz="1100" dirty="0"/>
           </a:p>
         </p:txBody>
       </p:sp>
@@ -401,8 +406,8 @@
         </p:nvSpPr>
         <p:spPr>
           <a:xfrm>
-            <a:off x="6443999" y="8847000"/>
-            <a:ext cx="412413" cy="297000"/>
+            <a:off x="6443999" y="8892000"/>
+            <a:ext cx="412413" cy="252000"/>
           </a:xfrm>
           <a:prstGeom prst="rect">
             <a:avLst/>
@@ -485,7 +490,7 @@
             </a:lvl1pPr>
           </a:lstStyle>
           <a:p>
-            <a:endParaRPr lang="en-US" dirty="0"/>
+            <a:endParaRPr lang="en-US"/>
           </a:p>
         </p:txBody>
       </p:sp>
@@ -518,9 +523,9 @@
           <a:p>
             <a:fld id="{72D84649-876A-46C9-8472-14CB09C070D8}" type="datetimeFigureOut">
               <a:rPr lang="en-US" smtClean="0"/>
-              <a:t>8/29/23</a:t>
+              <a:t>9/17/2023</a:t>
             </a:fld>
-            <a:endParaRPr lang="en-US" dirty="0"/>
+            <a:endParaRPr lang="en-US"/>
           </a:p>
         </p:txBody>
       </p:sp>
@@ -553,7 +558,7 @@
           <a:bodyPr vert="horz" lIns="91440" tIns="45720" rIns="91440" bIns="45720" rtlCol="0" anchor="ctr"/>
           <a:lstStyle/>
           <a:p>
-            <a:endParaRPr lang="en-US" dirty="0"/>
+            <a:endParaRPr lang="en-US"/>
           </a:p>
         </p:txBody>
       </p:sp>
@@ -628,8 +633,8 @@
         </p:nvSpPr>
         <p:spPr>
           <a:xfrm>
-            <a:off x="6488999" y="8847000"/>
-            <a:ext cx="367414" cy="297000"/>
+            <a:off x="6488999" y="8892000"/>
+            <a:ext cx="367414" cy="252000"/>
           </a:xfrm>
           <a:prstGeom prst="rect">
             <a:avLst/>
@@ -669,8 +674,8 @@
         </p:nvSpPr>
         <p:spPr>
           <a:xfrm>
-            <a:off x="-1" y="8847000"/>
-            <a:ext cx="6488999" cy="297000"/>
+            <a:off x="-1" y="8892000"/>
+            <a:ext cx="6488999" cy="252000"/>
           </a:xfrm>
           <a:prstGeom prst="rect">
             <a:avLst/>
@@ -685,19 +690,24 @@
           </a:lstStyle>
           <a:p>
             <a:r>
-              <a:rPr lang="en-US" dirty="0"/>
-              <a:t>© SoftUni – </a:t>
-            </a:r>
-            <a:r>
-              <a:rPr lang="en-US" u="sng" dirty="0">
+              <a:rPr lang="bg-BG" sz="1100" dirty="0"/>
+              <a:t>Работна група </a:t>
+            </a:r>
+            <a:r>
+              <a:rPr lang="bg-BG" dirty="0"/>
+              <a:t>"Образование по програмиране и ИТ"</a:t>
+            </a:r>
+            <a:r>
+              <a:rPr lang="bg-BG" sz="1100" dirty="0"/>
+              <a:t>, с подкрепата на </a:t>
+            </a:r>
+            <a:r>
+              <a:rPr lang="en-US" sz="1100" dirty="0">
                 <a:hlinkClick r:id="rId2"/>
               </a:rPr>
-              <a:t>https://softuni.org</a:t>
-            </a:r>
-            <a:r>
-              <a:rPr lang="en-US" dirty="0"/>
-              <a:t>. Copyrighted document. Unauthorized copy or reproduction is not permitted.</a:t>
-            </a:r>
+              <a:t>SoftUni</a:t>
+            </a:r>
+            <a:endParaRPr lang="en-US" sz="1100" dirty="0"/>
           </a:p>
         </p:txBody>
       </p:sp>
@@ -891,10 +901,10 @@
       </p:sp>
       <p:sp>
         <p:nvSpPr>
-          <p:cNvPr id="10" name="Footer Placeholder 7">
+          <p:cNvPr id="2" name="Footer Placeholder 7">
             <a:extLst>
               <a:ext uri="{FF2B5EF4-FFF2-40B4-BE49-F238E27FC236}">
-                <a16:creationId xmlns:a16="http://schemas.microsoft.com/office/drawing/2014/main" id="{57494DF1-9CC9-4B20-A229-C8CC8131B875}"/>
+                <a16:creationId xmlns:a16="http://schemas.microsoft.com/office/drawing/2014/main" id="{78153326-0F95-6F48-59B4-351EFFB1951A}"/>
               </a:ext>
             </a:extLst>
           </p:cNvPr>
@@ -907,8 +917,8 @@
         </p:nvSpPr>
         <p:spPr>
           <a:xfrm>
-            <a:off x="-1" y="8847000"/>
-            <a:ext cx="6488999" cy="297000"/>
+            <a:off x="-1" y="8892000"/>
+            <a:ext cx="6488999" cy="252000"/>
           </a:xfrm>
           <a:prstGeom prst="rect">
             <a:avLst/>
@@ -923,26 +933,31 @@
           </a:lstStyle>
           <a:p>
             <a:r>
-              <a:rPr lang="en-US" dirty="0"/>
-              <a:t>© SoftUni – </a:t>
-            </a:r>
-            <a:r>
-              <a:rPr lang="en-US" u="sng" dirty="0">
+              <a:rPr lang="bg-BG" sz="1100" dirty="0"/>
+              <a:t>Работна група </a:t>
+            </a:r>
+            <a:r>
+              <a:rPr lang="bg-BG" dirty="0"/>
+              <a:t>"Образование по програмиране и ИТ"</a:t>
+            </a:r>
+            <a:r>
+              <a:rPr lang="bg-BG" sz="1100" dirty="0"/>
+              <a:t>, с подкрепата на </a:t>
+            </a:r>
+            <a:r>
+              <a:rPr lang="en-US" sz="1100" dirty="0">
                 <a:hlinkClick r:id="rId3"/>
               </a:rPr>
-              <a:t>https://softuni.org</a:t>
-            </a:r>
-            <a:r>
-              <a:rPr lang="en-US" dirty="0"/>
-              <a:t>. Copyrighted document. Unauthorized copy or reproduction is not permitted.</a:t>
-            </a:r>
+              <a:t>SoftUni</a:t>
+            </a:r>
+            <a:endParaRPr lang="en-US" sz="1100" dirty="0"/>
           </a:p>
         </p:txBody>
       </p:sp>
     </p:spTree>
     <p:extLst>
       <p:ext uri="{BB962C8B-B14F-4D97-AF65-F5344CB8AC3E}">
-        <p14:creationId xmlns:p14="http://schemas.microsoft.com/office/powerpoint/2010/main" val="1203114284"/>
+        <p14:creationId xmlns:p14="http://schemas.microsoft.com/office/powerpoint/2010/main" val="3874668321"/>
       </p:ext>
     </p:extLst>
   </p:cSld>
@@ -1144,10 +1159,10 @@
       </p:sp>
       <p:sp>
         <p:nvSpPr>
-          <p:cNvPr id="7" name="Footer Placeholder 7">
+          <p:cNvPr id="2" name="Footer Placeholder 7">
             <a:extLst>
               <a:ext uri="{FF2B5EF4-FFF2-40B4-BE49-F238E27FC236}">
-                <a16:creationId xmlns:a16="http://schemas.microsoft.com/office/drawing/2014/main" id="{0B8BB4D8-15C9-4DBC-BC4D-233649F73190}"/>
+                <a16:creationId xmlns:a16="http://schemas.microsoft.com/office/drawing/2014/main" id="{2B66EA4B-4B84-3A15-B91F-1E5D0F4962E1}"/>
               </a:ext>
             </a:extLst>
           </p:cNvPr>
@@ -1160,8 +1175,8 @@
         </p:nvSpPr>
         <p:spPr>
           <a:xfrm>
-            <a:off x="-1" y="8847000"/>
-            <a:ext cx="6488999" cy="297000"/>
+            <a:off x="-1" y="8892000"/>
+            <a:ext cx="6488999" cy="252000"/>
           </a:xfrm>
           <a:prstGeom prst="rect">
             <a:avLst/>
@@ -1176,26 +1191,31 @@
           </a:lstStyle>
           <a:p>
             <a:r>
-              <a:rPr lang="en-US" dirty="0"/>
-              <a:t>© SoftUni – </a:t>
-            </a:r>
-            <a:r>
-              <a:rPr lang="en-US" u="sng" dirty="0">
+              <a:rPr lang="bg-BG" sz="1100" dirty="0"/>
+              <a:t>Работна група </a:t>
+            </a:r>
+            <a:r>
+              <a:rPr lang="bg-BG" dirty="0"/>
+              <a:t>"Образование по програмиране и ИТ"</a:t>
+            </a:r>
+            <a:r>
+              <a:rPr lang="bg-BG" sz="1100" dirty="0"/>
+              <a:t>, с подкрепата на </a:t>
+            </a:r>
+            <a:r>
+              <a:rPr lang="en-US" sz="1100" dirty="0">
                 <a:hlinkClick r:id="rId3"/>
               </a:rPr>
-              <a:t>https://softuni.org</a:t>
-            </a:r>
-            <a:r>
-              <a:rPr lang="en-US" dirty="0"/>
-              <a:t>. Copyrighted document. Unauthorized copy or reproduction is not permitted.</a:t>
-            </a:r>
+              <a:t>SoftUni</a:t>
+            </a:r>
+            <a:endParaRPr lang="en-US" sz="1100" dirty="0"/>
           </a:p>
         </p:txBody>
       </p:sp>
     </p:spTree>
     <p:extLst>
       <p:ext uri="{BB962C8B-B14F-4D97-AF65-F5344CB8AC3E}">
-        <p14:creationId xmlns:p14="http://schemas.microsoft.com/office/powerpoint/2010/main" val="2502664320"/>
+        <p14:creationId xmlns:p14="http://schemas.microsoft.com/office/powerpoint/2010/main" val="2218891643"/>
       </p:ext>
     </p:extLst>
   </p:cSld>
@@ -1279,10 +1299,10 @@
       </p:sp>
       <p:sp>
         <p:nvSpPr>
-          <p:cNvPr id="7" name="Footer Placeholder 7">
+          <p:cNvPr id="5" name="Footer Placeholder 7">
             <a:extLst>
               <a:ext uri="{FF2B5EF4-FFF2-40B4-BE49-F238E27FC236}">
-                <a16:creationId xmlns:a16="http://schemas.microsoft.com/office/drawing/2014/main" id="{DE2B7A6B-9304-4CA1-9D0D-FEFC9FFEFC51}"/>
+                <a16:creationId xmlns:a16="http://schemas.microsoft.com/office/drawing/2014/main" id="{29188322-B370-9572-BF3D-CC7CCD5046AF}"/>
               </a:ext>
             </a:extLst>
           </p:cNvPr>
@@ -1295,8 +1315,8 @@
         </p:nvSpPr>
         <p:spPr>
           <a:xfrm>
-            <a:off x="-1" y="8847000"/>
-            <a:ext cx="6488999" cy="297000"/>
+            <a:off x="-1" y="8892000"/>
+            <a:ext cx="6488999" cy="252000"/>
           </a:xfrm>
           <a:prstGeom prst="rect">
             <a:avLst/>
@@ -1311,26 +1331,31 @@
           </a:lstStyle>
           <a:p>
             <a:r>
-              <a:rPr lang="en-US" dirty="0"/>
-              <a:t>© SoftUni – </a:t>
-            </a:r>
-            <a:r>
-              <a:rPr lang="en-US" u="sng" dirty="0">
+              <a:rPr lang="bg-BG" sz="1100" dirty="0"/>
+              <a:t>Работна група </a:t>
+            </a:r>
+            <a:r>
+              <a:rPr lang="bg-BG" dirty="0"/>
+              <a:t>"Образование по програмиране и ИТ"</a:t>
+            </a:r>
+            <a:r>
+              <a:rPr lang="bg-BG" sz="1100" dirty="0"/>
+              <a:t>, с подкрепата на </a:t>
+            </a:r>
+            <a:r>
+              <a:rPr lang="en-US" sz="1100" dirty="0">
                 <a:hlinkClick r:id="rId3"/>
               </a:rPr>
-              <a:t>https://softuni.org</a:t>
-            </a:r>
-            <a:r>
-              <a:rPr lang="en-US" dirty="0"/>
-              <a:t>. Copyrighted document. Unauthorized copy or reproduction is not permitted.</a:t>
-            </a:r>
+              <a:t>SoftUni</a:t>
+            </a:r>
+            <a:endParaRPr lang="en-US" sz="1100" dirty="0"/>
           </a:p>
         </p:txBody>
       </p:sp>
     </p:spTree>
     <p:extLst>
       <p:ext uri="{BB962C8B-B14F-4D97-AF65-F5344CB8AC3E}">
-        <p14:creationId xmlns:p14="http://schemas.microsoft.com/office/powerpoint/2010/main" val="3344415827"/>
+        <p14:creationId xmlns:p14="http://schemas.microsoft.com/office/powerpoint/2010/main" val="3644237803"/>
       </p:ext>
     </p:extLst>
   </p:cSld>
@@ -1414,10 +1439,10 @@
       </p:sp>
       <p:sp>
         <p:nvSpPr>
-          <p:cNvPr id="7" name="Footer Placeholder 7">
+          <p:cNvPr id="4" name="Footer Placeholder 7">
             <a:extLst>
               <a:ext uri="{FF2B5EF4-FFF2-40B4-BE49-F238E27FC236}">
-                <a16:creationId xmlns:a16="http://schemas.microsoft.com/office/drawing/2014/main" id="{A360A410-ED0A-4D25-AB91-7D037B97C659}"/>
+                <a16:creationId xmlns:a16="http://schemas.microsoft.com/office/drawing/2014/main" id="{CE4759C8-8A9E-8598-8B8E-5FD2F148E7F9}"/>
               </a:ext>
             </a:extLst>
           </p:cNvPr>
@@ -1430,8 +1455,8 @@
         </p:nvSpPr>
         <p:spPr>
           <a:xfrm>
-            <a:off x="-1" y="8847000"/>
-            <a:ext cx="6488999" cy="297000"/>
+            <a:off x="-1" y="8892000"/>
+            <a:ext cx="6488999" cy="252000"/>
           </a:xfrm>
           <a:prstGeom prst="rect">
             <a:avLst/>
@@ -1446,26 +1471,31 @@
           </a:lstStyle>
           <a:p>
             <a:r>
-              <a:rPr lang="en-US" dirty="0"/>
-              <a:t>© SoftUni – </a:t>
-            </a:r>
-            <a:r>
-              <a:rPr lang="en-US" u="sng" dirty="0">
+              <a:rPr lang="bg-BG" sz="1100" dirty="0"/>
+              <a:t>Работна група </a:t>
+            </a:r>
+            <a:r>
+              <a:rPr lang="bg-BG" dirty="0"/>
+              <a:t>"Образование по програмиране и ИТ"</a:t>
+            </a:r>
+            <a:r>
+              <a:rPr lang="bg-BG" sz="1100" dirty="0"/>
+              <a:t>, с подкрепата на </a:t>
+            </a:r>
+            <a:r>
+              <a:rPr lang="en-US" sz="1100" dirty="0">
                 <a:hlinkClick r:id="rId3"/>
               </a:rPr>
-              <a:t>https://softuni.org</a:t>
-            </a:r>
-            <a:r>
-              <a:rPr lang="en-US" dirty="0"/>
-              <a:t>. Copyrighted document. Unauthorized copy or reproduction is not permitted.</a:t>
-            </a:r>
+              <a:t>SoftUni</a:t>
+            </a:r>
+            <a:endParaRPr lang="en-US" sz="1100" dirty="0"/>
           </a:p>
         </p:txBody>
       </p:sp>
     </p:spTree>
     <p:extLst>
       <p:ext uri="{BB962C8B-B14F-4D97-AF65-F5344CB8AC3E}">
-        <p14:creationId xmlns:p14="http://schemas.microsoft.com/office/powerpoint/2010/main" val="398827743"/>
+        <p14:creationId xmlns:p14="http://schemas.microsoft.com/office/powerpoint/2010/main" val="1295277622"/>
       </p:ext>
     </p:extLst>
   </p:cSld>
@@ -1548,7 +1578,13 @@
       </p:sp>
       <p:sp>
         <p:nvSpPr>
-          <p:cNvPr id="5" name="Footer Placeholder 4"/>
+          <p:cNvPr id="6" name="Footer Placeholder 7">
+            <a:extLst>
+              <a:ext uri="{FF2B5EF4-FFF2-40B4-BE49-F238E27FC236}">
+                <a16:creationId xmlns:a16="http://schemas.microsoft.com/office/drawing/2014/main" id="{DD847FC8-0717-5A7E-75CB-9A1D44574FD5}"/>
+              </a:ext>
+            </a:extLst>
+          </p:cNvPr>
           <p:cNvSpPr>
             <a:spLocks noGrp="1"/>
           </p:cNvSpPr>
@@ -1556,33 +1592,49 @@
             <p:ph type="ftr" sz="quarter" idx="4"/>
           </p:nvPr>
         </p:nvSpPr>
-        <p:spPr/>
+        <p:spPr>
+          <a:xfrm>
+            <a:off x="-1" y="8892000"/>
+            <a:ext cx="6488999" cy="252000"/>
+          </a:xfrm>
+          <a:prstGeom prst="rect">
+            <a:avLst/>
+          </a:prstGeom>
+        </p:spPr>
         <p:txBody>
-          <a:bodyPr/>
-          <a:lstStyle/>
-          <a:p>
-            <a:r>
-              <a:rPr lang="en-US"/>
-              <a:t>© SoftUni – </a:t>
-            </a:r>
-            <a:r>
-              <a:rPr lang="en-US" u="sng">
+          <a:bodyPr vert="horz" lIns="91440" tIns="45720" rIns="91440" bIns="45720" rtlCol="0" anchor="b"/>
+          <a:lstStyle>
+            <a:lvl1pPr algn="l">
+              <a:defRPr sz="1100"/>
+            </a:lvl1pPr>
+          </a:lstStyle>
+          <a:p>
+            <a:r>
+              <a:rPr lang="bg-BG" sz="1100" dirty="0"/>
+              <a:t>Работна група </a:t>
+            </a:r>
+            <a:r>
+              <a:rPr lang="bg-BG" dirty="0"/>
+              <a:t>"Образование по програмиране и ИТ"</a:t>
+            </a:r>
+            <a:r>
+              <a:rPr lang="bg-BG" sz="1100" dirty="0"/>
+              <a:t>, с подкрепата на </a:t>
+            </a:r>
+            <a:r>
+              <a:rPr lang="en-US" sz="1100" dirty="0">
                 <a:hlinkClick r:id="rId3"/>
               </a:rPr>
-              <a:t>https://softuni.org</a:t>
-            </a:r>
-            <a:r>
-              <a:rPr lang="en-US"/>
-              <a:t>. Copyrighted document. Unauthorized copy or reproduction is not permitted.</a:t>
-            </a:r>
-            <a:endParaRPr lang="en-US" dirty="0"/>
+              <a:t>SoftUni</a:t>
+            </a:r>
+            <a:endParaRPr lang="en-US" sz="1100" dirty="0"/>
           </a:p>
         </p:txBody>
       </p:sp>
     </p:spTree>
     <p:extLst>
       <p:ext uri="{BB962C8B-B14F-4D97-AF65-F5344CB8AC3E}">
-        <p14:creationId xmlns:p14="http://schemas.microsoft.com/office/powerpoint/2010/main" val="1345870971"/>
+        <p14:creationId xmlns:p14="http://schemas.microsoft.com/office/powerpoint/2010/main" val="4183586920"/>
       </p:ext>
     </p:extLst>
   </p:cSld>
@@ -1772,10 +1824,10 @@
       </p:sp>
       <p:sp>
         <p:nvSpPr>
-          <p:cNvPr id="8" name="Footer Placeholder 7">
+          <p:cNvPr id="4" name="Footer Placeholder 7">
             <a:extLst>
               <a:ext uri="{FF2B5EF4-FFF2-40B4-BE49-F238E27FC236}">
-                <a16:creationId xmlns:a16="http://schemas.microsoft.com/office/drawing/2014/main" id="{5518D902-80A0-49A6-8525-091756587475}"/>
+                <a16:creationId xmlns:a16="http://schemas.microsoft.com/office/drawing/2014/main" id="{9E806FD5-BBF2-C92D-AA46-FF362BF9AD1F}"/>
               </a:ext>
             </a:extLst>
           </p:cNvPr>
@@ -1788,8 +1840,8 @@
         </p:nvSpPr>
         <p:spPr>
           <a:xfrm>
-            <a:off x="-1" y="8847000"/>
-            <a:ext cx="6488999" cy="297000"/>
+            <a:off x="-1" y="8892000"/>
+            <a:ext cx="6488999" cy="252000"/>
           </a:xfrm>
           <a:prstGeom prst="rect">
             <a:avLst/>
@@ -1804,26 +1856,31 @@
           </a:lstStyle>
           <a:p>
             <a:r>
-              <a:rPr lang="en-US" dirty="0"/>
-              <a:t>© SoftUni – </a:t>
-            </a:r>
-            <a:r>
-              <a:rPr lang="en-US" u="sng" dirty="0">
+              <a:rPr lang="bg-BG" sz="1100" dirty="0"/>
+              <a:t>Работна група </a:t>
+            </a:r>
+            <a:r>
+              <a:rPr lang="bg-BG" dirty="0"/>
+              <a:t>"Образование по програмиране и ИТ"</a:t>
+            </a:r>
+            <a:r>
+              <a:rPr lang="bg-BG" sz="1100" dirty="0"/>
+              <a:t>, с подкрепата на </a:t>
+            </a:r>
+            <a:r>
+              <a:rPr lang="en-US" sz="1100" dirty="0">
                 <a:hlinkClick r:id="rId3"/>
               </a:rPr>
-              <a:t>https://softuni.org</a:t>
-            </a:r>
-            <a:r>
-              <a:rPr lang="en-US" dirty="0"/>
-              <a:t>. Copyrighted document. Unauthorized copy or reproduction is not permitted.</a:t>
-            </a:r>
+              <a:t>SoftUni</a:t>
+            </a:r>
+            <a:endParaRPr lang="en-US" sz="1100" dirty="0"/>
           </a:p>
         </p:txBody>
       </p:sp>
     </p:spTree>
     <p:extLst>
       <p:ext uri="{BB962C8B-B14F-4D97-AF65-F5344CB8AC3E}">
-        <p14:creationId xmlns:p14="http://schemas.microsoft.com/office/powerpoint/2010/main" val="764684768"/>
+        <p14:creationId xmlns:p14="http://schemas.microsoft.com/office/powerpoint/2010/main" val="2148876792"/>
       </p:ext>
     </p:extLst>
   </p:cSld>
@@ -2013,10 +2070,10 @@
       </p:sp>
       <p:sp>
         <p:nvSpPr>
-          <p:cNvPr id="6" name="Footer Placeholder 7">
+          <p:cNvPr id="5" name="Footer Placeholder 7">
             <a:extLst>
               <a:ext uri="{FF2B5EF4-FFF2-40B4-BE49-F238E27FC236}">
-                <a16:creationId xmlns:a16="http://schemas.microsoft.com/office/drawing/2014/main" id="{9CFE5E97-8D68-4134-8407-17031A0C4EE4}"/>
+                <a16:creationId xmlns:a16="http://schemas.microsoft.com/office/drawing/2014/main" id="{45EBDA28-770D-0748-E960-F013D87CF53C}"/>
               </a:ext>
             </a:extLst>
           </p:cNvPr>
@@ -2029,8 +2086,8 @@
         </p:nvSpPr>
         <p:spPr>
           <a:xfrm>
-            <a:off x="-1" y="8847000"/>
-            <a:ext cx="6488999" cy="297000"/>
+            <a:off x="-1" y="8892000"/>
+            <a:ext cx="6488999" cy="252000"/>
           </a:xfrm>
           <a:prstGeom prst="rect">
             <a:avLst/>
@@ -2045,26 +2102,31 @@
           </a:lstStyle>
           <a:p>
             <a:r>
-              <a:rPr lang="en-US" dirty="0"/>
-              <a:t>© SoftUni – </a:t>
-            </a:r>
-            <a:r>
-              <a:rPr lang="en-US" u="sng" dirty="0">
+              <a:rPr lang="bg-BG" sz="1100" dirty="0"/>
+              <a:t>Работна група </a:t>
+            </a:r>
+            <a:r>
+              <a:rPr lang="bg-BG" dirty="0"/>
+              <a:t>"Образование по програмиране и ИТ"</a:t>
+            </a:r>
+            <a:r>
+              <a:rPr lang="bg-BG" sz="1100" dirty="0"/>
+              <a:t>, с подкрепата на </a:t>
+            </a:r>
+            <a:r>
+              <a:rPr lang="en-US" sz="1100" dirty="0">
                 <a:hlinkClick r:id="rId3"/>
               </a:rPr>
-              <a:t>https://softuni.org</a:t>
-            </a:r>
-            <a:r>
-              <a:rPr lang="en-US" dirty="0"/>
-              <a:t>. Copyrighted document. Unauthorized copy or reproduction is not permitted.</a:t>
-            </a:r>
+              <a:t>SoftUni</a:t>
+            </a:r>
+            <a:endParaRPr lang="en-US" sz="1100" dirty="0"/>
           </a:p>
         </p:txBody>
       </p:sp>
     </p:spTree>
     <p:extLst>
       <p:ext uri="{BB962C8B-B14F-4D97-AF65-F5344CB8AC3E}">
-        <p14:creationId xmlns:p14="http://schemas.microsoft.com/office/powerpoint/2010/main" val="4169401094"/>
+        <p14:creationId xmlns:p14="http://schemas.microsoft.com/office/powerpoint/2010/main" val="3415355633"/>
       </p:ext>
     </p:extLst>
   </p:cSld>
@@ -2118,7 +2180,7 @@
           <a:bodyPr/>
           <a:lstStyle/>
           <a:p>
-            <a:endParaRPr lang="en-US" dirty="0"/>
+            <a:endParaRPr lang="en-US"/>
           </a:p>
         </p:txBody>
       </p:sp>
@@ -2254,10 +2316,10 @@
       </p:sp>
       <p:sp>
         <p:nvSpPr>
-          <p:cNvPr id="7" name="Footer Placeholder 7">
+          <p:cNvPr id="5" name="Footer Placeholder 7">
             <a:extLst>
               <a:ext uri="{FF2B5EF4-FFF2-40B4-BE49-F238E27FC236}">
-                <a16:creationId xmlns:a16="http://schemas.microsoft.com/office/drawing/2014/main" id="{6440DE1F-FF39-450B-9BB2-FD91A9B92021}"/>
+                <a16:creationId xmlns:a16="http://schemas.microsoft.com/office/drawing/2014/main" id="{2B99CFA2-0A05-3038-3007-03C240DC82BE}"/>
               </a:ext>
             </a:extLst>
           </p:cNvPr>
@@ -2270,8 +2332,8 @@
         </p:nvSpPr>
         <p:spPr>
           <a:xfrm>
-            <a:off x="-1" y="8847000"/>
-            <a:ext cx="6488999" cy="297000"/>
+            <a:off x="-1" y="8892000"/>
+            <a:ext cx="6488999" cy="252000"/>
           </a:xfrm>
           <a:prstGeom prst="rect">
             <a:avLst/>
@@ -2286,26 +2348,31 @@
           </a:lstStyle>
           <a:p>
             <a:r>
-              <a:rPr lang="en-US" dirty="0"/>
-              <a:t>© SoftUni – </a:t>
-            </a:r>
-            <a:r>
-              <a:rPr lang="en-US" u="sng" dirty="0">
+              <a:rPr lang="bg-BG" sz="1100" dirty="0"/>
+              <a:t>Работна група </a:t>
+            </a:r>
+            <a:r>
+              <a:rPr lang="bg-BG" dirty="0"/>
+              <a:t>"Образование по програмиране и ИТ"</a:t>
+            </a:r>
+            <a:r>
+              <a:rPr lang="bg-BG" sz="1100" dirty="0"/>
+              <a:t>, с подкрепата на </a:t>
+            </a:r>
+            <a:r>
+              <a:rPr lang="en-US" sz="1100" dirty="0">
                 <a:hlinkClick r:id="rId3"/>
               </a:rPr>
-              <a:t>https://softuni.org</a:t>
-            </a:r>
-            <a:r>
-              <a:rPr lang="en-US" dirty="0"/>
-              <a:t>. Copyrighted document. Unauthorized copy or reproduction is not permitted.</a:t>
-            </a:r>
+              <a:t>SoftUni</a:t>
+            </a:r>
+            <a:endParaRPr lang="en-US" sz="1100" dirty="0"/>
           </a:p>
         </p:txBody>
       </p:sp>
     </p:spTree>
     <p:extLst>
       <p:ext uri="{BB962C8B-B14F-4D97-AF65-F5344CB8AC3E}">
-        <p14:creationId xmlns:p14="http://schemas.microsoft.com/office/powerpoint/2010/main" val="2344244638"/>
+        <p14:creationId xmlns:p14="http://schemas.microsoft.com/office/powerpoint/2010/main" val="3209097341"/>
       </p:ext>
     </p:extLst>
   </p:cSld>
@@ -2316,7 +2383,7 @@
 </file>
 
 <file path=ppt/slideLayouts/slideLayout1.xml><?xml version="1.0" encoding="utf-8"?>
-<p:sldLayout xmlns:a="http://schemas.openxmlformats.org/drawingml/2006/main" xmlns:r="http://schemas.openxmlformats.org/officeDocument/2006/relationships" xmlns:p="http://schemas.openxmlformats.org/presentationml/2006/main" preserve="1">
+<p:sldLayout xmlns:a="http://schemas.openxmlformats.org/drawingml/2006/main" xmlns:r="http://schemas.openxmlformats.org/officeDocument/2006/relationships" xmlns:p="http://schemas.openxmlformats.org/presentationml/2006/main" preserve="1" userDrawn="1">
   <p:cSld name="Presentation Title Slide">
     <p:spTree>
       <p:nvGrpSpPr>
@@ -2342,7 +2409,7 @@
             </a:extLst>
           </p:cNvPr>
           <p:cNvSpPr/>
-          <p:nvPr/>
+          <p:nvPr userDrawn="1"/>
         </p:nvSpPr>
         <p:spPr>
           <a:xfrm>
@@ -2396,7 +2463,7 @@
               <a:tabLst/>
               <a:defRPr/>
             </a:pPr>
-            <a:endParaRPr kumimoji="0" lang="en-US" altLang="ko-KR" sz="2398" b="0" i="0" u="none" strike="noStrike" kern="1200" cap="none" spc="0" normalizeH="0" baseline="0" noProof="0" dirty="0">
+            <a:endParaRPr kumimoji="0" lang="en-US" altLang="ko-KR" sz="2398" b="0" i="0" u="none" strike="noStrike" kern="1200" cap="none" spc="0" normalizeH="0" baseline="0" noProof="0">
               <a:ln>
                 <a:noFill/>
               </a:ln>
@@ -2413,55 +2480,139 @@
           </a:p>
         </p:txBody>
       </p:sp>
-      <p:pic>
-        <p:nvPicPr>
-          <p:cNvPr id="14" name="Picture Logo SoftUni" descr="SoftUni logo">
+      <p:sp>
+        <p:nvSpPr>
+          <p:cNvPr id="33" name="Picture Placeholder Title Image">
             <a:extLst>
               <a:ext uri="{FF2B5EF4-FFF2-40B4-BE49-F238E27FC236}">
-                <a16:creationId xmlns:a16="http://schemas.microsoft.com/office/drawing/2014/main" id="{C4D6B2A2-DFF0-4712-BFEC-6676BEC99FEC}"/>
+                <a16:creationId xmlns:a16="http://schemas.microsoft.com/office/drawing/2014/main" id="{A04D819A-89E2-4714-8C56-1838BF467EF7}"/>
               </a:ext>
             </a:extLst>
           </p:cNvPr>
-          <p:cNvPicPr>
-            <a:picLocks noChangeAspect="1"/>
-          </p:cNvPicPr>
-          <p:nvPr userDrawn="1"/>
-        </p:nvPicPr>
-        <p:blipFill>
-          <a:blip r:embed="rId2">
-            <a:clrChange>
-              <a:clrFrom>
-                <a:srgbClr val="FFFFFF"/>
-              </a:clrFrom>
-              <a:clrTo>
-                <a:srgbClr val="FFFFFF">
-                  <a:alpha val="0"/>
-                </a:srgbClr>
-              </a:clrTo>
-            </a:clrChange>
+          <p:cNvSpPr>
+            <a:spLocks noGrp="1"/>
+          </p:cNvSpPr>
+          <p:nvPr>
+            <p:ph type="pic" sz="quarter" idx="10"/>
+          </p:nvPr>
+        </p:nvSpPr>
+        <p:spPr>
+          <a:xfrm>
+            <a:off x="6390123" y="3400017"/>
+            <a:ext cx="5248260" cy="2188983"/>
+          </a:xfrm>
+        </p:spPr>
+        <p:txBody>
+          <a:bodyPr/>
+          <a:lstStyle>
+            <a:lvl1pPr marL="0" indent="0" algn="ctr" latinLnBrk="0">
+              <a:buNone/>
+              <a:defRPr>
+                <a:solidFill>
+                  <a:schemeClr val="bg1"/>
+                </a:solidFill>
+              </a:defRPr>
+            </a:lvl1pPr>
+          </a:lstStyle>
+          <a:p>
+            <a:r>
+              <a:rPr lang="en-US" noProof="0" dirty="0"/>
+              <a:t>Click icon to add picture</a:t>
+            </a:r>
+          </a:p>
+        </p:txBody>
+      </p:sp>
+      <p:sp>
+        <p:nvSpPr>
+          <p:cNvPr id="10" name="Company Web Site">
             <a:extLst>
-              <a:ext uri="{28A0092B-C50C-407E-A947-70E740481C1C}">
-                <a14:useLocalDpi xmlns:a14="http://schemas.microsoft.com/office/drawing/2010/main" val="0"/>
+              <a:ext uri="{FF2B5EF4-FFF2-40B4-BE49-F238E27FC236}">
+                <a16:creationId xmlns:a16="http://schemas.microsoft.com/office/drawing/2014/main" id="{0B99B1EE-62FA-4AA4-920C-D444D6C0B778}"/>
               </a:ext>
             </a:extLst>
-          </a:blip>
-          <a:stretch>
-            <a:fillRect/>
-          </a:stretch>
-        </p:blipFill>
+          </p:cNvPr>
+          <p:cNvSpPr>
+            <a:spLocks noGrp="1"/>
+          </p:cNvSpPr>
+          <p:nvPr>
+            <p:ph type="body" sz="quarter" idx="22" hasCustomPrompt="1"/>
+          </p:nvPr>
+        </p:nvSpPr>
         <p:spPr>
           <a:xfrm>
-            <a:off x="4324460" y="5184000"/>
-            <a:ext cx="3751540" cy="1297655"/>
+            <a:off x="6390120" y="6086106"/>
+            <a:ext cx="5248260" cy="341313"/>
           </a:xfrm>
-          <a:prstGeom prst="rect">
-            <a:avLst/>
-          </a:prstGeom>
         </p:spPr>
-      </p:pic>
+        <p:txBody>
+          <a:bodyPr lIns="36000" rIns="36000" anchor="ctr" anchorCtr="0">
+            <a:noAutofit/>
+          </a:bodyPr>
+          <a:lstStyle>
+            <a:lvl1pPr marL="0" indent="0" algn="r">
+              <a:buNone/>
+              <a:defRPr sz="1800"/>
+            </a:lvl1pPr>
+          </a:lstStyle>
+          <a:p>
+            <a:pPr lvl="0"/>
+            <a:r>
+              <a:rPr lang="en-US" dirty="0"/>
+              <a:t>https://softuni.foundation  </a:t>
+            </a:r>
+          </a:p>
+        </p:txBody>
+      </p:sp>
       <p:sp>
         <p:nvSpPr>
-          <p:cNvPr id="31" name="Text Placeholder Company Site">
+          <p:cNvPr id="6" name="Company Name">
+            <a:extLst>
+              <a:ext uri="{FF2B5EF4-FFF2-40B4-BE49-F238E27FC236}">
+                <a16:creationId xmlns:a16="http://schemas.microsoft.com/office/drawing/2014/main" id="{2A76510A-0BAE-A827-E77C-BE88E38F52AA}"/>
+              </a:ext>
+            </a:extLst>
+          </p:cNvPr>
+          <p:cNvSpPr>
+            <a:spLocks noGrp="1"/>
+          </p:cNvSpPr>
+          <p:nvPr>
+            <p:ph type="body" sz="quarter" idx="21" hasCustomPrompt="1"/>
+          </p:nvPr>
+        </p:nvSpPr>
+        <p:spPr>
+          <a:xfrm>
+            <a:off x="6390122" y="5698189"/>
+            <a:ext cx="5248260" cy="374236"/>
+          </a:xfrm>
+        </p:spPr>
+        <p:txBody>
+          <a:bodyPr lIns="36000" rIns="36000" anchor="ctr" anchorCtr="0">
+            <a:normAutofit/>
+          </a:bodyPr>
+          <a:lstStyle>
+            <a:lvl1pPr marL="0" indent="0" algn="r">
+              <a:buNone/>
+              <a:defRPr sz="2000" b="1">
+                <a:solidFill>
+                  <a:schemeClr val="tx1">
+                    <a:lumMod val="75000"/>
+                  </a:schemeClr>
+                </a:solidFill>
+              </a:defRPr>
+            </a:lvl1pPr>
+          </a:lstStyle>
+          <a:p>
+            <a:pPr lvl="0"/>
+            <a:r>
+              <a:rPr lang="en-US" dirty="0"/>
+              <a:t>SoftUni Foundation</a:t>
+            </a:r>
+          </a:p>
+        </p:txBody>
+      </p:sp>
+      <p:sp>
+        <p:nvSpPr>
+          <p:cNvPr id="31" name="Author Position">
             <a:extLst>
               <a:ext uri="{FF2B5EF4-FFF2-40B4-BE49-F238E27FC236}">
                 <a16:creationId xmlns:a16="http://schemas.microsoft.com/office/drawing/2014/main" id="{3E6B87B7-9D33-4EBB-BD4F-C0436BA3FD72}"/>
@@ -2477,274 +2628,8 @@
         </p:nvSpPr>
         <p:spPr bwMode="auto">
           <a:xfrm>
-            <a:off x="8708505" y="6130863"/>
-            <a:ext cx="2951518" cy="341556"/>
-          </a:xfrm>
-          <a:prstGeom prst="rect">
-            <a:avLst/>
-          </a:prstGeom>
-          <a:noFill/>
-          <a:effectLst/>
-        </p:spPr>
-        <p:txBody>
-          <a:bodyPr wrap="square" lIns="36000" tIns="36000" rIns="36000" bIns="36000" rtlCol="0" anchor="ctr" anchorCtr="0">
-            <a:noAutofit/>
-          </a:bodyPr>
-          <a:lstStyle>
-            <a:lvl1pPr marL="0" indent="0" algn="r" rtl="0" fontAlgn="base" latinLnBrk="0">
-              <a:spcBef>
-                <a:spcPct val="0"/>
-              </a:spcBef>
-              <a:spcAft>
-                <a:spcPct val="0"/>
-              </a:spcAft>
-              <a:buNone/>
-              <a:defRPr lang="en-US" sz="1798" b="1" kern="1200" dirty="0" smtClean="0">
-                <a:solidFill>
-                  <a:schemeClr val="tx1">
-                    <a:lumMod val="75000"/>
-                  </a:schemeClr>
-                </a:solidFill>
-                <a:effectLst/>
-                <a:latin typeface="+mn-lt"/>
-                <a:ea typeface="+mn-ea"/>
-                <a:cs typeface="+mn-cs"/>
-              </a:defRPr>
-            </a:lvl1pPr>
-          </a:lstStyle>
-          <a:p>
-            <a:pPr lvl="0"/>
-            <a:r>
-              <a:rPr lang="en-US" noProof="0" dirty="0"/>
-              <a:t>Company Web Site</a:t>
-            </a:r>
-          </a:p>
-        </p:txBody>
-      </p:sp>
-      <p:sp>
-        <p:nvSpPr>
-          <p:cNvPr id="30" name="Text Placeholder Company Name">
-            <a:extLst>
-              <a:ext uri="{FF2B5EF4-FFF2-40B4-BE49-F238E27FC236}">
-                <a16:creationId xmlns:a16="http://schemas.microsoft.com/office/drawing/2014/main" id="{2EA92DCA-4DB5-4D03-ACD3-A6A296592D0C}"/>
-              </a:ext>
-            </a:extLst>
-          </p:cNvPr>
-          <p:cNvSpPr>
-            <a:spLocks noGrp="1"/>
-          </p:cNvSpPr>
-          <p:nvPr>
-            <p:ph type="body" sz="quarter" idx="17" hasCustomPrompt="1"/>
-          </p:nvPr>
-        </p:nvSpPr>
-        <p:spPr bwMode="auto">
-          <a:xfrm>
-            <a:off x="8708505" y="5756628"/>
-            <a:ext cx="2951518" cy="367080"/>
-          </a:xfrm>
-          <a:prstGeom prst="rect">
-            <a:avLst/>
-          </a:prstGeom>
-          <a:noFill/>
-          <a:effectLst/>
-        </p:spPr>
-        <p:txBody>
-          <a:bodyPr wrap="square" lIns="36000" tIns="36000" rIns="36000" bIns="36000" rtlCol="0" anchor="ctr" anchorCtr="0">
-            <a:noAutofit/>
-          </a:bodyPr>
-          <a:lstStyle>
-            <a:lvl1pPr marL="0" indent="0" algn="r" rtl="0" fontAlgn="base" latinLnBrk="0">
-              <a:spcBef>
-                <a:spcPct val="0"/>
-              </a:spcBef>
-              <a:spcAft>
-                <a:spcPct val="0"/>
-              </a:spcAft>
-              <a:buNone/>
-              <a:defRPr lang="en-US" sz="1998" b="1" kern="1200" dirty="0" smtClean="0">
-                <a:solidFill>
-                  <a:schemeClr val="tx1">
-                    <a:lumMod val="75000"/>
-                  </a:schemeClr>
-                </a:solidFill>
-                <a:effectLst/>
-                <a:latin typeface="+mn-lt"/>
-                <a:ea typeface="+mn-ea"/>
-                <a:cs typeface="+mn-cs"/>
-              </a:defRPr>
-            </a:lvl1pPr>
-          </a:lstStyle>
-          <a:p>
-            <a:pPr lvl="0"/>
-            <a:r>
-              <a:rPr lang="en-US" noProof="0" dirty="0"/>
-              <a:t>Company Name</a:t>
-            </a:r>
-          </a:p>
-        </p:txBody>
-      </p:sp>
-      <p:pic>
-        <p:nvPicPr>
-          <p:cNvPr id="35" name="Picture SoftUni Mascot" descr="SoftUni mascot">
-            <a:extLst>
-              <a:ext uri="{FF2B5EF4-FFF2-40B4-BE49-F238E27FC236}">
-                <a16:creationId xmlns:a16="http://schemas.microsoft.com/office/drawing/2014/main" id="{951E7DA9-C5F0-43D9-B013-3BDF9EEF029D}"/>
-              </a:ext>
-            </a:extLst>
-          </p:cNvPr>
-          <p:cNvPicPr>
-            <a:picLocks noChangeAspect="1"/>
-          </p:cNvPicPr>
-          <p:nvPr/>
-        </p:nvPicPr>
-        <p:blipFill rotWithShape="1">
-          <a:blip r:embed="rId3" cstate="print">
-            <a:extLst>
-              <a:ext uri="{28A0092B-C50C-407E-A947-70E740481C1C}">
-                <a14:useLocalDpi xmlns:a14="http://schemas.microsoft.com/office/drawing/2010/main" val="0"/>
-              </a:ext>
-            </a:extLst>
-          </a:blip>
-          <a:srcRect/>
-          <a:stretch/>
-        </p:blipFill>
-        <p:spPr>
-          <a:xfrm flipH="1">
-            <a:off x="8848924" y="2609644"/>
-            <a:ext cx="2788893" cy="3018284"/>
-          </a:xfrm>
-          <a:prstGeom prst="rect">
-            <a:avLst/>
-          </a:prstGeom>
-        </p:spPr>
-      </p:pic>
-      <p:pic>
-        <p:nvPicPr>
-          <p:cNvPr id="22" name="Picture Logo Software University" descr="Software University logo">
-            <a:hlinkClick r:id="rId4"/>
-            <a:extLst>
-              <a:ext uri="{FF2B5EF4-FFF2-40B4-BE49-F238E27FC236}">
-                <a16:creationId xmlns:a16="http://schemas.microsoft.com/office/drawing/2014/main" id="{F2315EB3-3FE4-4D3B-921E-5F209CEC13CB}"/>
-              </a:ext>
-            </a:extLst>
-          </p:cNvPr>
-          <p:cNvPicPr>
-            <a:picLocks noChangeAspect="1"/>
-          </p:cNvPicPr>
-          <p:nvPr userDrawn="1"/>
-        </p:nvPicPr>
-        <p:blipFill>
-          <a:blip r:embed="rId5">
-            <a:clrChange>
-              <a:clrFrom>
-                <a:srgbClr val="FFFFFF"/>
-              </a:clrFrom>
-              <a:clrTo>
-                <a:srgbClr val="FFFFFF">
-                  <a:alpha val="0"/>
-                </a:srgbClr>
-              </a:clrTo>
-            </a:clrChange>
-            <a:extLst>
-              <a:ext uri="{28A0092B-C50C-407E-A947-70E740481C1C}">
-                <a14:useLocalDpi xmlns:a14="http://schemas.microsoft.com/office/drawing/2010/main" val="0"/>
-              </a:ext>
-            </a:extLst>
-          </a:blip>
-          <a:stretch>
-            <a:fillRect/>
-          </a:stretch>
-        </p:blipFill>
-        <p:spPr>
-          <a:xfrm>
-            <a:off x="507944" y="5918567"/>
-            <a:ext cx="1830305" cy="628159"/>
-          </a:xfrm>
-          <a:prstGeom prst="rect">
-            <a:avLst/>
-          </a:prstGeom>
-        </p:spPr>
-      </p:pic>
-      <p:sp>
-        <p:nvSpPr>
-          <p:cNvPr id="40" name="Text Placeholder Author Position">
-            <a:extLst>
-              <a:ext uri="{FF2B5EF4-FFF2-40B4-BE49-F238E27FC236}">
-                <a16:creationId xmlns:a16="http://schemas.microsoft.com/office/drawing/2014/main" id="{CD940256-851E-46C8-8BFB-A5ECA6C7DA07}"/>
-              </a:ext>
-            </a:extLst>
-          </p:cNvPr>
-          <p:cNvSpPr>
-            <a:spLocks noGrp="1"/>
-          </p:cNvSpPr>
-          <p:nvPr>
-            <p:ph type="body" sz="quarter" idx="20" hasCustomPrompt="1"/>
-          </p:nvPr>
-        </p:nvSpPr>
-        <p:spPr bwMode="auto">
-          <a:xfrm>
-            <a:off x="553082" y="5344180"/>
-            <a:ext cx="2980696" cy="444793"/>
-          </a:xfrm>
-          <a:prstGeom prst="rect">
-            <a:avLst/>
-          </a:prstGeom>
-          <a:noFill/>
-          <a:effectLst/>
-        </p:spPr>
-        <p:txBody>
-          <a:bodyPr wrap="square" lIns="36000" tIns="36000" rIns="36000" bIns="36000" rtlCol="0" anchor="ctr" anchorCtr="0">
-            <a:spAutoFit/>
-          </a:bodyPr>
-          <a:lstStyle>
-            <a:lvl1pPr marL="0" indent="0" algn="l" rtl="0" fontAlgn="base" latinLnBrk="0">
-              <a:spcBef>
-                <a:spcPct val="0"/>
-              </a:spcBef>
-              <a:spcAft>
-                <a:spcPct val="0"/>
-              </a:spcAft>
-              <a:buNone/>
-              <a:defRPr lang="en-US" sz="2398" b="1" kern="1200" dirty="0" smtClean="0">
-                <a:solidFill>
-                  <a:schemeClr val="tx1"/>
-                </a:solidFill>
-                <a:effectLst/>
-                <a:latin typeface="+mn-lt"/>
-                <a:ea typeface="+mn-ea"/>
-                <a:cs typeface="+mn-cs"/>
-              </a:defRPr>
-            </a:lvl1pPr>
-          </a:lstStyle>
-          <a:p>
-            <a:pPr lvl="0"/>
-            <a:r>
-              <a:rPr lang="en-US" noProof="0" dirty="0"/>
-              <a:t>Position</a:t>
-            </a:r>
-          </a:p>
-        </p:txBody>
-      </p:sp>
-      <p:sp>
-        <p:nvSpPr>
-          <p:cNvPr id="36" name="Text Placeholder Author Name">
-            <a:extLst>
-              <a:ext uri="{FF2B5EF4-FFF2-40B4-BE49-F238E27FC236}">
-                <a16:creationId xmlns:a16="http://schemas.microsoft.com/office/drawing/2014/main" id="{3B21F47B-DE1F-442D-A2B7-6866F8786704}"/>
-              </a:ext>
-            </a:extLst>
-          </p:cNvPr>
-          <p:cNvSpPr>
-            <a:spLocks noGrp="1"/>
-          </p:cNvSpPr>
-          <p:nvPr>
-            <p:ph type="body" sz="quarter" idx="19" hasCustomPrompt="1"/>
-          </p:nvPr>
-        </p:nvSpPr>
-        <p:spPr bwMode="auto">
-          <a:xfrm>
-            <a:off x="553082" y="4851838"/>
-            <a:ext cx="2980696" cy="454398"/>
+            <a:off x="534045" y="6085863"/>
+            <a:ext cx="4751953" cy="341556"/>
           </a:xfrm>
           <a:prstGeom prst="rect">
             <a:avLst/>
@@ -2765,9 +2650,11 @@
                 <a:spcPct val="0"/>
               </a:spcAft>
               <a:buNone/>
-              <a:defRPr lang="en-US" sz="2798" b="1" kern="1200" dirty="0" smtClean="0">
-                <a:solidFill>
-                  <a:schemeClr val="tx1"/>
+              <a:defRPr lang="en-US" sz="1800" b="0" kern="1200" dirty="0" smtClean="0">
+                <a:solidFill>
+                  <a:schemeClr val="tx1">
+                    <a:lumMod val="75000"/>
+                  </a:schemeClr>
                 </a:solidFill>
                 <a:effectLst/>
                 <a:latin typeface="+mn-lt"/>
@@ -2780,17 +2667,17 @@
             <a:pPr lvl="0"/>
             <a:r>
               <a:rPr lang="en-US" noProof="0" dirty="0"/>
-              <a:t>Author Name</a:t>
+              <a:t>URL</a:t>
             </a:r>
           </a:p>
         </p:txBody>
       </p:sp>
       <p:sp>
         <p:nvSpPr>
-          <p:cNvPr id="33" name="Picture Placeholder Title Image">
+          <p:cNvPr id="30" name="Author Name">
             <a:extLst>
               <a:ext uri="{FF2B5EF4-FFF2-40B4-BE49-F238E27FC236}">
-                <a16:creationId xmlns:a16="http://schemas.microsoft.com/office/drawing/2014/main" id="{A04D819A-89E2-4714-8C56-1838BF467EF7}"/>
+                <a16:creationId xmlns:a16="http://schemas.microsoft.com/office/drawing/2014/main" id="{2EA92DCA-4DB5-4D03-ACD3-A6A296592D0C}"/>
               </a:ext>
             </a:extLst>
           </p:cNvPr>
@@ -2798,31 +2685,51 @@
             <a:spLocks noGrp="1"/>
           </p:cNvSpPr>
           <p:nvPr>
-            <p:ph type="pic" sz="quarter" idx="10"/>
+            <p:ph type="body" sz="quarter" idx="17" hasCustomPrompt="1"/>
           </p:nvPr>
         </p:nvSpPr>
-        <p:spPr>
+        <p:spPr bwMode="auto">
           <a:xfrm>
-            <a:off x="553082" y="2740913"/>
-            <a:ext cx="4642919" cy="1936503"/>
+            <a:off x="534046" y="5251106"/>
+            <a:ext cx="4751954" cy="724904"/>
           </a:xfrm>
+          <a:prstGeom prst="rect">
+            <a:avLst/>
+          </a:prstGeom>
+          <a:noFill/>
+          <a:effectLst/>
         </p:spPr>
         <p:txBody>
-          <a:bodyPr/>
+          <a:bodyPr wrap="square" lIns="36000" tIns="36000" rIns="36000" bIns="36000" rtlCol="0" anchor="ctr" anchorCtr="0">
+            <a:noAutofit/>
+          </a:bodyPr>
           <a:lstStyle>
-            <a:lvl1pPr marL="0" indent="0" algn="ctr" latinLnBrk="0">
+            <a:lvl1pPr marL="0" indent="0" algn="l" rtl="0" fontAlgn="base" latinLnBrk="0">
+              <a:spcBef>
+                <a:spcPct val="0"/>
+              </a:spcBef>
+              <a:spcAft>
+                <a:spcPct val="0"/>
+              </a:spcAft>
               <a:buNone/>
-              <a:defRPr>
-                <a:solidFill>
-                  <a:schemeClr val="bg1"/>
-                </a:solidFill>
+              <a:defRPr lang="en-US" sz="2000" b="1" kern="1200" dirty="0" smtClean="0">
+                <a:solidFill>
+                  <a:schemeClr val="tx1">
+                    <a:lumMod val="75000"/>
+                  </a:schemeClr>
+                </a:solidFill>
+                <a:effectLst/>
+                <a:latin typeface="+mn-lt"/>
+                <a:ea typeface="+mn-ea"/>
+                <a:cs typeface="+mn-cs"/>
               </a:defRPr>
             </a:lvl1pPr>
           </a:lstStyle>
           <a:p>
+            <a:pPr lvl="0"/>
             <a:r>
               <a:rPr lang="en-US" noProof="0" dirty="0"/>
-              <a:t>Click icon to add picture</a:t>
+              <a:t>Authors</a:t>
             </a:r>
           </a:p>
         </p:txBody>
@@ -2845,8 +2752,8 @@
         </p:nvSpPr>
         <p:spPr>
           <a:xfrm>
-            <a:off x="554182" y="1258272"/>
-            <a:ext cx="11083636" cy="1315728"/>
+            <a:off x="554746" y="1402942"/>
+            <a:ext cx="11083636" cy="1306057"/>
           </a:xfrm>
         </p:spPr>
         <p:txBody>
@@ -2856,7 +2763,7 @@
           <a:lstStyle>
             <a:lvl1pPr marL="0" indent="0" algn="ctr" latinLnBrk="0">
               <a:buNone/>
-              <a:defRPr sz="3598">
+              <a:defRPr sz="3600">
                 <a:solidFill>
                   <a:schemeClr val="tx1"/>
                 </a:solidFill>
@@ -2889,15 +2796,17 @@
         </p:nvSpPr>
         <p:spPr>
           <a:xfrm>
-            <a:off x="554182" y="321502"/>
-            <a:ext cx="11083636" cy="882654"/>
+            <a:off x="554746" y="321501"/>
+            <a:ext cx="11083636" cy="971589"/>
           </a:xfrm>
         </p:spPr>
         <p:txBody>
-          <a:bodyPr/>
+          <a:bodyPr>
+            <a:normAutofit/>
+          </a:bodyPr>
           <a:lstStyle>
             <a:lvl1pPr algn="ctr" latinLnBrk="0">
-              <a:defRPr sz="4798"/>
+              <a:defRPr sz="5400"/>
             </a:lvl1pPr>
           </a:lstStyle>
           <a:p>
@@ -2908,10 +2817,94 @@
           </a:p>
         </p:txBody>
       </p:sp>
+      <p:pic>
+        <p:nvPicPr>
+          <p:cNvPr id="4" name="Picture 3">
+            <a:extLst>
+              <a:ext uri="{FF2B5EF4-FFF2-40B4-BE49-F238E27FC236}">
+                <a16:creationId xmlns:a16="http://schemas.microsoft.com/office/drawing/2014/main" id="{324D0DB3-F60A-469B-7831-209CB666CCE4}"/>
+              </a:ext>
+            </a:extLst>
+          </p:cNvPr>
+          <p:cNvPicPr>
+            <a:picLocks noChangeAspect="1"/>
+          </p:cNvPicPr>
+          <p:nvPr userDrawn="1"/>
+        </p:nvPicPr>
+        <p:blipFill>
+          <a:blip r:embed="rId2" cstate="print">
+            <a:extLst>
+              <a:ext uri="{28A0092B-C50C-407E-A947-70E740481C1C}">
+                <a14:useLocalDpi xmlns:a14="http://schemas.microsoft.com/office/drawing/2010/main" val="0"/>
+              </a:ext>
+            </a:extLst>
+          </a:blip>
+          <a:stretch>
+            <a:fillRect/>
+          </a:stretch>
+        </p:blipFill>
+        <p:spPr>
+          <a:xfrm>
+            <a:off x="536549" y="4325954"/>
+            <a:ext cx="2538082" cy="633046"/>
+          </a:xfrm>
+          <a:prstGeom prst="rect">
+            <a:avLst/>
+          </a:prstGeom>
+        </p:spPr>
+      </p:pic>
+      <p:pic>
+        <p:nvPicPr>
+          <p:cNvPr id="5" name="Picture 4" title="CC-BY-NC-SA License">
+            <a:hlinkClick r:id="rId3" tooltip="This work is licensed under the &quot;Creative Commons Attribution-NonCommercial-ShareAlike 4.0 International&quot; license"/>
+            <a:extLst>
+              <a:ext uri="{FF2B5EF4-FFF2-40B4-BE49-F238E27FC236}">
+                <a16:creationId xmlns:a16="http://schemas.microsoft.com/office/drawing/2014/main" id="{2D40731C-0303-A69D-63FD-E048A73CA59F}"/>
+              </a:ext>
+            </a:extLst>
+          </p:cNvPr>
+          <p:cNvPicPr>
+            <a:picLocks noChangeAspect="1" noChangeArrowheads="1"/>
+          </p:cNvPicPr>
+          <p:nvPr userDrawn="1"/>
+        </p:nvPicPr>
+        <p:blipFill>
+          <a:blip r:embed="rId4">
+            <a:extLst>
+              <a:ext uri="{28A0092B-C50C-407E-A947-70E740481C1C}">
+                <a14:useLocalDpi xmlns:a14="http://schemas.microsoft.com/office/drawing/2010/main"/>
+              </a:ext>
+            </a:extLst>
+          </a:blip>
+          <a:srcRect/>
+          <a:stretch>
+            <a:fillRect/>
+          </a:stretch>
+        </p:blipFill>
+        <p:spPr bwMode="auto">
+          <a:xfrm>
+            <a:off x="3402682" y="4321352"/>
+            <a:ext cx="1809336" cy="633045"/>
+          </a:xfrm>
+          <a:prstGeom prst="roundRect">
+            <a:avLst>
+              <a:gd name="adj" fmla="val 3940"/>
+            </a:avLst>
+          </a:prstGeom>
+          <a:solidFill>
+            <a:srgbClr val="231F20">
+              <a:alpha val="50000"/>
+            </a:srgbClr>
+          </a:solidFill>
+          <a:ln>
+            <a:noFill/>
+          </a:ln>
+        </p:spPr>
+      </p:pic>
     </p:spTree>
     <p:extLst>
       <p:ext uri="{BB962C8B-B14F-4D97-AF65-F5344CB8AC3E}">
-        <p14:creationId xmlns:p14="http://schemas.microsoft.com/office/powerpoint/2010/main" val="970179299"/>
+        <p14:creationId xmlns:p14="http://schemas.microsoft.com/office/powerpoint/2010/main" val="370654144"/>
       </p:ext>
     </p:extLst>
   </p:cSld>
@@ -3025,7 +3018,7 @@
               <a:tabLst/>
               <a:defRPr/>
             </a:pPr>
-            <a:endParaRPr kumimoji="0" lang="en-US" altLang="ko-KR" sz="2398" b="0" i="0" u="none" strike="noStrike" kern="1200" cap="none" spc="0" normalizeH="0" baseline="0" noProof="0" dirty="0">
+            <a:endParaRPr kumimoji="0" lang="en-US" altLang="ko-KR" sz="2398" b="0" i="0" u="none" strike="noStrike" kern="1200" cap="none" spc="0" normalizeH="0" baseline="0" noProof="0">
               <a:ln>
                 <a:noFill/>
               </a:ln>
@@ -3148,7 +3141,7 @@
               <a:tabLst/>
               <a:defRPr/>
             </a:pPr>
-            <a:endParaRPr kumimoji="0" lang="en-US" altLang="ko-KR" sz="2398" b="0" i="0" u="none" strike="noStrike" kern="1200" cap="none" spc="0" normalizeH="0" baseline="0" noProof="0" dirty="0">
+            <a:endParaRPr kumimoji="0" lang="en-US" altLang="ko-KR" sz="2398" b="0" i="0" u="none" strike="noStrike" kern="1200" cap="none" spc="0" normalizeH="0" baseline="0" noProof="0">
               <a:ln>
                 <a:noFill/>
               </a:ln>
@@ -3165,42 +3158,6 @@
           </a:p>
         </p:txBody>
       </p:sp>
-      <p:pic>
-        <p:nvPicPr>
-          <p:cNvPr id="12" name="Logo Software University Down" descr="Software University logo">
-            <a:extLst>
-              <a:ext uri="{FF2B5EF4-FFF2-40B4-BE49-F238E27FC236}">
-                <a16:creationId xmlns:a16="http://schemas.microsoft.com/office/drawing/2014/main" id="{7028D2F0-1E67-414B-A93D-D3F8F131A132}"/>
-              </a:ext>
-            </a:extLst>
-          </p:cNvPr>
-          <p:cNvPicPr>
-            <a:picLocks noChangeAspect="1"/>
-          </p:cNvPicPr>
-          <p:nvPr/>
-        </p:nvPicPr>
-        <p:blipFill>
-          <a:blip r:embed="rId2" cstate="print">
-            <a:extLst>
-              <a:ext uri="{28A0092B-C50C-407E-A947-70E740481C1C}">
-                <a14:useLocalDpi xmlns:a14="http://schemas.microsoft.com/office/drawing/2010/main" val="0"/>
-              </a:ext>
-            </a:extLst>
-          </a:blip>
-          <a:stretch>
-            <a:fillRect/>
-          </a:stretch>
-        </p:blipFill>
-        <p:spPr>
-          <a:xfrm>
-            <a:off x="5616551" y="5206773"/>
-            <a:ext cx="958900" cy="1184869"/>
-          </a:xfrm>
-          <a:prstGeom prst="rect">
-            <a:avLst/>
-          </a:prstGeom>
-        </p:spPr>
-      </p:pic>
       <p:sp>
         <p:nvSpPr>
           <p:cNvPr id="10" name="Text Placeholder Right">
@@ -3421,7 +3378,7 @@
               <a:tabLst/>
               <a:defRPr/>
             </a:pPr>
-            <a:endParaRPr kumimoji="0" lang="en-US" altLang="ko-KR" sz="2398" b="0" i="0" u="none" strike="noStrike" kern="1200" cap="none" spc="0" normalizeH="0" baseline="0" noProof="0" dirty="0">
+            <a:endParaRPr kumimoji="0" lang="en-US" altLang="ko-KR" sz="2398" b="0" i="0" u="none" strike="noStrike" kern="1200" cap="none" spc="0" normalizeH="0" baseline="0" noProof="0">
               <a:ln>
                 <a:noFill/>
               </a:ln>
@@ -3438,42 +3395,6 @@
           </a:p>
         </p:txBody>
       </p:sp>
-      <p:pic>
-        <p:nvPicPr>
-          <p:cNvPr id="14" name="Logo Software University" descr="Software University logo">
-            <a:extLst>
-              <a:ext uri="{FF2B5EF4-FFF2-40B4-BE49-F238E27FC236}">
-                <a16:creationId xmlns:a16="http://schemas.microsoft.com/office/drawing/2014/main" id="{19A67BB9-D880-4EAD-B90E-89C4219BFC0B}"/>
-              </a:ext>
-            </a:extLst>
-          </p:cNvPr>
-          <p:cNvPicPr>
-            <a:picLocks noChangeAspect="1"/>
-          </p:cNvPicPr>
-          <p:nvPr userDrawn="1"/>
-        </p:nvPicPr>
-        <p:blipFill>
-          <a:blip r:embed="rId3">
-            <a:extLst>
-              <a:ext uri="{28A0092B-C50C-407E-A947-70E740481C1C}">
-                <a14:useLocalDpi xmlns:a14="http://schemas.microsoft.com/office/drawing/2010/main" val="0"/>
-              </a:ext>
-            </a:extLst>
-          </a:blip>
-          <a:stretch>
-            <a:fillRect/>
-          </a:stretch>
-        </p:blipFill>
-        <p:spPr>
-          <a:xfrm>
-            <a:off x="10067957" y="253936"/>
-            <a:ext cx="1915704" cy="559235"/>
-          </a:xfrm>
-          <a:prstGeom prst="rect">
-            <a:avLst/>
-          </a:prstGeom>
-        </p:spPr>
-      </p:pic>
       <p:sp>
         <p:nvSpPr>
           <p:cNvPr id="15" name="Slide Title">
@@ -3492,8 +3413,8 @@
         </p:nvSpPr>
         <p:spPr>
           <a:xfrm>
-            <a:off x="190406" y="100750"/>
-            <a:ext cx="9715594" cy="882654"/>
+            <a:off x="190405" y="100750"/>
+            <a:ext cx="10270595" cy="882654"/>
           </a:xfrm>
         </p:spPr>
         <p:txBody>
@@ -3515,6 +3436,72 @@
           </a:p>
         </p:txBody>
       </p:sp>
+      <p:pic>
+        <p:nvPicPr>
+          <p:cNvPr id="8" name="Picture 7">
+            <a:extLst>
+              <a:ext uri="{FF2B5EF4-FFF2-40B4-BE49-F238E27FC236}">
+                <a16:creationId xmlns:a16="http://schemas.microsoft.com/office/drawing/2014/main" id="{2C9792D8-D354-4699-B7D6-B8CB7F77594F}"/>
+              </a:ext>
+            </a:extLst>
+          </p:cNvPr>
+          <p:cNvPicPr>
+            <a:picLocks noChangeAspect="1"/>
+          </p:cNvPicPr>
+          <p:nvPr userDrawn="1"/>
+        </p:nvPicPr>
+        <p:blipFill>
+          <a:blip r:embed="rId2"/>
+          <a:stretch>
+            <a:fillRect/>
+          </a:stretch>
+        </p:blipFill>
+        <p:spPr>
+          <a:xfrm>
+            <a:off x="5398753" y="5340443"/>
+            <a:ext cx="1334859" cy="982867"/>
+          </a:xfrm>
+          <a:prstGeom prst="rect">
+            <a:avLst/>
+          </a:prstGeom>
+        </p:spPr>
+      </p:pic>
+      <p:pic>
+        <p:nvPicPr>
+          <p:cNvPr id="3" name="Picture 2">
+            <a:extLst>
+              <a:ext uri="{FF2B5EF4-FFF2-40B4-BE49-F238E27FC236}">
+                <a16:creationId xmlns:a16="http://schemas.microsoft.com/office/drawing/2014/main" id="{B6351E19-25DA-EAD2-9FBE-358B6135D728}"/>
+              </a:ext>
+            </a:extLst>
+          </p:cNvPr>
+          <p:cNvPicPr>
+            <a:picLocks noChangeAspect="1"/>
+          </p:cNvPicPr>
+          <p:nvPr userDrawn="1"/>
+        </p:nvPicPr>
+        <p:blipFill>
+          <a:blip r:embed="rId3" cstate="print">
+            <a:extLst>
+              <a:ext uri="{28A0092B-C50C-407E-A947-70E740481C1C}">
+                <a14:useLocalDpi xmlns:a14="http://schemas.microsoft.com/office/drawing/2010/main" val="0"/>
+              </a:ext>
+            </a:extLst>
+          </a:blip>
+          <a:stretch>
+            <a:fillRect/>
+          </a:stretch>
+        </p:blipFill>
+        <p:spPr>
+          <a:xfrm>
+            <a:off x="10553573" y="368999"/>
+            <a:ext cx="1443361" cy="360001"/>
+          </a:xfrm>
+          <a:prstGeom prst="rect">
+            <a:avLst/>
+          </a:prstGeom>
+        </p:spPr>
+      </p:pic>
     </p:spTree>
     <p:extLst>
       <p:ext uri="{BB962C8B-B14F-4D97-AF65-F5344CB8AC3E}">
@@ -3607,7 +3594,7 @@
               <a:pPr/>
               <a:t>‹#›</a:t>
             </a:fld>
-            <a:endParaRPr lang="en-US" noProof="0" dirty="0"/>
+            <a:endParaRPr lang="en-US" noProof="0"/>
           </a:p>
         </p:txBody>
       </p:sp>
@@ -3761,7 +3748,7 @@
           </a:lstStyle>
           <a:p>
             <a:r>
-              <a:rPr lang="en-US" altLang="ko-KR" noProof="0" dirty="0"/>
+              <a:rPr lang="en-US" altLang="ko-KR" noProof="0"/>
               <a:t>Your Picture Here</a:t>
             </a:r>
           </a:p>
@@ -3825,7 +3812,7 @@
               <a:tabLst/>
               <a:defRPr/>
             </a:pPr>
-            <a:endParaRPr kumimoji="0" lang="en-US" altLang="ko-KR" sz="2398" b="0" i="0" u="none" strike="noStrike" kern="1200" cap="none" spc="0" normalizeH="0" baseline="0" noProof="0" dirty="0">
+            <a:endParaRPr kumimoji="0" lang="en-US" altLang="ko-KR" sz="2398" b="0" i="0" u="none" strike="noStrike" kern="1200" cap="none" spc="0" normalizeH="0" baseline="0" noProof="0">
               <a:ln>
                 <a:noFill/>
               </a:ln>
@@ -3900,7 +3887,7 @@
               <a:tabLst/>
               <a:defRPr/>
             </a:pPr>
-            <a:endParaRPr kumimoji="0" lang="en-US" altLang="ko-KR" sz="2398" b="0" i="0" u="none" strike="noStrike" kern="1200" cap="none" spc="0" normalizeH="0" baseline="0" noProof="0" dirty="0">
+            <a:endParaRPr kumimoji="0" lang="en-US" altLang="ko-KR" sz="2398" b="0" i="0" u="none" strike="noStrike" kern="1200" cap="none" spc="0" normalizeH="0" baseline="0" noProof="0">
               <a:ln>
                 <a:noFill/>
               </a:ln>
@@ -3981,7 +3968,7 @@
               <a:tabLst/>
               <a:defRPr/>
             </a:pPr>
-            <a:endParaRPr kumimoji="0" lang="en-US" altLang="ko-KR" sz="2398" b="0" i="0" u="none" strike="noStrike" kern="1200" cap="none" spc="0" normalizeH="0" baseline="0" noProof="0" dirty="0">
+            <a:endParaRPr kumimoji="0" lang="en-US" altLang="ko-KR" sz="2398" b="0" i="0" u="none" strike="noStrike" kern="1200" cap="none" spc="0" normalizeH="0" baseline="0" noProof="0">
               <a:ln>
                 <a:noFill/>
               </a:ln>
@@ -4062,7 +4049,7 @@
               <a:tabLst/>
               <a:defRPr/>
             </a:pPr>
-            <a:endParaRPr kumimoji="0" lang="en-US" altLang="ko-KR" sz="2398" b="0" i="0" u="none" strike="noStrike" kern="1200" cap="none" spc="0" normalizeH="0" baseline="0" noProof="0" dirty="0">
+            <a:endParaRPr kumimoji="0" lang="en-US" altLang="ko-KR" sz="2398" b="0" i="0" u="none" strike="noStrike" kern="1200" cap="none" spc="0" normalizeH="0" baseline="0" noProof="0">
               <a:ln>
                 <a:noFill/>
               </a:ln>
@@ -4079,42 +4066,6 @@
           </a:p>
         </p:txBody>
       </p:sp>
-      <p:pic>
-        <p:nvPicPr>
-          <p:cNvPr id="12" name="Logo Software University" descr="Software University logo">
-            <a:extLst>
-              <a:ext uri="{FF2B5EF4-FFF2-40B4-BE49-F238E27FC236}">
-                <a16:creationId xmlns:a16="http://schemas.microsoft.com/office/drawing/2014/main" id="{233CBB95-791E-4630-B3D9-FADFCE7BCF52}"/>
-              </a:ext>
-            </a:extLst>
-          </p:cNvPr>
-          <p:cNvPicPr>
-            <a:picLocks noChangeAspect="1"/>
-          </p:cNvPicPr>
-          <p:nvPr userDrawn="1"/>
-        </p:nvPicPr>
-        <p:blipFill>
-          <a:blip r:embed="rId2">
-            <a:extLst>
-              <a:ext uri="{28A0092B-C50C-407E-A947-70E740481C1C}">
-                <a14:useLocalDpi xmlns:a14="http://schemas.microsoft.com/office/drawing/2010/main" val="0"/>
-              </a:ext>
-            </a:extLst>
-          </a:blip>
-          <a:stretch>
-            <a:fillRect/>
-          </a:stretch>
-        </p:blipFill>
-        <p:spPr>
-          <a:xfrm>
-            <a:off x="10067957" y="253936"/>
-            <a:ext cx="1915704" cy="559235"/>
-          </a:xfrm>
-          <a:prstGeom prst="rect">
-            <a:avLst/>
-          </a:prstGeom>
-        </p:spPr>
-      </p:pic>
       <p:sp>
         <p:nvSpPr>
           <p:cNvPr id="13" name="Slide Title">
@@ -4134,7 +4085,7 @@
         <p:spPr>
           <a:xfrm>
             <a:off x="190406" y="100750"/>
-            <a:ext cx="9715594" cy="882654"/>
+            <a:ext cx="10270594" cy="882654"/>
           </a:xfrm>
         </p:spPr>
         <p:txBody>
@@ -4156,6 +4107,42 @@
           </a:p>
         </p:txBody>
       </p:sp>
+      <p:pic>
+        <p:nvPicPr>
+          <p:cNvPr id="4" name="Picture 3">
+            <a:extLst>
+              <a:ext uri="{FF2B5EF4-FFF2-40B4-BE49-F238E27FC236}">
+                <a16:creationId xmlns:a16="http://schemas.microsoft.com/office/drawing/2014/main" id="{42F3DB3E-BDAA-8201-9A01-2F52640A84CA}"/>
+              </a:ext>
+            </a:extLst>
+          </p:cNvPr>
+          <p:cNvPicPr>
+            <a:picLocks noChangeAspect="1"/>
+          </p:cNvPicPr>
+          <p:nvPr userDrawn="1"/>
+        </p:nvPicPr>
+        <p:blipFill>
+          <a:blip r:embed="rId2" cstate="print">
+            <a:extLst>
+              <a:ext uri="{28A0092B-C50C-407E-A947-70E740481C1C}">
+                <a14:useLocalDpi xmlns:a14="http://schemas.microsoft.com/office/drawing/2010/main" val="0"/>
+              </a:ext>
+            </a:extLst>
+          </a:blip>
+          <a:stretch>
+            <a:fillRect/>
+          </a:stretch>
+        </p:blipFill>
+        <p:spPr>
+          <a:xfrm>
+            <a:off x="10553573" y="368999"/>
+            <a:ext cx="1443361" cy="360001"/>
+          </a:xfrm>
+          <a:prstGeom prst="rect">
+            <a:avLst/>
+          </a:prstGeom>
+        </p:spPr>
+      </p:pic>
     </p:spTree>
     <p:extLst>
       <p:ext uri="{BB962C8B-B14F-4D97-AF65-F5344CB8AC3E}">
@@ -4266,7 +4253,7 @@
               <a:tabLst/>
               <a:defRPr/>
             </a:pPr>
-            <a:endParaRPr kumimoji="0" lang="en-US" altLang="ko-KR" sz="2398" b="0" i="0" u="none" strike="noStrike" kern="1200" cap="none" spc="0" normalizeH="0" baseline="0" noProof="0" dirty="0">
+            <a:endParaRPr kumimoji="0" lang="en-US" altLang="ko-KR" sz="2398" b="0" i="0" u="none" strike="noStrike" kern="1200" cap="none" spc="0" normalizeH="0" baseline="0" noProof="0">
               <a:ln>
                 <a:noFill/>
               </a:ln>
@@ -4285,714 +4272,10 @@
       </p:sp>
       <p:sp>
         <p:nvSpPr>
-          <p:cNvPr id="53" name="Rectangle Bottom Copyright">
+          <p:cNvPr id="3" name="Title 2">
             <a:extLst>
               <a:ext uri="{FF2B5EF4-FFF2-40B4-BE49-F238E27FC236}">
-                <a16:creationId xmlns:a16="http://schemas.microsoft.com/office/drawing/2014/main" id="{B07FB7FB-DA6C-4F5D-B068-357F0FCE27D8}"/>
-              </a:ext>
-            </a:extLst>
-          </p:cNvPr>
-          <p:cNvSpPr/>
-          <p:nvPr userDrawn="1"/>
-        </p:nvSpPr>
-        <p:spPr>
-          <a:xfrm>
-            <a:off x="111000" y="6454758"/>
-            <a:ext cx="11970000" cy="258449"/>
-          </a:xfrm>
-          <a:prstGeom prst="rect">
-            <a:avLst/>
-          </a:prstGeom>
-        </p:spPr>
-        <p:txBody>
-          <a:bodyPr wrap="square">
-            <a:noAutofit/>
-          </a:bodyPr>
-          <a:lstStyle/>
-          <a:p>
-            <a:pPr algn="ctr">
-              <a:lnSpc>
-                <a:spcPct val="100000"/>
-              </a:lnSpc>
-              <a:spcBef>
-                <a:spcPts val="0"/>
-              </a:spcBef>
-              <a:spcAft>
-                <a:spcPts val="0"/>
-              </a:spcAft>
-            </a:pPr>
-            <a:r>
-              <a:rPr lang="en-US" sz="1600" noProof="0" dirty="0">
-                <a:solidFill>
-                  <a:schemeClr val="bg2"/>
-                </a:solidFill>
-                <a:effectLst/>
-                <a:latin typeface="Calibri" panose="020F0502020204030204" pitchFamily="34" charset="0"/>
-                <a:ea typeface="Calibri" panose="020F0502020204030204" pitchFamily="34" charset="0"/>
-                <a:cs typeface="Arial" panose="020B0604020202020204" pitchFamily="34" charset="0"/>
-              </a:rPr>
-              <a:t>© SoftUni – </a:t>
-            </a:r>
-            <a:r>
-              <a:rPr lang="en-US" sz="1600" u="sng" noProof="0" dirty="0">
-                <a:solidFill>
-                  <a:schemeClr val="bg2"/>
-                </a:solidFill>
-                <a:effectLst/>
-                <a:latin typeface="Calibri" panose="020F0502020204030204" pitchFamily="34" charset="0"/>
-                <a:ea typeface="Calibri" panose="020F0502020204030204" pitchFamily="34" charset="0"/>
-                <a:cs typeface="Arial" panose="020B0604020202020204" pitchFamily="34" charset="0"/>
-                <a:hlinkClick r:id="rId2">
-                  <a:extLst>
-                    <a:ext uri="{A12FA001-AC4F-418D-AE19-62706E023703}">
-                      <ahyp:hlinkClr xmlns:ahyp="http://schemas.microsoft.com/office/drawing/2018/hyperlinkcolor" val="tx"/>
-                    </a:ext>
-                  </a:extLst>
-                </a:hlinkClick>
-              </a:rPr>
-              <a:t>https://softuni.org</a:t>
-            </a:r>
-            <a:r>
-              <a:rPr lang="en-US" sz="1600" noProof="0" dirty="0">
-                <a:solidFill>
-                  <a:schemeClr val="bg2"/>
-                </a:solidFill>
-                <a:effectLst/>
-                <a:latin typeface="Calibri" panose="020F0502020204030204" pitchFamily="34" charset="0"/>
-                <a:ea typeface="Calibri" panose="020F0502020204030204" pitchFamily="34" charset="0"/>
-                <a:cs typeface="Arial" panose="020B0604020202020204" pitchFamily="34" charset="0"/>
-              </a:rPr>
-              <a:t>. Copyrighted document. Unauthorized copy, reproduction or use is not permitted.</a:t>
-            </a:r>
-            <a:endParaRPr lang="en-US" sz="2400" noProof="0" dirty="0">
-              <a:solidFill>
-                <a:schemeClr val="bg2"/>
-              </a:solidFill>
-              <a:effectLst/>
-              <a:latin typeface="Calibri" panose="020F0502020204030204" pitchFamily="34" charset="0"/>
-              <a:ea typeface="Calibri" panose="020F0502020204030204" pitchFamily="34" charset="0"/>
-              <a:cs typeface="Arial" panose="020B0604020202020204" pitchFamily="34" charset="0"/>
-            </a:endParaRPr>
-          </a:p>
-        </p:txBody>
-      </p:sp>
-      <p:pic>
-        <p:nvPicPr>
-          <p:cNvPr id="26" name="Picture SoftUni Mascot" descr="SoftUni mascot with open hand">
-            <a:extLst>
-              <a:ext uri="{FF2B5EF4-FFF2-40B4-BE49-F238E27FC236}">
-                <a16:creationId xmlns:a16="http://schemas.microsoft.com/office/drawing/2014/main" id="{247CFF3C-C4FA-493D-8505-DF469F4D36A4}"/>
-              </a:ext>
-            </a:extLst>
-          </p:cNvPr>
-          <p:cNvPicPr>
-            <a:picLocks noChangeAspect="1"/>
-          </p:cNvPicPr>
-          <p:nvPr/>
-        </p:nvPicPr>
-        <p:blipFill>
-          <a:blip r:embed="rId3" cstate="print">
-            <a:extLst>
-              <a:ext uri="{28A0092B-C50C-407E-A947-70E740481C1C}">
-                <a14:useLocalDpi xmlns:a14="http://schemas.microsoft.com/office/drawing/2010/main" val="0"/>
-              </a:ext>
-            </a:extLst>
-          </a:blip>
-          <a:stretch>
-            <a:fillRect/>
-          </a:stretch>
-        </p:blipFill>
-        <p:spPr>
-          <a:xfrm>
-            <a:off x="642586" y="2898830"/>
-            <a:ext cx="2451608" cy="2959741"/>
-          </a:xfrm>
-          <a:prstGeom prst="rect">
-            <a:avLst/>
-          </a:prstGeom>
-        </p:spPr>
-      </p:pic>
-      <p:grpSp>
-        <p:nvGrpSpPr>
-          <p:cNvPr id="2" name="Group SoftUni Brands">
-            <a:extLst>
-              <a:ext uri="{FF2B5EF4-FFF2-40B4-BE49-F238E27FC236}">
-                <a16:creationId xmlns:a16="http://schemas.microsoft.com/office/drawing/2014/main" id="{418FAE34-C1F8-46C7-A4AE-F270D1E70F25}"/>
-              </a:ext>
-            </a:extLst>
-          </p:cNvPr>
-          <p:cNvGrpSpPr/>
-          <p:nvPr userDrawn="1"/>
-        </p:nvGrpSpPr>
-        <p:grpSpPr>
-          <a:xfrm>
-            <a:off x="3332216" y="1702473"/>
-            <a:ext cx="8314909" cy="3543782"/>
-            <a:chOff x="3332216" y="1702473"/>
-            <a:chExt cx="8314909" cy="3543782"/>
-          </a:xfrm>
-        </p:grpSpPr>
-        <p:pic>
-          <p:nvPicPr>
-            <p:cNvPr id="24" name="Picture SoftUni Kids Logo" descr="SoftUni Kids logo">
-              <a:extLst>
-                <a:ext uri="{FF2B5EF4-FFF2-40B4-BE49-F238E27FC236}">
-                  <a16:creationId xmlns:a16="http://schemas.microsoft.com/office/drawing/2014/main" id="{B0812936-74B6-4265-8C08-AEDC8C798702}"/>
-                </a:ext>
-              </a:extLst>
-            </p:cNvPr>
-            <p:cNvPicPr>
-              <a:picLocks noChangeAspect="1"/>
-            </p:cNvPicPr>
-            <p:nvPr/>
-          </p:nvPicPr>
-          <p:blipFill>
-            <a:blip r:embed="rId4" cstate="print">
-              <a:extLst>
-                <a:ext uri="{28A0092B-C50C-407E-A947-70E740481C1C}">
-                  <a14:useLocalDpi xmlns:a14="http://schemas.microsoft.com/office/drawing/2010/main" val="0"/>
-                </a:ext>
-              </a:extLst>
-            </a:blip>
-            <a:stretch>
-              <a:fillRect/>
-            </a:stretch>
-          </p:blipFill>
-          <p:spPr>
-            <a:xfrm>
-              <a:off x="10516883" y="3776294"/>
-              <a:ext cx="1130242" cy="1389256"/>
-            </a:xfrm>
-            <a:prstGeom prst="rect">
-              <a:avLst/>
-            </a:prstGeom>
-          </p:spPr>
-        </p:pic>
-        <p:pic>
-          <p:nvPicPr>
-            <p:cNvPr id="23" name="Picture SoftUni Foundation Logo" descr="SoftUni Foundation logo">
-              <a:extLst>
-                <a:ext uri="{FF2B5EF4-FFF2-40B4-BE49-F238E27FC236}">
-                  <a16:creationId xmlns:a16="http://schemas.microsoft.com/office/drawing/2014/main" id="{6643F71A-2013-433A-8322-FBAAED3162D8}"/>
-                </a:ext>
-              </a:extLst>
-            </p:cNvPr>
-            <p:cNvPicPr>
-              <a:picLocks noChangeAspect="1"/>
-            </p:cNvPicPr>
-            <p:nvPr userDrawn="1"/>
-          </p:nvPicPr>
-          <p:blipFill>
-            <a:blip r:embed="rId5" cstate="print">
-              <a:extLst>
-                <a:ext uri="{28A0092B-C50C-407E-A947-70E740481C1C}">
-                  <a14:useLocalDpi xmlns:a14="http://schemas.microsoft.com/office/drawing/2010/main" val="0"/>
-                </a:ext>
-              </a:extLst>
-            </a:blip>
-            <a:stretch>
-              <a:fillRect/>
-            </a:stretch>
-          </p:blipFill>
-          <p:spPr>
-            <a:xfrm>
-              <a:off x="9053913" y="3788231"/>
-              <a:ext cx="1166400" cy="1350756"/>
-            </a:xfrm>
-            <a:prstGeom prst="rect">
-              <a:avLst/>
-            </a:prstGeom>
-          </p:spPr>
-        </p:pic>
-        <p:pic>
-          <p:nvPicPr>
-            <p:cNvPr id="22" name="Picture SoftUni Digital Logo" descr="SoftUni Digital logo">
-              <a:extLst>
-                <a:ext uri="{FF2B5EF4-FFF2-40B4-BE49-F238E27FC236}">
-                  <a16:creationId xmlns:a16="http://schemas.microsoft.com/office/drawing/2014/main" id="{0A83D66F-855B-463B-920B-BF239B01A206}"/>
-                </a:ext>
-              </a:extLst>
-            </p:cNvPr>
-            <p:cNvPicPr>
-              <a:picLocks noChangeAspect="1"/>
-            </p:cNvPicPr>
-            <p:nvPr userDrawn="1"/>
-          </p:nvPicPr>
-          <p:blipFill>
-            <a:blip r:embed="rId6" cstate="print">
-              <a:extLst>
-                <a:ext uri="{28A0092B-C50C-407E-A947-70E740481C1C}">
-                  <a14:useLocalDpi xmlns:a14="http://schemas.microsoft.com/office/drawing/2010/main" val="0"/>
-                </a:ext>
-              </a:extLst>
-            </a:blip>
-            <a:stretch>
-              <a:fillRect/>
-            </a:stretch>
-          </p:blipFill>
-          <p:spPr>
-            <a:xfrm>
-              <a:off x="7657695" y="3789000"/>
-              <a:ext cx="1084614" cy="1457255"/>
-            </a:xfrm>
-            <a:prstGeom prst="rect">
-              <a:avLst/>
-            </a:prstGeom>
-          </p:spPr>
-        </p:pic>
-        <p:pic>
-          <p:nvPicPr>
-            <p:cNvPr id="21" name="Picture SoftUni Creative Logo" descr="SoftUni Creative logo">
-              <a:extLst>
-                <a:ext uri="{FF2B5EF4-FFF2-40B4-BE49-F238E27FC236}">
-                  <a16:creationId xmlns:a16="http://schemas.microsoft.com/office/drawing/2014/main" id="{EA755AAE-BA08-481C-9224-0061170EE4B8}"/>
-                </a:ext>
-              </a:extLst>
-            </p:cNvPr>
-            <p:cNvPicPr>
-              <a:picLocks noChangeAspect="1"/>
-            </p:cNvPicPr>
-            <p:nvPr/>
-          </p:nvPicPr>
-          <p:blipFill>
-            <a:blip r:embed="rId7" cstate="print">
-              <a:extLst>
-                <a:ext uri="{28A0092B-C50C-407E-A947-70E740481C1C}">
-                  <a14:useLocalDpi xmlns:a14="http://schemas.microsoft.com/office/drawing/2010/main" val="0"/>
-                </a:ext>
-              </a:extLst>
-            </a:blip>
-            <a:stretch>
-              <a:fillRect/>
-            </a:stretch>
-          </p:blipFill>
-          <p:spPr>
-            <a:xfrm>
-              <a:off x="6173913" y="3776293"/>
-              <a:ext cx="1166400" cy="1389257"/>
-            </a:xfrm>
-            <a:prstGeom prst="rect">
-              <a:avLst/>
-            </a:prstGeom>
-          </p:spPr>
-        </p:pic>
-        <p:pic>
-          <p:nvPicPr>
-            <p:cNvPr id="20" name="Picture SoftUni Svetlina Logo" descr="SoftUni Svetlina logo">
-              <a:extLst>
-                <a:ext uri="{FF2B5EF4-FFF2-40B4-BE49-F238E27FC236}">
-                  <a16:creationId xmlns:a16="http://schemas.microsoft.com/office/drawing/2014/main" id="{827D15FD-4C66-4B85-98E6-7826AA8F61C6}"/>
-                </a:ext>
-              </a:extLst>
-            </p:cNvPr>
-            <p:cNvPicPr>
-              <a:picLocks noChangeAspect="1"/>
-            </p:cNvPicPr>
-            <p:nvPr/>
-          </p:nvPicPr>
-          <p:blipFill>
-            <a:blip r:embed="rId8">
-              <a:extLst>
-                <a:ext uri="{28A0092B-C50C-407E-A947-70E740481C1C}">
-                  <a14:useLocalDpi xmlns:a14="http://schemas.microsoft.com/office/drawing/2010/main" val="0"/>
-                </a:ext>
-              </a:extLst>
-            </a:blip>
-            <a:stretch>
-              <a:fillRect/>
-            </a:stretch>
-          </p:blipFill>
-          <p:spPr>
-            <a:xfrm>
-              <a:off x="4735029" y="3776293"/>
-              <a:ext cx="1166400" cy="1402229"/>
-            </a:xfrm>
-            <a:prstGeom prst="rect">
-              <a:avLst/>
-            </a:prstGeom>
-          </p:spPr>
-        </p:pic>
-        <p:pic>
-          <p:nvPicPr>
-            <p:cNvPr id="25" name="Picture Software University Logo" descr="Software University logo">
-              <a:extLst>
-                <a:ext uri="{FF2B5EF4-FFF2-40B4-BE49-F238E27FC236}">
-                  <a16:creationId xmlns:a16="http://schemas.microsoft.com/office/drawing/2014/main" id="{C74C190C-5856-41B9-8819-AE8DE0E10980}"/>
-                </a:ext>
-              </a:extLst>
-            </p:cNvPr>
-            <p:cNvPicPr>
-              <a:picLocks noChangeAspect="1"/>
-            </p:cNvPicPr>
-            <p:nvPr/>
-          </p:nvPicPr>
-          <p:blipFill>
-            <a:blip r:embed="rId9" cstate="print">
-              <a:extLst>
-                <a:ext uri="{28A0092B-C50C-407E-A947-70E740481C1C}">
-                  <a14:useLocalDpi xmlns:a14="http://schemas.microsoft.com/office/drawing/2010/main" val="0"/>
-                </a:ext>
-              </a:extLst>
-            </a:blip>
-            <a:stretch>
-              <a:fillRect/>
-            </a:stretch>
-          </p:blipFill>
-          <p:spPr>
-            <a:xfrm>
-              <a:off x="3332216" y="3776295"/>
-              <a:ext cx="1164654" cy="1440000"/>
-            </a:xfrm>
-            <a:prstGeom prst="rect">
-              <a:avLst/>
-            </a:prstGeom>
-          </p:spPr>
-        </p:pic>
-        <p:cxnSp>
-          <p:nvCxnSpPr>
-            <p:cNvPr id="33" name="Straight Connector 6">
-              <a:extLst>
-                <a:ext uri="{FF2B5EF4-FFF2-40B4-BE49-F238E27FC236}">
-                  <a16:creationId xmlns:a16="http://schemas.microsoft.com/office/drawing/2014/main" id="{5C63D1E8-4A92-4691-8A24-A2FC7E8008E5}"/>
-                </a:ext>
-              </a:extLst>
-            </p:cNvPr>
-            <p:cNvCxnSpPr>
-              <a:cxnSpLocks/>
-            </p:cNvCxnSpPr>
-            <p:nvPr userDrawn="1"/>
-          </p:nvCxnSpPr>
-          <p:spPr>
-            <a:xfrm>
-              <a:off x="11077113" y="3335565"/>
-              <a:ext cx="0" cy="236220"/>
-            </a:xfrm>
-            <a:prstGeom prst="line">
-              <a:avLst/>
-            </a:prstGeom>
-            <a:ln w="25400"/>
-          </p:spPr>
-          <p:style>
-            <a:lnRef idx="1">
-              <a:schemeClr val="accent1"/>
-            </a:lnRef>
-            <a:fillRef idx="0">
-              <a:schemeClr val="accent1"/>
-            </a:fillRef>
-            <a:effectRef idx="0">
-              <a:schemeClr val="accent1"/>
-            </a:effectRef>
-            <a:fontRef idx="minor">
-              <a:schemeClr val="tx1"/>
-            </a:fontRef>
-          </p:style>
-        </p:cxnSp>
-        <p:cxnSp>
-          <p:nvCxnSpPr>
-            <p:cNvPr id="32" name="Straight Connector 5">
-              <a:extLst>
-                <a:ext uri="{FF2B5EF4-FFF2-40B4-BE49-F238E27FC236}">
-                  <a16:creationId xmlns:a16="http://schemas.microsoft.com/office/drawing/2014/main" id="{6E91D320-3732-40B8-864D-142D0A277ED1}"/>
-                </a:ext>
-              </a:extLst>
-            </p:cNvPr>
-            <p:cNvCxnSpPr>
-              <a:cxnSpLocks/>
-            </p:cNvCxnSpPr>
-            <p:nvPr userDrawn="1"/>
-          </p:nvCxnSpPr>
-          <p:spPr>
-            <a:xfrm>
-              <a:off x="9637113" y="3329215"/>
-              <a:ext cx="0" cy="236220"/>
-            </a:xfrm>
-            <a:prstGeom prst="line">
-              <a:avLst/>
-            </a:prstGeom>
-            <a:ln w="25400"/>
-          </p:spPr>
-          <p:style>
-            <a:lnRef idx="1">
-              <a:schemeClr val="accent1"/>
-            </a:lnRef>
-            <a:fillRef idx="0">
-              <a:schemeClr val="accent1"/>
-            </a:fillRef>
-            <a:effectRef idx="0">
-              <a:schemeClr val="accent1"/>
-            </a:effectRef>
-            <a:fontRef idx="minor">
-              <a:schemeClr val="tx1"/>
-            </a:fontRef>
-          </p:style>
-        </p:cxnSp>
-        <p:cxnSp>
-          <p:nvCxnSpPr>
-            <p:cNvPr id="31" name="Straight Connector 4">
-              <a:extLst>
-                <a:ext uri="{FF2B5EF4-FFF2-40B4-BE49-F238E27FC236}">
-                  <a16:creationId xmlns:a16="http://schemas.microsoft.com/office/drawing/2014/main" id="{299ABE09-E33C-46B7-A80D-7BF4A6956211}"/>
-                </a:ext>
-              </a:extLst>
-            </p:cNvPr>
-            <p:cNvCxnSpPr/>
-            <p:nvPr userDrawn="1"/>
-          </p:nvCxnSpPr>
-          <p:spPr>
-            <a:xfrm>
-              <a:off x="8197113" y="3329215"/>
-              <a:ext cx="0" cy="236220"/>
-            </a:xfrm>
-            <a:prstGeom prst="line">
-              <a:avLst/>
-            </a:prstGeom>
-            <a:ln w="25400"/>
-          </p:spPr>
-          <p:style>
-            <a:lnRef idx="1">
-              <a:schemeClr val="accent1"/>
-            </a:lnRef>
-            <a:fillRef idx="0">
-              <a:schemeClr val="accent1"/>
-            </a:fillRef>
-            <a:effectRef idx="0">
-              <a:schemeClr val="accent1"/>
-            </a:effectRef>
-            <a:fontRef idx="minor">
-              <a:schemeClr val="tx1"/>
-            </a:fontRef>
-          </p:style>
-        </p:cxnSp>
-        <p:cxnSp>
-          <p:nvCxnSpPr>
-            <p:cNvPr id="30" name="Straight Connector 3">
-              <a:extLst>
-                <a:ext uri="{FF2B5EF4-FFF2-40B4-BE49-F238E27FC236}">
-                  <a16:creationId xmlns:a16="http://schemas.microsoft.com/office/drawing/2014/main" id="{93DDBF37-0764-47AA-94E3-9A44F3ED8FB5}"/>
-                </a:ext>
-              </a:extLst>
-            </p:cNvPr>
-            <p:cNvCxnSpPr/>
-            <p:nvPr userDrawn="1"/>
-          </p:nvCxnSpPr>
-          <p:spPr>
-            <a:xfrm>
-              <a:off x="6757113" y="3329215"/>
-              <a:ext cx="0" cy="236220"/>
-            </a:xfrm>
-            <a:prstGeom prst="line">
-              <a:avLst/>
-            </a:prstGeom>
-            <a:ln w="25400"/>
-          </p:spPr>
-          <p:style>
-            <a:lnRef idx="1">
-              <a:schemeClr val="accent1"/>
-            </a:lnRef>
-            <a:fillRef idx="0">
-              <a:schemeClr val="accent1"/>
-            </a:fillRef>
-            <a:effectRef idx="0">
-              <a:schemeClr val="accent1"/>
-            </a:effectRef>
-            <a:fontRef idx="minor">
-              <a:schemeClr val="tx1"/>
-            </a:fontRef>
-          </p:style>
-        </p:cxnSp>
-        <p:cxnSp>
-          <p:nvCxnSpPr>
-            <p:cNvPr id="29" name="Straight Connector 2">
-              <a:extLst>
-                <a:ext uri="{FF2B5EF4-FFF2-40B4-BE49-F238E27FC236}">
-                  <a16:creationId xmlns:a16="http://schemas.microsoft.com/office/drawing/2014/main" id="{72BFE2F3-0845-4E5B-9375-E9D4027DD675}"/>
-                </a:ext>
-              </a:extLst>
-            </p:cNvPr>
-            <p:cNvCxnSpPr/>
-            <p:nvPr userDrawn="1"/>
-          </p:nvCxnSpPr>
-          <p:spPr>
-            <a:xfrm>
-              <a:off x="5309913" y="3335565"/>
-              <a:ext cx="0" cy="236220"/>
-            </a:xfrm>
-            <a:prstGeom prst="line">
-              <a:avLst/>
-            </a:prstGeom>
-            <a:ln w="25400"/>
-          </p:spPr>
-          <p:style>
-            <a:lnRef idx="1">
-              <a:schemeClr val="accent1"/>
-            </a:lnRef>
-            <a:fillRef idx="0">
-              <a:schemeClr val="accent1"/>
-            </a:fillRef>
-            <a:effectRef idx="0">
-              <a:schemeClr val="accent1"/>
-            </a:effectRef>
-            <a:fontRef idx="minor">
-              <a:schemeClr val="tx1"/>
-            </a:fontRef>
-          </p:style>
-        </p:cxnSp>
-        <p:cxnSp>
-          <p:nvCxnSpPr>
-            <p:cNvPr id="28" name="Straight Connector 1">
-              <a:extLst>
-                <a:ext uri="{FF2B5EF4-FFF2-40B4-BE49-F238E27FC236}">
-                  <a16:creationId xmlns:a16="http://schemas.microsoft.com/office/drawing/2014/main" id="{D4E5982E-3110-47E1-A5BB-91B7BECC3093}"/>
-                </a:ext>
-              </a:extLst>
-            </p:cNvPr>
-            <p:cNvCxnSpPr/>
-            <p:nvPr userDrawn="1"/>
-          </p:nvCxnSpPr>
-          <p:spPr>
-            <a:xfrm>
-              <a:off x="3915327" y="3335565"/>
-              <a:ext cx="0" cy="236220"/>
-            </a:xfrm>
-            <a:prstGeom prst="line">
-              <a:avLst/>
-            </a:prstGeom>
-            <a:ln w="25400"/>
-          </p:spPr>
-          <p:style>
-            <a:lnRef idx="1">
-              <a:schemeClr val="accent1"/>
-            </a:lnRef>
-            <a:fillRef idx="0">
-              <a:schemeClr val="accent1"/>
-            </a:fillRef>
-            <a:effectRef idx="0">
-              <a:schemeClr val="accent1"/>
-            </a:effectRef>
-            <a:fontRef idx="minor">
-              <a:schemeClr val="tx1"/>
-            </a:fontRef>
-          </p:style>
-        </p:cxnSp>
-        <p:cxnSp>
-          <p:nvCxnSpPr>
-            <p:cNvPr id="27" name="Straight Connector Horizontal">
-              <a:extLst>
-                <a:ext uri="{FF2B5EF4-FFF2-40B4-BE49-F238E27FC236}">
-                  <a16:creationId xmlns:a16="http://schemas.microsoft.com/office/drawing/2014/main" id="{5F62FB7C-BD6E-4383-98C1-2CF30F34CAFD}"/>
-                </a:ext>
-              </a:extLst>
-            </p:cNvPr>
-            <p:cNvCxnSpPr>
-              <a:cxnSpLocks/>
-            </p:cNvCxnSpPr>
-            <p:nvPr userDrawn="1"/>
-          </p:nvCxnSpPr>
-          <p:spPr>
-            <a:xfrm>
-              <a:off x="3915327" y="3335565"/>
-              <a:ext cx="7161786" cy="0"/>
-            </a:xfrm>
-            <a:prstGeom prst="line">
-              <a:avLst/>
-            </a:prstGeom>
-            <a:ln w="25400"/>
-          </p:spPr>
-          <p:style>
-            <a:lnRef idx="1">
-              <a:schemeClr val="accent1"/>
-            </a:lnRef>
-            <a:fillRef idx="0">
-              <a:schemeClr val="accent1"/>
-            </a:fillRef>
-            <a:effectRef idx="0">
-              <a:schemeClr val="accent1"/>
-            </a:effectRef>
-            <a:fontRef idx="minor">
-              <a:schemeClr val="tx1"/>
-            </a:fontRef>
-          </p:style>
-        </p:cxnSp>
-        <p:cxnSp>
-          <p:nvCxnSpPr>
-            <p:cNvPr id="34" name="Straight Connector 0">
-              <a:extLst>
-                <a:ext uri="{FF2B5EF4-FFF2-40B4-BE49-F238E27FC236}">
-                  <a16:creationId xmlns:a16="http://schemas.microsoft.com/office/drawing/2014/main" id="{C84A0FE1-723D-4682-8682-77BAD950EE15}"/>
-                </a:ext>
-              </a:extLst>
-            </p:cNvPr>
-            <p:cNvCxnSpPr/>
-            <p:nvPr userDrawn="1"/>
-          </p:nvCxnSpPr>
-          <p:spPr>
-            <a:xfrm>
-              <a:off x="7496220" y="3092995"/>
-              <a:ext cx="0" cy="236220"/>
-            </a:xfrm>
-            <a:prstGeom prst="line">
-              <a:avLst/>
-            </a:prstGeom>
-            <a:ln w="25400"/>
-          </p:spPr>
-          <p:style>
-            <a:lnRef idx="1">
-              <a:schemeClr val="accent1"/>
-            </a:lnRef>
-            <a:fillRef idx="0">
-              <a:schemeClr val="accent1"/>
-            </a:fillRef>
-            <a:effectRef idx="0">
-              <a:schemeClr val="accent1"/>
-            </a:effectRef>
-            <a:fontRef idx="minor">
-              <a:schemeClr val="tx1"/>
-            </a:fontRef>
-          </p:style>
-        </p:cxnSp>
-        <p:pic>
-          <p:nvPicPr>
-            <p:cNvPr id="18" name="Picture SoftUni Logo" descr="SoftUni logo">
-              <a:extLst>
-                <a:ext uri="{FF2B5EF4-FFF2-40B4-BE49-F238E27FC236}">
-                  <a16:creationId xmlns:a16="http://schemas.microsoft.com/office/drawing/2014/main" id="{A0675455-B7FA-4569-A5FD-A3B0F20B2A26}"/>
-                </a:ext>
-              </a:extLst>
-            </p:cNvPr>
-            <p:cNvPicPr>
-              <a:picLocks noChangeAspect="1"/>
-            </p:cNvPicPr>
-            <p:nvPr/>
-          </p:nvPicPr>
-          <p:blipFill>
-            <a:blip r:embed="rId10" cstate="print">
-              <a:extLst>
-                <a:ext uri="{28A0092B-C50C-407E-A947-70E740481C1C}">
-                  <a14:useLocalDpi xmlns:a14="http://schemas.microsoft.com/office/drawing/2010/main" val="0"/>
-                </a:ext>
-              </a:extLst>
-            </a:blip>
-            <a:stretch>
-              <a:fillRect/>
-            </a:stretch>
-          </p:blipFill>
-          <p:spPr>
-            <a:xfrm>
-              <a:off x="6896770" y="1702473"/>
-              <a:ext cx="1198901" cy="1198901"/>
-            </a:xfrm>
-            <a:prstGeom prst="rect">
-              <a:avLst/>
-            </a:prstGeom>
-          </p:spPr>
-        </p:pic>
-      </p:grpSp>
-      <p:sp>
-        <p:nvSpPr>
-          <p:cNvPr id="19" name="Slide Title">
-            <a:extLst>
-              <a:ext uri="{FF2B5EF4-FFF2-40B4-BE49-F238E27FC236}">
-                <a16:creationId xmlns:a16="http://schemas.microsoft.com/office/drawing/2014/main" id="{7CFDBB16-985C-4CC7-B6DB-B81B36037922}"/>
+                <a16:creationId xmlns:a16="http://schemas.microsoft.com/office/drawing/2014/main" id="{3107753B-8639-4399-B782-EE5377184D2E}"/>
               </a:ext>
             </a:extLst>
           </p:cNvPr>
@@ -5000,142 +4283,33 @@
             <a:spLocks noGrp="1"/>
           </p:cNvSpPr>
           <p:nvPr>
-            <p:ph type="title"/>
+            <p:ph type="title" hasCustomPrompt="1"/>
           </p:nvPr>
         </p:nvSpPr>
         <p:spPr>
           <a:xfrm>
-            <a:off x="809628" y="703244"/>
-            <a:ext cx="5916372" cy="1033303"/>
+            <a:off x="726988" y="1461842"/>
+            <a:ext cx="10731663" cy="3047158"/>
           </a:xfrm>
-          <a:prstGeom prst="rect">
-            <a:avLst/>
-          </a:prstGeom>
         </p:spPr>
         <p:txBody>
-          <a:bodyPr wrap="none" lIns="0" tIns="0" rIns="0" bIns="0" anchor="ctr" anchorCtr="0">
-            <a:noAutofit/>
-            <a:scene3d>
-              <a:camera prst="orthographicFront"/>
-              <a:lightRig rig="soft" dir="t">
-                <a:rot lat="0" lon="0" rev="10800000"/>
-              </a:lightRig>
-            </a:scene3d>
-            <a:sp3d>
-              <a:bevelT w="27940" h="12700"/>
-              <a:contourClr>
-                <a:srgbClr val="DDDDDD"/>
-              </a:contourClr>
-            </a:sp3d>
+          <a:bodyPr>
+            <a:normAutofit/>
           </a:bodyPr>
-          <a:lstStyle/>
-          <a:p>
-            <a:pPr marL="0" marR="0" lvl="0" indent="0" algn="l" defTabSz="913852" rtl="0" eaLnBrk="0" fontAlgn="auto" latinLnBrk="0" hangingPunct="0">
-              <a:lnSpc>
-                <a:spcPct val="100000"/>
-              </a:lnSpc>
-              <a:spcBef>
-                <a:spcPts val="0"/>
-              </a:spcBef>
-              <a:spcAft>
-                <a:spcPts val="0"/>
-              </a:spcAft>
-              <a:buClr>
-                <a:srgbClr val="67748E">
-                  <a:lumMod val="40000"/>
-                  <a:lumOff val="60000"/>
-                </a:srgbClr>
-              </a:buClr>
-              <a:buSzPct val="70000"/>
-              <a:buFont typeface="Wingdings 2" pitchFamily="18" charset="2"/>
-              <a:buNone/>
-              <a:tabLst/>
-              <a:defRPr/>
-            </a:pPr>
-            <a:r>
-              <a:rPr kumimoji="0" lang="en-US" sz="8797" b="1" i="0" u="none" strike="noStrike" kern="1200" cap="none" spc="0" normalizeH="0" baseline="0" noProof="0" dirty="0">
-                <a:ln>
-                  <a:noFill/>
-                </a:ln>
-                <a:solidFill>
-                  <a:srgbClr val="234465"/>
-                </a:solidFill>
-                <a:effectLst/>
-                <a:uLnTx/>
-                <a:uFillTx/>
-                <a:latin typeface="Calibri" panose="020F0502020204030204"/>
-                <a:ea typeface="+mn-ea"/>
-                <a:cs typeface="+mn-cs"/>
-              </a:rPr>
-              <a:t>Questions?</a:t>
-            </a:r>
-            <a:endParaRPr kumimoji="0" lang="en-US" sz="8797" b="1" i="0" u="none" strike="noStrike" kern="1200" cap="none" spc="150" normalizeH="0" baseline="0" noProof="0" dirty="0">
-              <a:ln w="11430"/>
-              <a:solidFill>
-                <a:srgbClr val="234465"/>
-              </a:solidFill>
-              <a:effectLst>
-                <a:outerShdw blurRad="25400" algn="tl" rotWithShape="0">
-                  <a:srgbClr val="000000">
-                    <a:alpha val="43000"/>
-                  </a:srgbClr>
-                </a:outerShdw>
-              </a:effectLst>
-              <a:uLnTx/>
-              <a:uFillTx/>
-              <a:latin typeface="Calibri" panose="020F0502020204030204"/>
-              <a:ea typeface="+mn-ea"/>
-              <a:cs typeface="+mn-cs"/>
-            </a:endParaRPr>
+          <a:lstStyle>
+            <a:lvl1pPr algn="ctr">
+              <a:defRPr sz="13800"/>
+            </a:lvl1pPr>
+          </a:lstStyle>
+          <a:p>
+            <a:r>
+              <a:rPr lang="bg-BG" dirty="0"/>
+              <a:t>Въпроси?</a:t>
+            </a:r>
+            <a:endParaRPr lang="en-US" dirty="0"/>
           </a:p>
         </p:txBody>
       </p:sp>
-      <p:pic>
-        <p:nvPicPr>
-          <p:cNvPr id="36" name="Logo Software University" descr="Software University logo">
-            <a:extLst>
-              <a:ext uri="{FF2B5EF4-FFF2-40B4-BE49-F238E27FC236}">
-                <a16:creationId xmlns:a16="http://schemas.microsoft.com/office/drawing/2014/main" id="{67FC4D2E-913D-432A-B658-F0D82839FA5E}"/>
-              </a:ext>
-            </a:extLst>
-          </p:cNvPr>
-          <p:cNvPicPr>
-            <a:picLocks noChangeAspect="1"/>
-          </p:cNvPicPr>
-          <p:nvPr userDrawn="1"/>
-        </p:nvPicPr>
-        <p:blipFill>
-          <a:blip r:embed="rId11">
-            <a:clrChange>
-              <a:clrFrom>
-                <a:srgbClr val="FFFFFF"/>
-              </a:clrFrom>
-              <a:clrTo>
-                <a:srgbClr val="FFFFFF">
-                  <a:alpha val="0"/>
-                </a:srgbClr>
-              </a:clrTo>
-            </a:clrChange>
-            <a:extLst>
-              <a:ext uri="{28A0092B-C50C-407E-A947-70E740481C1C}">
-                <a14:useLocalDpi xmlns:a14="http://schemas.microsoft.com/office/drawing/2010/main" val="0"/>
-              </a:ext>
-            </a:extLst>
-          </a:blip>
-          <a:stretch>
-            <a:fillRect/>
-          </a:stretch>
-        </p:blipFill>
-        <p:spPr>
-          <a:xfrm>
-            <a:off x="10008761" y="190267"/>
-            <a:ext cx="2013336" cy="690975"/>
-          </a:xfrm>
-          <a:prstGeom prst="rect">
-            <a:avLst/>
-          </a:prstGeom>
-        </p:spPr>
-      </p:pic>
     </p:spTree>
     <p:extLst>
       <p:ext uri="{BB962C8B-B14F-4D97-AF65-F5344CB8AC3E}">
@@ -5170,528 +4344,6 @@
       </p15:sldGuideLst>
     </p:ext>
   </p:extLst>
-</p:sldLayout>
-</file>
-
-<file path=ppt/slideLayouts/slideLayout13.xml><?xml version="1.0" encoding="utf-8"?>
-<p:sldLayout xmlns:a="http://schemas.openxmlformats.org/drawingml/2006/main" xmlns:r="http://schemas.openxmlformats.org/officeDocument/2006/relationships" xmlns:p="http://schemas.openxmlformats.org/presentationml/2006/main" preserve="1" userDrawn="1">
-  <p:cSld name="About Slide">
-    <p:spTree>
-      <p:nvGrpSpPr>
-        <p:cNvPr id="1" name=""/>
-        <p:cNvGrpSpPr/>
-        <p:nvPr/>
-      </p:nvGrpSpPr>
-      <p:grpSpPr>
-        <a:xfrm>
-          <a:off x="0" y="0"/>
-          <a:ext cx="0" cy="0"/>
-          <a:chOff x="0" y="0"/>
-          <a:chExt cx="0" cy="0"/>
-        </a:xfrm>
-      </p:grpSpPr>
-      <p:sp>
-        <p:nvSpPr>
-          <p:cNvPr id="13" name="Slide Number">
-            <a:extLst>
-              <a:ext uri="{FF2B5EF4-FFF2-40B4-BE49-F238E27FC236}">
-                <a16:creationId xmlns:a16="http://schemas.microsoft.com/office/drawing/2014/main" id="{5B8761D8-B42F-4A70-A0CE-682CEB2AE31B}"/>
-              </a:ext>
-            </a:extLst>
-          </p:cNvPr>
-          <p:cNvSpPr>
-            <a:spLocks noGrp="1"/>
-          </p:cNvSpPr>
-          <p:nvPr>
-            <p:ph type="sldNum" sz="quarter" idx="4"/>
-          </p:nvPr>
-        </p:nvSpPr>
-        <p:spPr>
-          <a:xfrm>
-            <a:off x="11753030" y="6507000"/>
-            <a:ext cx="367414" cy="297000"/>
-          </a:xfrm>
-          <a:prstGeom prst="rect">
-            <a:avLst/>
-          </a:prstGeom>
-        </p:spPr>
-        <p:txBody>
-          <a:bodyPr vert="horz" lIns="91440" tIns="45720" rIns="91440" bIns="45720" rtlCol="0" anchor="b"/>
-          <a:lstStyle>
-            <a:lvl1pPr algn="r">
-              <a:defRPr sz="1000"/>
-            </a:lvl1pPr>
-          </a:lstStyle>
-          <a:p>
-            <a:fld id="{2BF067CD-8E6B-4360-9AA8-C5DF2A48A6D1}" type="slidenum">
-              <a:rPr lang="en-US" noProof="0" smtClean="0"/>
-              <a:pPr/>
-              <a:t>‹#›</a:t>
-            </a:fld>
-            <a:endParaRPr lang="en-US" noProof="0" dirty="0"/>
-          </a:p>
-        </p:txBody>
-      </p:sp>
-      <p:pic>
-        <p:nvPicPr>
-          <p:cNvPr id="19" name="Picture Forum" descr="Forum icon">
-            <a:hlinkClick r:id="rId2" tooltip="Software University Discussion Forum"/>
-            <a:extLst>
-              <a:ext uri="{FF2B5EF4-FFF2-40B4-BE49-F238E27FC236}">
-                <a16:creationId xmlns:a16="http://schemas.microsoft.com/office/drawing/2014/main" id="{98C579AD-FAF5-4B28-9B52-5457F1E90061}"/>
-              </a:ext>
-            </a:extLst>
-          </p:cNvPr>
-          <p:cNvPicPr>
-            <a:picLocks noChangeAspect="1"/>
-          </p:cNvPicPr>
-          <p:nvPr userDrawn="1"/>
-        </p:nvPicPr>
-        <p:blipFill>
-          <a:blip r:embed="rId3" cstate="print">
-            <a:extLst>
-              <a:ext uri="{28A0092B-C50C-407E-A947-70E740481C1C}">
-                <a14:useLocalDpi xmlns:a14="http://schemas.microsoft.com/office/drawing/2010/main"/>
-              </a:ext>
-            </a:extLst>
-          </a:blip>
-          <a:stretch>
-            <a:fillRect/>
-          </a:stretch>
-        </p:blipFill>
-        <p:spPr>
-          <a:xfrm>
-            <a:off x="10524350" y="5249556"/>
-            <a:ext cx="970156" cy="965726"/>
-          </a:xfrm>
-          <a:prstGeom prst="rect">
-            <a:avLst/>
-          </a:prstGeom>
-        </p:spPr>
-      </p:pic>
-      <p:pic>
-        <p:nvPicPr>
-          <p:cNvPr id="17" name="Picture Logo FB" descr="Facebook logo">
-            <a:hlinkClick r:id="rId4" tooltip="Software University @ Facebook"/>
-            <a:extLst>
-              <a:ext uri="{FF2B5EF4-FFF2-40B4-BE49-F238E27FC236}">
-                <a16:creationId xmlns:a16="http://schemas.microsoft.com/office/drawing/2014/main" id="{6B2C510E-5EF2-49F6-B926-2BD74CD3C7F8}"/>
-              </a:ext>
-            </a:extLst>
-          </p:cNvPr>
-          <p:cNvPicPr>
-            <a:picLocks noChangeAspect="1" noChangeArrowheads="1"/>
-          </p:cNvPicPr>
-          <p:nvPr userDrawn="1"/>
-        </p:nvPicPr>
-        <p:blipFill rotWithShape="1">
-          <a:blip r:embed="rId5" cstate="print">
-            <a:extLst>
-              <a:ext uri="{28A0092B-C50C-407E-A947-70E740481C1C}">
-                <a14:useLocalDpi xmlns:a14="http://schemas.microsoft.com/office/drawing/2010/main"/>
-              </a:ext>
-            </a:extLst>
-          </a:blip>
-          <a:srcRect/>
-          <a:stretch/>
-        </p:blipFill>
-        <p:spPr bwMode="auto">
-          <a:xfrm>
-            <a:off x="10507451" y="3689937"/>
-            <a:ext cx="1003954" cy="1017562"/>
-          </a:xfrm>
-          <a:prstGeom prst="rect">
-            <a:avLst/>
-          </a:prstGeom>
-          <a:noFill/>
-          <a:extLst>
-            <a:ext uri="{909E8E84-426E-40DD-AFC4-6F175D3DCCD1}">
-              <a14:hiddenFill xmlns:a14="http://schemas.microsoft.com/office/drawing/2010/main">
-                <a:solidFill>
-                  <a:srgbClr val="FFFFFF"/>
-                </a:solidFill>
-              </a14:hiddenFill>
-            </a:ext>
-          </a:extLst>
-        </p:spPr>
-      </p:pic>
-      <p:pic>
-        <p:nvPicPr>
-          <p:cNvPr id="20" name="Picture Logo SoftUni Right" descr="Software University logo">
-            <a:hlinkClick r:id="rId6"/>
-            <a:extLst>
-              <a:ext uri="{FF2B5EF4-FFF2-40B4-BE49-F238E27FC236}">
-                <a16:creationId xmlns:a16="http://schemas.microsoft.com/office/drawing/2014/main" id="{F4604840-E810-44B7-9FF1-3B28CD68B758}"/>
-              </a:ext>
-            </a:extLst>
-          </p:cNvPr>
-          <p:cNvPicPr>
-            <a:picLocks noChangeAspect="1"/>
-          </p:cNvPicPr>
-          <p:nvPr userDrawn="1"/>
-        </p:nvPicPr>
-        <p:blipFill>
-          <a:blip r:embed="rId7">
-            <a:extLst>
-              <a:ext uri="{28A0092B-C50C-407E-A947-70E740481C1C}">
-                <a14:useLocalDpi xmlns:a14="http://schemas.microsoft.com/office/drawing/2010/main" val="0"/>
-              </a:ext>
-            </a:extLst>
-          </a:blip>
-          <a:stretch>
-            <a:fillRect/>
-          </a:stretch>
-        </p:blipFill>
-        <p:spPr>
-          <a:xfrm>
-            <a:off x="10413401" y="1674000"/>
-            <a:ext cx="1192055" cy="1473880"/>
-          </a:xfrm>
-          <a:prstGeom prst="rect">
-            <a:avLst/>
-          </a:prstGeom>
-        </p:spPr>
-      </p:pic>
-      <p:pic>
-        <p:nvPicPr>
-          <p:cNvPr id="16" name="Picture SoftUni Mascot" descr="SoftUni mascot">
-            <a:hlinkClick r:id="rId8"/>
-            <a:extLst>
-              <a:ext uri="{FF2B5EF4-FFF2-40B4-BE49-F238E27FC236}">
-                <a16:creationId xmlns:a16="http://schemas.microsoft.com/office/drawing/2014/main" id="{07C965FA-A87E-4824-AFA8-C67AF548A76A}"/>
-              </a:ext>
-            </a:extLst>
-          </p:cNvPr>
-          <p:cNvPicPr>
-            <a:picLocks noChangeAspect="1"/>
-          </p:cNvPicPr>
-          <p:nvPr/>
-        </p:nvPicPr>
-        <p:blipFill>
-          <a:blip r:embed="rId9">
-            <a:extLst>
-              <a:ext uri="{28A0092B-C50C-407E-A947-70E740481C1C}">
-                <a14:useLocalDpi xmlns:a14="http://schemas.microsoft.com/office/drawing/2010/main" val="0"/>
-              </a:ext>
-            </a:extLst>
-          </a:blip>
-          <a:srcRect/>
-          <a:stretch/>
-        </p:blipFill>
-        <p:spPr>
-          <a:xfrm>
-            <a:off x="7181957" y="2584289"/>
-            <a:ext cx="2732955" cy="3630993"/>
-          </a:xfrm>
-          <a:prstGeom prst="rect">
-            <a:avLst/>
-          </a:prstGeom>
-        </p:spPr>
-      </p:pic>
-      <p:sp>
-        <p:nvSpPr>
-          <p:cNvPr id="12" name="Slide Body Text">
-            <a:extLst>
-              <a:ext uri="{FF2B5EF4-FFF2-40B4-BE49-F238E27FC236}">
-                <a16:creationId xmlns:a16="http://schemas.microsoft.com/office/drawing/2014/main" id="{0C1F9416-8B6E-46DE-973C-777785E27A26}"/>
-              </a:ext>
-            </a:extLst>
-          </p:cNvPr>
-          <p:cNvSpPr>
-            <a:spLocks noGrp="1"/>
-          </p:cNvSpPr>
-          <p:nvPr>
-            <p:ph idx="4294967295" hasCustomPrompt="1"/>
-          </p:nvPr>
-        </p:nvSpPr>
-        <p:spPr>
-          <a:xfrm>
-            <a:off x="152410" y="1186307"/>
-            <a:ext cx="8688590" cy="5496127"/>
-          </a:xfrm>
-        </p:spPr>
-        <p:txBody>
-          <a:bodyPr wrap="square">
-            <a:noAutofit/>
-          </a:bodyPr>
-          <a:lstStyle>
-            <a:lvl1pPr latinLnBrk="0">
-              <a:buClr>
-                <a:schemeClr val="tx1"/>
-              </a:buClr>
-              <a:defRPr sz="2798"/>
-            </a:lvl1pPr>
-            <a:lvl2pPr marL="989981" marR="0" indent="-380762" algn="l" defTabSz="1218438" rtl="0" eaLnBrk="1" fontAlgn="auto" latinLnBrk="1" hangingPunct="1">
-              <a:lnSpc>
-                <a:spcPct val="100000"/>
-              </a:lnSpc>
-              <a:spcBef>
-                <a:spcPts val="600"/>
-              </a:spcBef>
-              <a:spcAft>
-                <a:spcPts val="600"/>
-              </a:spcAft>
-              <a:buClrTx/>
-              <a:buSzTx/>
-              <a:buFont typeface="Wingdings" panose="05000000000000000000" pitchFamily="2" charset="2"/>
-              <a:buChar char="§"/>
-              <a:tabLst>
-                <a:tab pos="282405" algn="l"/>
-              </a:tabLst>
-              <a:defRPr sz="2800"/>
-            </a:lvl2pPr>
-            <a:lvl3pPr>
-              <a:buClr>
-                <a:schemeClr val="tx1"/>
-              </a:buClr>
-              <a:defRPr/>
-            </a:lvl3pPr>
-          </a:lstStyle>
-          <a:p>
-            <a:r>
-              <a:rPr lang="en-US" sz="3000" noProof="0" dirty="0"/>
-              <a:t>Software University – High-Quality Education, Profession and Job for Software Developers</a:t>
-            </a:r>
-          </a:p>
-          <a:p>
-            <a:pPr lvl="1"/>
-            <a:r>
-              <a:rPr lang="en-US" noProof="1">
-                <a:hlinkClick r:id="rId8"/>
-              </a:rPr>
-              <a:t>softuni.bg</a:t>
-            </a:r>
-            <a:r>
-              <a:rPr lang="en-US" noProof="1"/>
-              <a:t> </a:t>
-            </a:r>
-          </a:p>
-          <a:p>
-            <a:r>
-              <a:rPr lang="en-US" sz="3000" noProof="0" dirty="0"/>
-              <a:t>Software University Foundation</a:t>
-            </a:r>
-          </a:p>
-          <a:p>
-            <a:pPr lvl="1"/>
-            <a:r>
-              <a:rPr lang="en-US" noProof="1">
-                <a:hlinkClick r:id="rId10"/>
-              </a:rPr>
-              <a:t>softuni.foundation</a:t>
-            </a:r>
-            <a:endParaRPr lang="en-US" noProof="1"/>
-          </a:p>
-          <a:p>
-            <a:r>
-              <a:rPr lang="en-US" sz="3000" noProof="0" dirty="0"/>
-              <a:t>Software University @ Facebook</a:t>
-            </a:r>
-          </a:p>
-          <a:p>
-            <a:pPr lvl="1"/>
-            <a:r>
-              <a:rPr lang="en-US" noProof="1">
-                <a:hlinkClick r:id="rId4"/>
-              </a:rPr>
-              <a:t>facebook.com/SoftwareUniversity</a:t>
-            </a:r>
-            <a:endParaRPr lang="en-US" noProof="1"/>
-          </a:p>
-          <a:p>
-            <a:r>
-              <a:rPr lang="en-US" sz="3000" noProof="0" dirty="0"/>
-              <a:t>Software University Forums</a:t>
-            </a:r>
-          </a:p>
-          <a:p>
-            <a:pPr lvl="1"/>
-            <a:r>
-              <a:rPr lang="en-US" noProof="1">
-                <a:hlinkClick r:id="rId2"/>
-              </a:rPr>
-              <a:t>forum.softuni.bg</a:t>
-            </a:r>
-            <a:endParaRPr lang="en-US" noProof="1"/>
-          </a:p>
-        </p:txBody>
-      </p:sp>
-      <p:sp>
-        <p:nvSpPr>
-          <p:cNvPr id="10" name="Rectangle Top">
-            <a:extLst>
-              <a:ext uri="{FF2B5EF4-FFF2-40B4-BE49-F238E27FC236}">
-                <a16:creationId xmlns:a16="http://schemas.microsoft.com/office/drawing/2014/main" id="{86646B95-5E3B-4DE8-9118-031C2C296D8C}"/>
-              </a:ext>
-            </a:extLst>
-          </p:cNvPr>
-          <p:cNvSpPr/>
-          <p:nvPr userDrawn="1"/>
-        </p:nvSpPr>
-        <p:spPr>
-          <a:xfrm>
-            <a:off x="0" y="0"/>
-            <a:ext cx="12195176" cy="1095376"/>
-          </a:xfrm>
-          <a:prstGeom prst="rect">
-            <a:avLst/>
-          </a:prstGeom>
-          <a:solidFill>
-            <a:schemeClr val="tx2"/>
-          </a:solidFill>
-          <a:ln>
-            <a:noFill/>
-          </a:ln>
-        </p:spPr>
-        <p:style>
-          <a:lnRef idx="2">
-            <a:schemeClr val="accent1">
-              <a:shade val="50000"/>
-            </a:schemeClr>
-          </a:lnRef>
-          <a:fillRef idx="1">
-            <a:schemeClr val="accent1"/>
-          </a:fillRef>
-          <a:effectRef idx="0">
-            <a:schemeClr val="accent1"/>
-          </a:effectRef>
-          <a:fontRef idx="minor">
-            <a:schemeClr val="lt1"/>
-          </a:fontRef>
-        </p:style>
-        <p:txBody>
-          <a:bodyPr rtlCol="0" anchor="ctr"/>
-          <a:lstStyle/>
-          <a:p>
-            <a:pPr marL="0" marR="0" lvl="0" indent="0" algn="ctr" defTabSz="913852" rtl="0" eaLnBrk="1" fontAlgn="auto" latinLnBrk="0" hangingPunct="1">
-              <a:lnSpc>
-                <a:spcPct val="100000"/>
-              </a:lnSpc>
-              <a:spcBef>
-                <a:spcPts val="0"/>
-              </a:spcBef>
-              <a:spcAft>
-                <a:spcPts val="0"/>
-              </a:spcAft>
-              <a:buClrTx/>
-              <a:buSzTx/>
-              <a:buFontTx/>
-              <a:buNone/>
-              <a:tabLst/>
-              <a:defRPr/>
-            </a:pPr>
-            <a:endParaRPr kumimoji="0" lang="en-US" altLang="ko-KR" sz="2398" b="0" i="0" u="none" strike="noStrike" kern="1200" cap="none" spc="0" normalizeH="0" baseline="0" noProof="0" dirty="0">
-              <a:ln>
-                <a:noFill/>
-              </a:ln>
-              <a:solidFill>
-                <a:srgbClr val="F7C86D"/>
-              </a:solidFill>
-              <a:effectLst/>
-              <a:uLnTx/>
-              <a:uFillTx/>
-              <a:latin typeface="Calibri" panose="020F0502020204030204"/>
-              <a:ea typeface="맑은 고딕" panose="020B0503020000020004" pitchFamily="34" charset="-127"/>
-              <a:cs typeface="+mn-cs"/>
-            </a:endParaRPr>
-          </a:p>
-        </p:txBody>
-      </p:sp>
-      <p:pic>
-        <p:nvPicPr>
-          <p:cNvPr id="11" name="Logo Software University" descr="Software University logo">
-            <a:extLst>
-              <a:ext uri="{FF2B5EF4-FFF2-40B4-BE49-F238E27FC236}">
-                <a16:creationId xmlns:a16="http://schemas.microsoft.com/office/drawing/2014/main" id="{58AB1944-B146-4E89-B2D9-426EB610F319}"/>
-              </a:ext>
-            </a:extLst>
-          </p:cNvPr>
-          <p:cNvPicPr>
-            <a:picLocks noChangeAspect="1"/>
-          </p:cNvPicPr>
-          <p:nvPr userDrawn="1"/>
-        </p:nvPicPr>
-        <p:blipFill>
-          <a:blip r:embed="rId11">
-            <a:extLst>
-              <a:ext uri="{28A0092B-C50C-407E-A947-70E740481C1C}">
-                <a14:useLocalDpi xmlns:a14="http://schemas.microsoft.com/office/drawing/2010/main" val="0"/>
-              </a:ext>
-            </a:extLst>
-          </a:blip>
-          <a:stretch>
-            <a:fillRect/>
-          </a:stretch>
-        </p:blipFill>
-        <p:spPr>
-          <a:xfrm>
-            <a:off x="10067957" y="253936"/>
-            <a:ext cx="1915704" cy="559235"/>
-          </a:xfrm>
-          <a:prstGeom prst="rect">
-            <a:avLst/>
-          </a:prstGeom>
-        </p:spPr>
-      </p:pic>
-      <p:sp>
-        <p:nvSpPr>
-          <p:cNvPr id="18" name="Slide Title">
-            <a:extLst>
-              <a:ext uri="{FF2B5EF4-FFF2-40B4-BE49-F238E27FC236}">
-                <a16:creationId xmlns:a16="http://schemas.microsoft.com/office/drawing/2014/main" id="{AE87ED9C-76E1-4D85-9B06-3AF44AABB668}"/>
-              </a:ext>
-            </a:extLst>
-          </p:cNvPr>
-          <p:cNvSpPr>
-            <a:spLocks noGrp="1"/>
-          </p:cNvSpPr>
-          <p:nvPr>
-            <p:ph type="title" hasCustomPrompt="1"/>
-          </p:nvPr>
-        </p:nvSpPr>
-        <p:spPr>
-          <a:xfrm>
-            <a:off x="172286" y="108873"/>
-            <a:ext cx="9742626" cy="882654"/>
-          </a:xfrm>
-        </p:spPr>
-        <p:txBody>
-          <a:bodyPr/>
-          <a:lstStyle>
-            <a:lvl1pPr latinLnBrk="0">
-              <a:defRPr>
-                <a:solidFill>
-                  <a:schemeClr val="bg2"/>
-                </a:solidFill>
-              </a:defRPr>
-            </a:lvl1pPr>
-          </a:lstStyle>
-          <a:p>
-            <a:r>
-              <a:rPr lang="en-US" noProof="0" dirty="0"/>
-              <a:t>Trainings @ Software University (SoftUni)</a:t>
-            </a:r>
-          </a:p>
-        </p:txBody>
-      </p:sp>
-    </p:spTree>
-    <p:extLst>
-      <p:ext uri="{BB962C8B-B14F-4D97-AF65-F5344CB8AC3E}">
-        <p14:creationId xmlns:p14="http://schemas.microsoft.com/office/powerpoint/2010/main" val="2196466322"/>
-      </p:ext>
-    </p:extLst>
-  </p:cSld>
-  <p:clrMapOvr>
-    <a:masterClrMapping/>
-  </p:clrMapOvr>
-  <mc:AlternateContent xmlns:mc="http://schemas.openxmlformats.org/markup-compatibility/2006" xmlns:p14="http://schemas.microsoft.com/office/powerpoint/2010/main">
-    <mc:Choice Requires="p14">
-      <p:transition spd="slow" p14:dur="2000" advClick="0" advTm="5000"/>
-    </mc:Choice>
-    <mc:Fallback xmlns="">
-      <p:transition spd="slow" advClick="0" advTm="5000"/>
-    </mc:Fallback>
-  </mc:AlternateContent>
 </p:sldLayout>
 </file>
 
@@ -5772,7 +4424,7 @@
               <a:tabLst/>
               <a:defRPr/>
             </a:pPr>
-            <a:endParaRPr kumimoji="0" lang="en-US" altLang="ko-KR" sz="2398" b="0" i="0" u="none" strike="noStrike" kern="1200" cap="none" spc="0" normalizeH="0" baseline="0" noProof="0" dirty="0">
+            <a:endParaRPr kumimoji="0" lang="en-US" altLang="ko-KR" sz="2398" b="0" i="0" u="none" strike="noStrike" kern="1200" cap="none" spc="0" normalizeH="0" baseline="0" noProof="0">
               <a:ln>
                 <a:noFill/>
               </a:ln>
@@ -6100,7 +4752,7 @@
               <a:tabLst/>
               <a:defRPr/>
             </a:pPr>
-            <a:endParaRPr kumimoji="0" lang="en-US" altLang="ko-KR" sz="2398" b="0" i="0" u="none" strike="noStrike" kern="1200" cap="none" spc="0" normalizeH="0" baseline="0" noProof="0" dirty="0">
+            <a:endParaRPr kumimoji="0" lang="en-US" altLang="ko-KR" sz="2398" b="0" i="0" u="none" strike="noStrike" kern="1200" cap="none" spc="0" normalizeH="0" baseline="0" noProof="0">
               <a:ln>
                 <a:noFill/>
               </a:ln>
@@ -6117,42 +4769,6 @@
           </a:p>
         </p:txBody>
       </p:sp>
-      <p:pic>
-        <p:nvPicPr>
-          <p:cNvPr id="12" name="Logo Software University" descr="Software University logo">
-            <a:extLst>
-              <a:ext uri="{FF2B5EF4-FFF2-40B4-BE49-F238E27FC236}">
-                <a16:creationId xmlns:a16="http://schemas.microsoft.com/office/drawing/2014/main" id="{B1D3B425-B9BF-43ED-9DEC-C05002FBA22F}"/>
-              </a:ext>
-            </a:extLst>
-          </p:cNvPr>
-          <p:cNvPicPr>
-            <a:picLocks noChangeAspect="1"/>
-          </p:cNvPicPr>
-          <p:nvPr userDrawn="1"/>
-        </p:nvPicPr>
-        <p:blipFill>
-          <a:blip r:embed="rId2">
-            <a:extLst>
-              <a:ext uri="{28A0092B-C50C-407E-A947-70E740481C1C}">
-                <a14:useLocalDpi xmlns:a14="http://schemas.microsoft.com/office/drawing/2010/main" val="0"/>
-              </a:ext>
-            </a:extLst>
-          </a:blip>
-          <a:stretch>
-            <a:fillRect/>
-          </a:stretch>
-        </p:blipFill>
-        <p:spPr>
-          <a:xfrm>
-            <a:off x="10067957" y="253936"/>
-            <a:ext cx="1915704" cy="559235"/>
-          </a:xfrm>
-          <a:prstGeom prst="rect">
-            <a:avLst/>
-          </a:prstGeom>
-        </p:spPr>
-      </p:pic>
       <p:sp>
         <p:nvSpPr>
           <p:cNvPr id="6" name="Slide Title">
@@ -6172,7 +4788,7 @@
         <p:spPr>
           <a:xfrm>
             <a:off x="190406" y="100750"/>
-            <a:ext cx="9715594" cy="882654"/>
+            <a:ext cx="10270594" cy="882654"/>
           </a:xfrm>
         </p:spPr>
         <p:txBody>
@@ -6194,6 +4810,42 @@
           </a:p>
         </p:txBody>
       </p:sp>
+      <p:pic>
+        <p:nvPicPr>
+          <p:cNvPr id="4" name="Picture 3">
+            <a:extLst>
+              <a:ext uri="{FF2B5EF4-FFF2-40B4-BE49-F238E27FC236}">
+                <a16:creationId xmlns:a16="http://schemas.microsoft.com/office/drawing/2014/main" id="{4B9A1D0F-F579-6A3C-C698-4E2E7F1AB265}"/>
+              </a:ext>
+            </a:extLst>
+          </p:cNvPr>
+          <p:cNvPicPr>
+            <a:picLocks noChangeAspect="1"/>
+          </p:cNvPicPr>
+          <p:nvPr userDrawn="1"/>
+        </p:nvPicPr>
+        <p:blipFill>
+          <a:blip r:embed="rId2" cstate="print">
+            <a:extLst>
+              <a:ext uri="{28A0092B-C50C-407E-A947-70E740481C1C}">
+                <a14:useLocalDpi xmlns:a14="http://schemas.microsoft.com/office/drawing/2010/main" val="0"/>
+              </a:ext>
+            </a:extLst>
+          </a:blip>
+          <a:stretch>
+            <a:fillRect/>
+          </a:stretch>
+        </p:blipFill>
+        <p:spPr>
+          <a:xfrm>
+            <a:off x="10553573" y="368999"/>
+            <a:ext cx="1443361" cy="360001"/>
+          </a:xfrm>
+          <a:prstGeom prst="rect">
+            <a:avLst/>
+          </a:prstGeom>
+        </p:spPr>
+      </p:pic>
     </p:spTree>
     <p:extLst>
       <p:ext uri="{BB962C8B-B14F-4D97-AF65-F5344CB8AC3E}">
@@ -6216,371 +4868,6 @@
 </file>
 
 <file path=ppt/slideLayouts/slideLayout4.xml><?xml version="1.0" encoding="utf-8"?>
-<p:sldLayout xmlns:a="http://schemas.openxmlformats.org/drawingml/2006/main" xmlns:r="http://schemas.openxmlformats.org/officeDocument/2006/relationships" xmlns:p="http://schemas.openxmlformats.org/presentationml/2006/main" preserve="1" userDrawn="1">
-  <p:cSld name="Table of Contents">
-    <p:spTree>
-      <p:nvGrpSpPr>
-        <p:cNvPr id="1" name=""/>
-        <p:cNvGrpSpPr/>
-        <p:nvPr/>
-      </p:nvGrpSpPr>
-      <p:grpSpPr>
-        <a:xfrm>
-          <a:off x="0" y="0"/>
-          <a:ext cx="0" cy="0"/>
-          <a:chOff x="0" y="0"/>
-          <a:chExt cx="0" cy="0"/>
-        </a:xfrm>
-      </p:grpSpPr>
-      <p:sp>
-        <p:nvSpPr>
-          <p:cNvPr id="10" name="Slide Number">
-            <a:extLst>
-              <a:ext uri="{FF2B5EF4-FFF2-40B4-BE49-F238E27FC236}">
-                <a16:creationId xmlns:a16="http://schemas.microsoft.com/office/drawing/2014/main" id="{39DDE17E-5472-41F3-AF5F-54DFF10DC63C}"/>
-              </a:ext>
-            </a:extLst>
-          </p:cNvPr>
-          <p:cNvSpPr>
-            <a:spLocks noGrp="1"/>
-          </p:cNvSpPr>
-          <p:nvPr>
-            <p:ph type="sldNum" sz="quarter" idx="4"/>
-          </p:nvPr>
-        </p:nvSpPr>
-        <p:spPr>
-          <a:xfrm>
-            <a:off x="11753030" y="6507000"/>
-            <a:ext cx="367414" cy="297000"/>
-          </a:xfrm>
-          <a:prstGeom prst="rect">
-            <a:avLst/>
-          </a:prstGeom>
-        </p:spPr>
-        <p:txBody>
-          <a:bodyPr vert="horz" lIns="91440" tIns="45720" rIns="91440" bIns="45720" rtlCol="0" anchor="b"/>
-          <a:lstStyle>
-            <a:lvl1pPr algn="r">
-              <a:defRPr sz="1000"/>
-            </a:lvl1pPr>
-          </a:lstStyle>
-          <a:p>
-            <a:fld id="{2BF067CD-8E6B-4360-9AA8-C5DF2A48A6D1}" type="slidenum">
-              <a:rPr lang="en-US" noProof="0" smtClean="0"/>
-              <a:pPr/>
-              <a:t>‹#›</a:t>
-            </a:fld>
-            <a:endParaRPr lang="en-US" noProof="0" dirty="0"/>
-          </a:p>
-        </p:txBody>
-      </p:sp>
-      <p:pic>
-        <p:nvPicPr>
-          <p:cNvPr id="9" name="Picture SoftUni Mascot" descr="SoftUni mascot with laptop">
-            <a:extLst>
-              <a:ext uri="{FF2B5EF4-FFF2-40B4-BE49-F238E27FC236}">
-                <a16:creationId xmlns:a16="http://schemas.microsoft.com/office/drawing/2014/main" id="{DC4365F6-D2C1-47B4-8477-38FD2C7711AA}"/>
-              </a:ext>
-            </a:extLst>
-          </p:cNvPr>
-          <p:cNvPicPr>
-            <a:picLocks noChangeAspect="1"/>
-          </p:cNvPicPr>
-          <p:nvPr/>
-        </p:nvPicPr>
-        <p:blipFill>
-          <a:blip r:embed="rId2" cstate="print">
-            <a:extLst>
-              <a:ext uri="{28A0092B-C50C-407E-A947-70E740481C1C}">
-                <a14:useLocalDpi xmlns:a14="http://schemas.microsoft.com/office/drawing/2010/main" val="0"/>
-              </a:ext>
-            </a:extLst>
-          </a:blip>
-          <a:stretch>
-            <a:fillRect/>
-          </a:stretch>
-        </p:blipFill>
-        <p:spPr>
-          <a:xfrm flipH="1">
-            <a:off x="9516000" y="3408496"/>
-            <a:ext cx="2251057" cy="3044431"/>
-          </a:xfrm>
-          <a:prstGeom prst="rect">
-            <a:avLst/>
-          </a:prstGeom>
-        </p:spPr>
-      </p:pic>
-      <p:sp>
-        <p:nvSpPr>
-          <p:cNvPr id="23" name="Slide Body Text">
-            <a:extLst>
-              <a:ext uri="{FF2B5EF4-FFF2-40B4-BE49-F238E27FC236}">
-                <a16:creationId xmlns:a16="http://schemas.microsoft.com/office/drawing/2014/main" id="{889D93F4-ABFA-46BF-8E5D-FE6562ACB20F}"/>
-              </a:ext>
-            </a:extLst>
-          </p:cNvPr>
-          <p:cNvSpPr>
-            <a:spLocks noGrp="1"/>
-          </p:cNvSpPr>
-          <p:nvPr>
-            <p:ph type="body" sz="quarter" idx="13" hasCustomPrompt="1"/>
-          </p:nvPr>
-        </p:nvSpPr>
-        <p:spPr>
-          <a:xfrm>
-            <a:off x="196766" y="1371604"/>
-            <a:ext cx="9049234" cy="5207396"/>
-          </a:xfrm>
-        </p:spPr>
-        <p:txBody>
-          <a:bodyPr>
-            <a:normAutofit/>
-          </a:bodyPr>
-          <a:lstStyle>
-            <a:lvl1pPr marL="514042" indent="-514042" latinLnBrk="0">
-              <a:buFont typeface="+mj-lt"/>
-              <a:buAutoNum type="arabicPeriod"/>
-              <a:defRPr sz="3600">
-                <a:solidFill>
-                  <a:schemeClr val="tx1"/>
-                </a:solidFill>
-              </a:defRPr>
-            </a:lvl1pPr>
-            <a:lvl2pPr>
-              <a:defRPr sz="3400"/>
-            </a:lvl2pPr>
-          </a:lstStyle>
-          <a:p>
-            <a:pPr lvl="0"/>
-            <a:r>
-              <a:rPr lang="en-US" noProof="0"/>
-              <a:t>…</a:t>
-            </a:r>
-          </a:p>
-          <a:p>
-            <a:pPr lvl="1"/>
-            <a:r>
-              <a:rPr lang="en-US" noProof="0"/>
-              <a:t>…</a:t>
-            </a:r>
-          </a:p>
-          <a:p>
-            <a:pPr lvl="1"/>
-            <a:r>
-              <a:rPr lang="en-US" noProof="0"/>
-              <a:t>…</a:t>
-            </a:r>
-          </a:p>
-          <a:p>
-            <a:pPr lvl="0"/>
-            <a:r>
-              <a:rPr lang="en-US" noProof="0"/>
-              <a:t>…</a:t>
-            </a:r>
-          </a:p>
-          <a:p>
-            <a:pPr lvl="1"/>
-            <a:r>
-              <a:rPr lang="en-US" noProof="0"/>
-              <a:t>…</a:t>
-            </a:r>
-          </a:p>
-          <a:p>
-            <a:pPr lvl="1"/>
-            <a:r>
-              <a:rPr lang="en-US" noProof="0"/>
-              <a:t>…</a:t>
-            </a:r>
-          </a:p>
-          <a:p>
-            <a:pPr lvl="0"/>
-            <a:r>
-              <a:rPr lang="en-US" noProof="0"/>
-              <a:t>…</a:t>
-            </a:r>
-          </a:p>
-        </p:txBody>
-      </p:sp>
-      <p:sp>
-        <p:nvSpPr>
-          <p:cNvPr id="8" name="Rectangle Top">
-            <a:extLst>
-              <a:ext uri="{FF2B5EF4-FFF2-40B4-BE49-F238E27FC236}">
-                <a16:creationId xmlns:a16="http://schemas.microsoft.com/office/drawing/2014/main" id="{930E0800-9260-4369-8330-8264DD33C5CE}"/>
-              </a:ext>
-            </a:extLst>
-          </p:cNvPr>
-          <p:cNvSpPr/>
-          <p:nvPr userDrawn="1"/>
-        </p:nvSpPr>
-        <p:spPr>
-          <a:xfrm>
-            <a:off x="0" y="0"/>
-            <a:ext cx="12196800" cy="1095376"/>
-          </a:xfrm>
-          <a:prstGeom prst="rect">
-            <a:avLst/>
-          </a:prstGeom>
-          <a:solidFill>
-            <a:schemeClr val="tx2"/>
-          </a:solidFill>
-          <a:ln>
-            <a:noFill/>
-          </a:ln>
-        </p:spPr>
-        <p:style>
-          <a:lnRef idx="2">
-            <a:schemeClr val="accent1">
-              <a:shade val="50000"/>
-            </a:schemeClr>
-          </a:lnRef>
-          <a:fillRef idx="1">
-            <a:schemeClr val="accent1"/>
-          </a:fillRef>
-          <a:effectRef idx="0">
-            <a:schemeClr val="accent1"/>
-          </a:effectRef>
-          <a:fontRef idx="minor">
-            <a:schemeClr val="lt1"/>
-          </a:fontRef>
-        </p:style>
-        <p:txBody>
-          <a:bodyPr rtlCol="0" anchor="ctr"/>
-          <a:lstStyle/>
-          <a:p>
-            <a:pPr marL="0" marR="0" lvl="0" indent="0" algn="ctr" defTabSz="913852" rtl="0" eaLnBrk="1" fontAlgn="auto" latinLnBrk="0" hangingPunct="1">
-              <a:lnSpc>
-                <a:spcPct val="100000"/>
-              </a:lnSpc>
-              <a:spcBef>
-                <a:spcPts val="0"/>
-              </a:spcBef>
-              <a:spcAft>
-                <a:spcPts val="0"/>
-              </a:spcAft>
-              <a:buClrTx/>
-              <a:buSzTx/>
-              <a:buFontTx/>
-              <a:buNone/>
-              <a:tabLst/>
-              <a:defRPr/>
-            </a:pPr>
-            <a:endParaRPr kumimoji="0" lang="en-US" altLang="ko-KR" sz="2398" b="0" i="0" u="none" strike="noStrike" kern="1200" cap="none" spc="0" normalizeH="0" baseline="0" noProof="0" dirty="0">
-              <a:ln>
-                <a:noFill/>
-              </a:ln>
-              <a:solidFill>
-                <a:srgbClr val="F7C86D"/>
-              </a:solidFill>
-              <a:effectLst/>
-              <a:uLnTx/>
-              <a:uFillTx/>
-              <a:latin typeface="Calibri" panose="020F0502020204030204"/>
-              <a:ea typeface="맑은 고딕" panose="020B0503020000020004" pitchFamily="34" charset="-127"/>
-              <a:cs typeface="+mn-cs"/>
-            </a:endParaRPr>
-          </a:p>
-        </p:txBody>
-      </p:sp>
-      <p:pic>
-        <p:nvPicPr>
-          <p:cNvPr id="11" name="Logo Software University" descr="Software University logo">
-            <a:extLst>
-              <a:ext uri="{FF2B5EF4-FFF2-40B4-BE49-F238E27FC236}">
-                <a16:creationId xmlns:a16="http://schemas.microsoft.com/office/drawing/2014/main" id="{14F779A7-4A91-448B-BEFA-956C70A1C22F}"/>
-              </a:ext>
-            </a:extLst>
-          </p:cNvPr>
-          <p:cNvPicPr>
-            <a:picLocks noChangeAspect="1"/>
-          </p:cNvPicPr>
-          <p:nvPr userDrawn="1"/>
-        </p:nvPicPr>
-        <p:blipFill>
-          <a:blip r:embed="rId3">
-            <a:extLst>
-              <a:ext uri="{28A0092B-C50C-407E-A947-70E740481C1C}">
-                <a14:useLocalDpi xmlns:a14="http://schemas.microsoft.com/office/drawing/2010/main" val="0"/>
-              </a:ext>
-            </a:extLst>
-          </a:blip>
-          <a:stretch>
-            <a:fillRect/>
-          </a:stretch>
-        </p:blipFill>
-        <p:spPr>
-          <a:xfrm>
-            <a:off x="10067957" y="253936"/>
-            <a:ext cx="1915704" cy="559235"/>
-          </a:xfrm>
-          <a:prstGeom prst="rect">
-            <a:avLst/>
-          </a:prstGeom>
-        </p:spPr>
-      </p:pic>
-      <p:sp>
-        <p:nvSpPr>
-          <p:cNvPr id="13" name="Slide Title">
-            <a:extLst>
-              <a:ext uri="{FF2B5EF4-FFF2-40B4-BE49-F238E27FC236}">
-                <a16:creationId xmlns:a16="http://schemas.microsoft.com/office/drawing/2014/main" id="{357D7BE1-6358-42CC-94F3-7BCDD91DCB6D}"/>
-              </a:ext>
-            </a:extLst>
-          </p:cNvPr>
-          <p:cNvSpPr>
-            <a:spLocks noGrp="1"/>
-          </p:cNvSpPr>
-          <p:nvPr>
-            <p:ph type="title" hasCustomPrompt="1"/>
-          </p:nvPr>
-        </p:nvSpPr>
-        <p:spPr>
-          <a:xfrm>
-            <a:off x="190406" y="100750"/>
-            <a:ext cx="9715594" cy="882654"/>
-          </a:xfrm>
-        </p:spPr>
-        <p:txBody>
-          <a:bodyPr/>
-          <a:lstStyle>
-            <a:lvl1pPr latinLnBrk="0">
-              <a:defRPr>
-                <a:solidFill>
-                  <a:schemeClr val="bg2"/>
-                </a:solidFill>
-              </a:defRPr>
-            </a:lvl1pPr>
-          </a:lstStyle>
-          <a:p>
-            <a:r>
-              <a:rPr lang="en-US" noProof="0" dirty="0"/>
-              <a:t>Table of Contents</a:t>
-            </a:r>
-          </a:p>
-        </p:txBody>
-      </p:sp>
-    </p:spTree>
-    <p:extLst>
-      <p:ext uri="{BB962C8B-B14F-4D97-AF65-F5344CB8AC3E}">
-        <p14:creationId xmlns:p14="http://schemas.microsoft.com/office/powerpoint/2010/main" val="1028724482"/>
-      </p:ext>
-    </p:extLst>
-  </p:cSld>
-  <p:clrMapOvr>
-    <a:masterClrMapping/>
-  </p:clrMapOvr>
-  <mc:AlternateContent xmlns:mc="http://schemas.openxmlformats.org/markup-compatibility/2006" xmlns:p14="http://schemas.microsoft.com/office/powerpoint/2010/main">
-    <mc:Choice Requires="p14">
-      <p:transition spd="slow" p14:dur="2000" advClick="0" advTm="5000"/>
-    </mc:Choice>
-    <mc:Fallback xmlns="">
-      <p:transition spd="slow" advClick="0" advTm="5000"/>
-    </mc:Fallback>
-  </mc:AlternateContent>
-</p:sldLayout>
-</file>
-
-<file path=ppt/slideLayouts/slideLayout5.xml><?xml version="1.0" encoding="utf-8"?>
 <p:sldLayout xmlns:a="http://schemas.openxmlformats.org/drawingml/2006/main" xmlns:r="http://schemas.openxmlformats.org/officeDocument/2006/relationships" xmlns:p="http://schemas.openxmlformats.org/presentationml/2006/main" preserve="1" userDrawn="1">
   <p:cSld name="Important Concept">
     <p:spTree>
@@ -6851,52 +5138,6 @@
           </a:p>
         </p:txBody>
       </p:sp>
-      <p:pic>
-        <p:nvPicPr>
-          <p:cNvPr id="3" name="Logo Software University" descr="Software University logo">
-            <a:extLst>
-              <a:ext uri="{FF2B5EF4-FFF2-40B4-BE49-F238E27FC236}">
-                <a16:creationId xmlns:a16="http://schemas.microsoft.com/office/drawing/2014/main" id="{5573C101-930B-47AC-967A-A64513DFFDEE}"/>
-              </a:ext>
-            </a:extLst>
-          </p:cNvPr>
-          <p:cNvPicPr>
-            <a:picLocks noChangeAspect="1"/>
-          </p:cNvPicPr>
-          <p:nvPr userDrawn="1"/>
-        </p:nvPicPr>
-        <p:blipFill>
-          <a:blip r:embed="rId3">
-            <a:clrChange>
-              <a:clrFrom>
-                <a:srgbClr val="FFFFFF"/>
-              </a:clrFrom>
-              <a:clrTo>
-                <a:srgbClr val="FFFFFF">
-                  <a:alpha val="0"/>
-                </a:srgbClr>
-              </a:clrTo>
-            </a:clrChange>
-            <a:extLst>
-              <a:ext uri="{28A0092B-C50C-407E-A947-70E740481C1C}">
-                <a14:useLocalDpi xmlns:a14="http://schemas.microsoft.com/office/drawing/2010/main" val="0"/>
-              </a:ext>
-            </a:extLst>
-          </a:blip>
-          <a:stretch>
-            <a:fillRect/>
-          </a:stretch>
-        </p:blipFill>
-        <p:spPr>
-          <a:xfrm>
-            <a:off x="10008761" y="190267"/>
-            <a:ext cx="2013336" cy="690975"/>
-          </a:xfrm>
-          <a:prstGeom prst="rect">
-            <a:avLst/>
-          </a:prstGeom>
-        </p:spPr>
-      </p:pic>
       <p:sp>
         <p:nvSpPr>
           <p:cNvPr id="8" name="Slide Title">
@@ -6915,8 +5156,8 @@
         </p:nvSpPr>
         <p:spPr>
           <a:xfrm>
-            <a:off x="1296957" y="100750"/>
-            <a:ext cx="8625520" cy="882654"/>
+            <a:off x="1296956" y="100750"/>
+            <a:ext cx="9164044" cy="882654"/>
           </a:xfrm>
         </p:spPr>
         <p:txBody>
@@ -6934,6 +5175,42 @@
           </a:p>
         </p:txBody>
       </p:sp>
+      <p:pic>
+        <p:nvPicPr>
+          <p:cNvPr id="2" name="Picture 1">
+            <a:extLst>
+              <a:ext uri="{FF2B5EF4-FFF2-40B4-BE49-F238E27FC236}">
+                <a16:creationId xmlns:a16="http://schemas.microsoft.com/office/drawing/2014/main" id="{78CA5371-2597-CF8F-1859-226395807433}"/>
+              </a:ext>
+            </a:extLst>
+          </p:cNvPr>
+          <p:cNvPicPr>
+            <a:picLocks noChangeAspect="1"/>
+          </p:cNvPicPr>
+          <p:nvPr userDrawn="1"/>
+        </p:nvPicPr>
+        <p:blipFill>
+          <a:blip r:embed="rId3" cstate="print">
+            <a:extLst>
+              <a:ext uri="{28A0092B-C50C-407E-A947-70E740481C1C}">
+                <a14:useLocalDpi xmlns:a14="http://schemas.microsoft.com/office/drawing/2010/main" val="0"/>
+              </a:ext>
+            </a:extLst>
+          </a:blip>
+          <a:stretch>
+            <a:fillRect/>
+          </a:stretch>
+        </p:blipFill>
+        <p:spPr>
+          <a:xfrm>
+            <a:off x="10551877" y="362077"/>
+            <a:ext cx="1443357" cy="360000"/>
+          </a:xfrm>
+          <a:prstGeom prst="rect">
+            <a:avLst/>
+          </a:prstGeom>
+        </p:spPr>
+      </p:pic>
     </p:spTree>
     <p:extLst>
       <p:ext uri="{BB962C8B-B14F-4D97-AF65-F5344CB8AC3E}">
@@ -6955,7 +5232,7 @@
 </p:sldLayout>
 </file>
 
-<file path=ppt/slideLayouts/slideLayout6.xml><?xml version="1.0" encoding="utf-8"?>
+<file path=ppt/slideLayouts/slideLayout5.xml><?xml version="1.0" encoding="utf-8"?>
 <p:sldLayout xmlns:a="http://schemas.openxmlformats.org/drawingml/2006/main" xmlns:r="http://schemas.openxmlformats.org/officeDocument/2006/relationships" xmlns:p="http://schemas.openxmlformats.org/presentationml/2006/main" preserve="1">
   <p:cSld name="Important Example">
     <p:spTree>
@@ -7232,52 +5509,6 @@
           </a:p>
         </p:txBody>
       </p:sp>
-      <p:pic>
-        <p:nvPicPr>
-          <p:cNvPr id="16" name="Logo Software University" descr="Software University logo">
-            <a:extLst>
-              <a:ext uri="{FF2B5EF4-FFF2-40B4-BE49-F238E27FC236}">
-                <a16:creationId xmlns:a16="http://schemas.microsoft.com/office/drawing/2014/main" id="{EFEBB553-EACE-4B4F-8B4F-7629FDD910A4}"/>
-              </a:ext>
-            </a:extLst>
-          </p:cNvPr>
-          <p:cNvPicPr>
-            <a:picLocks noChangeAspect="1"/>
-          </p:cNvPicPr>
-          <p:nvPr userDrawn="1"/>
-        </p:nvPicPr>
-        <p:blipFill>
-          <a:blip r:embed="rId3">
-            <a:clrChange>
-              <a:clrFrom>
-                <a:srgbClr val="FFFFFF"/>
-              </a:clrFrom>
-              <a:clrTo>
-                <a:srgbClr val="FFFFFF">
-                  <a:alpha val="0"/>
-                </a:srgbClr>
-              </a:clrTo>
-            </a:clrChange>
-            <a:extLst>
-              <a:ext uri="{28A0092B-C50C-407E-A947-70E740481C1C}">
-                <a14:useLocalDpi xmlns:a14="http://schemas.microsoft.com/office/drawing/2010/main" val="0"/>
-              </a:ext>
-            </a:extLst>
-          </a:blip>
-          <a:stretch>
-            <a:fillRect/>
-          </a:stretch>
-        </p:blipFill>
-        <p:spPr>
-          <a:xfrm>
-            <a:off x="10008761" y="190267"/>
-            <a:ext cx="2013336" cy="690975"/>
-          </a:xfrm>
-          <a:prstGeom prst="rect">
-            <a:avLst/>
-          </a:prstGeom>
-        </p:spPr>
-      </p:pic>
       <p:sp>
         <p:nvSpPr>
           <p:cNvPr id="13" name="Slide Title">
@@ -7296,8 +5527,8 @@
         </p:nvSpPr>
         <p:spPr>
           <a:xfrm>
-            <a:off x="1296957" y="100750"/>
-            <a:ext cx="8625520" cy="882654"/>
+            <a:off x="1296956" y="100750"/>
+            <a:ext cx="9164044" cy="882654"/>
           </a:xfrm>
         </p:spPr>
         <p:txBody>
@@ -7315,6 +5546,42 @@
           </a:p>
         </p:txBody>
       </p:sp>
+      <p:pic>
+        <p:nvPicPr>
+          <p:cNvPr id="2" name="Picture 1">
+            <a:extLst>
+              <a:ext uri="{FF2B5EF4-FFF2-40B4-BE49-F238E27FC236}">
+                <a16:creationId xmlns:a16="http://schemas.microsoft.com/office/drawing/2014/main" id="{A37AF1B9-D67A-246A-86B6-E28F19C52390}"/>
+              </a:ext>
+            </a:extLst>
+          </p:cNvPr>
+          <p:cNvPicPr>
+            <a:picLocks noChangeAspect="1"/>
+          </p:cNvPicPr>
+          <p:nvPr userDrawn="1"/>
+        </p:nvPicPr>
+        <p:blipFill>
+          <a:blip r:embed="rId3" cstate="print">
+            <a:extLst>
+              <a:ext uri="{28A0092B-C50C-407E-A947-70E740481C1C}">
+                <a14:useLocalDpi xmlns:a14="http://schemas.microsoft.com/office/drawing/2010/main" val="0"/>
+              </a:ext>
+            </a:extLst>
+          </a:blip>
+          <a:stretch>
+            <a:fillRect/>
+          </a:stretch>
+        </p:blipFill>
+        <p:spPr>
+          <a:xfrm>
+            <a:off x="10551877" y="362077"/>
+            <a:ext cx="1443357" cy="360000"/>
+          </a:xfrm>
+          <a:prstGeom prst="rect">
+            <a:avLst/>
+          </a:prstGeom>
+        </p:spPr>
+      </p:pic>
     </p:spTree>
     <p:extLst>
       <p:ext uri="{BB962C8B-B14F-4D97-AF65-F5344CB8AC3E}">
@@ -7336,7 +5603,7 @@
 </p:sldLayout>
 </file>
 
-<file path=ppt/slideLayouts/slideLayout7.xml><?xml version="1.0" encoding="utf-8"?>
+<file path=ppt/slideLayouts/slideLayout6.xml><?xml version="1.0" encoding="utf-8"?>
 <p:sldLayout xmlns:a="http://schemas.openxmlformats.org/drawingml/2006/main" xmlns:r="http://schemas.openxmlformats.org/officeDocument/2006/relationships" xmlns:p="http://schemas.openxmlformats.org/presentationml/2006/main" preserve="1" userDrawn="1">
   <p:cSld name="Blank Slide">
     <p:spTree>
@@ -7631,8 +5898,8 @@
         </p:nvSpPr>
         <p:spPr>
           <a:xfrm>
-            <a:off x="585176" y="100750"/>
-            <a:ext cx="11410061" cy="882654"/>
+            <a:off x="585177" y="100750"/>
+            <a:ext cx="9875824" cy="882654"/>
           </a:xfrm>
         </p:spPr>
         <p:txBody>
@@ -7650,6 +5917,42 @@
           </a:p>
         </p:txBody>
       </p:sp>
+      <p:pic>
+        <p:nvPicPr>
+          <p:cNvPr id="2" name="Picture 1">
+            <a:extLst>
+              <a:ext uri="{FF2B5EF4-FFF2-40B4-BE49-F238E27FC236}">
+                <a16:creationId xmlns:a16="http://schemas.microsoft.com/office/drawing/2014/main" id="{9C2C375B-43BF-D1DD-F160-1500A111885C}"/>
+              </a:ext>
+            </a:extLst>
+          </p:cNvPr>
+          <p:cNvPicPr>
+            <a:picLocks noChangeAspect="1"/>
+          </p:cNvPicPr>
+          <p:nvPr userDrawn="1"/>
+        </p:nvPicPr>
+        <p:blipFill>
+          <a:blip r:embed="rId3" cstate="print">
+            <a:extLst>
+              <a:ext uri="{28A0092B-C50C-407E-A947-70E740481C1C}">
+                <a14:useLocalDpi xmlns:a14="http://schemas.microsoft.com/office/drawing/2010/main" val="0"/>
+              </a:ext>
+            </a:extLst>
+          </a:blip>
+          <a:stretch>
+            <a:fillRect/>
+          </a:stretch>
+        </p:blipFill>
+        <p:spPr>
+          <a:xfrm>
+            <a:off x="10551877" y="362077"/>
+            <a:ext cx="1443357" cy="360000"/>
+          </a:xfrm>
+          <a:prstGeom prst="rect">
+            <a:avLst/>
+          </a:prstGeom>
+        </p:spPr>
+      </p:pic>
     </p:spTree>
     <p:extLst>
       <p:ext uri="{BB962C8B-B14F-4D97-AF65-F5344CB8AC3E}">
@@ -7671,7 +5974,7 @@
 </p:sldLayout>
 </file>
 
-<file path=ppt/slideLayouts/slideLayout8.xml><?xml version="1.0" encoding="utf-8"?>
+<file path=ppt/slideLayouts/slideLayout7.xml><?xml version="1.0" encoding="utf-8"?>
 <p:sldLayout xmlns:a="http://schemas.openxmlformats.org/drawingml/2006/main" xmlns:r="http://schemas.openxmlformats.org/officeDocument/2006/relationships" xmlns:p="http://schemas.openxmlformats.org/presentationml/2006/main" preserve="1" userDrawn="1">
   <p:cSld name="Source Code Example">
     <p:spTree>
@@ -7726,7 +6029,7 @@
               <a:pPr/>
               <a:t>‹#›</a:t>
             </a:fld>
-            <a:endParaRPr lang="en-US" noProof="0" dirty="0"/>
+            <a:endParaRPr lang="en-US" noProof="0"/>
           </a:p>
         </p:txBody>
       </p:sp>
@@ -7744,7 +6047,7 @@
         </p:nvSpPr>
         <p:spPr>
           <a:xfrm>
-            <a:off x="0" y="0"/>
+            <a:off x="0" y="1311"/>
             <a:ext cx="12196800" cy="1095376"/>
           </a:xfrm>
           <a:prstGeom prst="rect">
@@ -7811,48 +6114,12 @@
           </a:p>
         </p:txBody>
       </p:sp>
-      <p:pic>
-        <p:nvPicPr>
-          <p:cNvPr id="10" name="Logo Software University" descr="Software University logo">
+      <p:sp>
+        <p:nvSpPr>
+          <p:cNvPr id="12" name="Slide Body Text">
             <a:extLst>
               <a:ext uri="{FF2B5EF4-FFF2-40B4-BE49-F238E27FC236}">
-                <a16:creationId xmlns:a16="http://schemas.microsoft.com/office/drawing/2014/main" id="{8C01D7AF-7CBD-46E1-99F3-8EB60E838D91}"/>
-              </a:ext>
-            </a:extLst>
-          </p:cNvPr>
-          <p:cNvPicPr>
-            <a:picLocks noChangeAspect="1"/>
-          </p:cNvPicPr>
-          <p:nvPr userDrawn="1"/>
-        </p:nvPicPr>
-        <p:blipFill>
-          <a:blip r:embed="rId2">
-            <a:extLst>
-              <a:ext uri="{28A0092B-C50C-407E-A947-70E740481C1C}">
-                <a14:useLocalDpi xmlns:a14="http://schemas.microsoft.com/office/drawing/2010/main" val="0"/>
-              </a:ext>
-            </a:extLst>
-          </a:blip>
-          <a:stretch>
-            <a:fillRect/>
-          </a:stretch>
-        </p:blipFill>
-        <p:spPr>
-          <a:xfrm>
-            <a:off x="10067957" y="253936"/>
-            <a:ext cx="1915704" cy="559235"/>
-          </a:xfrm>
-          <a:prstGeom prst="rect">
-            <a:avLst/>
-          </a:prstGeom>
-        </p:spPr>
-      </p:pic>
-      <p:sp>
-        <p:nvSpPr>
-          <p:cNvPr id="17" name="Slide Body Text">
-            <a:extLst>
-              <a:ext uri="{FF2B5EF4-FFF2-40B4-BE49-F238E27FC236}">
-                <a16:creationId xmlns:a16="http://schemas.microsoft.com/office/drawing/2014/main" id="{1E60575F-8475-4C78-97A7-27D7891D2770}"/>
+                <a16:creationId xmlns:a16="http://schemas.microsoft.com/office/drawing/2014/main" id="{B608ED73-CE88-49E4-8BFC-DBD6E9AE6B10}"/>
               </a:ext>
             </a:extLst>
           </p:cNvPr>
@@ -7860,32 +6127,52 @@
             <a:spLocks noGrp="1"/>
           </p:cNvSpPr>
           <p:nvPr>
-            <p:ph type="body" sz="quarter" idx="12" hasCustomPrompt="1"/>
+            <p:ph type="body" sz="quarter" idx="10" hasCustomPrompt="1"/>
           </p:nvPr>
         </p:nvSpPr>
         <p:spPr>
           <a:xfrm>
-            <a:off x="190402" y="1196125"/>
-            <a:ext cx="11818096" cy="5528766"/>
+            <a:off x="190406" y="1206668"/>
+            <a:ext cx="11804831" cy="5550582"/>
           </a:xfrm>
         </p:spPr>
         <p:txBody>
           <a:bodyPr/>
           <a:lstStyle>
             <a:lvl1pPr latinLnBrk="0">
-              <a:defRPr/>
+              <a:defRPr>
+                <a:solidFill>
+                  <a:schemeClr val="tx1"/>
+                </a:solidFill>
+              </a:defRPr>
             </a:lvl1pPr>
             <a:lvl2pPr latinLnBrk="0">
-              <a:defRPr/>
+              <a:defRPr>
+                <a:solidFill>
+                  <a:schemeClr val="tx1"/>
+                </a:solidFill>
+              </a:defRPr>
             </a:lvl2pPr>
             <a:lvl3pPr latinLnBrk="0">
-              <a:defRPr/>
+              <a:defRPr>
+                <a:solidFill>
+                  <a:schemeClr val="tx1"/>
+                </a:solidFill>
+              </a:defRPr>
             </a:lvl3pPr>
             <a:lvl4pPr latinLnBrk="0">
-              <a:defRPr/>
+              <a:defRPr>
+                <a:solidFill>
+                  <a:schemeClr val="tx1"/>
+                </a:solidFill>
+              </a:defRPr>
             </a:lvl4pPr>
             <a:lvl5pPr latinLnBrk="0">
-              <a:defRPr/>
+              <a:defRPr>
+                <a:solidFill>
+                  <a:schemeClr val="tx1"/>
+                </a:solidFill>
+              </a:defRPr>
             </a:lvl5pPr>
           </a:lstStyle>
           <a:p>
@@ -7899,10 +6186,10 @@
       </p:sp>
       <p:sp>
         <p:nvSpPr>
-          <p:cNvPr id="15" name="Code Box">
+          <p:cNvPr id="4" name="Code Box">
             <a:extLst>
               <a:ext uri="{FF2B5EF4-FFF2-40B4-BE49-F238E27FC236}">
-                <a16:creationId xmlns:a16="http://schemas.microsoft.com/office/drawing/2014/main" id="{29C63EC2-5578-406B-8C2A-23FDE6C14C82}"/>
+                <a16:creationId xmlns:a16="http://schemas.microsoft.com/office/drawing/2014/main" id="{F4E021E9-D6DB-4272-8C9F-CEF4940FDC10}"/>
               </a:ext>
             </a:extLst>
           </p:cNvPr>
@@ -7916,7 +6203,7 @@
         <p:spPr>
           <a:xfrm>
             <a:off x="674683" y="2034000"/>
-            <a:ext cx="10836275" cy="2318684"/>
+            <a:ext cx="10836275" cy="2237893"/>
           </a:xfrm>
           <a:solidFill>
             <a:schemeClr val="accent6">
@@ -7938,15 +6225,6 @@
           </a:bodyPr>
           <a:lstStyle>
             <a:lvl1pPr>
-              <a:lnSpc>
-                <a:spcPct val="110000"/>
-              </a:lnSpc>
-              <a:spcBef>
-                <a:spcPts val="0"/>
-              </a:spcBef>
-              <a:spcAft>
-                <a:spcPts val="0"/>
-              </a:spcAft>
               <a:buNone/>
               <a:defRPr lang="en-US" sz="2800" b="1" smtClean="0">
                 <a:latin typeface="Consolas" pitchFamily="49" charset="0"/>
@@ -8041,8 +6319,8 @@
         </p:nvSpPr>
         <p:spPr>
           <a:xfrm>
-            <a:off x="190406" y="100750"/>
-            <a:ext cx="9715594" cy="882654"/>
+            <a:off x="190405" y="100750"/>
+            <a:ext cx="10239658" cy="882654"/>
           </a:xfrm>
         </p:spPr>
         <p:txBody>
@@ -8064,6 +6342,42 @@
           </a:p>
         </p:txBody>
       </p:sp>
+      <p:pic>
+        <p:nvPicPr>
+          <p:cNvPr id="3" name="Picture 2">
+            <a:extLst>
+              <a:ext uri="{FF2B5EF4-FFF2-40B4-BE49-F238E27FC236}">
+                <a16:creationId xmlns:a16="http://schemas.microsoft.com/office/drawing/2014/main" id="{4B69A4E8-9221-8F79-65B4-BF9AA7F87DD7}"/>
+              </a:ext>
+            </a:extLst>
+          </p:cNvPr>
+          <p:cNvPicPr>
+            <a:picLocks noChangeAspect="1"/>
+          </p:cNvPicPr>
+          <p:nvPr userDrawn="1"/>
+        </p:nvPicPr>
+        <p:blipFill>
+          <a:blip r:embed="rId2" cstate="print">
+            <a:extLst>
+              <a:ext uri="{28A0092B-C50C-407E-A947-70E740481C1C}">
+                <a14:useLocalDpi xmlns:a14="http://schemas.microsoft.com/office/drawing/2010/main" val="0"/>
+              </a:ext>
+            </a:extLst>
+          </a:blip>
+          <a:stretch>
+            <a:fillRect/>
+          </a:stretch>
+        </p:blipFill>
+        <p:spPr>
+          <a:xfrm>
+            <a:off x="10553573" y="368999"/>
+            <a:ext cx="1443361" cy="360001"/>
+          </a:xfrm>
+          <a:prstGeom prst="rect">
+            <a:avLst/>
+          </a:prstGeom>
+        </p:spPr>
+      </p:pic>
     </p:spTree>
     <p:extLst>
       <p:ext uri="{BB962C8B-B14F-4D97-AF65-F5344CB8AC3E}">
@@ -8085,7 +6399,7 @@
 </p:sldLayout>
 </file>
 
-<file path=ppt/slideLayouts/slideLayout9.xml><?xml version="1.0" encoding="utf-8"?>
+<file path=ppt/slideLayouts/slideLayout8.xml><?xml version="1.0" encoding="utf-8"?>
 <p:sldLayout xmlns:a="http://schemas.openxmlformats.org/drawingml/2006/main" xmlns:r="http://schemas.openxmlformats.org/officeDocument/2006/relationships" xmlns:p="http://schemas.openxmlformats.org/presentationml/2006/main" preserve="1">
   <p:cSld name="Demo Slide">
     <p:spTree>
@@ -8162,7 +6476,7 @@
               <a:tabLst/>
               <a:defRPr/>
             </a:pPr>
-            <a:endParaRPr kumimoji="0" lang="en-US" altLang="ko-KR" sz="2398" b="0" i="0" u="none" strike="noStrike" kern="1200" cap="none" spc="0" normalizeH="0" baseline="0" noProof="0" dirty="0">
+            <a:endParaRPr kumimoji="0" lang="en-US" altLang="ko-KR" sz="2398" b="0" i="0" u="none" strike="noStrike" kern="1200" cap="none" spc="0" normalizeH="0" baseline="0" noProof="0">
               <a:ln>
                 <a:noFill/>
               </a:ln>
@@ -8272,6 +6586,335 @@
     <p:extLst>
       <p:ext uri="{BB962C8B-B14F-4D97-AF65-F5344CB8AC3E}">
         <p14:creationId xmlns:p14="http://schemas.microsoft.com/office/powerpoint/2010/main" val="2423919747"/>
+      </p:ext>
+    </p:extLst>
+  </p:cSld>
+  <p:clrMapOvr>
+    <a:masterClrMapping/>
+  </p:clrMapOvr>
+  <mc:AlternateContent xmlns:mc="http://schemas.openxmlformats.org/markup-compatibility/2006" xmlns:p14="http://schemas.microsoft.com/office/powerpoint/2010/main">
+    <mc:Choice Requires="p14">
+      <p:transition spd="slow" p14:dur="2000" advClick="0" advTm="5000"/>
+    </mc:Choice>
+    <mc:Fallback xmlns="">
+      <p:transition spd="slow" advClick="0" advTm="5000"/>
+    </mc:Fallback>
+  </mc:AlternateContent>
+</p:sldLayout>
+</file>
+
+<file path=ppt/slideLayouts/slideLayout9.xml><?xml version="1.0" encoding="utf-8"?>
+<p:sldLayout xmlns:a="http://schemas.openxmlformats.org/drawingml/2006/main" xmlns:r="http://schemas.openxmlformats.org/officeDocument/2006/relationships" xmlns:p="http://schemas.openxmlformats.org/presentationml/2006/main" preserve="1" userDrawn="1">
+  <p:cSld name="Table of Contents">
+    <p:spTree>
+      <p:nvGrpSpPr>
+        <p:cNvPr id="1" name=""/>
+        <p:cNvGrpSpPr/>
+        <p:nvPr/>
+      </p:nvGrpSpPr>
+      <p:grpSpPr>
+        <a:xfrm>
+          <a:off x="0" y="0"/>
+          <a:ext cx="0" cy="0"/>
+          <a:chOff x="0" y="0"/>
+          <a:chExt cx="0" cy="0"/>
+        </a:xfrm>
+      </p:grpSpPr>
+      <p:sp>
+        <p:nvSpPr>
+          <p:cNvPr id="10" name="Slide Number">
+            <a:extLst>
+              <a:ext uri="{FF2B5EF4-FFF2-40B4-BE49-F238E27FC236}">
+                <a16:creationId xmlns:a16="http://schemas.microsoft.com/office/drawing/2014/main" id="{39DDE17E-5472-41F3-AF5F-54DFF10DC63C}"/>
+              </a:ext>
+            </a:extLst>
+          </p:cNvPr>
+          <p:cNvSpPr>
+            <a:spLocks noGrp="1"/>
+          </p:cNvSpPr>
+          <p:nvPr>
+            <p:ph type="sldNum" sz="quarter" idx="4"/>
+          </p:nvPr>
+        </p:nvSpPr>
+        <p:spPr>
+          <a:xfrm>
+            <a:off x="11753030" y="6507000"/>
+            <a:ext cx="367414" cy="297000"/>
+          </a:xfrm>
+          <a:prstGeom prst="rect">
+            <a:avLst/>
+          </a:prstGeom>
+        </p:spPr>
+        <p:txBody>
+          <a:bodyPr vert="horz" lIns="91440" tIns="45720" rIns="91440" bIns="45720" rtlCol="0" anchor="b"/>
+          <a:lstStyle>
+            <a:lvl1pPr algn="r">
+              <a:defRPr sz="1000"/>
+            </a:lvl1pPr>
+          </a:lstStyle>
+          <a:p>
+            <a:fld id="{2BF067CD-8E6B-4360-9AA8-C5DF2A48A6D1}" type="slidenum">
+              <a:rPr lang="en-US" noProof="0" smtClean="0"/>
+              <a:pPr/>
+              <a:t>‹#›</a:t>
+            </a:fld>
+            <a:endParaRPr lang="en-US" noProof="0"/>
+          </a:p>
+        </p:txBody>
+      </p:sp>
+      <p:sp>
+        <p:nvSpPr>
+          <p:cNvPr id="23" name="Slide Body Text">
+            <a:extLst>
+              <a:ext uri="{FF2B5EF4-FFF2-40B4-BE49-F238E27FC236}">
+                <a16:creationId xmlns:a16="http://schemas.microsoft.com/office/drawing/2014/main" id="{889D93F4-ABFA-46BF-8E5D-FE6562ACB20F}"/>
+              </a:ext>
+            </a:extLst>
+          </p:cNvPr>
+          <p:cNvSpPr>
+            <a:spLocks noGrp="1"/>
+          </p:cNvSpPr>
+          <p:nvPr>
+            <p:ph type="body" sz="quarter" idx="13" hasCustomPrompt="1"/>
+          </p:nvPr>
+        </p:nvSpPr>
+        <p:spPr>
+          <a:xfrm>
+            <a:off x="196766" y="1371604"/>
+            <a:ext cx="11781606" cy="5207396"/>
+          </a:xfrm>
+        </p:spPr>
+        <p:txBody>
+          <a:bodyPr>
+            <a:normAutofit/>
+          </a:bodyPr>
+          <a:lstStyle>
+            <a:lvl1pPr marL="514042" indent="-514042" latinLnBrk="0">
+              <a:buFont typeface="+mj-lt"/>
+              <a:buAutoNum type="arabicPeriod"/>
+              <a:defRPr sz="3600">
+                <a:solidFill>
+                  <a:schemeClr val="tx1"/>
+                </a:solidFill>
+              </a:defRPr>
+            </a:lvl1pPr>
+            <a:lvl2pPr>
+              <a:defRPr sz="3400"/>
+            </a:lvl2pPr>
+          </a:lstStyle>
+          <a:p>
+            <a:pPr lvl="0"/>
+            <a:r>
+              <a:rPr lang="en-US" noProof="0" dirty="0"/>
+              <a:t>…</a:t>
+            </a:r>
+          </a:p>
+          <a:p>
+            <a:pPr lvl="1"/>
+            <a:r>
+              <a:rPr lang="en-US" noProof="0" dirty="0"/>
+              <a:t>…</a:t>
+            </a:r>
+          </a:p>
+          <a:p>
+            <a:pPr lvl="1"/>
+            <a:r>
+              <a:rPr lang="en-US" noProof="0" dirty="0"/>
+              <a:t>…</a:t>
+            </a:r>
+          </a:p>
+          <a:p>
+            <a:pPr lvl="0"/>
+            <a:r>
+              <a:rPr lang="en-US" noProof="0" dirty="0"/>
+              <a:t>…</a:t>
+            </a:r>
+          </a:p>
+          <a:p>
+            <a:pPr lvl="1"/>
+            <a:r>
+              <a:rPr lang="en-US" noProof="0" dirty="0"/>
+              <a:t>…</a:t>
+            </a:r>
+          </a:p>
+          <a:p>
+            <a:pPr lvl="1"/>
+            <a:r>
+              <a:rPr lang="en-US" noProof="0" dirty="0"/>
+              <a:t>…</a:t>
+            </a:r>
+          </a:p>
+          <a:p>
+            <a:pPr lvl="0"/>
+            <a:r>
+              <a:rPr lang="en-US" noProof="0" dirty="0"/>
+              <a:t>…</a:t>
+            </a:r>
+          </a:p>
+        </p:txBody>
+      </p:sp>
+      <p:sp>
+        <p:nvSpPr>
+          <p:cNvPr id="8" name="Rectangle Top">
+            <a:extLst>
+              <a:ext uri="{FF2B5EF4-FFF2-40B4-BE49-F238E27FC236}">
+                <a16:creationId xmlns:a16="http://schemas.microsoft.com/office/drawing/2014/main" id="{930E0800-9260-4369-8330-8264DD33C5CE}"/>
+              </a:ext>
+            </a:extLst>
+          </p:cNvPr>
+          <p:cNvSpPr/>
+          <p:nvPr userDrawn="1"/>
+        </p:nvSpPr>
+        <p:spPr>
+          <a:xfrm>
+            <a:off x="0" y="0"/>
+            <a:ext cx="12196800" cy="1095376"/>
+          </a:xfrm>
+          <a:prstGeom prst="rect">
+            <a:avLst/>
+          </a:prstGeom>
+          <a:solidFill>
+            <a:schemeClr val="tx2"/>
+          </a:solidFill>
+          <a:ln>
+            <a:noFill/>
+          </a:ln>
+        </p:spPr>
+        <p:style>
+          <a:lnRef idx="2">
+            <a:schemeClr val="accent1">
+              <a:shade val="50000"/>
+            </a:schemeClr>
+          </a:lnRef>
+          <a:fillRef idx="1">
+            <a:schemeClr val="accent1"/>
+          </a:fillRef>
+          <a:effectRef idx="0">
+            <a:schemeClr val="accent1"/>
+          </a:effectRef>
+          <a:fontRef idx="minor">
+            <a:schemeClr val="lt1"/>
+          </a:fontRef>
+        </p:style>
+        <p:txBody>
+          <a:bodyPr rtlCol="0" anchor="ctr"/>
+          <a:lstStyle/>
+          <a:p>
+            <a:pPr marL="0" marR="0" lvl="0" indent="0" algn="ctr" defTabSz="913852" rtl="0" eaLnBrk="1" fontAlgn="auto" latinLnBrk="0" hangingPunct="1">
+              <a:lnSpc>
+                <a:spcPct val="100000"/>
+              </a:lnSpc>
+              <a:spcBef>
+                <a:spcPts val="0"/>
+              </a:spcBef>
+              <a:spcAft>
+                <a:spcPts val="0"/>
+              </a:spcAft>
+              <a:buClrTx/>
+              <a:buSzTx/>
+              <a:buFontTx/>
+              <a:buNone/>
+              <a:tabLst/>
+              <a:defRPr/>
+            </a:pPr>
+            <a:endParaRPr kumimoji="0" lang="en-US" altLang="ko-KR" sz="2398" b="0" i="0" u="none" strike="noStrike" kern="1200" cap="none" spc="0" normalizeH="0" baseline="0" noProof="0">
+              <a:ln>
+                <a:noFill/>
+              </a:ln>
+              <a:solidFill>
+                <a:srgbClr val="F7C86D"/>
+              </a:solidFill>
+              <a:effectLst/>
+              <a:uLnTx/>
+              <a:uFillTx/>
+              <a:latin typeface="Calibri" panose="020F0502020204030204"/>
+              <a:ea typeface="맑은 고딕" panose="020B0503020000020004" pitchFamily="34" charset="-127"/>
+              <a:cs typeface="+mn-cs"/>
+            </a:endParaRPr>
+          </a:p>
+        </p:txBody>
+      </p:sp>
+      <p:sp>
+        <p:nvSpPr>
+          <p:cNvPr id="13" name="Slide Title">
+            <a:extLst>
+              <a:ext uri="{FF2B5EF4-FFF2-40B4-BE49-F238E27FC236}">
+                <a16:creationId xmlns:a16="http://schemas.microsoft.com/office/drawing/2014/main" id="{357D7BE1-6358-42CC-94F3-7BCDD91DCB6D}"/>
+              </a:ext>
+            </a:extLst>
+          </p:cNvPr>
+          <p:cNvSpPr>
+            <a:spLocks noGrp="1"/>
+          </p:cNvSpPr>
+          <p:nvPr>
+            <p:ph type="title" hasCustomPrompt="1"/>
+          </p:nvPr>
+        </p:nvSpPr>
+        <p:spPr>
+          <a:xfrm>
+            <a:off x="190406" y="100750"/>
+            <a:ext cx="10270594" cy="882654"/>
+          </a:xfrm>
+        </p:spPr>
+        <p:txBody>
+          <a:bodyPr/>
+          <a:lstStyle>
+            <a:lvl1pPr latinLnBrk="0">
+              <a:defRPr>
+                <a:solidFill>
+                  <a:schemeClr val="bg2"/>
+                </a:solidFill>
+              </a:defRPr>
+            </a:lvl1pPr>
+          </a:lstStyle>
+          <a:p>
+            <a:r>
+              <a:rPr lang="en-US" noProof="0" dirty="0"/>
+              <a:t>Table of Contents</a:t>
+            </a:r>
+          </a:p>
+        </p:txBody>
+      </p:sp>
+      <p:pic>
+        <p:nvPicPr>
+          <p:cNvPr id="3" name="Picture 2">
+            <a:extLst>
+              <a:ext uri="{FF2B5EF4-FFF2-40B4-BE49-F238E27FC236}">
+                <a16:creationId xmlns:a16="http://schemas.microsoft.com/office/drawing/2014/main" id="{4FD808AB-EC49-1578-0005-D58D2A365AA1}"/>
+              </a:ext>
+            </a:extLst>
+          </p:cNvPr>
+          <p:cNvPicPr>
+            <a:picLocks noChangeAspect="1"/>
+          </p:cNvPicPr>
+          <p:nvPr userDrawn="1"/>
+        </p:nvPicPr>
+        <p:blipFill>
+          <a:blip r:embed="rId2" cstate="print">
+            <a:extLst>
+              <a:ext uri="{28A0092B-C50C-407E-A947-70E740481C1C}">
+                <a14:useLocalDpi xmlns:a14="http://schemas.microsoft.com/office/drawing/2010/main" val="0"/>
+              </a:ext>
+            </a:extLst>
+          </a:blip>
+          <a:stretch>
+            <a:fillRect/>
+          </a:stretch>
+        </p:blipFill>
+        <p:spPr>
+          <a:xfrm>
+            <a:off x="10553573" y="368999"/>
+            <a:ext cx="1443361" cy="360001"/>
+          </a:xfrm>
+          <a:prstGeom prst="rect">
+            <a:avLst/>
+          </a:prstGeom>
+        </p:spPr>
+      </p:pic>
+    </p:spTree>
+    <p:extLst>
+      <p:ext uri="{BB962C8B-B14F-4D97-AF65-F5344CB8AC3E}">
+        <p14:creationId xmlns:p14="http://schemas.microsoft.com/office/powerpoint/2010/main" val="1028724482"/>
       </p:ext>
     </p:extLst>
   </p:cSld>
@@ -8314,35 +6957,6 @@
           <a:chExt cx="0" cy="0"/>
         </a:xfrm>
       </p:grpSpPr>
-      <p:pic>
-        <p:nvPicPr>
-          <p:cNvPr id="4" name="Picture Background" descr="SoftUni Background">
-            <a:extLst>
-              <a:ext uri="{FF2B5EF4-FFF2-40B4-BE49-F238E27FC236}">
-                <a16:creationId xmlns:a16="http://schemas.microsoft.com/office/drawing/2014/main" id="{5BE90A63-DDD9-4B3B-A234-DF69B9BC812F}"/>
-              </a:ext>
-            </a:extLst>
-          </p:cNvPr>
-          <p:cNvPicPr>
-            <a:picLocks noChangeAspect="1"/>
-          </p:cNvPicPr>
-          <p:nvPr userDrawn="1"/>
-        </p:nvPicPr>
-        <p:blipFill rotWithShape="1">
-          <a:blip r:embed="rId15"/>
-          <a:srcRect b="1672"/>
-          <a:stretch/>
-        </p:blipFill>
-        <p:spPr>
-          <a:xfrm>
-            <a:off x="0" y="1"/>
-            <a:ext cx="12192000" cy="6857999"/>
-          </a:xfrm>
-          <a:prstGeom prst="rect">
-            <a:avLst/>
-          </a:prstGeom>
-        </p:spPr>
-      </p:pic>
       <p:sp>
         <p:nvSpPr>
           <p:cNvPr id="11" name="Slide Body Text">
@@ -8459,19 +7073,18 @@
   </p:cSld>
   <p:clrMap bg1="lt1" tx1="dk1" bg2="lt2" tx2="dk2" accent1="accent1" accent2="accent2" accent3="accent3" accent4="accent4" accent5="accent5" accent6="accent6" hlink="hlink" folHlink="folHlink"/>
   <p:sldLayoutIdLst>
-    <p:sldLayoutId id="2147483676" r:id="rId1"/>
+    <p:sldLayoutId id="2147483691" r:id="rId1"/>
     <p:sldLayoutId id="2147483689" r:id="rId2"/>
     <p:sldLayoutId id="2147483681" r:id="rId3"/>
-    <p:sldLayoutId id="2147483677" r:id="rId4"/>
-    <p:sldLayoutId id="2147483679" r:id="rId5"/>
-    <p:sldLayoutId id="2147483680" r:id="rId6"/>
-    <p:sldLayoutId id="2147483688" r:id="rId7"/>
-    <p:sldLayoutId id="2147483684" r:id="rId8"/>
-    <p:sldLayoutId id="2147483690" r:id="rId9"/>
+    <p:sldLayoutId id="2147483679" r:id="rId4"/>
+    <p:sldLayoutId id="2147483680" r:id="rId5"/>
+    <p:sldLayoutId id="2147483688" r:id="rId6"/>
+    <p:sldLayoutId id="2147483684" r:id="rId7"/>
+    <p:sldLayoutId id="2147483690" r:id="rId8"/>
+    <p:sldLayoutId id="2147483677" r:id="rId9"/>
     <p:sldLayoutId id="2147483683" r:id="rId10"/>
     <p:sldLayoutId id="2147483685" r:id="rId11"/>
     <p:sldLayoutId id="2147483686" r:id="rId12"/>
-    <p:sldLayoutId id="2147483687" r:id="rId13"/>
   </p:sldLayoutIdLst>
   <mc:AlternateContent xmlns:mc="http://schemas.openxmlformats.org/markup-compatibility/2006" xmlns:p14="http://schemas.microsoft.com/office/powerpoint/2010/main">
     <mc:Choice Requires="p14">
@@ -8800,57 +7413,6 @@
       </p:grpSpPr>
       <p:sp>
         <p:nvSpPr>
-          <p:cNvPr id="12" name="Company Web Site"/>
-          <p:cNvSpPr>
-            <a:spLocks noGrp="1"/>
-          </p:cNvSpPr>
-          <p:nvPr>
-            <p:ph type="body" sz="quarter" idx="18"/>
-          </p:nvPr>
-        </p:nvSpPr>
-        <p:spPr/>
-        <p:txBody>
-          <a:bodyPr/>
-          <a:lstStyle/>
-          <a:p>
-            <a:r>
-              <a:rPr lang="en-US" dirty="0">
-                <a:hlinkClick r:id="rId3"/>
-              </a:rPr>
-              <a:t>https://about.softuni.bg</a:t>
-            </a:r>
-            <a:endParaRPr lang="en-US" dirty="0"/>
-          </a:p>
-        </p:txBody>
-      </p:sp>
-      <p:sp>
-        <p:nvSpPr>
-          <p:cNvPr id="11" name="Company Name"/>
-          <p:cNvSpPr>
-            <a:spLocks noGrp="1"/>
-          </p:cNvSpPr>
-          <p:nvPr>
-            <p:ph type="body" sz="quarter" idx="17"/>
-          </p:nvPr>
-        </p:nvSpPr>
-        <p:spPr/>
-        <p:txBody>
-          <a:bodyPr/>
-          <a:lstStyle/>
-          <a:p>
-            <a:r>
-              <a:rPr lang="en-US" sz="2000" dirty="0"/>
-              <a:t>Софтуерен университет</a:t>
-            </a:r>
-            <a:endParaRPr lang="en-US" sz="2000" b="0" dirty="0">
-              <a:ea typeface="+mn-lt"/>
-              <a:cs typeface="+mn-lt"/>
-            </a:endParaRPr>
-          </a:p>
-        </p:txBody>
-      </p:sp>
-      <p:sp>
-        <p:nvSpPr>
           <p:cNvPr id="10" name="Author Position">
             <a:extLst>
               <a:ext uri="{FF2B5EF4-FFF2-40B4-BE49-F238E27FC236}">
@@ -8862,13 +7424,13 @@
             <a:spLocks noGrp="1"/>
           </p:cNvSpPr>
           <p:nvPr>
-            <p:ph type="body" sz="quarter" idx="20"/>
+            <p:ph type="body" sz="quarter" idx="22"/>
           </p:nvPr>
         </p:nvSpPr>
         <p:spPr>
           <a:xfrm>
-            <a:off x="553082" y="5150281"/>
-            <a:ext cx="3202918" cy="832591"/>
+            <a:off x="6386284" y="5920758"/>
+            <a:ext cx="5248260" cy="341313"/>
           </a:xfrm>
         </p:spPr>
         <p:txBody>
@@ -8876,13 +7438,9 @@
           <a:lstStyle/>
           <a:p>
             <a:r>
-              <a:rPr lang="en-US" sz="2400" dirty="0"/>
-              <a:t>Преподавателски екип</a:t>
-            </a:r>
-            <a:endParaRPr lang="en-US" sz="2400" b="0" dirty="0">
-              <a:ea typeface="+mn-lt"/>
-              <a:cs typeface="+mn-lt"/>
-            </a:endParaRPr>
+              <a:rPr lang="bg-BG" sz="2400" dirty="0"/>
+              <a:t>Софтуерни и хардуерни науки</a:t>
+            </a:r>
           </a:p>
         </p:txBody>
       </p:sp>
@@ -8899,22 +7457,126 @@
             <a:spLocks noGrp="1"/>
           </p:cNvSpPr>
           <p:nvPr>
-            <p:ph type="body" sz="quarter" idx="19"/>
+            <p:ph type="body" sz="quarter" idx="21"/>
           </p:nvPr>
         </p:nvSpPr>
-        <p:spPr/>
+        <p:spPr>
+          <a:xfrm>
+            <a:off x="6390122" y="5499000"/>
+            <a:ext cx="5248260" cy="374236"/>
+          </a:xfrm>
+        </p:spPr>
+        <p:txBody>
+          <a:bodyPr>
+            <a:normAutofit fontScale="77500" lnSpcReduction="20000"/>
+          </a:bodyPr>
+          <a:lstStyle/>
+          <a:p>
+            <a:r>
+              <a:rPr lang="bg-BG" sz="2800" dirty="0">
+                <a:solidFill>
+                  <a:srgbClr val="234465"/>
+                </a:solidFill>
+              </a:rPr>
+              <a:t>Курс "</a:t>
+            </a:r>
+            <a:r>
+              <a:rPr lang="ru-RU" sz="2800" dirty="0">
+                <a:solidFill>
+                  <a:srgbClr val="234465"/>
+                </a:solidFill>
+              </a:rPr>
+              <a:t>Структури от данни и алгоритми</a:t>
+            </a:r>
+            <a:r>
+              <a:rPr lang="bg-BG" sz="2800" dirty="0">
+                <a:solidFill>
+                  <a:srgbClr val="234465"/>
+                </a:solidFill>
+              </a:rPr>
+              <a:t>"</a:t>
+            </a:r>
+          </a:p>
+        </p:txBody>
+      </p:sp>
+      <p:sp>
+        <p:nvSpPr>
+          <p:cNvPr id="12" name="Company Web Site"/>
+          <p:cNvSpPr>
+            <a:spLocks noGrp="1"/>
+          </p:cNvSpPr>
+          <p:nvPr>
+            <p:ph type="body" sz="quarter" idx="18"/>
+          </p:nvPr>
+        </p:nvSpPr>
+        <p:spPr>
+          <a:xfrm>
+            <a:off x="521030" y="5920515"/>
+            <a:ext cx="4751953" cy="341556"/>
+          </a:xfrm>
+        </p:spPr>
         <p:txBody>
           <a:bodyPr/>
           <a:lstStyle/>
           <a:p>
-            <a:r>
-              <a:rPr lang="en-US" sz="2800" dirty="0">
-                <a:ea typeface="+mn-lt"/>
-                <a:cs typeface="+mn-lt"/>
+            <a:pPr marL="0" indent="0" algn="l" rtl="0" eaLnBrk="1" fontAlgn="base" latinLnBrk="0" hangingPunct="1">
+              <a:lnSpc>
+                <a:spcPct val="105000"/>
+              </a:lnSpc>
+              <a:spcBef>
+                <a:spcPts val="0"/>
+              </a:spcBef>
+              <a:spcAft>
+                <a:spcPts val="0"/>
+              </a:spcAft>
+            </a:pPr>
+            <a:r>
+              <a:rPr lang="en-US" sz="1800" b="0" kern="1200" dirty="0">
+                <a:solidFill>
+                  <a:srgbClr val="1A334C"/>
+                </a:solidFill>
+                <a:effectLst/>
+                <a:latin typeface="Calibri" panose="020F0502020204030204" pitchFamily="34" charset="0"/>
+                <a:ea typeface="+mn-ea"/>
+                <a:cs typeface="+mn-cs"/>
+                <a:hlinkClick r:id="rId3"/>
               </a:rPr>
-              <a:t>СофтУни</a:t>
-            </a:r>
-            <a:endParaRPr lang="bg-BG" dirty="0"/>
+              <a:t>https://github.com/BG-IT-Edu</a:t>
+            </a:r>
+            <a:endParaRPr lang="bg-BG" sz="1800" dirty="0">
+              <a:effectLst/>
+            </a:endParaRPr>
+          </a:p>
+        </p:txBody>
+      </p:sp>
+      <p:sp>
+        <p:nvSpPr>
+          <p:cNvPr id="11" name="Company Name"/>
+          <p:cNvSpPr>
+            <a:spLocks noGrp="1"/>
+          </p:cNvSpPr>
+          <p:nvPr>
+            <p:ph type="body" sz="quarter" idx="17"/>
+          </p:nvPr>
+        </p:nvSpPr>
+        <p:spPr>
+          <a:xfrm>
+            <a:off x="521030" y="5447005"/>
+            <a:ext cx="4751954" cy="472894"/>
+          </a:xfrm>
+        </p:spPr>
+        <p:txBody>
+          <a:bodyPr/>
+          <a:lstStyle/>
+          <a:p>
+            <a:r>
+              <a:rPr lang="bg-BG" sz="2000" dirty="0">
+                <a:solidFill>
+                  <a:srgbClr val="234465"/>
+                </a:solidFill>
+              </a:rPr>
+              <a:t>Проект "Отворено учебно съдържание по програмиране и ИТ", СофтУни Фондация</a:t>
+            </a:r>
           </a:p>
         </p:txBody>
       </p:sp>
@@ -8934,12 +7596,7 @@
             <p:ph type="subTitle" idx="1"/>
           </p:nvPr>
         </p:nvSpPr>
-        <p:spPr>
-          <a:xfrm>
-            <a:off x="555625" y="1258837"/>
-            <a:ext cx="11080750" cy="730538"/>
-          </a:xfrm>
-        </p:spPr>
+        <p:spPr/>
         <p:txBody>
           <a:bodyPr>
             <a:normAutofit/>
@@ -9012,7 +7669,7 @@
         </p:blipFill>
         <p:spPr>
           <a:xfrm>
-            <a:off x="4562204" y="2130177"/>
+            <a:off x="8569662" y="2574000"/>
             <a:ext cx="3067592" cy="2597646"/>
           </a:xfrm>
           <a:prstGeom prst="rect">
@@ -9023,7 +7680,7 @@
     </p:spTree>
     <p:extLst>
       <p:ext uri="{BB962C8B-B14F-4D97-AF65-F5344CB8AC3E}">
-        <p14:creationId xmlns:p14="http://schemas.microsoft.com/office/powerpoint/2010/main" val="55892940"/>
+        <p14:creationId xmlns:p14="http://schemas.microsoft.com/office/powerpoint/2010/main" val="4192237666"/>
       </p:ext>
     </p:extLst>
   </p:cSld>
@@ -9340,10 +7997,10 @@
       </p:sp>
       <p:sp>
         <p:nvSpPr>
-          <p:cNvPr id="9" name="Slide Number">
+          <p:cNvPr id="3" name="Slide Number">
             <a:extLst>
               <a:ext uri="{FF2B5EF4-FFF2-40B4-BE49-F238E27FC236}">
-                <a16:creationId xmlns:a16="http://schemas.microsoft.com/office/drawing/2014/main" id="{7FE057AC-9B9C-4198-B0E0-64062DF0A5DD}"/>
+                <a16:creationId xmlns:a16="http://schemas.microsoft.com/office/drawing/2014/main" id="{705B23AD-D137-2CD2-5A72-7F71FB0A6704}"/>
               </a:ext>
             </a:extLst>
           </p:cNvPr>
@@ -9383,7 +8040,7 @@
     </p:spTree>
     <p:extLst>
       <p:ext uri="{BB962C8B-B14F-4D97-AF65-F5344CB8AC3E}">
-        <p14:creationId xmlns:p14="http://schemas.microsoft.com/office/powerpoint/2010/main" val="345624325"/>
+        <p14:creationId xmlns:p14="http://schemas.microsoft.com/office/powerpoint/2010/main" val="2645265695"/>
       </p:ext>
     </p:extLst>
   </p:cSld>
@@ -10013,10 +8670,10 @@
       </p:pic>
       <p:sp>
         <p:nvSpPr>
-          <p:cNvPr id="9" name="Slide Number">
+          <p:cNvPr id="4" name="Slide Number">
             <a:extLst>
               <a:ext uri="{FF2B5EF4-FFF2-40B4-BE49-F238E27FC236}">
-                <a16:creationId xmlns:a16="http://schemas.microsoft.com/office/drawing/2014/main" id="{45FCF8E7-8A6B-414A-8DCC-AC2E24E44E77}"/>
+                <a16:creationId xmlns:a16="http://schemas.microsoft.com/office/drawing/2014/main" id="{D79680DF-711F-D67A-A532-26E6B5B9BA2B}"/>
               </a:ext>
             </a:extLst>
           </p:cNvPr>
@@ -10144,7 +8801,7 @@
     </p:spTree>
     <p:extLst>
       <p:ext uri="{BB962C8B-B14F-4D97-AF65-F5344CB8AC3E}">
-        <p14:creationId xmlns:p14="http://schemas.microsoft.com/office/powerpoint/2010/main" val="2406778663"/>
+        <p14:creationId xmlns:p14="http://schemas.microsoft.com/office/powerpoint/2010/main" val="2779999379"/>
       </p:ext>
     </p:extLst>
   </p:cSld>
@@ -10762,10 +9419,10 @@
       </p:sp>
       <p:sp>
         <p:nvSpPr>
-          <p:cNvPr id="5" name="Slide Number">
+          <p:cNvPr id="3" name="Slide Number">
             <a:extLst>
               <a:ext uri="{FF2B5EF4-FFF2-40B4-BE49-F238E27FC236}">
-                <a16:creationId xmlns:a16="http://schemas.microsoft.com/office/drawing/2014/main" id="{DC5FACFB-EE04-4F74-B41F-E7CA9F80D236}"/>
+                <a16:creationId xmlns:a16="http://schemas.microsoft.com/office/drawing/2014/main" id="{68A10828-B858-9BBD-3143-E0AB3E1B828F}"/>
               </a:ext>
             </a:extLst>
           </p:cNvPr>
@@ -10805,7 +9462,7 @@
     </p:spTree>
     <p:extLst>
       <p:ext uri="{BB962C8B-B14F-4D97-AF65-F5344CB8AC3E}">
-        <p14:creationId xmlns:p14="http://schemas.microsoft.com/office/powerpoint/2010/main" val="4170508785"/>
+        <p14:creationId xmlns:p14="http://schemas.microsoft.com/office/powerpoint/2010/main" val="404572035"/>
       </p:ext>
     </p:extLst>
   </p:cSld>
@@ -11619,10 +10276,10 @@
       </p:pic>
       <p:sp>
         <p:nvSpPr>
-          <p:cNvPr id="9" name="Slide Number">
+          <p:cNvPr id="4" name="Slide Number">
             <a:extLst>
               <a:ext uri="{FF2B5EF4-FFF2-40B4-BE49-F238E27FC236}">
-                <a16:creationId xmlns:a16="http://schemas.microsoft.com/office/drawing/2014/main" id="{B2BA3FEF-3AB6-4353-9901-AC7BC4518DA5}"/>
+                <a16:creationId xmlns:a16="http://schemas.microsoft.com/office/drawing/2014/main" id="{10A6E0F3-2840-AFC7-5A35-21C627FB37CA}"/>
               </a:ext>
             </a:extLst>
           </p:cNvPr>
@@ -11662,7 +10319,7 @@
     </p:spTree>
     <p:extLst>
       <p:ext uri="{BB962C8B-B14F-4D97-AF65-F5344CB8AC3E}">
-        <p14:creationId xmlns:p14="http://schemas.microsoft.com/office/powerpoint/2010/main" val="3076279992"/>
+        <p14:creationId xmlns:p14="http://schemas.microsoft.com/office/powerpoint/2010/main" val="2330903273"/>
       </p:ext>
     </p:extLst>
   </p:cSld>
@@ -12079,10 +10736,10 @@
       </p:sp>
       <p:sp>
         <p:nvSpPr>
-          <p:cNvPr id="5" name="Slide Number">
+          <p:cNvPr id="3" name="Slide Number">
             <a:extLst>
               <a:ext uri="{FF2B5EF4-FFF2-40B4-BE49-F238E27FC236}">
-                <a16:creationId xmlns:a16="http://schemas.microsoft.com/office/drawing/2014/main" id="{9D750B10-3EF5-4C74-9E37-70419ECCE225}"/>
+                <a16:creationId xmlns:a16="http://schemas.microsoft.com/office/drawing/2014/main" id="{6233468F-CD10-CD3E-CE01-BBADEEE21B32}"/>
               </a:ext>
             </a:extLst>
           </p:cNvPr>
@@ -12122,7 +10779,7 @@
     </p:spTree>
     <p:extLst>
       <p:ext uri="{BB962C8B-B14F-4D97-AF65-F5344CB8AC3E}">
-        <p14:creationId xmlns:p14="http://schemas.microsoft.com/office/powerpoint/2010/main" val="2084113777"/>
+        <p14:creationId xmlns:p14="http://schemas.microsoft.com/office/powerpoint/2010/main" val="3929442568"/>
       </p:ext>
     </p:extLst>
   </p:cSld>
@@ -12587,66 +11244,6 @@
           <a:chExt cx="0" cy="0"/>
         </a:xfrm>
       </p:grpSpPr>
-      <p:sp>
-        <p:nvSpPr>
-          <p:cNvPr id="4" name="Subtitle 3">
-            <a:extLst>
-              <a:ext uri="{FF2B5EF4-FFF2-40B4-BE49-F238E27FC236}">
-                <a16:creationId xmlns:a16="http://schemas.microsoft.com/office/drawing/2014/main" id="{1EB9F521-74A3-9C3D-515C-497B95D4E8EA}"/>
-              </a:ext>
-            </a:extLst>
-          </p:cNvPr>
-          <p:cNvSpPr>
-            <a:spLocks noGrp="1"/>
-          </p:cNvSpPr>
-          <p:nvPr>
-            <p:ph type="subTitle" sz="quarter" idx="11"/>
-          </p:nvPr>
-        </p:nvSpPr>
-        <p:spPr/>
-        <p:txBody>
-          <a:bodyPr/>
-          <a:lstStyle/>
-          <a:p>
-            <a:r>
-              <a:rPr lang="en-US" dirty="0" err="1"/>
-              <a:t>QuickSort</a:t>
-            </a:r>
-            <a:r>
-              <a:rPr lang="bg-BG" dirty="0"/>
-              <a:t> и</a:t>
-            </a:r>
-            <a:r>
-              <a:rPr lang="en-US" dirty="0"/>
-              <a:t> MergeSort</a:t>
-            </a:r>
-            <a:endParaRPr lang="en-BG" dirty="0"/>
-          </a:p>
-        </p:txBody>
-      </p:sp>
-      <p:sp>
-        <p:nvSpPr>
-          <p:cNvPr id="3" name="Title 2"/>
-          <p:cNvSpPr>
-            <a:spLocks noGrp="1"/>
-          </p:cNvSpPr>
-          <p:nvPr>
-            <p:ph type="title" sz="quarter" idx="10"/>
-          </p:nvPr>
-        </p:nvSpPr>
-        <p:spPr/>
-        <p:txBody>
-          <a:bodyPr/>
-          <a:lstStyle/>
-          <a:p>
-            <a:r>
-              <a:rPr lang="bg-BG" dirty="0"/>
-              <a:t>Сложни алгоритми за сортиране</a:t>
-            </a:r>
-            <a:endParaRPr lang="en-US" dirty="0"/>
-          </a:p>
-        </p:txBody>
-      </p:sp>
       <p:pic>
         <p:nvPicPr>
           <p:cNvPr id="13" name="Graphic 12" descr="Voice">
@@ -12686,10 +11283,75 @@
           </a:prstGeom>
         </p:spPr>
       </p:pic>
+      <p:sp>
+        <p:nvSpPr>
+          <p:cNvPr id="5" name="Подзаглавие 4">
+            <a:extLst>
+              <a:ext uri="{FF2B5EF4-FFF2-40B4-BE49-F238E27FC236}">
+                <a16:creationId xmlns:a16="http://schemas.microsoft.com/office/drawing/2014/main" id="{2F697556-FB12-0968-17DF-0309590D304E}"/>
+              </a:ext>
+            </a:extLst>
+          </p:cNvPr>
+          <p:cNvSpPr>
+            <a:spLocks noGrp="1"/>
+          </p:cNvSpPr>
+          <p:nvPr>
+            <p:ph type="subTitle" sz="quarter" idx="11"/>
+          </p:nvPr>
+        </p:nvSpPr>
+        <p:spPr/>
+        <p:txBody>
+          <a:bodyPr/>
+          <a:lstStyle/>
+          <a:p>
+            <a:r>
+              <a:rPr lang="bg-BG"/>
+              <a:t>Сложни алгоритми за сортиране</a:t>
+            </a:r>
+          </a:p>
+        </p:txBody>
+      </p:sp>
+      <p:sp>
+        <p:nvSpPr>
+          <p:cNvPr id="7" name="Заглавие 6">
+            <a:extLst>
+              <a:ext uri="{FF2B5EF4-FFF2-40B4-BE49-F238E27FC236}">
+                <a16:creationId xmlns:a16="http://schemas.microsoft.com/office/drawing/2014/main" id="{99234761-0C23-F958-337D-C6B082FB9DAE}"/>
+              </a:ext>
+            </a:extLst>
+          </p:cNvPr>
+          <p:cNvSpPr>
+            <a:spLocks noGrp="1"/>
+          </p:cNvSpPr>
+          <p:nvPr>
+            <p:ph type="title" sz="quarter" idx="10"/>
+          </p:nvPr>
+        </p:nvSpPr>
+        <p:spPr/>
+        <p:txBody>
+          <a:bodyPr/>
+          <a:lstStyle/>
+          <a:p>
+            <a:r>
+              <a:rPr lang="en-US"/>
+              <a:t>QuickSort </a:t>
+            </a:r>
+            <a:r>
+              <a:rPr lang="bg-BG"/>
+              <a:t>и </a:t>
+            </a:r>
+            <a:r>
+              <a:rPr lang="en-US"/>
+              <a:t>MergeSort</a:t>
+            </a:r>
+            <a:endParaRPr lang="bg-BG"/>
+          </a:p>
+        </p:txBody>
+      </p:sp>
     </p:spTree>
     <p:extLst>
       <p:ext uri="{BB962C8B-B14F-4D97-AF65-F5344CB8AC3E}">
-        <p14:creationId xmlns:p14="http://schemas.microsoft.com/office/powerpoint/2010/main" val="3960312333"/>
+        <p14:creationId xmlns:p14="http://schemas.microsoft.com/office/powerpoint/2010/main" val="1702498252"/>
       </p:ext>
     </p:extLst>
   </p:cSld>
@@ -13091,10 +11753,10 @@
       </p:pic>
       <p:sp>
         <p:nvSpPr>
-          <p:cNvPr id="8" name="Slide Number">
+          <p:cNvPr id="4" name="Slide Number">
             <a:extLst>
               <a:ext uri="{FF2B5EF4-FFF2-40B4-BE49-F238E27FC236}">
-                <a16:creationId xmlns:a16="http://schemas.microsoft.com/office/drawing/2014/main" id="{CECDCF6B-FED9-4470-94ED-0CED468AB90F}"/>
+                <a16:creationId xmlns:a16="http://schemas.microsoft.com/office/drawing/2014/main" id="{B59F6366-F9E2-ED7E-3AE0-9FAF47F9498F}"/>
               </a:ext>
             </a:extLst>
           </p:cNvPr>
@@ -13222,7 +11884,7 @@
     </p:spTree>
     <p:extLst>
       <p:ext uri="{BB962C8B-B14F-4D97-AF65-F5344CB8AC3E}">
-        <p14:creationId xmlns:p14="http://schemas.microsoft.com/office/powerpoint/2010/main" val="2321715370"/>
+        <p14:creationId xmlns:p14="http://schemas.microsoft.com/office/powerpoint/2010/main" val="27374174"/>
       </p:ext>
     </p:extLst>
   </p:cSld>
@@ -13550,10 +12212,10 @@
       </p:pic>
       <p:sp>
         <p:nvSpPr>
-          <p:cNvPr id="6" name="Slide Number">
+          <p:cNvPr id="2" name="Slide Number">
             <a:extLst>
               <a:ext uri="{FF2B5EF4-FFF2-40B4-BE49-F238E27FC236}">
-                <a16:creationId xmlns:a16="http://schemas.microsoft.com/office/drawing/2014/main" id="{A86A8D7C-E1B9-4E5D-AB7B-942E6201A85E}"/>
+                <a16:creationId xmlns:a16="http://schemas.microsoft.com/office/drawing/2014/main" id="{AACF5F6B-7270-C23F-2DA6-2F56DD539FAA}"/>
               </a:ext>
             </a:extLst>
           </p:cNvPr>
@@ -13681,7 +12343,7 @@
     </p:spTree>
     <p:extLst>
       <p:ext uri="{BB962C8B-B14F-4D97-AF65-F5344CB8AC3E}">
-        <p14:creationId xmlns:p14="http://schemas.microsoft.com/office/powerpoint/2010/main" val="2135106869"/>
+        <p14:creationId xmlns:p14="http://schemas.microsoft.com/office/powerpoint/2010/main" val="3309205813"/>
       </p:ext>
     </p:extLst>
   </p:cSld>
@@ -14079,10 +12741,10 @@
       </p:pic>
       <p:sp>
         <p:nvSpPr>
-          <p:cNvPr id="8" name="Slide Number">
+          <p:cNvPr id="3" name="Slide Number">
             <a:extLst>
               <a:ext uri="{FF2B5EF4-FFF2-40B4-BE49-F238E27FC236}">
-                <a16:creationId xmlns:a16="http://schemas.microsoft.com/office/drawing/2014/main" id="{960CD39C-7605-4386-A822-22E4E7235565}"/>
+                <a16:creationId xmlns:a16="http://schemas.microsoft.com/office/drawing/2014/main" id="{B964CB64-EAC9-13E3-3F1D-607776A50E8A}"/>
               </a:ext>
             </a:extLst>
           </p:cNvPr>
@@ -14210,7 +12872,7 @@
     </p:spTree>
     <p:extLst>
       <p:ext uri="{BB962C8B-B14F-4D97-AF65-F5344CB8AC3E}">
-        <p14:creationId xmlns:p14="http://schemas.microsoft.com/office/powerpoint/2010/main" val="3511330057"/>
+        <p14:creationId xmlns:p14="http://schemas.microsoft.com/office/powerpoint/2010/main" val="3700244739"/>
       </p:ext>
     </p:extLst>
   </p:cSld>
@@ -14630,10 +13292,10 @@
       </p:pic>
       <p:sp>
         <p:nvSpPr>
-          <p:cNvPr id="7" name="Slide Number">
+          <p:cNvPr id="2" name="Slide Number">
             <a:extLst>
               <a:ext uri="{FF2B5EF4-FFF2-40B4-BE49-F238E27FC236}">
-                <a16:creationId xmlns:a16="http://schemas.microsoft.com/office/drawing/2014/main" id="{4F8BC5C0-8C57-4ABE-9A50-633B4B89E222}"/>
+                <a16:creationId xmlns:a16="http://schemas.microsoft.com/office/drawing/2014/main" id="{7D4CDC35-41CE-E425-1394-9C689465658E}"/>
               </a:ext>
             </a:extLst>
           </p:cNvPr>
@@ -14761,7 +13423,7 @@
     </p:spTree>
     <p:extLst>
       <p:ext uri="{BB962C8B-B14F-4D97-AF65-F5344CB8AC3E}">
-        <p14:creationId xmlns:p14="http://schemas.microsoft.com/office/powerpoint/2010/main" val="2833367885"/>
+        <p14:creationId xmlns:p14="http://schemas.microsoft.com/office/powerpoint/2010/main" val="3076253412"/>
       </p:ext>
     </p:extLst>
   </p:cSld>
@@ -15097,10 +13759,10 @@
       </p:sp>
       <p:sp>
         <p:nvSpPr>
-          <p:cNvPr id="5" name="Slide Number">
+          <p:cNvPr id="2" name="Slide Number">
             <a:extLst>
               <a:ext uri="{FF2B5EF4-FFF2-40B4-BE49-F238E27FC236}">
-                <a16:creationId xmlns:a16="http://schemas.microsoft.com/office/drawing/2014/main" id="{FF84D6BF-3954-49C4-93A4-936FB5CB270B}"/>
+                <a16:creationId xmlns:a16="http://schemas.microsoft.com/office/drawing/2014/main" id="{81BBA3E2-0C0B-72D2-F7B3-A0E10232B97F}"/>
               </a:ext>
             </a:extLst>
           </p:cNvPr>
@@ -15228,7 +13890,7 @@
     </p:spTree>
     <p:extLst>
       <p:ext uri="{BB962C8B-B14F-4D97-AF65-F5344CB8AC3E}">
-        <p14:creationId xmlns:p14="http://schemas.microsoft.com/office/powerpoint/2010/main" val="3282143256"/>
+        <p14:creationId xmlns:p14="http://schemas.microsoft.com/office/powerpoint/2010/main" val="4088791180"/>
       </p:ext>
     </p:extLst>
   </p:cSld>
@@ -17051,10 +15713,10 @@
       </p:graphicFrame>
       <p:sp>
         <p:nvSpPr>
-          <p:cNvPr id="9" name="Slide Number">
+          <p:cNvPr id="3" name="Slide Number">
             <a:extLst>
               <a:ext uri="{FF2B5EF4-FFF2-40B4-BE49-F238E27FC236}">
-                <a16:creationId xmlns:a16="http://schemas.microsoft.com/office/drawing/2014/main" id="{179E74F7-E34B-4401-A5A0-DF83D53459CE}"/>
+                <a16:creationId xmlns:a16="http://schemas.microsoft.com/office/drawing/2014/main" id="{4DFF7DFC-EDB2-58C4-2C83-3B5A7E61482F}"/>
               </a:ext>
             </a:extLst>
           </p:cNvPr>
@@ -17094,7 +15756,7 @@
     </p:spTree>
     <p:extLst>
       <p:ext uri="{BB962C8B-B14F-4D97-AF65-F5344CB8AC3E}">
-        <p14:creationId xmlns:p14="http://schemas.microsoft.com/office/powerpoint/2010/main" val="1753127586"/>
+        <p14:creationId xmlns:p14="http://schemas.microsoft.com/office/powerpoint/2010/main" val="766313410"/>
       </p:ext>
     </p:extLst>
   </p:cSld>
@@ -17253,35 +15915,6 @@
           <a:chExt cx="0" cy="0"/>
         </a:xfrm>
       </p:grpSpPr>
-      <p:sp>
-        <p:nvSpPr>
-          <p:cNvPr id="5" name="Title 4">
-            <a:extLst>
-              <a:ext uri="{FF2B5EF4-FFF2-40B4-BE49-F238E27FC236}">
-                <a16:creationId xmlns:a16="http://schemas.microsoft.com/office/drawing/2014/main" id="{BD1D348E-935B-4206-BAC3-FAD319F82758}"/>
-              </a:ext>
-            </a:extLst>
-          </p:cNvPr>
-          <p:cNvSpPr>
-            <a:spLocks noGrp="1"/>
-          </p:cNvSpPr>
-          <p:nvPr>
-            <p:ph type="title" sz="quarter" idx="10"/>
-          </p:nvPr>
-        </p:nvSpPr>
-        <p:spPr/>
-        <p:txBody>
-          <a:bodyPr/>
-          <a:lstStyle/>
-          <a:p>
-            <a:r>
-              <a:rPr lang="bg-BG" dirty="0"/>
-              <a:t>Вградени и специални алгоритми</a:t>
-            </a:r>
-            <a:endParaRPr lang="en-US" dirty="0"/>
-          </a:p>
-        </p:txBody>
-      </p:sp>
       <p:pic>
         <p:nvPicPr>
           <p:cNvPr id="2050" name="Picture 2" descr="Synthesizer Saturday: The Sounds Of Sorting Algorithms | Why I'm Not An  Artist">
@@ -17327,10 +15960,43 @@
           </a:extLst>
         </p:spPr>
       </p:pic>
+      <p:sp>
+        <p:nvSpPr>
+          <p:cNvPr id="3" name="Заглавие 2">
+            <a:extLst>
+              <a:ext uri="{FF2B5EF4-FFF2-40B4-BE49-F238E27FC236}">
+                <a16:creationId xmlns:a16="http://schemas.microsoft.com/office/drawing/2014/main" id="{5007224C-B27A-C94D-BE25-03C8DEA7F40D}"/>
+              </a:ext>
+            </a:extLst>
+          </p:cNvPr>
+          <p:cNvSpPr>
+            <a:spLocks noGrp="1"/>
+          </p:cNvSpPr>
+          <p:nvPr>
+            <p:ph type="title" sz="quarter" idx="10"/>
+          </p:nvPr>
+        </p:nvSpPr>
+        <p:spPr>
+          <a:xfrm>
+            <a:off x="615109" y="4775916"/>
+            <a:ext cx="10961783" cy="768084"/>
+          </a:xfrm>
+        </p:spPr>
+        <p:txBody>
+          <a:bodyPr/>
+          <a:lstStyle/>
+          <a:p>
+            <a:r>
+              <a:rPr lang="bg-BG" dirty="0"/>
+              <a:t>Вградени и специални алгоритми</a:t>
+            </a:r>
+          </a:p>
+        </p:txBody>
+      </p:sp>
     </p:spTree>
     <p:extLst>
       <p:ext uri="{BB962C8B-B14F-4D97-AF65-F5344CB8AC3E}">
-        <p14:creationId xmlns:p14="http://schemas.microsoft.com/office/powerpoint/2010/main" val="1016171867"/>
+        <p14:creationId xmlns:p14="http://schemas.microsoft.com/office/powerpoint/2010/main" val="2203485404"/>
       </p:ext>
     </p:extLst>
   </p:cSld>
@@ -17652,10 +16318,10 @@
       </p:pic>
       <p:sp>
         <p:nvSpPr>
-          <p:cNvPr id="8" name="Slide Number">
+          <p:cNvPr id="2" name="Slide Number">
             <a:extLst>
               <a:ext uri="{FF2B5EF4-FFF2-40B4-BE49-F238E27FC236}">
-                <a16:creationId xmlns:a16="http://schemas.microsoft.com/office/drawing/2014/main" id="{08261A65-7917-40F6-9340-18B9FE765FA2}"/>
+                <a16:creationId xmlns:a16="http://schemas.microsoft.com/office/drawing/2014/main" id="{B79C35B8-62B9-C998-8331-A4C05DDDDC9A}"/>
               </a:ext>
             </a:extLst>
           </p:cNvPr>
@@ -17695,7 +16361,7 @@
     </p:spTree>
     <p:extLst>
       <p:ext uri="{BB962C8B-B14F-4D97-AF65-F5344CB8AC3E}">
-        <p14:creationId xmlns:p14="http://schemas.microsoft.com/office/powerpoint/2010/main" val="2167042373"/>
+        <p14:creationId xmlns:p14="http://schemas.microsoft.com/office/powerpoint/2010/main" val="4059386762"/>
       </p:ext>
     </p:extLst>
   </p:cSld>
@@ -18094,99 +16760,6 @@
           <a:chExt cx="0" cy="0"/>
         </a:xfrm>
       </p:grpSpPr>
-      <p:sp>
-        <p:nvSpPr>
-          <p:cNvPr id="6" name="Subtitle 5">
-            <a:extLst>
-              <a:ext uri="{FF2B5EF4-FFF2-40B4-BE49-F238E27FC236}">
-                <a16:creationId xmlns:a16="http://schemas.microsoft.com/office/drawing/2014/main" id="{E7222F04-8D20-3E7F-960C-4EF3B37631B6}"/>
-              </a:ext>
-            </a:extLst>
-          </p:cNvPr>
-          <p:cNvSpPr>
-            <a:spLocks noGrp="1"/>
-          </p:cNvSpPr>
-          <p:nvPr>
-            <p:ph type="subTitle" sz="quarter" idx="11"/>
-          </p:nvPr>
-        </p:nvSpPr>
-        <p:spPr/>
-        <p:txBody>
-          <a:bodyPr/>
-          <a:lstStyle/>
-          <a:p>
-            <a:r>
-              <a:rPr lang="bg-BG" dirty="0"/>
-              <a:t>Линейно</a:t>
-            </a:r>
-            <a:r>
-              <a:rPr lang="en-GB" dirty="0"/>
-              <a:t>, </a:t>
-            </a:r>
-            <a:r>
-              <a:rPr lang="bg-BG" dirty="0"/>
-              <a:t>двоично</a:t>
-            </a:r>
-            <a:r>
-              <a:rPr lang="en-GB" dirty="0"/>
-              <a:t> </a:t>
-            </a:r>
-            <a:r>
-              <a:rPr lang="bg-BG" dirty="0"/>
-              <a:t>и</a:t>
-            </a:r>
-            <a:r>
-              <a:rPr lang="en-GB" dirty="0"/>
-              <a:t> </a:t>
-            </a:r>
-            <a:r>
-              <a:rPr lang="bg-BG" dirty="0">
-                <a:latin typeface="Google Sans"/>
-              </a:rPr>
-              <a:t>и</a:t>
-            </a:r>
-            <a:r>
-              <a:rPr lang="bg-BG" i="0" dirty="0">
-                <a:effectLst/>
-                <a:latin typeface="Google Sans"/>
-              </a:rPr>
-              <a:t>нтерполационно </a:t>
-            </a:r>
-            <a:r>
-              <a:rPr lang="en-GB" dirty="0"/>
-              <a:t> </a:t>
-            </a:r>
-            <a:r>
-              <a:rPr lang="bg-BG" dirty="0"/>
-              <a:t>търсене</a:t>
-            </a:r>
-            <a:endParaRPr lang="en-BG" dirty="0"/>
-          </a:p>
-        </p:txBody>
-      </p:sp>
-      <p:sp>
-        <p:nvSpPr>
-          <p:cNvPr id="2" name="Title 1"/>
-          <p:cNvSpPr>
-            <a:spLocks noGrp="1"/>
-          </p:cNvSpPr>
-          <p:nvPr>
-            <p:ph type="title" sz="quarter" idx="10"/>
-          </p:nvPr>
-        </p:nvSpPr>
-        <p:spPr/>
-        <p:txBody>
-          <a:bodyPr/>
-          <a:lstStyle/>
-          <a:p>
-            <a:r>
-              <a:rPr lang="bg-BG" dirty="0"/>
-              <a:t>Алгоритми за търсене</a:t>
-            </a:r>
-            <a:endParaRPr lang="en-US" dirty="0"/>
-          </a:p>
-        </p:txBody>
-      </p:sp>
       <p:grpSp>
         <p:nvGrpSpPr>
           <p:cNvPr id="3" name="Group 2">
@@ -18286,10 +16859,71 @@
           </p:spPr>
         </p:pic>
       </p:grpSp>
+      <p:sp>
+        <p:nvSpPr>
+          <p:cNvPr id="5" name="Подзаглавие 4">
+            <a:extLst>
+              <a:ext uri="{FF2B5EF4-FFF2-40B4-BE49-F238E27FC236}">
+                <a16:creationId xmlns:a16="http://schemas.microsoft.com/office/drawing/2014/main" id="{3618C17D-8C3E-C6D9-AB7A-6B53D4F02DED}"/>
+              </a:ext>
+            </a:extLst>
+          </p:cNvPr>
+          <p:cNvSpPr>
+            <a:spLocks noGrp="1"/>
+          </p:cNvSpPr>
+          <p:nvPr>
+            <p:ph type="subTitle" sz="quarter" idx="11"/>
+          </p:nvPr>
+        </p:nvSpPr>
+        <p:spPr/>
+        <p:txBody>
+          <a:bodyPr/>
+          <a:lstStyle/>
+          <a:p>
+            <a:r>
+              <a:rPr lang="ru-RU" dirty="0"/>
+              <a:t>Линейно, двоично и интерполационно </a:t>
+            </a:r>
+            <a:r>
+              <a:rPr lang="ru-RU" dirty="0" err="1"/>
+              <a:t>търсене</a:t>
+            </a:r>
+            <a:endParaRPr lang="bg-BG" dirty="0"/>
+          </a:p>
+        </p:txBody>
+      </p:sp>
+      <p:sp>
+        <p:nvSpPr>
+          <p:cNvPr id="10" name="Заглавие 9">
+            <a:extLst>
+              <a:ext uri="{FF2B5EF4-FFF2-40B4-BE49-F238E27FC236}">
+                <a16:creationId xmlns:a16="http://schemas.microsoft.com/office/drawing/2014/main" id="{31BB2435-0EDD-5D0C-2D7D-A69F228C0E20}"/>
+              </a:ext>
+            </a:extLst>
+          </p:cNvPr>
+          <p:cNvSpPr>
+            <a:spLocks noGrp="1"/>
+          </p:cNvSpPr>
+          <p:nvPr>
+            <p:ph type="title" sz="quarter" idx="10"/>
+          </p:nvPr>
+        </p:nvSpPr>
+        <p:spPr/>
+        <p:txBody>
+          <a:bodyPr/>
+          <a:lstStyle/>
+          <a:p>
+            <a:r>
+              <a:rPr lang="bg-BG" dirty="0"/>
+              <a:t>Алгоритми за търсене</a:t>
+            </a:r>
+          </a:p>
+        </p:txBody>
+      </p:sp>
     </p:spTree>
     <p:extLst>
       <p:ext uri="{BB962C8B-B14F-4D97-AF65-F5344CB8AC3E}">
-        <p14:creationId xmlns:p14="http://schemas.microsoft.com/office/powerpoint/2010/main" val="256608214"/>
+        <p14:creationId xmlns:p14="http://schemas.microsoft.com/office/powerpoint/2010/main" val="3968573855"/>
       </p:ext>
     </p:extLst>
   </p:cSld>
@@ -18326,44 +16960,6 @@
       </p:grpSpPr>
       <p:sp>
         <p:nvSpPr>
-          <p:cNvPr id="7" name="Slide Number">
-            <a:extLst>
-              <a:ext uri="{FF2B5EF4-FFF2-40B4-BE49-F238E27FC236}">
-                <a16:creationId xmlns:a16="http://schemas.microsoft.com/office/drawing/2014/main" id="{DE1C1DB0-6576-4BDD-9AF7-16EAC60B7A17}"/>
-              </a:ext>
-            </a:extLst>
-          </p:cNvPr>
-          <p:cNvSpPr>
-            <a:spLocks noGrp="1"/>
-          </p:cNvSpPr>
-          <p:nvPr>
-            <p:ph type="sldNum" sz="quarter" idx="4"/>
-          </p:nvPr>
-        </p:nvSpPr>
-        <p:spPr>
-          <a:prstGeom prst="rect">
-            <a:avLst/>
-          </a:prstGeom>
-        </p:spPr>
-        <p:txBody>
-          <a:bodyPr vert="horz" lIns="91440" tIns="45720" rIns="91440" bIns="45720" rtlCol="0" anchor="b"/>
-          <a:lstStyle>
-            <a:lvl1pPr algn="r">
-              <a:defRPr sz="1000"/>
-            </a:lvl1pPr>
-          </a:lstStyle>
-          <a:p>
-            <a:fld id="{2BF067CD-8E6B-4360-9AA8-C5DF2A48A6D1}" type="slidenum">
-              <a:rPr lang="en-US" noProof="0" smtClean="0"/>
-              <a:pPr/>
-              <a:t>24</a:t>
-            </a:fld>
-            <a:endParaRPr lang="en-US" noProof="0" dirty="0"/>
-          </a:p>
-        </p:txBody>
-      </p:sp>
-      <p:sp>
-        <p:nvSpPr>
           <p:cNvPr id="2" name="Text Placeholder 1"/>
           <p:cNvSpPr>
             <a:spLocks noGrp="1"/>
@@ -18372,7 +16968,12 @@
             <p:ph type="body" sz="quarter" idx="10"/>
           </p:nvPr>
         </p:nvSpPr>
-        <p:spPr/>
+        <p:spPr>
+          <a:xfrm>
+            <a:off x="2041766" y="1121143"/>
+            <a:ext cx="10129234" cy="5546589"/>
+          </a:xfrm>
+        </p:spPr>
         <p:txBody>
           <a:bodyPr>
             <a:normAutofit fontScale="92500" lnSpcReduction="10000"/>
@@ -18651,10 +17252,140 @@
           </a:extLst>
         </p:spPr>
       </p:pic>
+      <p:sp>
+        <p:nvSpPr>
+          <p:cNvPr id="4" name="Slide Number">
+            <a:extLst>
+              <a:ext uri="{FF2B5EF4-FFF2-40B4-BE49-F238E27FC236}">
+                <a16:creationId xmlns:a16="http://schemas.microsoft.com/office/drawing/2014/main" id="{4C06B83E-C48F-9E9C-22BC-10A80A6D928F}"/>
+              </a:ext>
+            </a:extLst>
+          </p:cNvPr>
+          <p:cNvSpPr txBox="1">
+            <a:spLocks/>
+          </p:cNvSpPr>
+          <p:nvPr/>
+        </p:nvSpPr>
+        <p:spPr>
+          <a:xfrm>
+            <a:off x="11753030" y="6507000"/>
+            <a:ext cx="367414" cy="297000"/>
+          </a:xfrm>
+          <a:prstGeom prst="rect">
+            <a:avLst/>
+          </a:prstGeom>
+        </p:spPr>
+        <p:txBody>
+          <a:bodyPr vert="horz" lIns="91440" tIns="45720" rIns="91440" bIns="45720" rtlCol="0" anchor="b"/>
+          <a:lstStyle>
+            <a:defPPr>
+              <a:defRPr lang="en-US"/>
+            </a:defPPr>
+            <a:lvl1pPr marL="0" algn="r" defTabSz="914400" rtl="0" eaLnBrk="1" latinLnBrk="0" hangingPunct="1">
+              <a:defRPr sz="1000" kern="1200">
+                <a:solidFill>
+                  <a:schemeClr val="tx1"/>
+                </a:solidFill>
+                <a:latin typeface="+mn-lt"/>
+                <a:ea typeface="+mn-ea"/>
+                <a:cs typeface="+mn-cs"/>
+              </a:defRPr>
+            </a:lvl1pPr>
+            <a:lvl2pPr marL="457200" algn="l" defTabSz="914400" rtl="0" eaLnBrk="1" latinLnBrk="0" hangingPunct="1">
+              <a:defRPr sz="1800" kern="1200">
+                <a:solidFill>
+                  <a:schemeClr val="tx1"/>
+                </a:solidFill>
+                <a:latin typeface="+mn-lt"/>
+                <a:ea typeface="+mn-ea"/>
+                <a:cs typeface="+mn-cs"/>
+              </a:defRPr>
+            </a:lvl2pPr>
+            <a:lvl3pPr marL="914400" algn="l" defTabSz="914400" rtl="0" eaLnBrk="1" latinLnBrk="0" hangingPunct="1">
+              <a:defRPr sz="1800" kern="1200">
+                <a:solidFill>
+                  <a:schemeClr val="tx1"/>
+                </a:solidFill>
+                <a:latin typeface="+mn-lt"/>
+                <a:ea typeface="+mn-ea"/>
+                <a:cs typeface="+mn-cs"/>
+              </a:defRPr>
+            </a:lvl3pPr>
+            <a:lvl4pPr marL="1371600" algn="l" defTabSz="914400" rtl="0" eaLnBrk="1" latinLnBrk="0" hangingPunct="1">
+              <a:defRPr sz="1800" kern="1200">
+                <a:solidFill>
+                  <a:schemeClr val="tx1"/>
+                </a:solidFill>
+                <a:latin typeface="+mn-lt"/>
+                <a:ea typeface="+mn-ea"/>
+                <a:cs typeface="+mn-cs"/>
+              </a:defRPr>
+            </a:lvl4pPr>
+            <a:lvl5pPr marL="1828800" algn="l" defTabSz="914400" rtl="0" eaLnBrk="1" latinLnBrk="0" hangingPunct="1">
+              <a:defRPr sz="1800" kern="1200">
+                <a:solidFill>
+                  <a:schemeClr val="tx1"/>
+                </a:solidFill>
+                <a:latin typeface="+mn-lt"/>
+                <a:ea typeface="+mn-ea"/>
+                <a:cs typeface="+mn-cs"/>
+              </a:defRPr>
+            </a:lvl5pPr>
+            <a:lvl6pPr marL="2286000" algn="l" defTabSz="914400" rtl="0" eaLnBrk="1" latinLnBrk="0" hangingPunct="1">
+              <a:defRPr sz="1800" kern="1200">
+                <a:solidFill>
+                  <a:schemeClr val="tx1"/>
+                </a:solidFill>
+                <a:latin typeface="+mn-lt"/>
+                <a:ea typeface="+mn-ea"/>
+                <a:cs typeface="+mn-cs"/>
+              </a:defRPr>
+            </a:lvl6pPr>
+            <a:lvl7pPr marL="2743200" algn="l" defTabSz="914400" rtl="0" eaLnBrk="1" latinLnBrk="0" hangingPunct="1">
+              <a:defRPr sz="1800" kern="1200">
+                <a:solidFill>
+                  <a:schemeClr val="tx1"/>
+                </a:solidFill>
+                <a:latin typeface="+mn-lt"/>
+                <a:ea typeface="+mn-ea"/>
+                <a:cs typeface="+mn-cs"/>
+              </a:defRPr>
+            </a:lvl7pPr>
+            <a:lvl8pPr marL="3200400" algn="l" defTabSz="914400" rtl="0" eaLnBrk="1" latinLnBrk="0" hangingPunct="1">
+              <a:defRPr sz="1800" kern="1200">
+                <a:solidFill>
+                  <a:schemeClr val="tx1"/>
+                </a:solidFill>
+                <a:latin typeface="+mn-lt"/>
+                <a:ea typeface="+mn-ea"/>
+                <a:cs typeface="+mn-cs"/>
+              </a:defRPr>
+            </a:lvl8pPr>
+            <a:lvl9pPr marL="3657600" algn="l" defTabSz="914400" rtl="0" eaLnBrk="1" latinLnBrk="0" hangingPunct="1">
+              <a:defRPr sz="1800" kern="1200">
+                <a:solidFill>
+                  <a:schemeClr val="tx1"/>
+                </a:solidFill>
+                <a:latin typeface="+mn-lt"/>
+                <a:ea typeface="+mn-ea"/>
+                <a:cs typeface="+mn-cs"/>
+              </a:defRPr>
+            </a:lvl9pPr>
+          </a:lstStyle>
+          <a:p>
+            <a:fld id="{2BF067CD-8E6B-4360-9AA8-C5DF2A48A6D1}" type="slidenum">
+              <a:rPr lang="en-US" smtClean="0"/>
+              <a:pPr/>
+              <a:t>24</a:t>
+            </a:fld>
+            <a:endParaRPr lang="en-US" dirty="0"/>
+          </a:p>
+        </p:txBody>
+      </p:sp>
     </p:spTree>
     <p:extLst>
       <p:ext uri="{BB962C8B-B14F-4D97-AF65-F5344CB8AC3E}">
-        <p14:creationId xmlns:p14="http://schemas.microsoft.com/office/powerpoint/2010/main" val="237990358"/>
+        <p14:creationId xmlns:p14="http://schemas.microsoft.com/office/powerpoint/2010/main" val="892204869"/>
       </p:ext>
     </p:extLst>
   </p:cSld>
@@ -18979,44 +17710,6 @@
       </p:grpSpPr>
       <p:sp>
         <p:nvSpPr>
-          <p:cNvPr id="6" name="Slide Number">
-            <a:extLst>
-              <a:ext uri="{FF2B5EF4-FFF2-40B4-BE49-F238E27FC236}">
-                <a16:creationId xmlns:a16="http://schemas.microsoft.com/office/drawing/2014/main" id="{B64C7563-70FE-445C-8EFD-87FD023BDA94}"/>
-              </a:ext>
-            </a:extLst>
-          </p:cNvPr>
-          <p:cNvSpPr>
-            <a:spLocks noGrp="1"/>
-          </p:cNvSpPr>
-          <p:nvPr>
-            <p:ph type="sldNum" sz="quarter" idx="4"/>
-          </p:nvPr>
-        </p:nvSpPr>
-        <p:spPr>
-          <a:prstGeom prst="rect">
-            <a:avLst/>
-          </a:prstGeom>
-        </p:spPr>
-        <p:txBody>
-          <a:bodyPr vert="horz" lIns="91440" tIns="45720" rIns="91440" bIns="45720" rtlCol="0" anchor="b"/>
-          <a:lstStyle>
-            <a:lvl1pPr algn="r">
-              <a:defRPr sz="1000"/>
-            </a:lvl1pPr>
-          </a:lstStyle>
-          <a:p>
-            <a:fld id="{2BF067CD-8E6B-4360-9AA8-C5DF2A48A6D1}" type="slidenum">
-              <a:rPr lang="en-US" noProof="0" smtClean="0"/>
-              <a:pPr/>
-              <a:t>25</a:t>
-            </a:fld>
-            <a:endParaRPr lang="en-US" noProof="0" dirty="0"/>
-          </a:p>
-        </p:txBody>
-      </p:sp>
-      <p:sp>
-        <p:nvSpPr>
           <p:cNvPr id="2" name="Text Placeholder 1"/>
           <p:cNvSpPr>
             <a:spLocks noGrp="1"/>
@@ -19201,10 +17894,140 @@
           </a:p>
         </p:txBody>
       </p:sp>
+      <p:sp>
+        <p:nvSpPr>
+          <p:cNvPr id="4" name="Slide Number">
+            <a:extLst>
+              <a:ext uri="{FF2B5EF4-FFF2-40B4-BE49-F238E27FC236}">
+                <a16:creationId xmlns:a16="http://schemas.microsoft.com/office/drawing/2014/main" id="{D244F938-1E67-ABA1-FA13-9199CD238209}"/>
+              </a:ext>
+            </a:extLst>
+          </p:cNvPr>
+          <p:cNvSpPr txBox="1">
+            <a:spLocks/>
+          </p:cNvSpPr>
+          <p:nvPr/>
+        </p:nvSpPr>
+        <p:spPr>
+          <a:xfrm>
+            <a:off x="11753030" y="6507000"/>
+            <a:ext cx="367414" cy="297000"/>
+          </a:xfrm>
+          <a:prstGeom prst="rect">
+            <a:avLst/>
+          </a:prstGeom>
+        </p:spPr>
+        <p:txBody>
+          <a:bodyPr vert="horz" lIns="91440" tIns="45720" rIns="91440" bIns="45720" rtlCol="0" anchor="b"/>
+          <a:lstStyle>
+            <a:defPPr>
+              <a:defRPr lang="en-US"/>
+            </a:defPPr>
+            <a:lvl1pPr marL="0" algn="r" defTabSz="914400" rtl="0" eaLnBrk="1" latinLnBrk="0" hangingPunct="1">
+              <a:defRPr sz="1000" kern="1200">
+                <a:solidFill>
+                  <a:schemeClr val="tx1"/>
+                </a:solidFill>
+                <a:latin typeface="+mn-lt"/>
+                <a:ea typeface="+mn-ea"/>
+                <a:cs typeface="+mn-cs"/>
+              </a:defRPr>
+            </a:lvl1pPr>
+            <a:lvl2pPr marL="457200" algn="l" defTabSz="914400" rtl="0" eaLnBrk="1" latinLnBrk="0" hangingPunct="1">
+              <a:defRPr sz="1800" kern="1200">
+                <a:solidFill>
+                  <a:schemeClr val="tx1"/>
+                </a:solidFill>
+                <a:latin typeface="+mn-lt"/>
+                <a:ea typeface="+mn-ea"/>
+                <a:cs typeface="+mn-cs"/>
+              </a:defRPr>
+            </a:lvl2pPr>
+            <a:lvl3pPr marL="914400" algn="l" defTabSz="914400" rtl="0" eaLnBrk="1" latinLnBrk="0" hangingPunct="1">
+              <a:defRPr sz="1800" kern="1200">
+                <a:solidFill>
+                  <a:schemeClr val="tx1"/>
+                </a:solidFill>
+                <a:latin typeface="+mn-lt"/>
+                <a:ea typeface="+mn-ea"/>
+                <a:cs typeface="+mn-cs"/>
+              </a:defRPr>
+            </a:lvl3pPr>
+            <a:lvl4pPr marL="1371600" algn="l" defTabSz="914400" rtl="0" eaLnBrk="1" latinLnBrk="0" hangingPunct="1">
+              <a:defRPr sz="1800" kern="1200">
+                <a:solidFill>
+                  <a:schemeClr val="tx1"/>
+                </a:solidFill>
+                <a:latin typeface="+mn-lt"/>
+                <a:ea typeface="+mn-ea"/>
+                <a:cs typeface="+mn-cs"/>
+              </a:defRPr>
+            </a:lvl4pPr>
+            <a:lvl5pPr marL="1828800" algn="l" defTabSz="914400" rtl="0" eaLnBrk="1" latinLnBrk="0" hangingPunct="1">
+              <a:defRPr sz="1800" kern="1200">
+                <a:solidFill>
+                  <a:schemeClr val="tx1"/>
+                </a:solidFill>
+                <a:latin typeface="+mn-lt"/>
+                <a:ea typeface="+mn-ea"/>
+                <a:cs typeface="+mn-cs"/>
+              </a:defRPr>
+            </a:lvl5pPr>
+            <a:lvl6pPr marL="2286000" algn="l" defTabSz="914400" rtl="0" eaLnBrk="1" latinLnBrk="0" hangingPunct="1">
+              <a:defRPr sz="1800" kern="1200">
+                <a:solidFill>
+                  <a:schemeClr val="tx1"/>
+                </a:solidFill>
+                <a:latin typeface="+mn-lt"/>
+                <a:ea typeface="+mn-ea"/>
+                <a:cs typeface="+mn-cs"/>
+              </a:defRPr>
+            </a:lvl6pPr>
+            <a:lvl7pPr marL="2743200" algn="l" defTabSz="914400" rtl="0" eaLnBrk="1" latinLnBrk="0" hangingPunct="1">
+              <a:defRPr sz="1800" kern="1200">
+                <a:solidFill>
+                  <a:schemeClr val="tx1"/>
+                </a:solidFill>
+                <a:latin typeface="+mn-lt"/>
+                <a:ea typeface="+mn-ea"/>
+                <a:cs typeface="+mn-cs"/>
+              </a:defRPr>
+            </a:lvl7pPr>
+            <a:lvl8pPr marL="3200400" algn="l" defTabSz="914400" rtl="0" eaLnBrk="1" latinLnBrk="0" hangingPunct="1">
+              <a:defRPr sz="1800" kern="1200">
+                <a:solidFill>
+                  <a:schemeClr val="tx1"/>
+                </a:solidFill>
+                <a:latin typeface="+mn-lt"/>
+                <a:ea typeface="+mn-ea"/>
+                <a:cs typeface="+mn-cs"/>
+              </a:defRPr>
+            </a:lvl8pPr>
+            <a:lvl9pPr marL="3657600" algn="l" defTabSz="914400" rtl="0" eaLnBrk="1" latinLnBrk="0" hangingPunct="1">
+              <a:defRPr sz="1800" kern="1200">
+                <a:solidFill>
+                  <a:schemeClr val="tx1"/>
+                </a:solidFill>
+                <a:latin typeface="+mn-lt"/>
+                <a:ea typeface="+mn-ea"/>
+                <a:cs typeface="+mn-cs"/>
+              </a:defRPr>
+            </a:lvl9pPr>
+          </a:lstStyle>
+          <a:p>
+            <a:fld id="{2BF067CD-8E6B-4360-9AA8-C5DF2A48A6D1}" type="slidenum">
+              <a:rPr lang="en-US" smtClean="0"/>
+              <a:pPr/>
+              <a:t>25</a:t>
+            </a:fld>
+            <a:endParaRPr lang="en-US" dirty="0"/>
+          </a:p>
+        </p:txBody>
+      </p:sp>
     </p:spTree>
     <p:extLst>
       <p:ext uri="{BB962C8B-B14F-4D97-AF65-F5344CB8AC3E}">
-        <p14:creationId xmlns:p14="http://schemas.microsoft.com/office/powerpoint/2010/main" val="92072544"/>
+        <p14:creationId xmlns:p14="http://schemas.microsoft.com/office/powerpoint/2010/main" val="2858426934"/>
       </p:ext>
     </p:extLst>
   </p:cSld>
@@ -19628,10 +18451,10 @@
       </p:pic>
       <p:sp>
         <p:nvSpPr>
-          <p:cNvPr id="8" name="Slide Number">
+          <p:cNvPr id="4" name="Slide Number">
             <a:extLst>
               <a:ext uri="{FF2B5EF4-FFF2-40B4-BE49-F238E27FC236}">
-                <a16:creationId xmlns:a16="http://schemas.microsoft.com/office/drawing/2014/main" id="{08A532BC-00FB-419B-96DA-B26FD6FF3791}"/>
+                <a16:creationId xmlns:a16="http://schemas.microsoft.com/office/drawing/2014/main" id="{577F7FB2-179C-FAD1-A8B2-2ACC73CD6976}"/>
               </a:ext>
             </a:extLst>
           </p:cNvPr>
@@ -19759,7 +18582,7 @@
     </p:spTree>
     <p:extLst>
       <p:ext uri="{BB962C8B-B14F-4D97-AF65-F5344CB8AC3E}">
-        <p14:creationId xmlns:p14="http://schemas.microsoft.com/office/powerpoint/2010/main" val="3364172037"/>
+        <p14:creationId xmlns:p14="http://schemas.microsoft.com/office/powerpoint/2010/main" val="1285626750"/>
       </p:ext>
     </p:extLst>
   </p:cSld>
@@ -19825,6 +18648,37 @@
                                   </p:childTnLst>
                                 </p:cTn>
                               </p:par>
+                              <p:par>
+                                <p:cTn id="7" presetID="1" presetClass="entr" presetSubtype="0" fill="hold" nodeType="withEffect">
+                                  <p:stCondLst>
+                                    <p:cond delay="0"/>
+                                  </p:stCondLst>
+                                  <p:childTnLst>
+                                    <p:set>
+                                      <p:cBhvr>
+                                        <p:cTn id="8" dur="1" fill="hold">
+                                          <p:stCondLst>
+                                            <p:cond delay="0"/>
+                                          </p:stCondLst>
+                                        </p:cTn>
+                                        <p:tgtEl>
+                                          <p:spTgt spid="2">
+                                            <p:txEl>
+                                              <p:pRg st="2" end="2"/>
+                                            </p:txEl>
+                                          </p:spTgt>
+                                        </p:tgtEl>
+                                        <p:attrNameLst>
+                                          <p:attrName>style.visibility</p:attrName>
+                                        </p:attrNameLst>
+                                      </p:cBhvr>
+                                      <p:to>
+                                        <p:strVal val="visible"/>
+                                      </p:to>
+                                    </p:set>
+                                  </p:childTnLst>
+                                </p:cTn>
+                              </p:par>
                             </p:childTnLst>
                           </p:cTn>
                         </p:par>
@@ -19832,26 +18686,26 @@
                     </p:cTn>
                   </p:par>
                   <p:par>
-                    <p:cTn id="7" fill="hold">
+                    <p:cTn id="9" fill="hold">
                       <p:stCondLst>
                         <p:cond delay="indefinite"/>
                       </p:stCondLst>
                       <p:childTnLst>
                         <p:par>
-                          <p:cTn id="8" fill="hold">
+                          <p:cTn id="10" fill="hold">
                             <p:stCondLst>
                               <p:cond delay="0"/>
                             </p:stCondLst>
                             <p:childTnLst>
                               <p:par>
-                                <p:cTn id="9" presetID="1" presetClass="entr" presetSubtype="0" fill="hold" nodeType="clickEffect">
+                                <p:cTn id="11" presetID="1" presetClass="entr" presetSubtype="0" fill="hold" nodeType="clickEffect">
                                   <p:stCondLst>
                                     <p:cond delay="0"/>
                                   </p:stCondLst>
                                   <p:childTnLst>
                                     <p:set>
                                       <p:cBhvr>
-                                        <p:cTn id="10" dur="1" fill="hold">
+                                        <p:cTn id="12" dur="1" fill="hold">
                                           <p:stCondLst>
                                             <p:cond delay="0"/>
                                           </p:stCondLst>
@@ -19881,26 +18735,26 @@
                     </p:cTn>
                   </p:par>
                   <p:par>
-                    <p:cTn id="11" fill="hold">
+                    <p:cTn id="13" fill="hold">
                       <p:stCondLst>
                         <p:cond delay="indefinite"/>
                       </p:stCondLst>
                       <p:childTnLst>
                         <p:par>
-                          <p:cTn id="12" fill="hold">
+                          <p:cTn id="14" fill="hold">
                             <p:stCondLst>
                               <p:cond delay="0"/>
                             </p:stCondLst>
                             <p:childTnLst>
                               <p:par>
-                                <p:cTn id="13" presetID="1" presetClass="entr" presetSubtype="0" fill="hold" nodeType="clickEffect">
+                                <p:cTn id="15" presetID="1" presetClass="entr" presetSubtype="0" fill="hold" nodeType="clickEffect">
                                   <p:stCondLst>
                                     <p:cond delay="0"/>
                                   </p:stCondLst>
                                   <p:childTnLst>
                                     <p:set>
                                       <p:cBhvr>
-                                        <p:cTn id="14" dur="1" fill="hold">
+                                        <p:cTn id="16" dur="1" fill="hold">
                                           <p:stCondLst>
                                             <p:cond delay="0"/>
                                           </p:stCondLst>
@@ -20297,9 +19151,7 @@
             <a:r>
               <a:rPr lang="en-US" sz="2399" b="1" noProof="1">
                 <a:solidFill>
-                  <a:schemeClr val="accent2">
-                    <a:lumMod val="75000"/>
-                  </a:schemeClr>
+                  <a:schemeClr val="accent2"/>
                 </a:solidFill>
                 <a:latin typeface="Consolas" pitchFamily="49" charset="0"/>
                 <a:cs typeface="Consolas" pitchFamily="49" charset="0"/>
@@ -20329,10 +19181,10 @@
       </p:sp>
       <p:sp>
         <p:nvSpPr>
-          <p:cNvPr id="5" name="Slide Number">
+          <p:cNvPr id="2" name="Slide Number">
             <a:extLst>
               <a:ext uri="{FF2B5EF4-FFF2-40B4-BE49-F238E27FC236}">
-                <a16:creationId xmlns:a16="http://schemas.microsoft.com/office/drawing/2014/main" id="{8970723D-501D-49E2-870D-DAE45D6D90DD}"/>
+                <a16:creationId xmlns:a16="http://schemas.microsoft.com/office/drawing/2014/main" id="{2EA3FAD1-092C-26D5-EE76-5EC627FE91A9}"/>
               </a:ext>
             </a:extLst>
           </p:cNvPr>
@@ -20372,7 +19224,7 @@
     </p:spTree>
     <p:extLst>
       <p:ext uri="{BB962C8B-B14F-4D97-AF65-F5344CB8AC3E}">
-        <p14:creationId xmlns:p14="http://schemas.microsoft.com/office/powerpoint/2010/main" val="258581089"/>
+        <p14:creationId xmlns:p14="http://schemas.microsoft.com/office/powerpoint/2010/main" val="1353906289"/>
       </p:ext>
     </p:extLst>
   </p:cSld>
@@ -21258,10 +20110,140 @@
           </a:extLst>
         </p:spPr>
       </p:pic>
+      <p:sp>
+        <p:nvSpPr>
+          <p:cNvPr id="2" name="Slide Number">
+            <a:extLst>
+              <a:ext uri="{FF2B5EF4-FFF2-40B4-BE49-F238E27FC236}">
+                <a16:creationId xmlns:a16="http://schemas.microsoft.com/office/drawing/2014/main" id="{DD46FF75-8BCA-4173-5D7D-59F2E362475B}"/>
+              </a:ext>
+            </a:extLst>
+          </p:cNvPr>
+          <p:cNvSpPr txBox="1">
+            <a:spLocks/>
+          </p:cNvSpPr>
+          <p:nvPr/>
+        </p:nvSpPr>
+        <p:spPr>
+          <a:xfrm>
+            <a:off x="11753030" y="6507000"/>
+            <a:ext cx="367414" cy="297000"/>
+          </a:xfrm>
+          <a:prstGeom prst="rect">
+            <a:avLst/>
+          </a:prstGeom>
+        </p:spPr>
+        <p:txBody>
+          <a:bodyPr vert="horz" lIns="91440" tIns="45720" rIns="91440" bIns="45720" rtlCol="0" anchor="b"/>
+          <a:lstStyle>
+            <a:defPPr>
+              <a:defRPr lang="en-US"/>
+            </a:defPPr>
+            <a:lvl1pPr marL="0" algn="r" defTabSz="914400" rtl="0" eaLnBrk="1" latinLnBrk="0" hangingPunct="1">
+              <a:defRPr sz="1000" kern="1200">
+                <a:solidFill>
+                  <a:schemeClr val="tx1"/>
+                </a:solidFill>
+                <a:latin typeface="+mn-lt"/>
+                <a:ea typeface="+mn-ea"/>
+                <a:cs typeface="+mn-cs"/>
+              </a:defRPr>
+            </a:lvl1pPr>
+            <a:lvl2pPr marL="457200" algn="l" defTabSz="914400" rtl="0" eaLnBrk="1" latinLnBrk="0" hangingPunct="1">
+              <a:defRPr sz="1800" kern="1200">
+                <a:solidFill>
+                  <a:schemeClr val="tx1"/>
+                </a:solidFill>
+                <a:latin typeface="+mn-lt"/>
+                <a:ea typeface="+mn-ea"/>
+                <a:cs typeface="+mn-cs"/>
+              </a:defRPr>
+            </a:lvl2pPr>
+            <a:lvl3pPr marL="914400" algn="l" defTabSz="914400" rtl="0" eaLnBrk="1" latinLnBrk="0" hangingPunct="1">
+              <a:defRPr sz="1800" kern="1200">
+                <a:solidFill>
+                  <a:schemeClr val="tx1"/>
+                </a:solidFill>
+                <a:latin typeface="+mn-lt"/>
+                <a:ea typeface="+mn-ea"/>
+                <a:cs typeface="+mn-cs"/>
+              </a:defRPr>
+            </a:lvl3pPr>
+            <a:lvl4pPr marL="1371600" algn="l" defTabSz="914400" rtl="0" eaLnBrk="1" latinLnBrk="0" hangingPunct="1">
+              <a:defRPr sz="1800" kern="1200">
+                <a:solidFill>
+                  <a:schemeClr val="tx1"/>
+                </a:solidFill>
+                <a:latin typeface="+mn-lt"/>
+                <a:ea typeface="+mn-ea"/>
+                <a:cs typeface="+mn-cs"/>
+              </a:defRPr>
+            </a:lvl4pPr>
+            <a:lvl5pPr marL="1828800" algn="l" defTabSz="914400" rtl="0" eaLnBrk="1" latinLnBrk="0" hangingPunct="1">
+              <a:defRPr sz="1800" kern="1200">
+                <a:solidFill>
+                  <a:schemeClr val="tx1"/>
+                </a:solidFill>
+                <a:latin typeface="+mn-lt"/>
+                <a:ea typeface="+mn-ea"/>
+                <a:cs typeface="+mn-cs"/>
+              </a:defRPr>
+            </a:lvl5pPr>
+            <a:lvl6pPr marL="2286000" algn="l" defTabSz="914400" rtl="0" eaLnBrk="1" latinLnBrk="0" hangingPunct="1">
+              <a:defRPr sz="1800" kern="1200">
+                <a:solidFill>
+                  <a:schemeClr val="tx1"/>
+                </a:solidFill>
+                <a:latin typeface="+mn-lt"/>
+                <a:ea typeface="+mn-ea"/>
+                <a:cs typeface="+mn-cs"/>
+              </a:defRPr>
+            </a:lvl6pPr>
+            <a:lvl7pPr marL="2743200" algn="l" defTabSz="914400" rtl="0" eaLnBrk="1" latinLnBrk="0" hangingPunct="1">
+              <a:defRPr sz="1800" kern="1200">
+                <a:solidFill>
+                  <a:schemeClr val="tx1"/>
+                </a:solidFill>
+                <a:latin typeface="+mn-lt"/>
+                <a:ea typeface="+mn-ea"/>
+                <a:cs typeface="+mn-cs"/>
+              </a:defRPr>
+            </a:lvl7pPr>
+            <a:lvl8pPr marL="3200400" algn="l" defTabSz="914400" rtl="0" eaLnBrk="1" latinLnBrk="0" hangingPunct="1">
+              <a:defRPr sz="1800" kern="1200">
+                <a:solidFill>
+                  <a:schemeClr val="tx1"/>
+                </a:solidFill>
+                <a:latin typeface="+mn-lt"/>
+                <a:ea typeface="+mn-ea"/>
+                <a:cs typeface="+mn-cs"/>
+              </a:defRPr>
+            </a:lvl8pPr>
+            <a:lvl9pPr marL="3657600" algn="l" defTabSz="914400" rtl="0" eaLnBrk="1" latinLnBrk="0" hangingPunct="1">
+              <a:defRPr sz="1800" kern="1200">
+                <a:solidFill>
+                  <a:schemeClr val="tx1"/>
+                </a:solidFill>
+                <a:latin typeface="+mn-lt"/>
+                <a:ea typeface="+mn-ea"/>
+                <a:cs typeface="+mn-cs"/>
+              </a:defRPr>
+            </a:lvl9pPr>
+          </a:lstStyle>
+          <a:p>
+            <a:fld id="{2BF067CD-8E6B-4360-9AA8-C5DF2A48A6D1}" type="slidenum">
+              <a:rPr lang="en-US" smtClean="0"/>
+              <a:pPr/>
+              <a:t>28</a:t>
+            </a:fld>
+            <a:endParaRPr lang="en-US" dirty="0"/>
+          </a:p>
+        </p:txBody>
+      </p:sp>
     </p:spTree>
     <p:extLst>
       <p:ext uri="{BB962C8B-B14F-4D97-AF65-F5344CB8AC3E}">
-        <p14:creationId xmlns:p14="http://schemas.microsoft.com/office/powerpoint/2010/main" val="3928151621"/>
+        <p14:creationId xmlns:p14="http://schemas.microsoft.com/office/powerpoint/2010/main" val="9362317"/>
       </p:ext>
     </p:extLst>
   </p:cSld>
@@ -21596,7 +20578,7 @@
           <a:p>
             <a:r>
               <a:rPr lang="bg-BG" sz="3999" dirty="0"/>
-              <a:t>Интерполационно Търсене –</a:t>
+              <a:t>Интерполационно търсене –</a:t>
             </a:r>
             <a:r>
               <a:rPr lang="en-US" sz="3999" dirty="0"/>
@@ -21932,9 +20914,22 @@
                 <a:latin typeface="Consolas" pitchFamily="49" charset="0"/>
                 <a:cs typeface="Consolas" pitchFamily="49" charset="0"/>
               </a:rPr>
-              <a:t> // const KEY_NOT_FOUND = -1;</a:t>
+              <a:t> </a:t>
+            </a:r>
+            <a:r>
+              <a:rPr lang="en-US" sz="1999" b="1" noProof="1">
+                <a:solidFill>
+                  <a:schemeClr val="accent2"/>
+                </a:solidFill>
+                <a:latin typeface="Consolas" pitchFamily="49" charset="0"/>
+                <a:cs typeface="Consolas" pitchFamily="49" charset="0"/>
+              </a:rPr>
+              <a:t>// const KEY_NOT_FOUND = -1;</a:t>
             </a:r>
             <a:endParaRPr lang="en-US" sz="2199" b="1" noProof="1">
+              <a:solidFill>
+                <a:schemeClr val="accent2"/>
+              </a:solidFill>
               <a:latin typeface="Consolas" pitchFamily="49" charset="0"/>
               <a:cs typeface="Consolas" pitchFamily="49" charset="0"/>
             </a:endParaRPr>
@@ -21961,10 +20956,10 @@
       </p:sp>
       <p:sp>
         <p:nvSpPr>
-          <p:cNvPr id="7" name="Slide Number">
+          <p:cNvPr id="2" name="Slide Number">
             <a:extLst>
               <a:ext uri="{FF2B5EF4-FFF2-40B4-BE49-F238E27FC236}">
-                <a16:creationId xmlns:a16="http://schemas.microsoft.com/office/drawing/2014/main" id="{37C69363-C191-4582-B3A6-6012607E49D9}"/>
+                <a16:creationId xmlns:a16="http://schemas.microsoft.com/office/drawing/2014/main" id="{6BBD9D61-EC24-B71F-0856-80952315CD0F}"/>
               </a:ext>
             </a:extLst>
           </p:cNvPr>
@@ -22004,7 +20999,7 @@
     </p:spTree>
     <p:extLst>
       <p:ext uri="{BB962C8B-B14F-4D97-AF65-F5344CB8AC3E}">
-        <p14:creationId xmlns:p14="http://schemas.microsoft.com/office/powerpoint/2010/main" val="2569526738"/>
+        <p14:creationId xmlns:p14="http://schemas.microsoft.com/office/powerpoint/2010/main" val="3075224876"/>
       </p:ext>
     </p:extLst>
   </p:cSld>
@@ -22629,66 +21624,6 @@
           <a:chExt cx="0" cy="0"/>
         </a:xfrm>
       </p:grpSpPr>
-      <p:sp>
-        <p:nvSpPr>
-          <p:cNvPr id="4" name="Subtitle 3">
-            <a:extLst>
-              <a:ext uri="{FF2B5EF4-FFF2-40B4-BE49-F238E27FC236}">
-                <a16:creationId xmlns:a16="http://schemas.microsoft.com/office/drawing/2014/main" id="{B49409A1-E131-920B-57D8-87B4905E39BA}"/>
-              </a:ext>
-            </a:extLst>
-          </p:cNvPr>
-          <p:cNvSpPr>
-            <a:spLocks noGrp="1"/>
-          </p:cNvSpPr>
-          <p:nvPr>
-            <p:ph type="subTitle" sz="quarter" idx="11"/>
-          </p:nvPr>
-        </p:nvSpPr>
-        <p:spPr/>
-        <p:txBody>
-          <a:bodyPr/>
-          <a:lstStyle/>
-          <a:p>
-            <a:r>
-              <a:rPr lang="en-GB" dirty="0"/>
-              <a:t>Selection </a:t>
-            </a:r>
-            <a:r>
-              <a:rPr lang="bg-BG" dirty="0"/>
-              <a:t>и</a:t>
-            </a:r>
-            <a:r>
-              <a:rPr lang="en-GB" dirty="0"/>
-              <a:t> Bubble Sort</a:t>
-            </a:r>
-            <a:endParaRPr lang="en-BG" dirty="0"/>
-          </a:p>
-        </p:txBody>
-      </p:sp>
-      <p:sp>
-        <p:nvSpPr>
-          <p:cNvPr id="2" name="Title 1"/>
-          <p:cNvSpPr>
-            <a:spLocks noGrp="1"/>
-          </p:cNvSpPr>
-          <p:nvPr>
-            <p:ph type="title" sz="quarter" idx="10"/>
-          </p:nvPr>
-        </p:nvSpPr>
-        <p:spPr/>
-        <p:txBody>
-          <a:bodyPr/>
-          <a:lstStyle/>
-          <a:p>
-            <a:r>
-              <a:rPr lang="bg-BG" dirty="0"/>
-              <a:t>Прости алгоритми за сортиране</a:t>
-            </a:r>
-            <a:endParaRPr lang="en-US" dirty="0"/>
-          </a:p>
-        </p:txBody>
-      </p:sp>
       <p:pic>
         <p:nvPicPr>
           <p:cNvPr id="7" name="Graphic 3" descr="Bar chart">
@@ -22729,10 +21664,75 @@
           <a:noFill/>
         </p:spPr>
       </p:pic>
+      <p:sp>
+        <p:nvSpPr>
+          <p:cNvPr id="5" name="Подзаглавие 4">
+            <a:extLst>
+              <a:ext uri="{FF2B5EF4-FFF2-40B4-BE49-F238E27FC236}">
+                <a16:creationId xmlns:a16="http://schemas.microsoft.com/office/drawing/2014/main" id="{2DBD281C-A790-7D2D-39CD-EEF82E1A5765}"/>
+              </a:ext>
+            </a:extLst>
+          </p:cNvPr>
+          <p:cNvSpPr>
+            <a:spLocks noGrp="1"/>
+          </p:cNvSpPr>
+          <p:nvPr>
+            <p:ph type="subTitle" sz="quarter" idx="11"/>
+          </p:nvPr>
+        </p:nvSpPr>
+        <p:spPr/>
+        <p:txBody>
+          <a:bodyPr/>
+          <a:lstStyle/>
+          <a:p>
+            <a:r>
+              <a:rPr lang="en-US" dirty="0"/>
+              <a:t>Selection </a:t>
+            </a:r>
+            <a:r>
+              <a:rPr lang="bg-BG" dirty="0"/>
+              <a:t>и </a:t>
+            </a:r>
+            <a:r>
+              <a:rPr lang="en-US" dirty="0"/>
+              <a:t>Bubble Sort</a:t>
+            </a:r>
+            <a:endParaRPr lang="bg-BG" dirty="0"/>
+          </a:p>
+        </p:txBody>
+      </p:sp>
+      <p:sp>
+        <p:nvSpPr>
+          <p:cNvPr id="8" name="Заглавие 7">
+            <a:extLst>
+              <a:ext uri="{FF2B5EF4-FFF2-40B4-BE49-F238E27FC236}">
+                <a16:creationId xmlns:a16="http://schemas.microsoft.com/office/drawing/2014/main" id="{CD84A6A3-16F5-4EBB-E817-58B51BABF372}"/>
+              </a:ext>
+            </a:extLst>
+          </p:cNvPr>
+          <p:cNvSpPr>
+            <a:spLocks noGrp="1"/>
+          </p:cNvSpPr>
+          <p:nvPr>
+            <p:ph type="title" sz="quarter" idx="10"/>
+          </p:nvPr>
+        </p:nvSpPr>
+        <p:spPr/>
+        <p:txBody>
+          <a:bodyPr/>
+          <a:lstStyle/>
+          <a:p>
+            <a:r>
+              <a:rPr lang="bg-BG" dirty="0"/>
+              <a:t>Прости алгоритми за сортиране</a:t>
+            </a:r>
+          </a:p>
+        </p:txBody>
+      </p:sp>
     </p:spTree>
     <p:extLst>
       <p:ext uri="{BB962C8B-B14F-4D97-AF65-F5344CB8AC3E}">
-        <p14:creationId xmlns:p14="http://schemas.microsoft.com/office/powerpoint/2010/main" val="2351696739"/>
+        <p14:creationId xmlns:p14="http://schemas.microsoft.com/office/powerpoint/2010/main" val="95372584"/>
       </p:ext>
     </p:extLst>
   </p:cSld>
@@ -22767,80 +21767,6 @@
           <a:chExt cx="0" cy="0"/>
         </a:xfrm>
       </p:grpSpPr>
-      <p:sp>
-        <p:nvSpPr>
-          <p:cNvPr id="3" name="Subtitle 2">
-            <a:extLst>
-              <a:ext uri="{FF2B5EF4-FFF2-40B4-BE49-F238E27FC236}">
-                <a16:creationId xmlns:a16="http://schemas.microsoft.com/office/drawing/2014/main" id="{18C68496-7C30-A549-0BA6-A89BC5CCF1CC}"/>
-              </a:ext>
-            </a:extLst>
-          </p:cNvPr>
-          <p:cNvSpPr>
-            <a:spLocks noGrp="1"/>
-          </p:cNvSpPr>
-          <p:nvPr>
-            <p:ph type="subTitle" sz="quarter" idx="11"/>
-          </p:nvPr>
-        </p:nvSpPr>
-        <p:spPr/>
-        <p:txBody>
-          <a:bodyPr/>
-          <a:lstStyle/>
-          <a:p>
-            <a:r>
-              <a:rPr lang="bg-BG" dirty="0"/>
-              <a:t>Разбъркването на </a:t>
-            </a:r>
-            <a:r>
-              <a:rPr lang="en-US" dirty="0"/>
-              <a:t>Fisher</a:t>
-            </a:r>
-            <a:r>
-              <a:rPr lang="bg-BG" dirty="0"/>
-              <a:t> </a:t>
-            </a:r>
-            <a:r>
-              <a:rPr lang="en-US" dirty="0"/>
-              <a:t>Yates</a:t>
-            </a:r>
-            <a:endParaRPr lang="en-BG" dirty="0"/>
-          </a:p>
-        </p:txBody>
-      </p:sp>
-      <p:sp>
-        <p:nvSpPr>
-          <p:cNvPr id="5" name="Заглавие 4">
-            <a:extLst>
-              <a:ext uri="{FF2B5EF4-FFF2-40B4-BE49-F238E27FC236}">
-                <a16:creationId xmlns:a16="http://schemas.microsoft.com/office/drawing/2014/main" id="{F91A4052-38EA-492D-8022-7A4D432525AF}"/>
-              </a:ext>
-            </a:extLst>
-          </p:cNvPr>
-          <p:cNvSpPr>
-            <a:spLocks noGrp="1"/>
-          </p:cNvSpPr>
-          <p:nvPr>
-            <p:ph type="title" sz="quarter" idx="10"/>
-          </p:nvPr>
-        </p:nvSpPr>
-        <p:spPr>
-          <a:xfrm>
-            <a:off x="615109" y="4775916"/>
-            <a:ext cx="10961783" cy="768084"/>
-          </a:xfrm>
-        </p:spPr>
-        <p:txBody>
-          <a:bodyPr/>
-          <a:lstStyle/>
-          <a:p>
-            <a:r>
-              <a:rPr lang="en-US" dirty="0"/>
-              <a:t>Shuffling</a:t>
-            </a:r>
-          </a:p>
-        </p:txBody>
-      </p:sp>
       <p:pic>
         <p:nvPicPr>
           <p:cNvPr id="7" name="Картина 6">
@@ -22871,10 +21797,72 @@
           </a:prstGeom>
         </p:spPr>
       </p:pic>
+      <p:sp>
+        <p:nvSpPr>
+          <p:cNvPr id="4" name="Подзаглавие 3">
+            <a:extLst>
+              <a:ext uri="{FF2B5EF4-FFF2-40B4-BE49-F238E27FC236}">
+                <a16:creationId xmlns:a16="http://schemas.microsoft.com/office/drawing/2014/main" id="{675CBF82-BB25-8927-2AD1-7EE001E46412}"/>
+              </a:ext>
+            </a:extLst>
+          </p:cNvPr>
+          <p:cNvSpPr>
+            <a:spLocks noGrp="1"/>
+          </p:cNvSpPr>
+          <p:nvPr>
+            <p:ph type="subTitle" sz="quarter" idx="11"/>
+          </p:nvPr>
+        </p:nvSpPr>
+        <p:spPr/>
+        <p:txBody>
+          <a:bodyPr/>
+          <a:lstStyle/>
+          <a:p>
+            <a:r>
+              <a:rPr lang="en-US"/>
+              <a:t>Shuffling</a:t>
+            </a:r>
+            <a:endParaRPr lang="bg-BG"/>
+          </a:p>
+        </p:txBody>
+      </p:sp>
+      <p:sp>
+        <p:nvSpPr>
+          <p:cNvPr id="8" name="Заглавие 7">
+            <a:extLst>
+              <a:ext uri="{FF2B5EF4-FFF2-40B4-BE49-F238E27FC236}">
+                <a16:creationId xmlns:a16="http://schemas.microsoft.com/office/drawing/2014/main" id="{5970520E-357F-E0DE-75A9-C8377ACB4503}"/>
+              </a:ext>
+            </a:extLst>
+          </p:cNvPr>
+          <p:cNvSpPr>
+            <a:spLocks noGrp="1"/>
+          </p:cNvSpPr>
+          <p:nvPr>
+            <p:ph type="title" sz="quarter" idx="10"/>
+          </p:nvPr>
+        </p:nvSpPr>
+        <p:spPr/>
+        <p:txBody>
+          <a:bodyPr/>
+          <a:lstStyle/>
+          <a:p>
+            <a:r>
+              <a:rPr lang="bg-BG"/>
+              <a:t>Разбъркването на </a:t>
+            </a:r>
+            <a:r>
+              <a:rPr lang="en-US"/>
+              <a:t>Fisher Yates</a:t>
+            </a:r>
+            <a:endParaRPr lang="bg-BG"/>
+          </a:p>
+        </p:txBody>
+      </p:sp>
     </p:spTree>
     <p:extLst>
       <p:ext uri="{BB962C8B-B14F-4D97-AF65-F5344CB8AC3E}">
-        <p14:creationId xmlns:p14="http://schemas.microsoft.com/office/powerpoint/2010/main" val="191536819"/>
+        <p14:creationId xmlns:p14="http://schemas.microsoft.com/office/powerpoint/2010/main" val="823666311"/>
       </p:ext>
     </p:extLst>
   </p:cSld>
@@ -24173,10 +23161,10 @@
       </p:sp>
       <p:sp>
         <p:nvSpPr>
-          <p:cNvPr id="21" name="Slide Number">
+          <p:cNvPr id="3" name="Slide Number">
             <a:extLst>
               <a:ext uri="{FF2B5EF4-FFF2-40B4-BE49-F238E27FC236}">
-                <a16:creationId xmlns:a16="http://schemas.microsoft.com/office/drawing/2014/main" id="{60508D34-BCF9-46E3-B1CD-0735079D250E}"/>
+                <a16:creationId xmlns:a16="http://schemas.microsoft.com/office/drawing/2014/main" id="{4FC06B73-A8D2-22C3-3D8E-CB700772E0A4}"/>
               </a:ext>
             </a:extLst>
           </p:cNvPr>
@@ -24216,7 +23204,7 @@
     </p:spTree>
     <p:extLst>
       <p:ext uri="{BB962C8B-B14F-4D97-AF65-F5344CB8AC3E}">
-        <p14:creationId xmlns:p14="http://schemas.microsoft.com/office/powerpoint/2010/main" val="3697101449"/>
+        <p14:creationId xmlns:p14="http://schemas.microsoft.com/office/powerpoint/2010/main" val="3583181475"/>
       </p:ext>
     </p:extLst>
   </p:cSld>
@@ -25044,10 +24032,10 @@
       </p:sp>
       <p:sp>
         <p:nvSpPr>
-          <p:cNvPr id="9" name="Slide Number">
+          <p:cNvPr id="2" name="Slide Number">
             <a:extLst>
               <a:ext uri="{FF2B5EF4-FFF2-40B4-BE49-F238E27FC236}">
-                <a16:creationId xmlns:a16="http://schemas.microsoft.com/office/drawing/2014/main" id="{D60A74C5-30FF-403A-B8FC-1C714C615175}"/>
+                <a16:creationId xmlns:a16="http://schemas.microsoft.com/office/drawing/2014/main" id="{0ED43234-B334-FEEF-F605-DEDB8D34B107}"/>
               </a:ext>
             </a:extLst>
           </p:cNvPr>
@@ -25087,7 +24075,7 @@
     </p:spTree>
     <p:extLst>
       <p:ext uri="{BB962C8B-B14F-4D97-AF65-F5344CB8AC3E}">
-        <p14:creationId xmlns:p14="http://schemas.microsoft.com/office/powerpoint/2010/main" val="708918940"/>
+        <p14:creationId xmlns:p14="http://schemas.microsoft.com/office/powerpoint/2010/main" val="3028272544"/>
       </p:ext>
     </p:extLst>
   </p:cSld>
@@ -26110,10 +25098,10 @@
       </p:sp>
       <p:sp>
         <p:nvSpPr>
-          <p:cNvPr id="13" name="Slide Number">
+          <p:cNvPr id="2" name="Slide Number">
             <a:extLst>
               <a:ext uri="{FF2B5EF4-FFF2-40B4-BE49-F238E27FC236}">
-                <a16:creationId xmlns:a16="http://schemas.microsoft.com/office/drawing/2014/main" id="{D927320A-BA59-4B08-AAC5-39B8471D85F4}"/>
+                <a16:creationId xmlns:a16="http://schemas.microsoft.com/office/drawing/2014/main" id="{2A3DABDC-6F1F-2DD3-A5B6-A19486429025}"/>
               </a:ext>
             </a:extLst>
           </p:cNvPr>
@@ -26153,7 +25141,7 @@
     </p:spTree>
     <p:extLst>
       <p:ext uri="{BB962C8B-B14F-4D97-AF65-F5344CB8AC3E}">
-        <p14:creationId xmlns:p14="http://schemas.microsoft.com/office/powerpoint/2010/main" val="3217087180"/>
+        <p14:creationId xmlns:p14="http://schemas.microsoft.com/office/powerpoint/2010/main" val="1706630976"/>
       </p:ext>
     </p:extLst>
   </p:cSld>
@@ -26578,21 +25566,140 @@
           <a:lstStyle/>
           <a:p>
             <a:r>
-              <a:rPr lang="en-US" sz="8800" dirty="0">
-                <a:solidFill>
-                  <a:srgbClr val="234465"/>
-                </a:solidFill>
+              <a:rPr lang="bg-BG" dirty="0"/>
+              <a:t>Въпроси</a:t>
+            </a:r>
+            <a:r>
+              <a:rPr lang="en-US" dirty="0"/>
+              <a:t>?</a:t>
+            </a:r>
+          </a:p>
+        </p:txBody>
+      </p:sp>
+      <p:sp>
+        <p:nvSpPr>
+          <p:cNvPr id="2" name="Rectangle Bottom Copyright">
+            <a:extLst>
+              <a:ext uri="{FF2B5EF4-FFF2-40B4-BE49-F238E27FC236}">
+                <a16:creationId xmlns:a16="http://schemas.microsoft.com/office/drawing/2014/main" id="{664812A4-2991-44D1-BFE9-32E55AADF8A5}"/>
+              </a:ext>
+            </a:extLst>
+          </p:cNvPr>
+          <p:cNvSpPr/>
+          <p:nvPr/>
+        </p:nvSpPr>
+        <p:spPr>
+          <a:xfrm>
+            <a:off x="111000" y="6454758"/>
+            <a:ext cx="11970000" cy="304242"/>
+          </a:xfrm>
+          <a:prstGeom prst="rect">
+            <a:avLst/>
+          </a:prstGeom>
+        </p:spPr>
+        <p:txBody>
+          <a:bodyPr wrap="square">
+            <a:noAutofit/>
+          </a:bodyPr>
+          <a:lstStyle/>
+          <a:p>
+            <a:pPr algn="ctr">
+              <a:lnSpc>
+                <a:spcPct val="100000"/>
+              </a:lnSpc>
+              <a:spcBef>
+                <a:spcPts val="0"/>
+              </a:spcBef>
+              <a:spcAft>
+                <a:spcPts val="0"/>
+              </a:spcAft>
+            </a:pPr>
+            <a:r>
+              <a:rPr lang="bg-BG" sz="1600" dirty="0">
+                <a:solidFill>
+                  <a:schemeClr val="bg2"/>
+                </a:solidFill>
+                <a:effectLst/>
+                <a:latin typeface="Calibri" panose="020F0502020204030204" pitchFamily="34" charset="0"/>
+                <a:ea typeface="Calibri" panose="020F0502020204030204" pitchFamily="34" charset="0"/>
+                <a:cs typeface="Arial" panose="020B0604020202020204" pitchFamily="34" charset="0"/>
               </a:rPr>
-              <a:t>Въпроси?</a:t>
-            </a:r>
-            <a:endParaRPr lang="en-US" sz="8800" dirty="0"/>
+              <a:t>Проект "</a:t>
+            </a:r>
+            <a:r>
+              <a:rPr lang="bg-BG" sz="1600" dirty="0">
+                <a:solidFill>
+                  <a:schemeClr val="bg1">
+                    <a:lumMod val="20000"/>
+                    <a:lumOff val="80000"/>
+                  </a:schemeClr>
+                </a:solidFill>
+                <a:effectLst/>
+                <a:latin typeface="Calibri" panose="020F0502020204030204" pitchFamily="34" charset="0"/>
+                <a:ea typeface="Calibri" panose="020F0502020204030204" pitchFamily="34" charset="0"/>
+                <a:cs typeface="Arial" panose="020B0604020202020204" pitchFamily="34" charset="0"/>
+                <a:hlinkClick r:id="rId3">
+                  <a:extLst>
+                    <a:ext uri="{A12FA001-AC4F-418D-AE19-62706E023703}">
+                      <ahyp:hlinkClr xmlns:ahyp="http://schemas.microsoft.com/office/drawing/2018/hyperlinkcolor" val="tx"/>
+                    </a:ext>
+                  </a:extLst>
+                </a:hlinkClick>
+              </a:rPr>
+              <a:t>Отворено учебно съдържание по програмиране и ИТ</a:t>
+            </a:r>
+            <a:r>
+              <a:rPr lang="bg-BG" sz="1600" dirty="0">
+                <a:solidFill>
+                  <a:schemeClr val="bg2"/>
+                </a:solidFill>
+                <a:effectLst/>
+                <a:latin typeface="Calibri" panose="020F0502020204030204" pitchFamily="34" charset="0"/>
+                <a:ea typeface="Calibri" panose="020F0502020204030204" pitchFamily="34" charset="0"/>
+                <a:cs typeface="Arial" panose="020B0604020202020204" pitchFamily="34" charset="0"/>
+              </a:rPr>
+              <a:t>", СофтУни Фондация (лиценз </a:t>
+            </a:r>
+            <a:r>
+              <a:rPr lang="en-US" sz="1600" dirty="0">
+                <a:solidFill>
+                  <a:schemeClr val="bg2"/>
+                </a:solidFill>
+                <a:effectLst/>
+                <a:latin typeface="Calibri" panose="020F0502020204030204" pitchFamily="34" charset="0"/>
+                <a:ea typeface="Calibri" panose="020F0502020204030204" pitchFamily="34" charset="0"/>
+                <a:cs typeface="Arial" panose="020B0604020202020204" pitchFamily="34" charset="0"/>
+              </a:rPr>
+              <a:t>CC-BY-NC-SA</a:t>
+            </a:r>
+            <a:r>
+              <a:rPr lang="bg-BG" sz="1600" dirty="0">
+                <a:solidFill>
+                  <a:schemeClr val="bg2"/>
+                </a:solidFill>
+                <a:effectLst/>
+                <a:latin typeface="Calibri" panose="020F0502020204030204" pitchFamily="34" charset="0"/>
+                <a:ea typeface="Calibri" panose="020F0502020204030204" pitchFamily="34" charset="0"/>
+                <a:cs typeface="Arial" panose="020B0604020202020204" pitchFamily="34" charset="0"/>
+              </a:rPr>
+              <a:t>)</a:t>
+            </a:r>
+            <a:endParaRPr lang="bg-BG" sz="2400" dirty="0">
+              <a:solidFill>
+                <a:schemeClr val="bg2"/>
+              </a:solidFill>
+              <a:effectLst/>
+              <a:latin typeface="Calibri" panose="020F0502020204030204" pitchFamily="34" charset="0"/>
+              <a:ea typeface="Calibri" panose="020F0502020204030204" pitchFamily="34" charset="0"/>
+              <a:cs typeface="Arial" panose="020B0604020202020204" pitchFamily="34" charset="0"/>
+            </a:endParaRPr>
           </a:p>
         </p:txBody>
       </p:sp>
     </p:spTree>
     <p:extLst>
       <p:ext uri="{BB962C8B-B14F-4D97-AF65-F5344CB8AC3E}">
-        <p14:creationId xmlns:p14="http://schemas.microsoft.com/office/powerpoint/2010/main" val="705949960"/>
+        <p14:creationId xmlns:p14="http://schemas.microsoft.com/office/powerpoint/2010/main" val="889660982"/>
       </p:ext>
     </p:extLst>
   </p:cSld>
@@ -26646,11 +25753,13 @@
         <p:spPr>
           <a:xfrm>
             <a:off x="190402" y="1269001"/>
-            <a:ext cx="11818096" cy="5455890"/>
+            <a:ext cx="9865598" cy="2474999"/>
           </a:xfrm>
         </p:spPr>
         <p:txBody>
-          <a:bodyPr/>
+          <a:bodyPr>
+            <a:normAutofit/>
+          </a:bodyPr>
           <a:lstStyle/>
           <a:p>
             <a:pPr>
@@ -26659,113 +25768,42 @@
               </a:lnSpc>
             </a:pPr>
             <a:r>
-              <a:rPr lang="bg-BG" dirty="0"/>
+              <a:rPr lang="bg-BG" sz="3200" dirty="0"/>
               <a:t>Този курс</a:t>
             </a:r>
             <a:r>
-              <a:rPr lang="en-US" dirty="0"/>
+              <a:rPr lang="en-US" sz="3200" dirty="0"/>
               <a:t> (</a:t>
             </a:r>
             <a:r>
-              <a:rPr lang="bg-BG" dirty="0"/>
+              <a:rPr lang="bg-BG" sz="3200" dirty="0"/>
               <a:t>презентации, примери, демонстрационен код, упражнения, домашни, видео и други активи</a:t>
             </a:r>
             <a:r>
-              <a:rPr lang="en-US" dirty="0"/>
+              <a:rPr lang="en-US" sz="3200" dirty="0"/>
               <a:t>) </a:t>
             </a:r>
             <a:r>
-              <a:rPr lang="bg-BG" dirty="0"/>
+              <a:rPr lang="bg-BG" sz="3200" dirty="0"/>
               <a:t>представлява</a:t>
             </a:r>
             <a:r>
-              <a:rPr lang="en-US" dirty="0"/>
+              <a:rPr lang="en-US" sz="3200" dirty="0"/>
               <a:t> </a:t>
             </a:r>
             <a:r>
-              <a:rPr lang="bg-BG" b="1" dirty="0"/>
-              <a:t>защитено авторско съдържание</a:t>
-            </a:r>
-            <a:endParaRPr lang="en-US" dirty="0"/>
-          </a:p>
-          <a:p>
-            <a:pPr>
-              <a:lnSpc>
-                <a:spcPct val="120000"/>
-              </a:lnSpc>
-            </a:pPr>
-            <a:r>
-              <a:rPr lang="bg-BG" dirty="0"/>
-              <a:t>Нерегламентирано копиране</a:t>
-            </a:r>
-            <a:r>
-              <a:rPr lang="en-US" dirty="0"/>
-              <a:t>,</a:t>
-            </a:r>
-            <a:r>
-              <a:rPr lang="bg-BG" dirty="0"/>
-              <a:t> разпространение или използване е незаконно</a:t>
-            </a:r>
-          </a:p>
-          <a:p>
-            <a:pPr>
-              <a:lnSpc>
-                <a:spcPct val="120000"/>
-              </a:lnSpc>
-            </a:pPr>
-            <a:r>
-              <a:rPr lang="en-US" dirty="0"/>
-              <a:t>© </a:t>
-            </a:r>
-            <a:r>
-              <a:rPr lang="bg-BG" dirty="0"/>
-              <a:t>СофтУни</a:t>
-            </a:r>
-            <a:r>
-              <a:rPr lang="en-US" dirty="0"/>
-              <a:t> – </a:t>
-            </a:r>
-            <a:r>
-              <a:rPr lang="en-US" dirty="0">
-                <a:hlinkClick r:id="rId3"/>
-              </a:rPr>
-              <a:t>https://softuni.org</a:t>
-            </a:r>
-            <a:endParaRPr lang="en-US" dirty="0"/>
-          </a:p>
-          <a:p>
-            <a:pPr>
-              <a:lnSpc>
-                <a:spcPct val="120000"/>
-              </a:lnSpc>
-            </a:pPr>
-            <a:r>
-              <a:rPr lang="en-US" dirty="0"/>
-              <a:t>© </a:t>
-            </a:r>
-            <a:r>
-              <a:rPr lang="bg-BG" dirty="0"/>
-              <a:t>Софтуерен университет</a:t>
-            </a:r>
-            <a:r>
-              <a:rPr lang="en-US" dirty="0"/>
-              <a:t> – </a:t>
-            </a:r>
-            <a:r>
-              <a:rPr lang="en-US" dirty="0">
-                <a:hlinkClick r:id="rId4"/>
-              </a:rPr>
-              <a:t>https://softuni.bg</a:t>
-            </a:r>
-            <a:endParaRPr lang="bg-BG" dirty="0"/>
-          </a:p>
-          <a:p>
-            <a:pPr>
-              <a:lnSpc>
-                <a:spcPct val="120000"/>
-              </a:lnSpc>
-            </a:pPr>
-            <a:endParaRPr lang="bg-BG" dirty="0"/>
+              <a:rPr lang="bg-BG" sz="3200" b="1" dirty="0"/>
+              <a:t>свободно учебно съдържание </a:t>
+            </a:r>
+            <a:r>
+              <a:rPr lang="bg-BG" sz="3200" dirty="0"/>
+              <a:t>и се разпространява под свободен лиценз </a:t>
+            </a:r>
+            <a:r>
+              <a:rPr lang="en-US" sz="3200" b="1" dirty="0"/>
+              <a:t>CC-BY-NC-SA</a:t>
+            </a:r>
+            <a:endParaRPr lang="bg-BG" sz="3200" dirty="0"/>
           </a:p>
         </p:txBody>
       </p:sp>
@@ -26784,7 +25822,7 @@
           <p:nvPr/>
         </p:nvPicPr>
         <p:blipFill>
-          <a:blip r:embed="rId5">
+          <a:blip r:embed="rId3">
             <a:clrChange>
               <a:clrFrom>
                 <a:srgbClr val="FFFFFF"/>
@@ -26802,8 +25840,8 @@
         </p:blipFill>
         <p:spPr>
           <a:xfrm>
-            <a:off x="9745023" y="4445455"/>
-            <a:ext cx="1930977" cy="2043545"/>
+            <a:off x="10226175" y="1440120"/>
+            <a:ext cx="1198986" cy="1268880"/>
           </a:xfrm>
           <a:prstGeom prst="rect">
             <a:avLst/>
@@ -26840,10 +25878,171 @@
       </p:sp>
       <p:sp>
         <p:nvSpPr>
-          <p:cNvPr id="7" name="Slide Number">
+          <p:cNvPr id="11" name="TextBox 10">
             <a:extLst>
               <a:ext uri="{FF2B5EF4-FFF2-40B4-BE49-F238E27FC236}">
-                <a16:creationId xmlns:a16="http://schemas.microsoft.com/office/drawing/2014/main" id="{986F1241-4467-4A33-8F42-658BD1961EF6}"/>
+                <a16:creationId xmlns:a16="http://schemas.microsoft.com/office/drawing/2014/main" id="{0C18DF19-B750-4C88-975B-661A6BF61F5E}"/>
+              </a:ext>
+            </a:extLst>
+          </p:cNvPr>
+          <p:cNvSpPr txBox="1"/>
+          <p:nvPr/>
+        </p:nvSpPr>
+        <p:spPr>
+          <a:xfrm>
+            <a:off x="190401" y="3927519"/>
+            <a:ext cx="11710599" cy="1979644"/>
+          </a:xfrm>
+          <a:prstGeom prst="rect">
+            <a:avLst/>
+          </a:prstGeom>
+          <a:noFill/>
+          <a:ln w="12700">
+            <a:noFill/>
+          </a:ln>
+        </p:spPr>
+        <p:txBody>
+          <a:bodyPr wrap="square">
+            <a:spAutoFit/>
+          </a:bodyPr>
+          <a:lstStyle/>
+          <a:p>
+            <a:pPr marL="360363" indent="-360363" defTabSz="1218438">
+              <a:lnSpc>
+                <a:spcPct val="120000"/>
+              </a:lnSpc>
+              <a:spcBef>
+                <a:spcPts val="600"/>
+              </a:spcBef>
+              <a:spcAft>
+                <a:spcPts val="600"/>
+              </a:spcAft>
+              <a:buFont typeface="Wingdings" panose="05000000000000000000" pitchFamily="2" charset="2"/>
+              <a:buChar char="§"/>
+              <a:defRPr/>
+            </a:pPr>
+            <a:r>
+              <a:rPr lang="bg-BG" sz="3200" dirty="0"/>
+              <a:t>Проект "</a:t>
+            </a:r>
+            <a:r>
+              <a:rPr lang="bg-BG" sz="3200" b="1" dirty="0"/>
+              <a:t>Отворено учебно съдържание по програмиране и ИТ</a:t>
+            </a:r>
+            <a:r>
+              <a:rPr lang="bg-BG" sz="3200" dirty="0"/>
+              <a:t>" към Фондация "Софтуерен университет"</a:t>
+            </a:r>
+            <a:r>
+              <a:rPr lang="en-US" sz="3200" dirty="0"/>
+              <a:t>:</a:t>
+            </a:r>
+            <a:endParaRPr lang="bg-BG" sz="3200" dirty="0"/>
+          </a:p>
+          <a:p>
+            <a:pPr marL="817563" lvl="1" indent="-360363" defTabSz="1218438">
+              <a:lnSpc>
+                <a:spcPct val="120000"/>
+              </a:lnSpc>
+              <a:spcBef>
+                <a:spcPts val="600"/>
+              </a:spcBef>
+              <a:spcAft>
+                <a:spcPts val="600"/>
+              </a:spcAft>
+              <a:buFont typeface="Wingdings" panose="05000000000000000000" pitchFamily="2" charset="2"/>
+              <a:buChar char="§"/>
+              <a:defRPr/>
+            </a:pPr>
+            <a:r>
+              <a:rPr kumimoji="0" lang="en-US" sz="3200" b="0" i="0" u="none" strike="noStrike" kern="1200" cap="none" spc="0" normalizeH="0" baseline="0" noProof="0" dirty="0">
+                <a:ln>
+                  <a:noFill/>
+                </a:ln>
+                <a:solidFill>
+                  <a:srgbClr val="234465"/>
+                </a:solidFill>
+                <a:effectLst/>
+                <a:uLnTx/>
+                <a:uFillTx/>
+                <a:latin typeface="Calibri"/>
+                <a:ea typeface="+mn-ea"/>
+                <a:cs typeface="+mn-cs"/>
+                <a:hlinkClick r:id="rId4"/>
+              </a:rPr>
+              <a:t>https://github.com/BG-IT-Edu</a:t>
+            </a:r>
+            <a:endParaRPr kumimoji="0" lang="bg-BG" sz="3200" b="0" i="0" u="none" strike="noStrike" kern="1200" cap="none" spc="0" normalizeH="0" baseline="0" noProof="0" dirty="0">
+              <a:ln>
+                <a:noFill/>
+              </a:ln>
+              <a:solidFill>
+                <a:srgbClr val="234465"/>
+              </a:solidFill>
+              <a:effectLst/>
+              <a:uLnTx/>
+              <a:uFillTx/>
+              <a:latin typeface="Calibri"/>
+              <a:ea typeface="+mn-ea"/>
+              <a:cs typeface="+mn-cs"/>
+            </a:endParaRPr>
+          </a:p>
+        </p:txBody>
+      </p:sp>
+      <p:pic>
+        <p:nvPicPr>
+          <p:cNvPr id="7" name="Picture 6" title="CC-BY-NC-SA License">
+            <a:hlinkClick r:id="rId5" tooltip="This work is licensed under the &quot;Creative Commons Attribution-NonCommercial-ShareAlike 4.0 International&quot; license"/>
+            <a:extLst>
+              <a:ext uri="{FF2B5EF4-FFF2-40B4-BE49-F238E27FC236}">
+                <a16:creationId xmlns:a16="http://schemas.microsoft.com/office/drawing/2014/main" id="{F6C77C47-F7D8-A176-5C69-7FDE5C7E8003}"/>
+              </a:ext>
+            </a:extLst>
+          </p:cNvPr>
+          <p:cNvPicPr>
+            <a:picLocks noChangeAspect="1" noChangeArrowheads="1"/>
+          </p:cNvPicPr>
+          <p:nvPr/>
+        </p:nvPicPr>
+        <p:blipFill>
+          <a:blip r:embed="rId6">
+            <a:extLst>
+              <a:ext uri="{28A0092B-C50C-407E-A947-70E740481C1C}">
+                <a14:useLocalDpi xmlns:a14="http://schemas.microsoft.com/office/drawing/2010/main"/>
+              </a:ext>
+            </a:extLst>
+          </a:blip>
+          <a:srcRect/>
+          <a:stretch>
+            <a:fillRect/>
+          </a:stretch>
+        </p:blipFill>
+        <p:spPr bwMode="auto">
+          <a:xfrm>
+            <a:off x="9831000" y="2908593"/>
+            <a:ext cx="1989336" cy="696022"/>
+          </a:xfrm>
+          <a:prstGeom prst="roundRect">
+            <a:avLst>
+              <a:gd name="adj" fmla="val 3940"/>
+            </a:avLst>
+          </a:prstGeom>
+          <a:solidFill>
+            <a:srgbClr val="231F20">
+              <a:alpha val="50000"/>
+            </a:srgbClr>
+          </a:solidFill>
+          <a:ln>
+            <a:noFill/>
+          </a:ln>
+        </p:spPr>
+      </p:pic>
+      <p:sp>
+        <p:nvSpPr>
+          <p:cNvPr id="4" name="Slide Number">
+            <a:extLst>
+              <a:ext uri="{FF2B5EF4-FFF2-40B4-BE49-F238E27FC236}">
+                <a16:creationId xmlns:a16="http://schemas.microsoft.com/office/drawing/2014/main" id="{D93175D6-6799-50DB-E719-EBD683D25512}"/>
               </a:ext>
             </a:extLst>
           </p:cNvPr>
@@ -26883,7 +26082,7 @@
     </p:spTree>
     <p:extLst>
       <p:ext uri="{BB962C8B-B14F-4D97-AF65-F5344CB8AC3E}">
-        <p14:creationId xmlns:p14="http://schemas.microsoft.com/office/powerpoint/2010/main" val="2396900738"/>
+        <p14:creationId xmlns:p14="http://schemas.microsoft.com/office/powerpoint/2010/main" val="2609485555"/>
       </p:ext>
     </p:extLst>
   </p:cSld>
@@ -27156,10 +26355,10 @@
       </p:pic>
       <p:sp>
         <p:nvSpPr>
-          <p:cNvPr id="6" name="Slide Number">
+          <p:cNvPr id="4" name="Slide Number">
             <a:extLst>
               <a:ext uri="{FF2B5EF4-FFF2-40B4-BE49-F238E27FC236}">
-                <a16:creationId xmlns:a16="http://schemas.microsoft.com/office/drawing/2014/main" id="{7F1DA266-8D4B-4972-94F6-EC3824941B41}"/>
+                <a16:creationId xmlns:a16="http://schemas.microsoft.com/office/drawing/2014/main" id="{1DF334CE-D8EB-8DBF-4DE8-B9A99B1328A5}"/>
               </a:ext>
             </a:extLst>
           </p:cNvPr>
@@ -27199,7 +26398,7 @@
     </p:spTree>
     <p:extLst>
       <p:ext uri="{BB962C8B-B14F-4D97-AF65-F5344CB8AC3E}">
-        <p14:creationId xmlns:p14="http://schemas.microsoft.com/office/powerpoint/2010/main" val="2935572361"/>
+        <p14:creationId xmlns:p14="http://schemas.microsoft.com/office/powerpoint/2010/main" val="1024537344"/>
       </p:ext>
     </p:extLst>
   </p:cSld>
@@ -29031,10 +28230,10 @@
       </p:sp>
       <p:sp>
         <p:nvSpPr>
-          <p:cNvPr id="14" name="Slide Number">
+          <p:cNvPr id="4" name="Slide Number">
             <a:extLst>
               <a:ext uri="{FF2B5EF4-FFF2-40B4-BE49-F238E27FC236}">
-                <a16:creationId xmlns:a16="http://schemas.microsoft.com/office/drawing/2014/main" id="{3FDF739D-1AF8-4BAB-8785-E2E374E5865C}"/>
+                <a16:creationId xmlns:a16="http://schemas.microsoft.com/office/drawing/2014/main" id="{8B9836AE-5C1C-5A6A-94F1-FE3E8960086A}"/>
               </a:ext>
             </a:extLst>
           </p:cNvPr>
@@ -29074,7 +28273,7 @@
     </p:spTree>
     <p:extLst>
       <p:ext uri="{BB962C8B-B14F-4D97-AF65-F5344CB8AC3E}">
-        <p14:creationId xmlns:p14="http://schemas.microsoft.com/office/powerpoint/2010/main" val="113826337"/>
+        <p14:creationId xmlns:p14="http://schemas.microsoft.com/office/powerpoint/2010/main" val="504060154"/>
       </p:ext>
     </p:extLst>
   </p:cSld>
@@ -29524,15 +28723,7 @@
           <a:p>
             <a:r>
               <a:rPr lang="bg-BG" dirty="0"/>
-              <a:t>Сортиращи алгоритми</a:t>
-            </a:r>
-            <a:r>
-              <a:rPr lang="en-US" dirty="0"/>
-              <a:t>: </a:t>
-            </a:r>
-            <a:r>
-              <a:rPr lang="bg-BG" dirty="0"/>
-              <a:t>класифициране</a:t>
+              <a:t>Сортиращи алгоритми – Класифициране</a:t>
             </a:r>
             <a:endParaRPr lang="en-US" dirty="0"/>
           </a:p>
@@ -29766,10 +28957,10 @@
       </p:sp>
       <p:sp>
         <p:nvSpPr>
-          <p:cNvPr id="5" name="Slide Number">
+          <p:cNvPr id="2" name="Slide Number">
             <a:extLst>
               <a:ext uri="{FF2B5EF4-FFF2-40B4-BE49-F238E27FC236}">
-                <a16:creationId xmlns:a16="http://schemas.microsoft.com/office/drawing/2014/main" id="{7237C4AA-A459-4A87-9817-89A766E47C17}"/>
+                <a16:creationId xmlns:a16="http://schemas.microsoft.com/office/drawing/2014/main" id="{BFB1F0F5-3987-6316-CCCC-1649FE75A279}"/>
               </a:ext>
             </a:extLst>
           </p:cNvPr>
@@ -29809,7 +29000,7 @@
     </p:spTree>
     <p:extLst>
       <p:ext uri="{BB962C8B-B14F-4D97-AF65-F5344CB8AC3E}">
-        <p14:creationId xmlns:p14="http://schemas.microsoft.com/office/powerpoint/2010/main" val="2374989685"/>
+        <p14:creationId xmlns:p14="http://schemas.microsoft.com/office/powerpoint/2010/main" val="3293504641"/>
       </p:ext>
     </p:extLst>
   </p:cSld>
@@ -30326,10 +29517,10 @@
       </p:pic>
       <p:sp>
         <p:nvSpPr>
-          <p:cNvPr id="6" name="Slide Number">
+          <p:cNvPr id="4" name="Slide Number">
             <a:extLst>
               <a:ext uri="{FF2B5EF4-FFF2-40B4-BE49-F238E27FC236}">
-                <a16:creationId xmlns:a16="http://schemas.microsoft.com/office/drawing/2014/main" id="{9E6C35F1-0CF5-44DD-9916-F9BFE1EE6825}"/>
+                <a16:creationId xmlns:a16="http://schemas.microsoft.com/office/drawing/2014/main" id="{F4105B2C-39DE-56EF-98A8-F150753DFF21}"/>
               </a:ext>
             </a:extLst>
           </p:cNvPr>
@@ -30369,7 +29560,7 @@
     </p:spTree>
     <p:extLst>
       <p:ext uri="{BB962C8B-B14F-4D97-AF65-F5344CB8AC3E}">
-        <p14:creationId xmlns:p14="http://schemas.microsoft.com/office/powerpoint/2010/main" val="1304798983"/>
+        <p14:creationId xmlns:p14="http://schemas.microsoft.com/office/powerpoint/2010/main" val="3387755863"/>
       </p:ext>
     </p:extLst>
   </p:cSld>
@@ -31296,10 +30487,10 @@
       </p:sp>
       <p:sp>
         <p:nvSpPr>
-          <p:cNvPr id="13" name="Slide Number">
+          <p:cNvPr id="3" name="Slide Number">
             <a:extLst>
               <a:ext uri="{FF2B5EF4-FFF2-40B4-BE49-F238E27FC236}">
-                <a16:creationId xmlns:a16="http://schemas.microsoft.com/office/drawing/2014/main" id="{5A8A9133-BD57-4783-A238-A6E017555B6C}"/>
+                <a16:creationId xmlns:a16="http://schemas.microsoft.com/office/drawing/2014/main" id="{43C7D88A-15B3-F5EF-09C3-BCC3F84F6D23}"/>
               </a:ext>
             </a:extLst>
           </p:cNvPr>
@@ -31427,7 +30618,7 @@
     </p:spTree>
     <p:extLst>
       <p:ext uri="{BB962C8B-B14F-4D97-AF65-F5344CB8AC3E}">
-        <p14:creationId xmlns:p14="http://schemas.microsoft.com/office/powerpoint/2010/main" val="806516276"/>
+        <p14:creationId xmlns:p14="http://schemas.microsoft.com/office/powerpoint/2010/main" val="3077262733"/>
       </p:ext>
     </p:extLst>
   </p:cSld>
@@ -31793,7 +30984,7 @@
         </p:nvSpPr>
         <p:spPr>
           <a:xfrm>
-            <a:off x="324539" y="1159797"/>
+            <a:off x="201000" y="1159797"/>
             <a:ext cx="11792748" cy="5625231"/>
           </a:xfrm>
           <a:prstGeom prst="rect">
@@ -32210,12 +31401,20 @@
               <a:t>// </a:t>
             </a:r>
             <a:r>
+              <a:rPr lang="en-US" sz="2199" dirty="0">
+                <a:solidFill>
+                  <a:schemeClr val="accent2"/>
+                </a:solidFill>
+              </a:rPr>
+              <a:t>A</a:t>
+            </a:r>
+            <a:r>
               <a:rPr lang="bg-BG" sz="2199" dirty="0">
                 <a:solidFill>
                   <a:schemeClr val="accent2"/>
                 </a:solidFill>
               </a:rPr>
-              <a:t>ако</a:t>
+              <a:t>ко</a:t>
             </a:r>
             <a:r>
               <a:rPr lang="en-GB" sz="2199" dirty="0">
@@ -32317,7 +31516,7 @@
                   <a:schemeClr val="accent2"/>
                 </a:solidFill>
               </a:rPr>
-              <a:t>трябва да се извърши размяна</a:t>
+              <a:t>Трябва да се извърши размяна</a:t>
             </a:r>
             <a:endParaRPr lang="en-GB" sz="2199" dirty="0">
               <a:solidFill>
@@ -32411,12 +31610,7 @@
             <p:ph type="title"/>
           </p:nvPr>
         </p:nvSpPr>
-        <p:spPr>
-          <a:xfrm>
-            <a:off x="190355" y="100750"/>
-            <a:ext cx="9792489" cy="882654"/>
-          </a:xfrm>
-        </p:spPr>
+        <p:spPr/>
         <p:txBody>
           <a:bodyPr/>
           <a:lstStyle/>
@@ -32471,10 +31665,10 @@
       </p:pic>
       <p:sp>
         <p:nvSpPr>
-          <p:cNvPr id="14" name="Slide Number">
+          <p:cNvPr id="4" name="Slide Number">
             <a:extLst>
               <a:ext uri="{FF2B5EF4-FFF2-40B4-BE49-F238E27FC236}">
-                <a16:creationId xmlns:a16="http://schemas.microsoft.com/office/drawing/2014/main" id="{7935285F-FB5E-4E3E-A84F-5C14676041EF}"/>
+                <a16:creationId xmlns:a16="http://schemas.microsoft.com/office/drawing/2014/main" id="{DF80F8C0-4B1B-900A-0BDF-7B08FCAA5C46}"/>
               </a:ext>
             </a:extLst>
           </p:cNvPr>
@@ -32602,7 +31796,7 @@
     </p:spTree>
     <p:extLst>
       <p:ext uri="{BB962C8B-B14F-4D97-AF65-F5344CB8AC3E}">
-        <p14:creationId xmlns:p14="http://schemas.microsoft.com/office/powerpoint/2010/main" val="2269473260"/>
+        <p14:creationId xmlns:p14="http://schemas.microsoft.com/office/powerpoint/2010/main" val="2731833880"/>
       </p:ext>
     </p:extLst>
   </p:cSld>
@@ -33212,12 +32406,12 @@
 <file path=ppt/theme/theme1.xml><?xml version="1.0" encoding="utf-8"?>
 <a:theme xmlns:a="http://schemas.openxmlformats.org/drawingml/2006/main" name="SoftUni">
   <a:themeElements>
-    <a:clrScheme name="Custom 28">
+    <a:clrScheme name="Custom 2">
       <a:dk1>
         <a:srgbClr val="234465"/>
       </a:dk1>
       <a:lt1>
-        <a:srgbClr val="FFA000"/>
+        <a:srgbClr val="BF7800"/>
       </a:lt1>
       <a:dk2>
         <a:srgbClr val="234465"/>
@@ -33226,7 +32420,7 @@
         <a:srgbClr val="FFFFFF"/>
       </a:lt2>
       <a:accent1>
-        <a:srgbClr val="F29600"/>
+        <a:srgbClr val="FFA000"/>
       </a:accent1>
       <a:accent2>
         <a:srgbClr val="00B050"/>
@@ -33244,10 +32438,10 @@
         <a:srgbClr val="F4F5F7"/>
       </a:accent6>
       <a:hlink>
-        <a:srgbClr val="F2AC44"/>
+        <a:srgbClr val="BF7800"/>
       </a:hlink>
       <a:folHlink>
-        <a:srgbClr val="F6C781"/>
+        <a:srgbClr val="EF9511"/>
       </a:folHlink>
     </a:clrScheme>
     <a:fontScheme name="SoftUni">

--- a/Courses/Software-Sciences/Module-2-DS-and-Algo/14-Sorting-and-Searching-Algorithms/14-Sorting-and-Searching-Algorithms.pptx
+++ b/Courses/Software-Sciences/Module-2-DS-and-Algo/14-Sorting-and-Searching-Algorithms/14-Sorting-and-Searching-Algorithms.pptx
@@ -327,7 +327,7 @@
           <a:p>
             <a:fld id="{4E087215-0C8F-4762-A664-737A353EC9A4}" type="datetimeFigureOut">
               <a:rPr lang="bg-BG" smtClean="0"/>
-              <a:t>17.9.2023 г.</a:t>
+              <a:t>9.07.24 г.</a:t>
             </a:fld>
             <a:endParaRPr lang="bg-BG"/>
           </a:p>
@@ -523,7 +523,7 @@
           <a:p>
             <a:fld id="{72D84649-876A-46C9-8472-14CB09C070D8}" type="datetimeFigureOut">
               <a:rPr lang="en-US" smtClean="0"/>
-              <a:t>9/17/2023</a:t>
+              <a:t>7/9/24</a:t>
             </a:fld>
             <a:endParaRPr lang="en-US"/>
           </a:p>
@@ -9187,7 +9187,7 @@
                 <a:latin typeface="Consolas" pitchFamily="49" charset="0"/>
                 <a:cs typeface="Consolas" pitchFamily="49" charset="0"/>
               </a:rPr>
-              <a:t>var nums = new[] { 1, 3, 4, 2, 5, 6 };</a:t>
+              <a:t>int[] nums = { 1, 3, 4, 2, 5, 6 };</a:t>
             </a:r>
           </a:p>
           <a:p>
@@ -10370,7 +10370,7 @@
                                         <p:tgtEl>
                                           <p:spTgt spid="3">
                                             <p:txEl>
-                                              <p:pRg st="2" end="2"/>
+                                              <p:pRg st="1" end="1"/>
                                             </p:txEl>
                                           </p:spTgt>
                                         </p:tgtEl>
@@ -10419,7 +10419,7 @@
                                         <p:tgtEl>
                                           <p:spTgt spid="3">
                                             <p:txEl>
-                                              <p:pRg st="3" end="3"/>
+                                              <p:pRg st="2" end="2"/>
                                             </p:txEl>
                                           </p:spTgt>
                                         </p:tgtEl>
@@ -10468,6 +10468,55 @@
                                         <p:tgtEl>
                                           <p:spTgt spid="3">
                                             <p:txEl>
+                                              <p:pRg st="3" end="3"/>
+                                            </p:txEl>
+                                          </p:spTgt>
+                                        </p:tgtEl>
+                                        <p:attrNameLst>
+                                          <p:attrName>style.visibility</p:attrName>
+                                        </p:attrNameLst>
+                                      </p:cBhvr>
+                                      <p:to>
+                                        <p:strVal val="visible"/>
+                                      </p:to>
+                                    </p:set>
+                                  </p:childTnLst>
+                                </p:cTn>
+                              </p:par>
+                            </p:childTnLst>
+                          </p:cTn>
+                        </p:par>
+                      </p:childTnLst>
+                    </p:cTn>
+                  </p:par>
+                  <p:par>
+                    <p:cTn id="15" fill="hold">
+                      <p:stCondLst>
+                        <p:cond delay="indefinite"/>
+                      </p:stCondLst>
+                      <p:childTnLst>
+                        <p:par>
+                          <p:cTn id="16" fill="hold">
+                            <p:stCondLst>
+                              <p:cond delay="0"/>
+                            </p:stCondLst>
+                            <p:childTnLst>
+                              <p:par>
+                                <p:cTn id="17" presetID="1" presetClass="entr" presetSubtype="0" fill="hold" nodeType="clickEffect">
+                                  <p:stCondLst>
+                                    <p:cond delay="0"/>
+                                  </p:stCondLst>
+                                  <p:childTnLst>
+                                    <p:set>
+                                      <p:cBhvr>
+                                        <p:cTn id="18" dur="1" fill="hold">
+                                          <p:stCondLst>
+                                            <p:cond delay="0"/>
+                                          </p:stCondLst>
+                                        </p:cTn>
+                                        <p:tgtEl>
+                                          <p:spTgt spid="3">
+                                            <p:txEl>
                                               <p:pRg st="4" end="4"/>
                                             </p:txEl>
                                           </p:spTgt>
@@ -10484,14 +10533,14 @@
                                 </p:cTn>
                               </p:par>
                               <p:par>
-                                <p:cTn id="15" presetID="1" presetClass="entr" presetSubtype="0" fill="hold" nodeType="withEffect">
+                                <p:cTn id="19" presetID="1" presetClass="entr" presetSubtype="0" fill="hold" nodeType="withEffect">
                                   <p:stCondLst>
                                     <p:cond delay="0"/>
                                   </p:stCondLst>
                                   <p:childTnLst>
                                     <p:set>
                                       <p:cBhvr>
-                                        <p:cTn id="16" dur="1" fill="hold">
+                                        <p:cTn id="20" dur="1" fill="hold">
                                           <p:stCondLst>
                                             <p:cond delay="0"/>
                                           </p:stCondLst>
@@ -10635,7 +10684,7 @@
               <a:rPr lang="en-US" sz="2399" b="1" noProof="1">
                 <a:latin typeface="Consolas" panose="020B0609020204030204" pitchFamily="49" charset="0"/>
               </a:rPr>
-              <a:t>var nums = new[] { 1, 3, 4, 2, 5, 6 };</a:t>
+              <a:t>int[] nums = { 1, 3, 4, 2, 5, 6 };</a:t>
             </a:r>
           </a:p>
           <a:p>
@@ -10664,7 +10713,7 @@
               <a:rPr lang="en-US" sz="2399" b="1" noProof="1">
                 <a:latin typeface="Consolas" panose="020B0609020204030204" pitchFamily="49" charset="0"/>
               </a:rPr>
-              <a:t>  var currIndex = startIndex;</a:t>
+              <a:t>  int currIndex = startIndex;</a:t>
             </a:r>
           </a:p>
           <a:p>
@@ -11333,18 +11382,18 @@
           <a:lstStyle/>
           <a:p>
             <a:r>
-              <a:rPr lang="en-US"/>
+              <a:rPr lang="en-US" dirty="0"/>
               <a:t>QuickSort </a:t>
             </a:r>
             <a:r>
-              <a:rPr lang="bg-BG"/>
+              <a:rPr lang="bg-BG" dirty="0"/>
               <a:t>и </a:t>
             </a:r>
             <a:r>
-              <a:rPr lang="en-US"/>
+              <a:rPr lang="en-US" dirty="0"/>
               <a:t>MergeSort</a:t>
             </a:r>
-            <a:endParaRPr lang="bg-BG"/>
+            <a:endParaRPr lang="bg-BG" dirty="0"/>
           </a:p>
         </p:txBody>
       </p:sp>
@@ -11935,7 +11984,7 @@
                                         <p:tgtEl>
                                           <p:spTgt spid="3">
                                             <p:txEl>
-                                              <p:pRg st="2" end="2"/>
+                                              <p:pRg st="1" end="1"/>
                                             </p:txEl>
                                           </p:spTgt>
                                         </p:tgtEl>
@@ -11984,7 +12033,7 @@
                                         <p:tgtEl>
                                           <p:spTgt spid="3">
                                             <p:txEl>
-                                              <p:pRg st="3" end="3"/>
+                                              <p:pRg st="2" end="2"/>
                                             </p:txEl>
                                           </p:spTgt>
                                         </p:tgtEl>
@@ -12033,6 +12082,55 @@
                                         <p:tgtEl>
                                           <p:spTgt spid="3">
                                             <p:txEl>
+                                              <p:pRg st="3" end="3"/>
+                                            </p:txEl>
+                                          </p:spTgt>
+                                        </p:tgtEl>
+                                        <p:attrNameLst>
+                                          <p:attrName>style.visibility</p:attrName>
+                                        </p:attrNameLst>
+                                      </p:cBhvr>
+                                      <p:to>
+                                        <p:strVal val="visible"/>
+                                      </p:to>
+                                    </p:set>
+                                  </p:childTnLst>
+                                </p:cTn>
+                              </p:par>
+                            </p:childTnLst>
+                          </p:cTn>
+                        </p:par>
+                      </p:childTnLst>
+                    </p:cTn>
+                  </p:par>
+                  <p:par>
+                    <p:cTn id="15" fill="hold">
+                      <p:stCondLst>
+                        <p:cond delay="indefinite"/>
+                      </p:stCondLst>
+                      <p:childTnLst>
+                        <p:par>
+                          <p:cTn id="16" fill="hold">
+                            <p:stCondLst>
+                              <p:cond delay="0"/>
+                            </p:stCondLst>
+                            <p:childTnLst>
+                              <p:par>
+                                <p:cTn id="17" presetID="1" presetClass="entr" presetSubtype="0" fill="hold" nodeType="clickEffect">
+                                  <p:stCondLst>
+                                    <p:cond delay="0"/>
+                                  </p:stCondLst>
+                                  <p:childTnLst>
+                                    <p:set>
+                                      <p:cBhvr>
+                                        <p:cTn id="18" dur="1" fill="hold">
+                                          <p:stCondLst>
+                                            <p:cond delay="0"/>
+                                          </p:stCondLst>
+                                        </p:cTn>
+                                        <p:tgtEl>
+                                          <p:spTgt spid="3">
+                                            <p:txEl>
                                               <p:pRg st="4" end="4"/>
                                             </p:txEl>
                                           </p:spTgt>
@@ -12049,14 +12147,14 @@
                                 </p:cTn>
                               </p:par>
                               <p:par>
-                                <p:cTn id="15" presetID="1" presetClass="entr" presetSubtype="0" fill="hold" nodeType="withEffect">
+                                <p:cTn id="19" presetID="1" presetClass="entr" presetSubtype="0" fill="hold" nodeType="withEffect">
                                   <p:stCondLst>
                                     <p:cond delay="0"/>
                                   </p:stCondLst>
                                   <p:childTnLst>
                                     <p:set>
                                       <p:cBhvr>
-                                        <p:cTn id="16" dur="1" fill="hold">
+                                        <p:cTn id="20" dur="1" fill="hold">
                                           <p:stCondLst>
                                             <p:cond delay="0"/>
                                           </p:stCondLst>
@@ -15805,51 +15903,6 @@
                                           </p:stCondLst>
                                         </p:cTn>
                                         <p:tgtEl>
-                                          <p:spTgt spid="7"/>
-                                        </p:tgtEl>
-                                        <p:attrNameLst>
-                                          <p:attrName>style.visibility</p:attrName>
-                                        </p:attrNameLst>
-                                      </p:cBhvr>
-                                      <p:to>
-                                        <p:strVal val="visible"/>
-                                      </p:to>
-                                    </p:set>
-                                  </p:childTnLst>
-                                </p:cTn>
-                              </p:par>
-                            </p:childTnLst>
-                          </p:cTn>
-                        </p:par>
-                      </p:childTnLst>
-                    </p:cTn>
-                  </p:par>
-                  <p:par>
-                    <p:cTn id="7" fill="hold">
-                      <p:stCondLst>
-                        <p:cond delay="indefinite"/>
-                      </p:stCondLst>
-                      <p:childTnLst>
-                        <p:par>
-                          <p:cTn id="8" fill="hold">
-                            <p:stCondLst>
-                              <p:cond delay="0"/>
-                            </p:stCondLst>
-                            <p:childTnLst>
-                              <p:par>
-                                <p:cTn id="9" presetID="1" presetClass="entr" presetSubtype="0" fill="hold" nodeType="clickEffect">
-                                  <p:stCondLst>
-                                    <p:cond delay="0"/>
-                                  </p:stCondLst>
-                                  <p:childTnLst>
-                                    <p:set>
-                                      <p:cBhvr>
-                                        <p:cTn id="10" dur="1" fill="hold">
-                                          <p:stCondLst>
-                                            <p:cond delay="0"/>
-                                          </p:stCondLst>
-                                        </p:cTn>
-                                        <p:tgtEl>
                                           <p:spTgt spid="6">
                                             <p:txEl>
                                               <p:pRg st="5" end="5"/>
@@ -16060,46 +16113,54 @@
               </a:buClr>
             </a:pPr>
             <a:r>
+              <a:rPr lang="en-US" dirty="0"/>
+              <a:t>C#</a:t>
+            </a:r>
+            <a:r>
               <a:rPr lang="bg-BG" dirty="0"/>
-              <a:t>Използвайте</a:t>
-            </a:r>
-            <a:r>
-              <a:rPr lang="en-US" dirty="0"/>
-              <a:t> </a:t>
-            </a:r>
-            <a:r>
-              <a:rPr lang="en-US" b="1" dirty="0">
+              <a:t> има </a:t>
+            </a:r>
+            <a:r>
+              <a:rPr lang="bg-BG" b="1" dirty="0">
                 <a:solidFill>
                   <a:schemeClr val="bg1"/>
                 </a:solidFill>
               </a:rPr>
-              <a:t>Insertion </a:t>
-            </a:r>
-            <a:r>
-              <a:rPr lang="bg-BG" dirty="0"/>
-              <a:t>за малки масиви и</a:t>
-            </a:r>
-            <a:r>
-              <a:rPr lang="en-US" dirty="0"/>
-              <a:t> </a:t>
-            </a:r>
-            <a:r>
-              <a:rPr lang="en-US" b="1" dirty="0">
+              <a:t>вградени методи за сортиране</a:t>
+            </a:r>
+            <a:endParaRPr lang="en-US" dirty="0"/>
+          </a:p>
+          <a:p>
+            <a:pPr lvl="1">
+              <a:buClr>
+                <a:schemeClr val="tx1"/>
+              </a:buClr>
+            </a:pPr>
+            <a:r>
+              <a:rPr lang="en-US" b="1" noProof="1">
                 <a:solidFill>
                   <a:schemeClr val="bg1"/>
                 </a:solidFill>
-              </a:rPr>
-              <a:t>QuickSort</a:t>
-            </a:r>
-            <a:r>
-              <a:rPr lang="en-US" dirty="0"/>
-              <a:t> </a:t>
-            </a:r>
-            <a:r>
-              <a:rPr lang="bg-BG" dirty="0"/>
-              <a:t>за големи масиви</a:t>
-            </a:r>
-            <a:endParaRPr lang="en-US" dirty="0"/>
+                <a:latin typeface="Consolas" panose="020B0609020204030204" pitchFamily="49" charset="0"/>
+              </a:rPr>
+              <a:t>Array.Sort()</a:t>
+            </a:r>
+          </a:p>
+          <a:p>
+            <a:pPr lvl="1">
+              <a:buClr>
+                <a:schemeClr val="tx1"/>
+              </a:buClr>
+            </a:pPr>
+            <a:r>
+              <a:rPr lang="en-US" b="1" noProof="1">
+                <a:solidFill>
+                  <a:schemeClr val="bg1"/>
+                </a:solidFill>
+                <a:latin typeface="Consolas" panose="020B0609020204030204" pitchFamily="49" charset="0"/>
+              </a:rPr>
+              <a:t>List&lt;T&gt;.Sort()</a:t>
+            </a:r>
           </a:p>
           <a:p>
             <a:pPr>
@@ -16109,66 +16170,77 @@
             </a:pPr>
             <a:r>
               <a:rPr lang="bg-BG" dirty="0"/>
-              <a:t>Използвайте </a:t>
-            </a:r>
-            <a:r>
-              <a:rPr lang="bg-BG" b="1" dirty="0">
+              <a:t>Тези методи използват</a:t>
+            </a:r>
+            <a:r>
+              <a:rPr lang="en-US" dirty="0"/>
+              <a:t> </a:t>
+            </a:r>
+            <a:br>
+              <a:rPr lang="bg-BG" dirty="0"/>
+            </a:br>
+            <a:r>
+              <a:rPr lang="en-US" b="1" dirty="0">
                 <a:solidFill>
                   <a:schemeClr val="bg1"/>
                 </a:solidFill>
-              </a:rPr>
-              <a:t>вградените методи за сортиране </a:t>
+                <a:latin typeface="Consolas" panose="020B0609020204030204" pitchFamily="49" charset="0"/>
+                <a:cs typeface="Consolas" panose="020B0609020204030204" pitchFamily="49" charset="0"/>
+              </a:rPr>
+              <a:t>InsertionSort</a:t>
+            </a:r>
+            <a:r>
+              <a:rPr lang="en-US" b="1" dirty="0">
+                <a:solidFill>
+                  <a:schemeClr val="bg1"/>
+                </a:solidFill>
+              </a:rPr>
+              <a:t> </a:t>
             </a:r>
             <a:r>
               <a:rPr lang="bg-BG" dirty="0"/>
-              <a:t>от</a:t>
+              <a:t>за </a:t>
+            </a:r>
+            <a:r>
+              <a:rPr lang="bg-BG" b="1" dirty="0"/>
+              <a:t>малки</a:t>
+            </a:r>
+            <a:r>
+              <a:rPr lang="bg-BG" dirty="0"/>
+              <a:t> масиви и</a:t>
             </a:r>
             <a:r>
               <a:rPr lang="en-US" dirty="0"/>
-              <a:t> C# / .NET</a:t>
-            </a:r>
-          </a:p>
-          <a:p>
-            <a:pPr lvl="1">
-              <a:buClr>
-                <a:schemeClr val="tx1"/>
-              </a:buClr>
-            </a:pPr>
-            <a:r>
-              <a:rPr lang="en-US" b="1" noProof="1">
+              <a:t> </a:t>
+            </a:r>
+            <a:br>
+              <a:rPr lang="en-US" dirty="0"/>
+            </a:br>
+            <a:r>
+              <a:rPr lang="en-US" b="1" dirty="0">
                 <a:solidFill>
                   <a:schemeClr val="bg1"/>
                 </a:solidFill>
                 <a:latin typeface="Consolas" panose="020B0609020204030204" pitchFamily="49" charset="0"/>
-              </a:rPr>
-              <a:t>Array.Sort()</a:t>
-            </a:r>
-          </a:p>
-          <a:p>
-            <a:pPr lvl="1">
-              <a:buClr>
-                <a:schemeClr val="tx1"/>
-              </a:buClr>
-            </a:pPr>
-            <a:r>
-              <a:rPr lang="en-US" b="1" noProof="1">
-                <a:solidFill>
-                  <a:schemeClr val="bg1"/>
-                </a:solidFill>
-                <a:latin typeface="Consolas" panose="020B0609020204030204" pitchFamily="49" charset="0"/>
-              </a:rPr>
-              <a:t>List&lt;T&gt;.Sort()</a:t>
-            </a:r>
-          </a:p>
-          <a:p>
-            <a:pPr lvl="1">
-              <a:buClr>
-                <a:schemeClr val="tx1"/>
-              </a:buClr>
-            </a:pPr>
+                <a:cs typeface="Consolas" panose="020B0609020204030204" pitchFamily="49" charset="0"/>
+              </a:rPr>
+              <a:t>QuickSort</a:t>
+            </a:r>
+            <a:r>
+              <a:rPr lang="en-US" dirty="0"/>
+              <a:t> </a:t>
+            </a:r>
             <a:r>
               <a:rPr lang="bg-BG" dirty="0"/>
-              <a:t>Други вградени методи</a:t>
+              <a:t>за </a:t>
+            </a:r>
+            <a:r>
+              <a:rPr lang="bg-BG" b="1" dirty="0"/>
+              <a:t>големи</a:t>
+            </a:r>
+            <a:r>
+              <a:rPr lang="bg-BG" dirty="0"/>
+              <a:t> масиви</a:t>
             </a:r>
             <a:endParaRPr lang="en-US" dirty="0"/>
           </a:p>
@@ -16301,7 +16373,7 @@
         </p:blipFill>
         <p:spPr>
           <a:xfrm>
-            <a:off x="8954568" y="2723531"/>
+            <a:off x="8706000" y="1213880"/>
             <a:ext cx="3047030" cy="2505469"/>
           </a:xfrm>
           <a:prstGeom prst="rect">
@@ -16412,7 +16484,7 @@
                                         <p:tgtEl>
                                           <p:spTgt spid="3">
                                             <p:txEl>
-                                              <p:pRg st="1" end="1"/>
+                                              <p:pRg st="0" end="0"/>
                                             </p:txEl>
                                           </p:spTgt>
                                         </p:tgtEl>
@@ -16443,7 +16515,7 @@
                                         <p:tgtEl>
                                           <p:spTgt spid="3">
                                             <p:txEl>
-                                              <p:pRg st="2" end="2"/>
+                                              <p:pRg st="1" end="1"/>
                                             </p:txEl>
                                           </p:spTgt>
                                         </p:tgtEl>
@@ -16492,7 +16564,7 @@
                                         <p:tgtEl>
                                           <p:spTgt spid="3">
                                             <p:txEl>
-                                              <p:pRg st="3" end="3"/>
+                                              <p:pRg st="2" end="2"/>
                                             </p:txEl>
                                           </p:spTgt>
                                         </p:tgtEl>
@@ -16541,7 +16613,7 @@
                                         <p:tgtEl>
                                           <p:spTgt spid="3">
                                             <p:txEl>
-                                              <p:pRg st="4" end="4"/>
+                                              <p:pRg st="3" end="3"/>
                                             </p:txEl>
                                           </p:spTgt>
                                         </p:tgtEl>
@@ -16590,7 +16662,7 @@
                                         <p:tgtEl>
                                           <p:spTgt spid="3">
                                             <p:txEl>
-                                              <p:pRg st="5" end="5"/>
+                                              <p:pRg st="4" end="4"/>
                                             </p:txEl>
                                           </p:spTgt>
                                         </p:tgtEl>
@@ -16648,7 +16720,7 @@
                                         <p:tgtEl>
                                           <p:spTgt spid="3">
                                             <p:txEl>
-                                              <p:pRg st="6" end="6"/>
+                                              <p:pRg st="5" end="5"/>
                                             </p:txEl>
                                           </p:spTgt>
                                         </p:tgtEl>
@@ -16697,7 +16769,7 @@
                                         <p:tgtEl>
                                           <p:spTgt spid="3">
                                             <p:txEl>
-                                              <p:pRg st="7" end="7"/>
+                                              <p:pRg st="6" end="6"/>
                                             </p:txEl>
                                           </p:spTgt>
                                         </p:tgtEl>
@@ -16882,11 +16954,7 @@
           <a:p>
             <a:r>
               <a:rPr lang="ru-RU" dirty="0"/>
-              <a:t>Линейно, двоично и интерполационно </a:t>
-            </a:r>
-            <a:r>
-              <a:rPr lang="ru-RU" dirty="0" err="1"/>
-              <a:t>търсене</a:t>
+              <a:t>Линейно, двоично и интерполационно търсене</a:t>
             </a:r>
             <a:endParaRPr lang="bg-BG" dirty="0"/>
           </a:p>
@@ -17780,15 +17848,7 @@
             </a:r>
             <a:r>
               <a:rPr lang="bg-BG" sz="3200" dirty="0"/>
-              <a:t>от елементите</a:t>
-            </a:r>
-            <a:endParaRPr lang="en-US" sz="3200" dirty="0"/>
-          </a:p>
-          <a:p>
-            <a:pPr lvl="1"/>
-            <a:r>
-              <a:rPr lang="ru-RU" sz="3200" dirty="0"/>
-              <a:t>Един по един, </a:t>
+              <a:t>от елементите </a:t>
             </a:r>
             <a:r>
               <a:rPr lang="ru-RU" sz="3200" b="1" dirty="0">
@@ -17804,22 +17864,39 @@
             </a:r>
             <a:r>
               <a:rPr lang="bg-BG" sz="3200" dirty="0"/>
-              <a:t>окато не е намерен желаният елемент</a:t>
+              <a:t>окато намери желания елемент</a:t>
             </a:r>
             <a:endParaRPr lang="en-US" sz="3200" dirty="0"/>
           </a:p>
           <a:p>
+            <a:pPr>
+              <a:buClr>
+                <a:schemeClr val="tx1"/>
+              </a:buClr>
+            </a:pPr>
+            <a:r>
+              <a:rPr lang="bg-BG" sz="3600" b="1" dirty="0">
+                <a:solidFill>
+                  <a:schemeClr val="bg1"/>
+                </a:solidFill>
+              </a:rPr>
+              <a:t>Най-лоша</a:t>
+            </a:r>
             <a:r>
               <a:rPr lang="bg-BG" sz="3600" dirty="0"/>
-              <a:t>Най-лоша, средноаретмична и най-добра</a:t>
-            </a:r>
-            <a:r>
-              <a:rPr lang="en-US" sz="3600" dirty="0"/>
-              <a:t> </a:t>
+              <a:t> и </a:t>
+            </a:r>
+            <a:r>
+              <a:rPr lang="bg-BG" sz="3600" b="1" dirty="0">
+                <a:solidFill>
+                  <a:schemeClr val="bg1"/>
+                </a:solidFill>
+              </a:rPr>
+              <a:t>средноаритметична</a:t>
             </a:r>
             <a:r>
               <a:rPr lang="bg-BG" sz="3600" dirty="0"/>
-              <a:t>производителност</a:t>
+              <a:t> производителност</a:t>
             </a:r>
             <a:r>
               <a:rPr lang="en-US" sz="3600" dirty="0"/>
@@ -17833,6 +17910,54 @@
                 <a:latin typeface="Consolas" panose="020B0609020204030204" pitchFamily="49" charset="0"/>
               </a:rPr>
               <a:t>O(n)</a:t>
+            </a:r>
+            <a:endParaRPr lang="bg-BG" sz="3600" b="1" dirty="0">
+              <a:solidFill>
+                <a:schemeClr val="bg1"/>
+              </a:solidFill>
+              <a:latin typeface="Consolas" panose="020B0609020204030204" pitchFamily="49" charset="0"/>
+            </a:endParaRPr>
+          </a:p>
+          <a:p>
+            <a:pPr>
+              <a:buClr>
+                <a:schemeClr val="tx1"/>
+              </a:buClr>
+            </a:pPr>
+            <a:r>
+              <a:rPr lang="bg-BG" sz="3600" b="1" dirty="0">
+                <a:solidFill>
+                  <a:schemeClr val="bg1"/>
+                </a:solidFill>
+                <a:latin typeface="Calibri" panose="020F0502020204030204" pitchFamily="34" charset="0"/>
+                <a:cs typeface="Calibri" panose="020F0502020204030204" pitchFamily="34" charset="0"/>
+              </a:rPr>
+              <a:t>Най-добра </a:t>
+            </a:r>
+            <a:r>
+              <a:rPr lang="bg-BG" sz="3600" dirty="0">
+                <a:latin typeface="Calibri" panose="020F0502020204030204" pitchFamily="34" charset="0"/>
+                <a:cs typeface="Calibri" panose="020F0502020204030204" pitchFamily="34" charset="0"/>
+              </a:rPr>
+              <a:t>производителност: </a:t>
+            </a:r>
+            <a:r>
+              <a:rPr lang="bg-BG" sz="3600" b="1" dirty="0">
+                <a:solidFill>
+                  <a:schemeClr val="bg1"/>
+                </a:solidFill>
+                <a:latin typeface="Consolas" panose="020B0609020204030204" pitchFamily="49" charset="0"/>
+              </a:rPr>
+              <a:t>О(</a:t>
+            </a:r>
+            <a:r>
+              <a:rPr lang="en-US" sz="3600" b="1" dirty="0">
+                <a:solidFill>
+                  <a:schemeClr val="bg1"/>
+                </a:solidFill>
+                <a:latin typeface="Consolas" panose="020B0609020204030204" pitchFamily="49" charset="0"/>
+              </a:rPr>
+              <a:t>1)</a:t>
             </a:r>
           </a:p>
           <a:p>
@@ -18078,7 +18203,7 @@
                                         <p:tgtEl>
                                           <p:spTgt spid="2">
                                             <p:txEl>
-                                              <p:pRg st="2" end="2"/>
+                                              <p:pRg st="1" end="1"/>
                                             </p:txEl>
                                           </p:spTgt>
                                         </p:tgtEl>
@@ -18127,7 +18252,7 @@
                                         <p:tgtEl>
                                           <p:spTgt spid="2">
                                             <p:txEl>
-                                              <p:pRg st="3" end="3"/>
+                                              <p:pRg st="2" end="2"/>
                                             </p:txEl>
                                           </p:spTgt>
                                         </p:tgtEl>
@@ -18169,6 +18294,55 @@
                                     <p:set>
                                       <p:cBhvr>
                                         <p:cTn id="14" dur="1" fill="hold">
+                                          <p:stCondLst>
+                                            <p:cond delay="0"/>
+                                          </p:stCondLst>
+                                        </p:cTn>
+                                        <p:tgtEl>
+                                          <p:spTgt spid="2">
+                                            <p:txEl>
+                                              <p:pRg st="3" end="3"/>
+                                            </p:txEl>
+                                          </p:spTgt>
+                                        </p:tgtEl>
+                                        <p:attrNameLst>
+                                          <p:attrName>style.visibility</p:attrName>
+                                        </p:attrNameLst>
+                                      </p:cBhvr>
+                                      <p:to>
+                                        <p:strVal val="visible"/>
+                                      </p:to>
+                                    </p:set>
+                                  </p:childTnLst>
+                                </p:cTn>
+                              </p:par>
+                            </p:childTnLst>
+                          </p:cTn>
+                        </p:par>
+                      </p:childTnLst>
+                    </p:cTn>
+                  </p:par>
+                  <p:par>
+                    <p:cTn id="15" fill="hold">
+                      <p:stCondLst>
+                        <p:cond delay="indefinite"/>
+                      </p:stCondLst>
+                      <p:childTnLst>
+                        <p:par>
+                          <p:cTn id="16" fill="hold">
+                            <p:stCondLst>
+                              <p:cond delay="0"/>
+                            </p:stCondLst>
+                            <p:childTnLst>
+                              <p:par>
+                                <p:cTn id="17" presetID="1" presetClass="entr" presetSubtype="0" fill="hold" nodeType="clickEffect">
+                                  <p:stCondLst>
+                                    <p:cond delay="0"/>
+                                  </p:stCondLst>
+                                  <p:childTnLst>
+                                    <p:set>
+                                      <p:cBhvr>
+                                        <p:cTn id="18" dur="1" fill="hold">
                                           <p:stCondLst>
                                             <p:cond delay="0"/>
                                           </p:stCondLst>
@@ -18251,8 +18425,8 @@
         </p:nvSpPr>
         <p:spPr>
           <a:xfrm>
-            <a:off x="2137031" y="1075377"/>
-            <a:ext cx="9133969" cy="4769053"/>
+            <a:off x="1956000" y="901186"/>
+            <a:ext cx="10191000" cy="5410126"/>
           </a:xfrm>
         </p:spPr>
         <p:txBody>
@@ -18267,7 +18441,7 @@
               </a:buClr>
             </a:pPr>
             <a:r>
-              <a:rPr lang="bg-BG" sz="3199" b="1" dirty="0">
+              <a:rPr lang="bg-BG" sz="3200" b="1" dirty="0">
                 <a:solidFill>
                   <a:schemeClr val="bg1"/>
                 </a:solidFill>
@@ -18275,14 +18449,26 @@
               <a:t>Двоичното търсене </a:t>
             </a:r>
             <a:r>
-              <a:rPr lang="bg-BG" sz="3199" dirty="0"/>
+              <a:rPr lang="bg-BG" sz="3200" dirty="0"/>
               <a:t>намира елемент </a:t>
             </a:r>
             <a:r>
-              <a:rPr lang="ru-RU" sz="3199" dirty="0"/>
-              <a:t>в рамките на подредена структура от данни</a:t>
-            </a:r>
-            <a:endParaRPr lang="en-US" sz="3199" dirty="0"/>
+              <a:rPr lang="ru-RU" sz="3200" dirty="0"/>
+              <a:t>в рамките на </a:t>
+            </a:r>
+            <a:r>
+              <a:rPr lang="ru-RU" sz="3200" b="1" dirty="0">
+                <a:solidFill>
+                  <a:schemeClr val="bg1"/>
+                </a:solidFill>
+              </a:rPr>
+              <a:t>подредена</a:t>
+            </a:r>
+            <a:r>
+              <a:rPr lang="ru-RU" sz="3200" dirty="0"/>
+              <a:t> структура от данни</a:t>
+            </a:r>
+            <a:endParaRPr lang="en-US" sz="3200" dirty="0"/>
           </a:p>
           <a:p>
             <a:pPr>
@@ -18291,11 +18477,11 @@
               </a:buClr>
             </a:pPr>
             <a:r>
-              <a:rPr lang="bg-BG" sz="3199" dirty="0"/>
+              <a:rPr lang="bg-BG" sz="3200" dirty="0"/>
               <a:t>При всяка стъпка </a:t>
             </a:r>
             <a:r>
-              <a:rPr lang="bg-BG" sz="3199" b="1" dirty="0">
+              <a:rPr lang="bg-BG" sz="3200" b="1" dirty="0">
                 <a:solidFill>
                   <a:schemeClr val="bg1"/>
                 </a:solidFill>
@@ -18303,18 +18489,18 @@
               <a:t>сравнява входа </a:t>
             </a:r>
             <a:r>
-              <a:rPr lang="bg-BG" sz="3199" dirty="0"/>
+              <a:rPr lang="bg-BG" sz="3200" dirty="0"/>
               <a:t>със </a:t>
             </a:r>
             <a:r>
-              <a:rPr lang="bg-BG" sz="3199" b="1" dirty="0">
+              <a:rPr lang="bg-BG" sz="3200" b="1" dirty="0">
                 <a:solidFill>
                   <a:schemeClr val="bg1"/>
                 </a:solidFill>
               </a:rPr>
               <a:t>средния елемент</a:t>
             </a:r>
-            <a:endParaRPr lang="en-US" sz="3199" b="1" dirty="0">
+            <a:endParaRPr lang="en-US" sz="3200" b="1" dirty="0">
               <a:solidFill>
                 <a:schemeClr val="bg1"/>
               </a:solidFill>
@@ -18327,36 +18513,150 @@
               </a:buClr>
             </a:pPr>
             <a:r>
-              <a:rPr lang="bg-BG" sz="2999" dirty="0"/>
-              <a:t>Алгоритъмът се повтаря към лявата или дясната подструктура</a:t>
-            </a:r>
-            <a:endParaRPr lang="en-US" sz="2999" dirty="0"/>
-          </a:p>
-          <a:p>
-            <a:r>
-              <a:rPr lang="bg-BG" sz="3199" dirty="0"/>
-              <a:t>Средноаритметична производителност</a:t>
-            </a:r>
-            <a:r>
-              <a:rPr lang="en-US" sz="3199" dirty="0"/>
+              <a:rPr lang="bg-BG" sz="3000" dirty="0"/>
+              <a:t>Алгоритъмът се </a:t>
+            </a:r>
+            <a:r>
+              <a:rPr lang="bg-BG" sz="3000" b="1" dirty="0">
+                <a:solidFill>
+                  <a:schemeClr val="bg1"/>
+                </a:solidFill>
+              </a:rPr>
+              <a:t>повтаря само </a:t>
+            </a:r>
+            <a:r>
+              <a:rPr lang="bg-BG" sz="3000" dirty="0"/>
+              <a:t>върху </a:t>
+            </a:r>
+            <a:r>
+              <a:rPr lang="bg-BG" sz="3000" b="1" dirty="0">
+                <a:solidFill>
+                  <a:schemeClr val="bg1"/>
+                </a:solidFill>
+              </a:rPr>
+              <a:t>лявата</a:t>
+            </a:r>
+            <a:r>
+              <a:rPr lang="bg-BG" sz="3000" b="1" dirty="0"/>
+              <a:t> </a:t>
+            </a:r>
+            <a:r>
+              <a:rPr lang="bg-BG" sz="3000" dirty="0"/>
+              <a:t>или </a:t>
+            </a:r>
+            <a:br>
+              <a:rPr lang="bg-BG" sz="3000" dirty="0"/>
+            </a:br>
+            <a:r>
+              <a:rPr lang="bg-BG" sz="3000" b="1" dirty="0">
+                <a:solidFill>
+                  <a:schemeClr val="bg1"/>
+                </a:solidFill>
+              </a:rPr>
+              <a:t>дясната </a:t>
+            </a:r>
+            <a:r>
+              <a:rPr lang="bg-BG" sz="3000" dirty="0"/>
+              <a:t>подструктура</a:t>
+            </a:r>
+            <a:endParaRPr lang="en-US" sz="3000" dirty="0"/>
+          </a:p>
+          <a:p>
+            <a:pPr>
+              <a:buClr>
+                <a:schemeClr val="tx1"/>
+              </a:buClr>
+            </a:pPr>
+            <a:r>
+              <a:rPr lang="bg-BG" sz="3200" b="1" dirty="0">
+                <a:solidFill>
+                  <a:schemeClr val="bg1"/>
+                </a:solidFill>
+              </a:rPr>
+              <a:t>Най-лоша</a:t>
+            </a:r>
+            <a:r>
+              <a:rPr lang="bg-BG" sz="3200" dirty="0"/>
+              <a:t> и </a:t>
+            </a:r>
+            <a:r>
+              <a:rPr lang="bg-BG" sz="3200" b="1" dirty="0">
+                <a:solidFill>
+                  <a:schemeClr val="bg1"/>
+                </a:solidFill>
+              </a:rPr>
+              <a:t>средноаритметична </a:t>
+            </a:r>
+            <a:r>
+              <a:rPr lang="bg-BG" sz="3200" dirty="0"/>
+              <a:t>производителност</a:t>
+            </a:r>
+            <a:r>
+              <a:rPr lang="en-US" sz="3200" dirty="0"/>
               <a:t>: </a:t>
             </a:r>
             <a:r>
-              <a:rPr lang="en-US" sz="3199" b="1" dirty="0">
+              <a:rPr lang="en-US" sz="3200" b="1" dirty="0">
                 <a:solidFill>
                   <a:schemeClr val="bg1"/>
                 </a:solidFill>
+                <a:latin typeface="Consolas" panose="020B0609020204030204" pitchFamily="49" charset="0"/>
+                <a:cs typeface="Consolas" panose="020B0609020204030204" pitchFamily="49" charset="0"/>
               </a:rPr>
               <a:t>O(log(n))</a:t>
             </a:r>
-          </a:p>
-          <a:p>
-            <a:r>
-              <a:rPr lang="bg-BG" dirty="0"/>
+            <a:endParaRPr lang="bg-BG" sz="3200" b="1" dirty="0">
+              <a:solidFill>
+                <a:schemeClr val="bg1"/>
+              </a:solidFill>
+              <a:latin typeface="Consolas" panose="020B0609020204030204" pitchFamily="49" charset="0"/>
+              <a:cs typeface="Consolas" panose="020B0609020204030204" pitchFamily="49" charset="0"/>
+            </a:endParaRPr>
+          </a:p>
+          <a:p>
+            <a:pPr>
+              <a:buClr>
+                <a:schemeClr val="tx1"/>
+              </a:buClr>
+            </a:pPr>
+            <a:r>
+              <a:rPr lang="bg-BG" sz="3200" b="1" dirty="0">
+                <a:solidFill>
+                  <a:schemeClr val="bg1"/>
+                </a:solidFill>
+              </a:rPr>
+              <a:t>Най-добра</a:t>
+            </a:r>
+            <a:r>
+              <a:rPr lang="bg-BG" sz="3200" dirty="0"/>
+              <a:t> производителност:</a:t>
+            </a:r>
+            <a:r>
+              <a:rPr lang="bg-BG" sz="3200" b="1" dirty="0">
+                <a:solidFill>
+                  <a:schemeClr val="bg1"/>
+                </a:solidFill>
+              </a:rPr>
+              <a:t> </a:t>
+            </a:r>
+            <a:r>
+              <a:rPr lang="en-US" sz="3200" b="1" dirty="0">
+                <a:solidFill>
+                  <a:schemeClr val="bg1"/>
+                </a:solidFill>
+                <a:latin typeface="Consolas" panose="020B0609020204030204" pitchFamily="49" charset="0"/>
+                <a:cs typeface="Consolas" panose="020B0609020204030204" pitchFamily="49" charset="0"/>
+              </a:rPr>
+              <a:t>O(1)</a:t>
+            </a:r>
+          </a:p>
+          <a:p>
+            <a:r>
+              <a:rPr lang="bg-BG" sz="3200" dirty="0"/>
               <a:t>Можете да видите </a:t>
             </a:r>
             <a:r>
-              <a:rPr lang="bg-BG" b="1" dirty="0">
+              <a:rPr lang="bg-BG" sz="3200" b="1" dirty="0">
                 <a:solidFill>
                   <a:schemeClr val="bg1"/>
                 </a:solidFill>
@@ -18370,7 +18670,7 @@
               </a:rPr>
               <a:t>визуализацията</a:t>
             </a:r>
-            <a:endParaRPr lang="en-US" dirty="0">
+            <a:endParaRPr lang="en-US" sz="3200" dirty="0">
               <a:solidFill>
                 <a:schemeClr val="bg1"/>
               </a:solidFill>
@@ -18424,7 +18724,7 @@
         </p:blipFill>
         <p:spPr bwMode="auto">
           <a:xfrm>
-            <a:off x="9336000" y="5214566"/>
+            <a:off x="9336000" y="4869000"/>
             <a:ext cx="2269450" cy="1575000"/>
           </a:xfrm>
           <a:prstGeom prst="rect">
@@ -18648,15 +18948,33 @@
                                   </p:childTnLst>
                                 </p:cTn>
                               </p:par>
+                            </p:childTnLst>
+                          </p:cTn>
+                        </p:par>
+                      </p:childTnLst>
+                    </p:cTn>
+                  </p:par>
+                  <p:par>
+                    <p:cTn id="7" fill="hold">
+                      <p:stCondLst>
+                        <p:cond delay="indefinite"/>
+                      </p:stCondLst>
+                      <p:childTnLst>
+                        <p:par>
+                          <p:cTn id="8" fill="hold">
+                            <p:stCondLst>
+                              <p:cond delay="0"/>
+                            </p:stCondLst>
+                            <p:childTnLst>
                               <p:par>
-                                <p:cTn id="7" presetID="1" presetClass="entr" presetSubtype="0" fill="hold" nodeType="withEffect">
+                                <p:cTn id="9" presetID="1" presetClass="entr" presetSubtype="0" fill="hold" nodeType="clickEffect">
                                   <p:stCondLst>
                                     <p:cond delay="0"/>
                                   </p:stCondLst>
                                   <p:childTnLst>
                                     <p:set>
                                       <p:cBhvr>
-                                        <p:cTn id="8" dur="1" fill="hold">
+                                        <p:cTn id="10" dur="1" fill="hold">
                                           <p:stCondLst>
                                             <p:cond delay="0"/>
                                           </p:stCondLst>
@@ -18686,26 +19004,26 @@
                     </p:cTn>
                   </p:par>
                   <p:par>
-                    <p:cTn id="9" fill="hold">
+                    <p:cTn id="11" fill="hold">
                       <p:stCondLst>
                         <p:cond delay="indefinite"/>
                       </p:stCondLst>
                       <p:childTnLst>
                         <p:par>
-                          <p:cTn id="10" fill="hold">
+                          <p:cTn id="12" fill="hold">
                             <p:stCondLst>
                               <p:cond delay="0"/>
                             </p:stCondLst>
                             <p:childTnLst>
                               <p:par>
-                                <p:cTn id="11" presetID="1" presetClass="entr" presetSubtype="0" fill="hold" nodeType="clickEffect">
+                                <p:cTn id="13" presetID="1" presetClass="entr" presetSubtype="0" fill="hold" nodeType="clickEffect">
                                   <p:stCondLst>
                                     <p:cond delay="0"/>
                                   </p:stCondLst>
                                   <p:childTnLst>
                                     <p:set>
                                       <p:cBhvr>
-                                        <p:cTn id="12" dur="1" fill="hold">
+                                        <p:cTn id="14" dur="1" fill="hold">
                                           <p:stCondLst>
                                             <p:cond delay="0"/>
                                           </p:stCondLst>
@@ -18735,26 +19053,26 @@
                     </p:cTn>
                   </p:par>
                   <p:par>
-                    <p:cTn id="13" fill="hold">
+                    <p:cTn id="15" fill="hold">
                       <p:stCondLst>
                         <p:cond delay="indefinite"/>
                       </p:stCondLst>
                       <p:childTnLst>
                         <p:par>
-                          <p:cTn id="14" fill="hold">
+                          <p:cTn id="16" fill="hold">
                             <p:stCondLst>
                               <p:cond delay="0"/>
                             </p:stCondLst>
                             <p:childTnLst>
                               <p:par>
-                                <p:cTn id="15" presetID="1" presetClass="entr" presetSubtype="0" fill="hold" nodeType="clickEffect">
+                                <p:cTn id="17" presetID="1" presetClass="entr" presetSubtype="0" fill="hold" nodeType="clickEffect">
                                   <p:stCondLst>
                                     <p:cond delay="0"/>
                                   </p:stCondLst>
                                   <p:childTnLst>
                                     <p:set>
                                       <p:cBhvr>
-                                        <p:cTn id="16" dur="1" fill="hold">
+                                        <p:cTn id="18" dur="1" fill="hold">
                                           <p:stCondLst>
                                             <p:cond delay="0"/>
                                           </p:stCondLst>
@@ -18763,6 +19081,55 @@
                                           <p:spTgt spid="2">
                                             <p:txEl>
                                               <p:pRg st="4" end="4"/>
+                                            </p:txEl>
+                                          </p:spTgt>
+                                        </p:tgtEl>
+                                        <p:attrNameLst>
+                                          <p:attrName>style.visibility</p:attrName>
+                                        </p:attrNameLst>
+                                      </p:cBhvr>
+                                      <p:to>
+                                        <p:strVal val="visible"/>
+                                      </p:to>
+                                    </p:set>
+                                  </p:childTnLst>
+                                </p:cTn>
+                              </p:par>
+                            </p:childTnLst>
+                          </p:cTn>
+                        </p:par>
+                      </p:childTnLst>
+                    </p:cTn>
+                  </p:par>
+                  <p:par>
+                    <p:cTn id="19" fill="hold">
+                      <p:stCondLst>
+                        <p:cond delay="indefinite"/>
+                      </p:stCondLst>
+                      <p:childTnLst>
+                        <p:par>
+                          <p:cTn id="20" fill="hold">
+                            <p:stCondLst>
+                              <p:cond delay="0"/>
+                            </p:stCondLst>
+                            <p:childTnLst>
+                              <p:par>
+                                <p:cTn id="21" presetID="1" presetClass="entr" presetSubtype="0" fill="hold" nodeType="clickEffect">
+                                  <p:stCondLst>
+                                    <p:cond delay="0"/>
+                                  </p:stCondLst>
+                                  <p:childTnLst>
+                                    <p:set>
+                                      <p:cBhvr>
+                                        <p:cTn id="22" dur="1" fill="hold">
+                                          <p:stCondLst>
+                                            <p:cond delay="0"/>
+                                          </p:stCondLst>
+                                        </p:cTn>
+                                        <p:tgtEl>
+                                          <p:spTgt spid="2">
+                                            <p:txEl>
+                                              <p:pRg st="5" end="5"/>
                                             </p:txEl>
                                           </p:spTgt>
                                         </p:tgtEl>
@@ -19811,7 +20178,7 @@
         </p:spPr>
         <p:txBody>
           <a:bodyPr>
-            <a:normAutofit fontScale="92500" lnSpcReduction="10000"/>
+            <a:normAutofit fontScale="92500" lnSpcReduction="20000"/>
           </a:bodyPr>
           <a:lstStyle/>
           <a:p>
@@ -19942,15 +20309,37 @@
               <a:lnSpc>
                 <a:spcPct val="110000"/>
               </a:lnSpc>
+              <a:buClr>
+                <a:schemeClr val="tx1"/>
+              </a:buClr>
             </a:pPr>
             <a:r>
+              <a:rPr lang="bg-BG" sz="3600" b="1" dirty="0">
+                <a:solidFill>
+                  <a:schemeClr val="bg1"/>
+                </a:solidFill>
+              </a:rPr>
+              <a:t>Най-добър</a:t>
+            </a:r>
+            <a:r>
               <a:rPr lang="bg-BG" sz="3600" dirty="0"/>
-              <a:t>Средноаритметичен</a:t>
+              <a:t> и </a:t>
+            </a:r>
+            <a:r>
+              <a:rPr lang="bg-BG" sz="3600" b="1" dirty="0">
+                <a:solidFill>
+                  <a:schemeClr val="bg1"/>
+                </a:solidFill>
+              </a:rPr>
+              <a:t>средноаритметичен</a:t>
             </a:r>
             <a:r>
               <a:rPr lang="en-US" sz="3399" dirty="0"/>
               <a:t> </a:t>
             </a:r>
+            <a:br>
+              <a:rPr lang="bg-BG" sz="3399" dirty="0"/>
+            </a:br>
             <a:r>
               <a:rPr lang="bg-BG" sz="3399" dirty="0"/>
               <a:t>случай</a:t>
@@ -19964,20 +20353,36 @@
                 <a:solidFill>
                   <a:schemeClr val="bg1"/>
                 </a:solidFill>
+                <a:latin typeface="Consolas" panose="020B0609020204030204" pitchFamily="49" charset="0"/>
+                <a:cs typeface="Consolas" panose="020B0609020204030204" pitchFamily="49" charset="0"/>
               </a:rPr>
               <a:t>log(log(n))</a:t>
             </a:r>
-            <a:endParaRPr lang="en-US" sz="3399" dirty="0"/>
+            <a:endParaRPr lang="en-US" sz="3399" dirty="0">
+              <a:latin typeface="Consolas" panose="020B0609020204030204" pitchFamily="49" charset="0"/>
+              <a:cs typeface="Consolas" panose="020B0609020204030204" pitchFamily="49" charset="0"/>
+            </a:endParaRPr>
           </a:p>
           <a:p>
             <a:pPr>
               <a:lnSpc>
                 <a:spcPct val="110000"/>
               </a:lnSpc>
+              <a:buClr>
+                <a:schemeClr val="tx1"/>
+              </a:buClr>
             </a:pPr>
             <a:r>
+              <a:rPr lang="bg-BG" sz="3399" b="1" dirty="0">
+                <a:solidFill>
+                  <a:schemeClr val="bg1"/>
+                </a:solidFill>
+              </a:rPr>
+              <a:t>Най-лош</a:t>
+            </a:r>
+            <a:r>
               <a:rPr lang="bg-BG" sz="3399" dirty="0"/>
-              <a:t>Най-лош случай</a:t>
+              <a:t> случай</a:t>
             </a:r>
             <a:r>
               <a:rPr lang="en-US" sz="3399" dirty="0"/>
@@ -19988,6 +20393,8 @@
                 <a:solidFill>
                   <a:schemeClr val="bg1"/>
                 </a:solidFill>
+                <a:latin typeface="Consolas" panose="020B0609020204030204" pitchFamily="49" charset="0"/>
+                <a:cs typeface="Consolas" panose="020B0609020204030204" pitchFamily="49" charset="0"/>
               </a:rPr>
               <a:t>O(n)</a:t>
             </a:r>
@@ -20294,7 +20701,7 @@
                                         <p:tgtEl>
                                           <p:spTgt spid="3">
                                             <p:txEl>
-                                              <p:pRg st="2" end="2"/>
+                                              <p:pRg st="1" end="1"/>
                                             </p:txEl>
                                           </p:spTgt>
                                         </p:tgtEl>
@@ -20343,7 +20750,7 @@
                                         <p:tgtEl>
                                           <p:spTgt spid="3">
                                             <p:txEl>
-                                              <p:pRg st="3" end="3"/>
+                                              <p:pRg st="2" end="2"/>
                                             </p:txEl>
                                           </p:spTgt>
                                         </p:tgtEl>
@@ -20392,7 +20799,7 @@
                                         <p:tgtEl>
                                           <p:spTgt spid="3">
                                             <p:txEl>
-                                              <p:pRg st="4" end="4"/>
+                                              <p:pRg st="3" end="3"/>
                                             </p:txEl>
                                           </p:spTgt>
                                         </p:tgtEl>
@@ -20441,7 +20848,7 @@
                                         <p:tgtEl>
                                           <p:spTgt spid="3">
                                             <p:txEl>
-                                              <p:pRg st="5" end="5"/>
+                                              <p:pRg st="4" end="4"/>
                                             </p:txEl>
                                           </p:spTgt>
                                         </p:tgtEl>
@@ -20483,6 +20890,55 @@
                                     <p:set>
                                       <p:cBhvr>
                                         <p:cTn id="22" dur="1" fill="hold">
+                                          <p:stCondLst>
+                                            <p:cond delay="0"/>
+                                          </p:stCondLst>
+                                        </p:cTn>
+                                        <p:tgtEl>
+                                          <p:spTgt spid="3">
+                                            <p:txEl>
+                                              <p:pRg st="5" end="5"/>
+                                            </p:txEl>
+                                          </p:spTgt>
+                                        </p:tgtEl>
+                                        <p:attrNameLst>
+                                          <p:attrName>style.visibility</p:attrName>
+                                        </p:attrNameLst>
+                                      </p:cBhvr>
+                                      <p:to>
+                                        <p:strVal val="visible"/>
+                                      </p:to>
+                                    </p:set>
+                                  </p:childTnLst>
+                                </p:cTn>
+                              </p:par>
+                            </p:childTnLst>
+                          </p:cTn>
+                        </p:par>
+                      </p:childTnLst>
+                    </p:cTn>
+                  </p:par>
+                  <p:par>
+                    <p:cTn id="23" fill="hold">
+                      <p:stCondLst>
+                        <p:cond delay="indefinite"/>
+                      </p:stCondLst>
+                      <p:childTnLst>
+                        <p:par>
+                          <p:cTn id="24" fill="hold">
+                            <p:stCondLst>
+                              <p:cond delay="0"/>
+                            </p:stCondLst>
+                            <p:childTnLst>
+                              <p:par>
+                                <p:cTn id="25" presetID="1" presetClass="entr" presetSubtype="0" fill="hold" nodeType="clickEffect">
+                                  <p:stCondLst>
+                                    <p:cond delay="0"/>
+                                  </p:stCondLst>
+                                  <p:childTnLst>
+                                    <p:set>
+                                      <p:cBhvr>
+                                        <p:cTn id="26" dur="1" fill="hold">
                                           <p:stCondLst>
                                             <p:cond delay="0"/>
                                           </p:stCondLst>
@@ -21819,10 +22275,14 @@
           <a:lstStyle/>
           <a:p>
             <a:r>
-              <a:rPr lang="en-US"/>
-              <a:t>Shuffling</a:t>
-            </a:r>
-            <a:endParaRPr lang="bg-BG"/>
+              <a:rPr lang="bg-BG" dirty="0"/>
+              <a:t>Разбъркването на </a:t>
+            </a:r>
+            <a:r>
+              <a:rPr lang="en-US" dirty="0"/>
+              <a:t>Fisher Yates</a:t>
+            </a:r>
+            <a:endParaRPr lang="bg-BG" dirty="0"/>
           </a:p>
         </p:txBody>
       </p:sp>
@@ -21848,14 +22308,10 @@
           <a:lstStyle/>
           <a:p>
             <a:r>
-              <a:rPr lang="bg-BG"/>
-              <a:t>Разбъркването на </a:t>
-            </a:r>
-            <a:r>
-              <a:rPr lang="en-US"/>
-              <a:t>Fisher Yates</a:t>
-            </a:r>
-            <a:endParaRPr lang="bg-BG"/>
+              <a:rPr lang="en-US" dirty="0"/>
+              <a:t>Shuffling</a:t>
+            </a:r>
+            <a:endParaRPr lang="bg-BG" dirty="0"/>
           </a:p>
         </p:txBody>
       </p:sp>
@@ -25718,7 +26174,7 @@
 </file>
 
 <file path=ppt/slides/slide35.xml><?xml version="1.0" encoding="utf-8"?>
-<p:sld xmlns:a="http://schemas.openxmlformats.org/drawingml/2006/main" xmlns:r="http://schemas.openxmlformats.org/officeDocument/2006/relationships" xmlns:p="http://schemas.openxmlformats.org/presentationml/2006/main">
+<p:sld xmlns:a="http://schemas.openxmlformats.org/drawingml/2006/main" xmlns:r="http://schemas.openxmlformats.org/officeDocument/2006/relationships" xmlns:p="http://schemas.openxmlformats.org/presentationml/2006/main" show="0">
   <p:cSld>
     <p:spTree>
       <p:nvGrpSpPr>
@@ -26089,11 +26545,11 @@
   <p:clrMapOvr>
     <a:masterClrMapping/>
   </p:clrMapOvr>
-  <mc:AlternateContent xmlns:mc="http://schemas.openxmlformats.org/markup-compatibility/2006" xmlns:p14="http://schemas.microsoft.com/office/powerpoint/2010/main">
-    <mc:Choice Requires="p14">
+  <mc:AlternateContent xmlns:mc="http://schemas.openxmlformats.org/markup-compatibility/2006">
+    <mc:Choice xmlns:p14="http://schemas.microsoft.com/office/powerpoint/2010/main" Requires="p14">
       <p:transition spd="slow" p14:dur="2000" advClick="0" advTm="5000"/>
     </mc:Choice>
-    <mc:Fallback xmlns="">
+    <mc:Fallback>
       <p:transition spd="slow" advClick="0" advTm="5000"/>
     </mc:Fallback>
   </mc:AlternateContent>
@@ -28324,7 +28780,7 @@
                                         <p:tgtEl>
                                           <p:spTgt spid="3">
                                             <p:txEl>
-                                              <p:pRg st="2" end="2"/>
+                                              <p:pRg st="1" end="1"/>
                                             </p:txEl>
                                           </p:spTgt>
                                         </p:tgtEl>
@@ -28373,7 +28829,7 @@
                                         <p:tgtEl>
                                           <p:spTgt spid="3">
                                             <p:txEl>
-                                              <p:pRg st="3" end="3"/>
+                                              <p:pRg st="2" end="2"/>
                                             </p:txEl>
                                           </p:spTgt>
                                         </p:tgtEl>
@@ -28422,7 +28878,7 @@
                                         <p:tgtEl>
                                           <p:spTgt spid="3">
                                             <p:txEl>
-                                              <p:pRg st="4" end="4"/>
+                                              <p:pRg st="3" end="3"/>
                                             </p:txEl>
                                           </p:spTgt>
                                         </p:tgtEl>
@@ -28437,35 +28893,26 @@
                                   </p:childTnLst>
                                 </p:cTn>
                               </p:par>
+                            </p:childTnLst>
+                          </p:cTn>
+                        </p:par>
+                      </p:childTnLst>
+                    </p:cTn>
+                  </p:par>
+                  <p:par>
+                    <p:cTn id="15" fill="hold">
+                      <p:stCondLst>
+                        <p:cond delay="indefinite"/>
+                      </p:stCondLst>
+                      <p:childTnLst>
+                        <p:par>
+                          <p:cTn id="16" fill="hold">
+                            <p:stCondLst>
+                              <p:cond delay="0"/>
+                            </p:stCondLst>
+                            <p:childTnLst>
                               <p:par>
-                                <p:cTn id="15" presetID="1" presetClass="entr" presetSubtype="0" fill="hold" nodeType="withEffect">
-                                  <p:stCondLst>
-                                    <p:cond delay="0"/>
-                                  </p:stCondLst>
-                                  <p:childTnLst>
-                                    <p:set>
-                                      <p:cBhvr>
-                                        <p:cTn id="16" dur="1" fill="hold">
-                                          <p:stCondLst>
-                                            <p:cond delay="0"/>
-                                          </p:stCondLst>
-                                        </p:cTn>
-                                        <p:tgtEl>
-                                          <p:spTgt spid="5"/>
-                                        </p:tgtEl>
-                                        <p:attrNameLst>
-                                          <p:attrName>style.visibility</p:attrName>
-                                        </p:attrNameLst>
-                                      </p:cBhvr>
-                                      <p:to>
-                                        <p:strVal val="visible"/>
-                                      </p:to>
-                                    </p:set>
-                                  </p:childTnLst>
-                                </p:cTn>
-                              </p:par>
-                              <p:par>
-                                <p:cTn id="17" presetID="1" presetClass="entr" presetSubtype="0" fill="hold" grpId="0" nodeType="withEffect">
+                                <p:cTn id="17" presetID="1" presetClass="entr" presetSubtype="0" fill="hold" nodeType="clickEffect">
                                   <p:stCondLst>
                                     <p:cond delay="0"/>
                                   </p:stCondLst>
@@ -28478,7 +28925,11 @@
                                           </p:stCondLst>
                                         </p:cTn>
                                         <p:tgtEl>
-                                          <p:spTgt spid="7"/>
+                                          <p:spTgt spid="3">
+                                            <p:txEl>
+                                              <p:pRg st="4" end="4"/>
+                                            </p:txEl>
+                                          </p:spTgt>
                                         </p:tgtEl>
                                         <p:attrNameLst>
                                           <p:attrName>style.visibility</p:attrName>
@@ -28505,7 +28956,7 @@
                                           </p:stCondLst>
                                         </p:cTn>
                                         <p:tgtEl>
-                                          <p:spTgt spid="11"/>
+                                          <p:spTgt spid="5"/>
                                         </p:tgtEl>
                                         <p:attrNameLst>
                                           <p:attrName>style.visibility</p:attrName>
@@ -28532,7 +28983,7 @@
                                           </p:stCondLst>
                                         </p:cTn>
                                         <p:tgtEl>
-                                          <p:spTgt spid="12"/>
+                                          <p:spTgt spid="7"/>
                                         </p:tgtEl>
                                         <p:attrNameLst>
                                           <p:attrName>style.visibility</p:attrName>
@@ -28559,7 +29010,7 @@
                                           </p:stCondLst>
                                         </p:cTn>
                                         <p:tgtEl>
-                                          <p:spTgt spid="2050"/>
+                                          <p:spTgt spid="11"/>
                                         </p:tgtEl>
                                         <p:attrNameLst>
                                           <p:attrName>style.visibility</p:attrName>
@@ -28573,7 +29024,7 @@
                                 </p:cTn>
                               </p:par>
                               <p:par>
-                                <p:cTn id="25" presetID="1" presetClass="entr" presetSubtype="0" fill="hold" nodeType="withEffect">
+                                <p:cTn id="25" presetID="1" presetClass="entr" presetSubtype="0" fill="hold" grpId="0" nodeType="withEffect">
                                   <p:stCondLst>
                                     <p:cond delay="0"/>
                                   </p:stCondLst>
@@ -28586,7 +29037,7 @@
                                           </p:stCondLst>
                                         </p:cTn>
                                         <p:tgtEl>
-                                          <p:spTgt spid="8"/>
+                                          <p:spTgt spid="12"/>
                                         </p:tgtEl>
                                         <p:attrNameLst>
                                           <p:attrName>style.visibility</p:attrName>
@@ -28600,7 +29051,7 @@
                                 </p:cTn>
                               </p:par>
                               <p:par>
-                                <p:cTn id="27" presetID="1" presetClass="entr" presetSubtype="0" fill="hold" grpId="0" nodeType="withEffect">
+                                <p:cTn id="27" presetID="1" presetClass="entr" presetSubtype="0" fill="hold" nodeType="withEffect">
                                   <p:stCondLst>
                                     <p:cond delay="0"/>
                                   </p:stCondLst>
@@ -28613,7 +29064,7 @@
                                           </p:stCondLst>
                                         </p:cTn>
                                         <p:tgtEl>
-                                          <p:spTgt spid="9"/>
+                                          <p:spTgt spid="2050"/>
                                         </p:tgtEl>
                                         <p:attrNameLst>
                                           <p:attrName>style.visibility</p:attrName>
@@ -28635,6 +29086,60 @@
                                     <p:set>
                                       <p:cBhvr>
                                         <p:cTn id="30" dur="1" fill="hold">
+                                          <p:stCondLst>
+                                            <p:cond delay="0"/>
+                                          </p:stCondLst>
+                                        </p:cTn>
+                                        <p:tgtEl>
+                                          <p:spTgt spid="8"/>
+                                        </p:tgtEl>
+                                        <p:attrNameLst>
+                                          <p:attrName>style.visibility</p:attrName>
+                                        </p:attrNameLst>
+                                      </p:cBhvr>
+                                      <p:to>
+                                        <p:strVal val="visible"/>
+                                      </p:to>
+                                    </p:set>
+                                  </p:childTnLst>
+                                </p:cTn>
+                              </p:par>
+                              <p:par>
+                                <p:cTn id="31" presetID="1" presetClass="entr" presetSubtype="0" fill="hold" grpId="0" nodeType="withEffect">
+                                  <p:stCondLst>
+                                    <p:cond delay="0"/>
+                                  </p:stCondLst>
+                                  <p:childTnLst>
+                                    <p:set>
+                                      <p:cBhvr>
+                                        <p:cTn id="32" dur="1" fill="hold">
+                                          <p:stCondLst>
+                                            <p:cond delay="0"/>
+                                          </p:stCondLst>
+                                        </p:cTn>
+                                        <p:tgtEl>
+                                          <p:spTgt spid="9"/>
+                                        </p:tgtEl>
+                                        <p:attrNameLst>
+                                          <p:attrName>style.visibility</p:attrName>
+                                        </p:attrNameLst>
+                                      </p:cBhvr>
+                                      <p:to>
+                                        <p:strVal val="visible"/>
+                                      </p:to>
+                                    </p:set>
+                                  </p:childTnLst>
+                                </p:cTn>
+                              </p:par>
+                              <p:par>
+                                <p:cTn id="33" presetID="1" presetClass="entr" presetSubtype="0" fill="hold" nodeType="withEffect">
+                                  <p:stCondLst>
+                                    <p:cond delay="0"/>
+                                  </p:stCondLst>
+                                  <p:childTnLst>
+                                    <p:set>
+                                      <p:cBhvr>
+                                        <p:cTn id="34" dur="1" fill="hold">
                                           <p:stCondLst>
                                             <p:cond delay="0"/>
                                           </p:stCondLst>
@@ -29051,7 +29556,7 @@
                                         <p:tgtEl>
                                           <p:spTgt spid="3">
                                             <p:txEl>
-                                              <p:pRg st="2" end="2"/>
+                                              <p:pRg st="1" end="1"/>
                                             </p:txEl>
                                           </p:spTgt>
                                         </p:tgtEl>
@@ -29100,7 +29605,7 @@
                                         <p:tgtEl>
                                           <p:spTgt spid="3">
                                             <p:txEl>
-                                              <p:pRg st="3" end="3"/>
+                                              <p:pRg st="2" end="2"/>
                                             </p:txEl>
                                           </p:spTgt>
                                         </p:tgtEl>
@@ -29149,7 +29654,7 @@
                                         <p:tgtEl>
                                           <p:spTgt spid="3">
                                             <p:txEl>
-                                              <p:pRg st="4" end="4"/>
+                                              <p:pRg st="3" end="3"/>
                                             </p:txEl>
                                           </p:spTgt>
                                         </p:tgtEl>
@@ -29191,6 +29696,55 @@
                                     <p:set>
                                       <p:cBhvr>
                                         <p:cTn id="18" dur="1" fill="hold">
+                                          <p:stCondLst>
+                                            <p:cond delay="0"/>
+                                          </p:stCondLst>
+                                        </p:cTn>
+                                        <p:tgtEl>
+                                          <p:spTgt spid="3">
+                                            <p:txEl>
+                                              <p:pRg st="4" end="4"/>
+                                            </p:txEl>
+                                          </p:spTgt>
+                                        </p:tgtEl>
+                                        <p:attrNameLst>
+                                          <p:attrName>style.visibility</p:attrName>
+                                        </p:attrNameLst>
+                                      </p:cBhvr>
+                                      <p:to>
+                                        <p:strVal val="visible"/>
+                                      </p:to>
+                                    </p:set>
+                                  </p:childTnLst>
+                                </p:cTn>
+                              </p:par>
+                            </p:childTnLst>
+                          </p:cTn>
+                        </p:par>
+                      </p:childTnLst>
+                    </p:cTn>
+                  </p:par>
+                  <p:par>
+                    <p:cTn id="19" fill="hold">
+                      <p:stCondLst>
+                        <p:cond delay="indefinite"/>
+                      </p:stCondLst>
+                      <p:childTnLst>
+                        <p:par>
+                          <p:cTn id="20" fill="hold">
+                            <p:stCondLst>
+                              <p:cond delay="0"/>
+                            </p:stCondLst>
+                            <p:childTnLst>
+                              <p:par>
+                                <p:cTn id="21" presetID="1" presetClass="entr" presetSubtype="0" fill="hold" nodeType="clickEffect">
+                                  <p:stCondLst>
+                                    <p:cond delay="0"/>
+                                  </p:stCondLst>
+                                  <p:childTnLst>
+                                    <p:set>
+                                      <p:cBhvr>
+                                        <p:cTn id="22" dur="1" fill="hold">
                                           <p:stCondLst>
                                             <p:cond delay="0"/>
                                           </p:stCondLst>
@@ -29304,7 +29858,7 @@
         </p:spPr>
         <p:txBody>
           <a:bodyPr>
-            <a:normAutofit/>
+            <a:normAutofit lnSpcReduction="10000"/>
           </a:bodyPr>
           <a:lstStyle/>
           <a:p>
@@ -29317,6 +29871,57 @@
               </a:buClr>
             </a:pPr>
             <a:r>
+              <a:rPr lang="bg-BG" dirty="0"/>
+              <a:t>Често </a:t>
+            </a:r>
+            <a:r>
+              <a:rPr lang="bg-BG" b="1" dirty="0">
+                <a:solidFill>
+                  <a:schemeClr val="bg1"/>
+                </a:solidFill>
+              </a:rPr>
+              <a:t>различните елементи </a:t>
+            </a:r>
+            <a:r>
+              <a:rPr lang="bg-BG" dirty="0"/>
+              <a:t>имат </a:t>
+            </a:r>
+            <a:r>
+              <a:rPr lang="bg-BG" b="1" dirty="0">
+                <a:solidFill>
+                  <a:schemeClr val="bg1"/>
+                </a:solidFill>
+              </a:rPr>
+              <a:t>еднакъв ключ</a:t>
+            </a:r>
+            <a:r>
+              <a:rPr lang="bg-BG" dirty="0"/>
+              <a:t>, използван за сравнение</a:t>
+            </a:r>
+            <a:r>
+              <a:rPr lang="en-US" dirty="0"/>
+              <a:t> (</a:t>
+            </a:r>
+            <a:r>
+              <a:rPr lang="bg-BG" dirty="0"/>
+              <a:t>напр. няколко карти с 5)</a:t>
+            </a:r>
+            <a:endParaRPr lang="en-US" b="1" dirty="0">
+              <a:solidFill>
+                <a:schemeClr val="bg1"/>
+              </a:solidFill>
+            </a:endParaRPr>
+          </a:p>
+          <a:p>
+            <a:pPr>
+              <a:lnSpc>
+                <a:spcPct val="110000"/>
+              </a:lnSpc>
+              <a:buClr>
+                <a:schemeClr val="tx1"/>
+              </a:buClr>
+            </a:pPr>
+            <a:r>
               <a:rPr lang="bg-BG" b="1" dirty="0">
                 <a:solidFill>
                   <a:schemeClr val="bg1"/>
@@ -29433,42 +30038,6 @@
               <a:rPr lang="bg-BG" dirty="0"/>
               <a:t> ред</a:t>
             </a:r>
-          </a:p>
-          <a:p>
-            <a:pPr>
-              <a:lnSpc>
-                <a:spcPct val="110000"/>
-              </a:lnSpc>
-            </a:pPr>
-            <a:r>
-              <a:rPr lang="bg-BG" dirty="0"/>
-              <a:t>Често </a:t>
-            </a:r>
-            <a:r>
-              <a:rPr lang="bg-BG" b="1" dirty="0">
-                <a:solidFill>
-                  <a:schemeClr val="bg1"/>
-                </a:solidFill>
-              </a:rPr>
-              <a:t>различните елементи </a:t>
-            </a:r>
-            <a:r>
-              <a:rPr lang="bg-BG" dirty="0"/>
-              <a:t>имат </a:t>
-            </a:r>
-            <a:r>
-              <a:rPr lang="bg-BG" b="1" dirty="0">
-                <a:solidFill>
-                  <a:schemeClr val="bg1"/>
-                </a:solidFill>
-              </a:rPr>
-              <a:t>еднакъв ключ</a:t>
-            </a:r>
-            <a:r>
-              <a:rPr lang="bg-BG" dirty="0"/>
-              <a:t>, използван за сравнение</a:t>
-            </a:r>
-            <a:endParaRPr lang="en-US" dirty="0"/>
           </a:p>
         </p:txBody>
       </p:sp>
@@ -29611,6 +30180,55 @@
                                         <p:tgtEl>
                                           <p:spTgt spid="3">
                                             <p:txEl>
+                                              <p:pRg st="1" end="1"/>
+                                            </p:txEl>
+                                          </p:spTgt>
+                                        </p:tgtEl>
+                                        <p:attrNameLst>
+                                          <p:attrName>style.visibility</p:attrName>
+                                        </p:attrNameLst>
+                                      </p:cBhvr>
+                                      <p:to>
+                                        <p:strVal val="visible"/>
+                                      </p:to>
+                                    </p:set>
+                                  </p:childTnLst>
+                                </p:cTn>
+                              </p:par>
+                            </p:childTnLst>
+                          </p:cTn>
+                        </p:par>
+                      </p:childTnLst>
+                    </p:cTn>
+                  </p:par>
+                  <p:par>
+                    <p:cTn id="7" fill="hold">
+                      <p:stCondLst>
+                        <p:cond delay="indefinite"/>
+                      </p:stCondLst>
+                      <p:childTnLst>
+                        <p:par>
+                          <p:cTn id="8" fill="hold">
+                            <p:stCondLst>
+                              <p:cond delay="0"/>
+                            </p:stCondLst>
+                            <p:childTnLst>
+                              <p:par>
+                                <p:cTn id="9" presetID="1" presetClass="entr" presetSubtype="0" fill="hold" nodeType="clickEffect">
+                                  <p:stCondLst>
+                                    <p:cond delay="0"/>
+                                  </p:stCondLst>
+                                  <p:childTnLst>
+                                    <p:set>
+                                      <p:cBhvr>
+                                        <p:cTn id="10" dur="1" fill="hold">
+                                          <p:stCondLst>
+                                            <p:cond delay="0"/>
+                                          </p:stCondLst>
+                                        </p:cTn>
+                                        <p:tgtEl>
+                                          <p:spTgt spid="3">
+                                            <p:txEl>
                                               <p:pRg st="2" end="2"/>
                                             </p:txEl>
                                           </p:spTgt>
@@ -29626,15 +30244,33 @@
                                   </p:childTnLst>
                                 </p:cTn>
                               </p:par>
+                            </p:childTnLst>
+                          </p:cTn>
+                        </p:par>
+                      </p:childTnLst>
+                    </p:cTn>
+                  </p:par>
+                  <p:par>
+                    <p:cTn id="11" fill="hold">
+                      <p:stCondLst>
+                        <p:cond delay="indefinite"/>
+                      </p:stCondLst>
+                      <p:childTnLst>
+                        <p:par>
+                          <p:cTn id="12" fill="hold">
+                            <p:stCondLst>
+                              <p:cond delay="0"/>
+                            </p:stCondLst>
+                            <p:childTnLst>
                               <p:par>
-                                <p:cTn id="7" presetID="1" presetClass="entr" presetSubtype="0" fill="hold" nodeType="withEffect">
+                                <p:cTn id="13" presetID="1" presetClass="entr" presetSubtype="0" fill="hold" nodeType="clickEffect">
                                   <p:stCondLst>
                                     <p:cond delay="0"/>
                                   </p:stCondLst>
                                   <p:childTnLst>
                                     <p:set>
                                       <p:cBhvr>
-                                        <p:cTn id="8" dur="1" fill="hold">
+                                        <p:cTn id="14" dur="1" fill="hold">
                                           <p:stCondLst>
                                             <p:cond delay="0"/>
                                           </p:stCondLst>
@@ -29664,26 +30300,26 @@
                     </p:cTn>
                   </p:par>
                   <p:par>
-                    <p:cTn id="9" fill="hold">
+                    <p:cTn id="15" fill="hold">
                       <p:stCondLst>
                         <p:cond delay="indefinite"/>
                       </p:stCondLst>
                       <p:childTnLst>
                         <p:par>
-                          <p:cTn id="10" fill="hold">
+                          <p:cTn id="16" fill="hold">
                             <p:stCondLst>
                               <p:cond delay="0"/>
                             </p:stCondLst>
                             <p:childTnLst>
                               <p:par>
-                                <p:cTn id="11" presetID="1" presetClass="entr" presetSubtype="0" fill="hold" nodeType="clickEffect">
+                                <p:cTn id="17" presetID="1" presetClass="entr" presetSubtype="0" fill="hold" nodeType="clickEffect">
                                   <p:stCondLst>
                                     <p:cond delay="0"/>
                                   </p:stCondLst>
                                   <p:childTnLst>
                                     <p:set>
                                       <p:cBhvr>
-                                        <p:cTn id="12" dur="1" fill="hold">
+                                        <p:cTn id="18" dur="1" fill="hold">
                                           <p:stCondLst>
                                             <p:cond delay="0"/>
                                           </p:stCondLst>
@@ -30669,7 +31305,7 @@
                                         <p:tgtEl>
                                           <p:spTgt spid="5">
                                             <p:txEl>
-                                              <p:pRg st="2" end="2"/>
+                                              <p:pRg st="1" end="1"/>
                                             </p:txEl>
                                           </p:spTgt>
                                         </p:tgtEl>
@@ -30718,7 +31354,7 @@
                                         <p:tgtEl>
                                           <p:spTgt spid="5">
                                             <p:txEl>
-                                              <p:pRg st="3" end="3"/>
+                                              <p:pRg st="2" end="2"/>
                                             </p:txEl>
                                           </p:spTgt>
                                         </p:tgtEl>
@@ -30767,6 +31403,55 @@
                                         <p:tgtEl>
                                           <p:spTgt spid="5">
                                             <p:txEl>
+                                              <p:pRg st="3" end="3"/>
+                                            </p:txEl>
+                                          </p:spTgt>
+                                        </p:tgtEl>
+                                        <p:attrNameLst>
+                                          <p:attrName>style.visibility</p:attrName>
+                                        </p:attrNameLst>
+                                      </p:cBhvr>
+                                      <p:to>
+                                        <p:strVal val="visible"/>
+                                      </p:to>
+                                    </p:set>
+                                  </p:childTnLst>
+                                </p:cTn>
+                              </p:par>
+                            </p:childTnLst>
+                          </p:cTn>
+                        </p:par>
+                      </p:childTnLst>
+                    </p:cTn>
+                  </p:par>
+                  <p:par>
+                    <p:cTn id="15" fill="hold">
+                      <p:stCondLst>
+                        <p:cond delay="indefinite"/>
+                      </p:stCondLst>
+                      <p:childTnLst>
+                        <p:par>
+                          <p:cTn id="16" fill="hold">
+                            <p:stCondLst>
+                              <p:cond delay="0"/>
+                            </p:stCondLst>
+                            <p:childTnLst>
+                              <p:par>
+                                <p:cTn id="17" presetID="1" presetClass="entr" presetSubtype="0" fill="hold" nodeType="clickEffect">
+                                  <p:stCondLst>
+                                    <p:cond delay="0"/>
+                                  </p:stCondLst>
+                                  <p:childTnLst>
+                                    <p:set>
+                                      <p:cBhvr>
+                                        <p:cTn id="18" dur="1" fill="hold">
+                                          <p:stCondLst>
+                                            <p:cond delay="0"/>
+                                          </p:stCondLst>
+                                        </p:cTn>
+                                        <p:tgtEl>
+                                          <p:spTgt spid="5">
+                                            <p:txEl>
                                               <p:pRg st="4" end="4"/>
                                             </p:txEl>
                                           </p:spTgt>
@@ -30783,19 +31468,19 @@
                                 </p:cTn>
                               </p:par>
                               <p:par>
-                                <p:cTn id="15" presetID="1" presetClass="entr" presetSubtype="0" fill="hold" nodeType="withEffect" nodePh="1">
+                                <p:cTn id="19" presetID="1" presetClass="entr" presetSubtype="0" fill="hold" nodeType="withEffect" nodePh="1">
                                   <p:stCondLst>
                                     <p:cond delay="0"/>
                                   </p:stCondLst>
                                   <p:endCondLst>
                                     <p:cond evt="begin" delay="0">
-                                      <p:tn val="15"/>
+                                      <p:tn val="19"/>
                                     </p:cond>
                                   </p:endCondLst>
                                   <p:childTnLst>
                                     <p:set>
                                       <p:cBhvr>
-                                        <p:cTn id="16" dur="1" fill="hold">
+                                        <p:cTn id="20" dur="1" fill="hold">
                                           <p:stCondLst>
                                             <p:cond delay="0"/>
                                           </p:stCondLst>
@@ -30819,14 +31504,14 @@
                                 </p:cTn>
                               </p:par>
                               <p:par>
-                                <p:cTn id="17" presetID="1" presetClass="entr" presetSubtype="0" fill="hold" nodeType="withEffect">
+                                <p:cTn id="21" presetID="1" presetClass="entr" presetSubtype="0" fill="hold" nodeType="withEffect">
                                   <p:stCondLst>
                                     <p:cond delay="0"/>
                                   </p:stCondLst>
                                   <p:childTnLst>
                                     <p:set>
                                       <p:cBhvr>
-                                        <p:cTn id="18" dur="1" fill="hold">
+                                        <p:cTn id="22" dur="1" fill="hold">
                                           <p:stCondLst>
                                             <p:cond delay="0"/>
                                           </p:stCondLst>
@@ -30852,26 +31537,26 @@
                     </p:cTn>
                   </p:par>
                   <p:par>
-                    <p:cTn id="19" fill="hold">
+                    <p:cTn id="23" fill="hold">
                       <p:stCondLst>
                         <p:cond delay="indefinite"/>
                       </p:stCondLst>
                       <p:childTnLst>
                         <p:par>
-                          <p:cTn id="20" fill="hold">
+                          <p:cTn id="24" fill="hold">
                             <p:stCondLst>
                               <p:cond delay="0"/>
                             </p:stCondLst>
                             <p:childTnLst>
                               <p:par>
-                                <p:cTn id="21" presetID="1" presetClass="entr" presetSubtype="0" fill="hold" grpId="0" nodeType="clickEffect">
+                                <p:cTn id="25" presetID="1" presetClass="entr" presetSubtype="0" fill="hold" grpId="0" nodeType="clickEffect">
                                   <p:stCondLst>
                                     <p:cond delay="0"/>
                                   </p:stCondLst>
                                   <p:childTnLst>
                                     <p:set>
                                       <p:cBhvr>
-                                        <p:cTn id="22" dur="1" fill="hold">
+                                        <p:cTn id="26" dur="1" fill="hold">
                                           <p:stCondLst>
                                             <p:cond delay="0"/>
                                           </p:stCondLst>
@@ -30891,14 +31576,14 @@
                                 </p:cTn>
                               </p:par>
                               <p:par>
-                                <p:cTn id="23" presetID="1" presetClass="entr" presetSubtype="0" fill="hold" nodeType="withEffect">
+                                <p:cTn id="27" presetID="1" presetClass="entr" presetSubtype="0" fill="hold" nodeType="withEffect">
                                   <p:stCondLst>
                                     <p:cond delay="0"/>
                                   </p:stCondLst>
                                   <p:childTnLst>
                                     <p:set>
                                       <p:cBhvr>
-                                        <p:cTn id="24" dur="1" fill="hold">
+                                        <p:cTn id="28" dur="1" fill="hold">
                                           <p:stCondLst>
                                             <p:cond delay="0"/>
                                           </p:stCondLst>
@@ -31182,8 +31867,12 @@
               </a:lnSpc>
             </a:pPr>
             <a:r>
+              <a:rPr lang="en-US" sz="2199" dirty="0"/>
+              <a:t>int[]</a:t>
+            </a:r>
+            <a:r>
               <a:rPr lang="en-GB" sz="2199" dirty="0"/>
-              <a:t>var nums = new[] { 1, 3, 4, 2, 5, 6 };</a:t>
+              <a:t> nums = { 1, 3, 4, 2, 5, 6 };</a:t>
             </a:r>
           </a:p>
           <a:p>

--- a/Courses/Software-Sciences/Module-2-DS-and-Algo/14-Sorting-and-Searching-Algorithms/14-Sorting-and-Searching-Algorithms.pptx
+++ b/Courses/Software-Sciences/Module-2-DS-and-Algo/14-Sorting-and-Searching-Algorithms/14-Sorting-and-Searching-Algorithms.pptx
@@ -327,7 +327,7 @@
           <a:p>
             <a:fld id="{4E087215-0C8F-4762-A664-737A353EC9A4}" type="datetimeFigureOut">
               <a:rPr lang="bg-BG" smtClean="0"/>
-              <a:t>9.07.24 г.</a:t>
+              <a:t>10.07.24 г.</a:t>
             </a:fld>
             <a:endParaRPr lang="bg-BG"/>
           </a:p>
@@ -523,7 +523,7 @@
           <a:p>
             <a:fld id="{72D84649-876A-46C9-8472-14CB09C070D8}" type="datetimeFigureOut">
               <a:rPr lang="en-US" smtClean="0"/>
-              <a:t>7/9/24</a:t>
+              <a:t>7/10/24</a:t>
             </a:fld>
             <a:endParaRPr lang="en-US"/>
           </a:p>
@@ -16484,86 +16484,6 @@
                                         <p:tgtEl>
                                           <p:spTgt spid="3">
                                             <p:txEl>
-                                              <p:pRg st="0" end="0"/>
-                                            </p:txEl>
-                                          </p:spTgt>
-                                        </p:tgtEl>
-                                        <p:attrNameLst>
-                                          <p:attrName>style.visibility</p:attrName>
-                                        </p:attrNameLst>
-                                      </p:cBhvr>
-                                      <p:to>
-                                        <p:strVal val="visible"/>
-                                      </p:to>
-                                    </p:set>
-                                  </p:childTnLst>
-                                </p:cTn>
-                              </p:par>
-                              <p:par>
-                                <p:cTn id="7" presetID="1" presetClass="entr" presetSubtype="0" fill="hold" nodeType="withEffect">
-                                  <p:stCondLst>
-                                    <p:cond delay="0"/>
-                                  </p:stCondLst>
-                                  <p:childTnLst>
-                                    <p:set>
-                                      <p:cBhvr>
-                                        <p:cTn id="8" dur="1" fill="hold">
-                                          <p:stCondLst>
-                                            <p:cond delay="0"/>
-                                          </p:stCondLst>
-                                        </p:cTn>
-                                        <p:tgtEl>
-                                          <p:spTgt spid="3">
-                                            <p:txEl>
-                                              <p:pRg st="1" end="1"/>
-                                            </p:txEl>
-                                          </p:spTgt>
-                                        </p:tgtEl>
-                                        <p:attrNameLst>
-                                          <p:attrName>style.visibility</p:attrName>
-                                        </p:attrNameLst>
-                                      </p:cBhvr>
-                                      <p:to>
-                                        <p:strVal val="visible"/>
-                                      </p:to>
-                                    </p:set>
-                                  </p:childTnLst>
-                                </p:cTn>
-                              </p:par>
-                            </p:childTnLst>
-                          </p:cTn>
-                        </p:par>
-                      </p:childTnLst>
-                    </p:cTn>
-                  </p:par>
-                  <p:par>
-                    <p:cTn id="9" fill="hold">
-                      <p:stCondLst>
-                        <p:cond delay="indefinite"/>
-                      </p:stCondLst>
-                      <p:childTnLst>
-                        <p:par>
-                          <p:cTn id="10" fill="hold">
-                            <p:stCondLst>
-                              <p:cond delay="0"/>
-                            </p:stCondLst>
-                            <p:childTnLst>
-                              <p:par>
-                                <p:cTn id="11" presetID="1" presetClass="entr" presetSubtype="0" fill="hold" nodeType="clickEffect">
-                                  <p:stCondLst>
-                                    <p:cond delay="0"/>
-                                  </p:stCondLst>
-                                  <p:childTnLst>
-                                    <p:set>
-                                      <p:cBhvr>
-                                        <p:cTn id="12" dur="1" fill="hold">
-                                          <p:stCondLst>
-                                            <p:cond delay="0"/>
-                                          </p:stCondLst>
-                                        </p:cTn>
-                                        <p:tgtEl>
-                                          <p:spTgt spid="3">
-                                            <p:txEl>
                                               <p:pRg st="2" end="2"/>
                                             </p:txEl>
                                           </p:spTgt>
@@ -16586,26 +16506,26 @@
                     </p:cTn>
                   </p:par>
                   <p:par>
-                    <p:cTn id="13" fill="hold">
+                    <p:cTn id="7" fill="hold">
                       <p:stCondLst>
                         <p:cond delay="indefinite"/>
                       </p:stCondLst>
                       <p:childTnLst>
                         <p:par>
-                          <p:cTn id="14" fill="hold">
+                          <p:cTn id="8" fill="hold">
                             <p:stCondLst>
                               <p:cond delay="0"/>
                             </p:stCondLst>
                             <p:childTnLst>
                               <p:par>
-                                <p:cTn id="15" presetID="1" presetClass="entr" presetSubtype="0" fill="hold" nodeType="clickEffect">
+                                <p:cTn id="9" presetID="1" presetClass="entr" presetSubtype="0" fill="hold" nodeType="clickEffect">
                                   <p:stCondLst>
                                     <p:cond delay="0"/>
                                   </p:stCondLst>
                                   <p:childTnLst>
                                     <p:set>
                                       <p:cBhvr>
-                                        <p:cTn id="16" dur="1" fill="hold">
+                                        <p:cTn id="10" dur="1" fill="hold">
                                           <p:stCondLst>
                                             <p:cond delay="0"/>
                                           </p:stCondLst>
@@ -16635,26 +16555,26 @@
                     </p:cTn>
                   </p:par>
                   <p:par>
-                    <p:cTn id="17" fill="hold">
+                    <p:cTn id="11" fill="hold">
                       <p:stCondLst>
                         <p:cond delay="indefinite"/>
                       </p:stCondLst>
                       <p:childTnLst>
                         <p:par>
-                          <p:cTn id="18" fill="hold">
+                          <p:cTn id="12" fill="hold">
                             <p:stCondLst>
                               <p:cond delay="0"/>
                             </p:stCondLst>
                             <p:childTnLst>
                               <p:par>
-                                <p:cTn id="19" presetID="1" presetClass="entr" presetSubtype="0" fill="hold" nodeType="clickEffect">
+                                <p:cTn id="13" presetID="1" presetClass="entr" presetSubtype="0" fill="hold" nodeType="clickEffect">
                                   <p:stCondLst>
                                     <p:cond delay="0"/>
                                   </p:stCondLst>
                                   <p:childTnLst>
                                     <p:set>
                                       <p:cBhvr>
-                                        <p:cTn id="20" dur="1" fill="hold">
+                                        <p:cTn id="14" dur="1" fill="hold">
                                           <p:stCondLst>
                                             <p:cond delay="0"/>
                                           </p:stCondLst>
@@ -16678,14 +16598,14 @@
                                 </p:cTn>
                               </p:par>
                               <p:par>
-                                <p:cTn id="21" presetID="1" presetClass="entr" presetSubtype="0" fill="hold" nodeType="withEffect">
+                                <p:cTn id="15" presetID="1" presetClass="entr" presetSubtype="0" fill="hold" nodeType="withEffect">
                                   <p:stCondLst>
                                     <p:cond delay="0"/>
                                   </p:stCondLst>
                                   <p:childTnLst>
                                     <p:set>
                                       <p:cBhvr>
-                                        <p:cTn id="22" dur="1" fill="hold">
+                                        <p:cTn id="16" dur="1" fill="hold">
                                           <p:stCondLst>
                                             <p:cond delay="0"/>
                                           </p:stCondLst>
@@ -16705,14 +16625,14 @@
                                 </p:cTn>
                               </p:par>
                               <p:par>
-                                <p:cTn id="23" presetID="1" presetClass="entr" presetSubtype="0" fill="hold" nodeType="withEffect">
+                                <p:cTn id="17" presetID="1" presetClass="entr" presetSubtype="0" fill="hold" nodeType="withEffect">
                                   <p:stCondLst>
                                     <p:cond delay="0"/>
                                   </p:stCondLst>
                                   <p:childTnLst>
                                     <p:set>
                                       <p:cBhvr>
-                                        <p:cTn id="24" dur="1" fill="hold">
+                                        <p:cTn id="18" dur="1" fill="hold">
                                           <p:stCondLst>
                                             <p:cond delay="0"/>
                                           </p:stCondLst>
@@ -16742,26 +16662,26 @@
                     </p:cTn>
                   </p:par>
                   <p:par>
-                    <p:cTn id="25" fill="hold">
+                    <p:cTn id="19" fill="hold">
                       <p:stCondLst>
                         <p:cond delay="indefinite"/>
                       </p:stCondLst>
                       <p:childTnLst>
                         <p:par>
-                          <p:cTn id="26" fill="hold">
+                          <p:cTn id="20" fill="hold">
                             <p:stCondLst>
                               <p:cond delay="0"/>
                             </p:stCondLst>
                             <p:childTnLst>
                               <p:par>
-                                <p:cTn id="27" presetID="1" presetClass="entr" presetSubtype="0" fill="hold" nodeType="clickEffect">
+                                <p:cTn id="21" presetID="1" presetClass="entr" presetSubtype="0" fill="hold" nodeType="clickEffect">
                                   <p:stCondLst>
                                     <p:cond delay="0"/>
                                   </p:stCondLst>
                                   <p:childTnLst>
                                     <p:set>
                                       <p:cBhvr>
-                                        <p:cTn id="28" dur="1" fill="hold">
+                                        <p:cTn id="22" dur="1" fill="hold">
                                           <p:stCondLst>
                                             <p:cond delay="0"/>
                                           </p:stCondLst>
@@ -19315,7 +19235,7 @@
                 <a:latin typeface="Consolas" pitchFamily="49" charset="0"/>
                 <a:cs typeface="Consolas" pitchFamily="49" charset="0"/>
               </a:rPr>
-              <a:t>  var left = 0;</a:t>
+              <a:t>  int left = 0;</a:t>
             </a:r>
           </a:p>
           <a:p>
@@ -19333,7 +19253,7 @@
                 <a:latin typeface="Consolas" pitchFamily="49" charset="0"/>
                 <a:cs typeface="Consolas" pitchFamily="49" charset="0"/>
               </a:rPr>
-              <a:t>  var right = numbers.Length - 1;</a:t>
+              <a:t>  int right = numbers.Length - 1;</a:t>
             </a:r>
           </a:p>
           <a:p>
@@ -19369,7 +19289,7 @@
                 <a:latin typeface="Consolas" pitchFamily="49" charset="0"/>
                 <a:cs typeface="Consolas" pitchFamily="49" charset="0"/>
               </a:rPr>
-              <a:t>    var mid = (left + right) / 2;</a:t>
+              <a:t>    int mid = (left + right) / 2;</a:t>
             </a:r>
           </a:p>
           <a:p>
@@ -19513,18 +19433,15 @@
                 <a:latin typeface="Consolas" pitchFamily="49" charset="0"/>
                 <a:cs typeface="Consolas" pitchFamily="49" charset="0"/>
               </a:rPr>
-              <a:t>  return KEY_NOT_FOUND;  </a:t>
-            </a:r>
-            <a:r>
-              <a:rPr lang="en-US" sz="2399" b="1" noProof="1">
-                <a:solidFill>
-                  <a:schemeClr val="accent2"/>
-                </a:solidFill>
-                <a:latin typeface="Consolas" pitchFamily="49" charset="0"/>
-                <a:cs typeface="Consolas" pitchFamily="49" charset="0"/>
-              </a:rPr>
-              <a:t>// const KEY_NOT_FOUND = -1;</a:t>
-            </a:r>
+              <a:t>  return -1;  </a:t>
+            </a:r>
+            <a:endParaRPr lang="en-US" sz="2399" b="1" noProof="1">
+              <a:solidFill>
+                <a:schemeClr val="accent2"/>
+              </a:solidFill>
+              <a:latin typeface="Consolas" pitchFamily="49" charset="0"/>
+              <a:cs typeface="Consolas" pitchFamily="49" charset="0"/>
+            </a:endParaRPr>
           </a:p>
           <a:p>
             <a:pPr eaLnBrk="0" hangingPunct="0">
@@ -26545,11 +26462,11 @@
   <p:clrMapOvr>
     <a:masterClrMapping/>
   </p:clrMapOvr>
-  <mc:AlternateContent xmlns:mc="http://schemas.openxmlformats.org/markup-compatibility/2006">
-    <mc:Choice xmlns:p14="http://schemas.microsoft.com/office/powerpoint/2010/main" Requires="p14">
+  <mc:AlternateContent xmlns:mc="http://schemas.openxmlformats.org/markup-compatibility/2006" xmlns:p14="http://schemas.microsoft.com/office/powerpoint/2010/main">
+    <mc:Choice Requires="p14">
       <p:transition spd="slow" p14:dur="2000" advClick="0" advTm="5000"/>
     </mc:Choice>
-    <mc:Fallback>
+    <mc:Fallback xmlns="">
       <p:transition spd="slow" advClick="0" advTm="5000"/>
     </mc:Fallback>
   </mc:AlternateContent>

--- a/Courses/Software-Sciences/Module-2-DS-and-Algo/14-Sorting-and-Searching-Algorithms/14-Sorting-and-Searching-Algorithms.pptx
+++ b/Courses/Software-Sciences/Module-2-DS-and-Algo/14-Sorting-and-Searching-Algorithms/14-Sorting-and-Searching-Algorithms.pptx
@@ -327,7 +327,7 @@
           <a:p>
             <a:fld id="{4E087215-0C8F-4762-A664-737A353EC9A4}" type="datetimeFigureOut">
               <a:rPr lang="bg-BG" smtClean="0"/>
-              <a:t>10.07.24 г.</a:t>
+              <a:t>11.07.24 г.</a:t>
             </a:fld>
             <a:endParaRPr lang="bg-BG"/>
           </a:p>
@@ -523,7 +523,7 @@
           <a:p>
             <a:fld id="{72D84649-876A-46C9-8472-14CB09C070D8}" type="datetimeFigureOut">
               <a:rPr lang="en-US" smtClean="0"/>
-              <a:t>7/10/24</a:t>
+              <a:t>7/11/24</a:t>
             </a:fld>
             <a:endParaRPr lang="en-US"/>
           </a:p>
